--- a/Slides/17 - JSON.pptx
+++ b/Slides/17 - JSON.pptx
@@ -189,364 +189,6 @@
 <file path=ppt/changesInfos/changesInfo1.xml><?xml version="1.0" encoding="utf-8"?>
 <pc:chgInfo xmlns:a="http://schemas.openxmlformats.org/drawingml/2006/main" xmlns:r="http://schemas.openxmlformats.org/officeDocument/2006/relationships" xmlns:ac="http://schemas.microsoft.com/office/drawing/2013/main/command" xmlns:pc="http://schemas.microsoft.com/office/powerpoint/2013/main/command">
   <pc:docChgLst>
-    <pc:chgData name="susan ibach" userId="11074aa641b35c68" providerId="LiveId" clId="{3F10FC51-139A-4882-BF98-70D67DE6156C}"/>
-    <pc:docChg chg="undo custSel addSld delSld modSld sldOrd modSection">
-      <pc:chgData name="susan ibach" userId="11074aa641b35c68" providerId="LiveId" clId="{3F10FC51-139A-4882-BF98-70D67DE6156C}" dt="2019-06-09T12:32:47.090" v="1818" actId="20577"/>
-      <pc:docMkLst>
-        <pc:docMk/>
-      </pc:docMkLst>
-      <pc:sldChg chg="modSp">
-        <pc:chgData name="susan ibach" userId="11074aa641b35c68" providerId="LiveId" clId="{3F10FC51-139A-4882-BF98-70D67DE6156C}" dt="2019-06-09T11:26:41.928" v="3" actId="20577"/>
-        <pc:sldMkLst>
-          <pc:docMk/>
-          <pc:sldMk cId="1842309144" sldId="283"/>
-        </pc:sldMkLst>
-        <pc:spChg chg="mod">
-          <ac:chgData name="susan ibach" userId="11074aa641b35c68" providerId="LiveId" clId="{3F10FC51-139A-4882-BF98-70D67DE6156C}" dt="2019-06-09T11:26:41.928" v="3" actId="20577"/>
-          <ac:spMkLst>
-            <pc:docMk/>
-            <pc:sldMk cId="1842309144" sldId="283"/>
-            <ac:spMk id="9" creationId="{00000000-0000-0000-0000-000000000000}"/>
-          </ac:spMkLst>
-        </pc:spChg>
-      </pc:sldChg>
-      <pc:sldChg chg="addSp delSp modSp delAnim">
-        <pc:chgData name="susan ibach" userId="11074aa641b35c68" providerId="LiveId" clId="{3F10FC51-139A-4882-BF98-70D67DE6156C}" dt="2019-06-09T12:06:07.853" v="1247" actId="20577"/>
-        <pc:sldMkLst>
-          <pc:docMk/>
-          <pc:sldMk cId="4004018897" sldId="298"/>
-        </pc:sldMkLst>
-        <pc:spChg chg="add mod">
-          <ac:chgData name="susan ibach" userId="11074aa641b35c68" providerId="LiveId" clId="{3F10FC51-139A-4882-BF98-70D67DE6156C}" dt="2019-06-09T12:06:07.853" v="1247" actId="20577"/>
-          <ac:spMkLst>
-            <pc:docMk/>
-            <pc:sldMk cId="4004018897" sldId="298"/>
-            <ac:spMk id="2" creationId="{70AA7D9F-5081-4FF7-AD0A-C78EBF60A4FF}"/>
-          </ac:spMkLst>
-        </pc:spChg>
-        <pc:spChg chg="del">
-          <ac:chgData name="susan ibach" userId="11074aa641b35c68" providerId="LiveId" clId="{3F10FC51-139A-4882-BF98-70D67DE6156C}" dt="2019-06-09T11:28:26.126" v="110" actId="478"/>
-          <ac:spMkLst>
-            <pc:docMk/>
-            <pc:sldMk cId="4004018897" sldId="298"/>
-            <ac:spMk id="7" creationId="{5B95B2A7-9A5B-4508-8428-AA929752807F}"/>
-          </ac:spMkLst>
-        </pc:spChg>
-        <pc:spChg chg="del">
-          <ac:chgData name="susan ibach" userId="11074aa641b35c68" providerId="LiveId" clId="{3F10FC51-139A-4882-BF98-70D67DE6156C}" dt="2019-06-09T11:28:29.175" v="111" actId="478"/>
-          <ac:spMkLst>
-            <pc:docMk/>
-            <pc:sldMk cId="4004018897" sldId="298"/>
-            <ac:spMk id="8" creationId="{A014B427-F7C1-46C1-A9E7-3C6BA2B70622}"/>
-          </ac:spMkLst>
-        </pc:spChg>
-        <pc:spChg chg="del">
-          <ac:chgData name="susan ibach" userId="11074aa641b35c68" providerId="LiveId" clId="{3F10FC51-139A-4882-BF98-70D67DE6156C}" dt="2019-06-09T11:28:29.175" v="111" actId="478"/>
-          <ac:spMkLst>
-            <pc:docMk/>
-            <pc:sldMk cId="4004018897" sldId="298"/>
-            <ac:spMk id="9" creationId="{40D93A2C-8022-43BA-AC8E-B48095464C6F}"/>
-          </ac:spMkLst>
-        </pc:spChg>
-        <pc:spChg chg="del">
-          <ac:chgData name="susan ibach" userId="11074aa641b35c68" providerId="LiveId" clId="{3F10FC51-139A-4882-BF98-70D67DE6156C}" dt="2019-06-09T11:28:29.175" v="111" actId="478"/>
-          <ac:spMkLst>
-            <pc:docMk/>
-            <pc:sldMk cId="4004018897" sldId="298"/>
-            <ac:spMk id="10" creationId="{DA3FA523-98E6-415B-850A-186E2E090BA5}"/>
-          </ac:spMkLst>
-        </pc:spChg>
-        <pc:spChg chg="del">
-          <ac:chgData name="susan ibach" userId="11074aa641b35c68" providerId="LiveId" clId="{3F10FC51-139A-4882-BF98-70D67DE6156C}" dt="2019-06-09T11:28:29.175" v="111" actId="478"/>
-          <ac:spMkLst>
-            <pc:docMk/>
-            <pc:sldMk cId="4004018897" sldId="298"/>
-            <ac:spMk id="11" creationId="{A4F8C86F-734C-4605-9092-079EAE42BC2E}"/>
-          </ac:spMkLst>
-        </pc:spChg>
-        <pc:spChg chg="del">
-          <ac:chgData name="susan ibach" userId="11074aa641b35c68" providerId="LiveId" clId="{3F10FC51-139A-4882-BF98-70D67DE6156C}" dt="2019-06-09T11:28:29.175" v="111" actId="478"/>
-          <ac:spMkLst>
-            <pc:docMk/>
-            <pc:sldMk cId="4004018897" sldId="298"/>
-            <ac:spMk id="12" creationId="{22EA54FB-CE93-43D6-963B-100229A73EC4}"/>
-          </ac:spMkLst>
-        </pc:spChg>
-        <pc:spChg chg="del">
-          <ac:chgData name="susan ibach" userId="11074aa641b35c68" providerId="LiveId" clId="{3F10FC51-139A-4882-BF98-70D67DE6156C}" dt="2019-06-09T11:28:29.175" v="111" actId="478"/>
-          <ac:spMkLst>
-            <pc:docMk/>
-            <pc:sldMk cId="4004018897" sldId="298"/>
-            <ac:spMk id="13" creationId="{031DF528-F990-4234-95E0-777F35FD6DA7}"/>
-          </ac:spMkLst>
-        </pc:spChg>
-        <pc:spChg chg="mod">
-          <ac:chgData name="susan ibach" userId="11074aa641b35c68" providerId="LiveId" clId="{3F10FC51-139A-4882-BF98-70D67DE6156C}" dt="2019-06-09T11:26:57.685" v="54" actId="20577"/>
-          <ac:spMkLst>
-            <pc:docMk/>
-            <pc:sldMk cId="4004018897" sldId="298"/>
-            <ac:spMk id="14" creationId="{0EABF196-DEFD-4037-AB56-85AC0D14459F}"/>
-          </ac:spMkLst>
-        </pc:spChg>
-        <pc:spChg chg="mod">
-          <ac:chgData name="susan ibach" userId="11074aa641b35c68" providerId="LiveId" clId="{3F10FC51-139A-4882-BF98-70D67DE6156C}" dt="2019-06-09T11:31:32.387" v="235" actId="20577"/>
-          <ac:spMkLst>
-            <pc:docMk/>
-            <pc:sldMk cId="4004018897" sldId="298"/>
-            <ac:spMk id="15" creationId="{C41CEC0E-6036-4285-A88C-1F24EC8BAFE3}"/>
-          </ac:spMkLst>
-        </pc:spChg>
-        <pc:spChg chg="add">
-          <ac:chgData name="susan ibach" userId="11074aa641b35c68" providerId="LiveId" clId="{3F10FC51-139A-4882-BF98-70D67DE6156C}" dt="2019-06-09T12:01:17.386" v="1237"/>
-          <ac:spMkLst>
-            <pc:docMk/>
-            <pc:sldMk cId="4004018897" sldId="298"/>
-            <ac:spMk id="16" creationId="{9DA8F1D8-17FF-41C5-8889-5CB9609B7579}"/>
-          </ac:spMkLst>
-        </pc:spChg>
-        <pc:grpChg chg="del">
-          <ac:chgData name="susan ibach" userId="11074aa641b35c68" providerId="LiveId" clId="{3F10FC51-139A-4882-BF98-70D67DE6156C}" dt="2019-06-09T11:28:29.175" v="111" actId="478"/>
-          <ac:grpSpMkLst>
-            <pc:docMk/>
-            <pc:sldMk cId="4004018897" sldId="298"/>
-            <ac:grpSpMk id="21" creationId="{3AB08620-D685-4DC5-8468-84E5AFC45072}"/>
-          </ac:grpSpMkLst>
-        </pc:grpChg>
-      </pc:sldChg>
-      <pc:sldChg chg="del">
-        <pc:chgData name="susan ibach" userId="11074aa641b35c68" providerId="LiveId" clId="{3F10FC51-139A-4882-BF98-70D67DE6156C}" dt="2019-06-09T12:13:17.346" v="1275" actId="2696"/>
-        <pc:sldMkLst>
-          <pc:docMk/>
-          <pc:sldMk cId="2032872148" sldId="308"/>
-        </pc:sldMkLst>
-      </pc:sldChg>
-      <pc:sldChg chg="del">
-        <pc:chgData name="susan ibach" userId="11074aa641b35c68" providerId="LiveId" clId="{3F10FC51-139A-4882-BF98-70D67DE6156C}" dt="2019-06-09T12:13:20.416" v="1276" actId="2696"/>
-        <pc:sldMkLst>
-          <pc:docMk/>
-          <pc:sldMk cId="2492619593" sldId="309"/>
-        </pc:sldMkLst>
-      </pc:sldChg>
-      <pc:sldChg chg="del">
-        <pc:chgData name="susan ibach" userId="11074aa641b35c68" providerId="LiveId" clId="{3F10FC51-139A-4882-BF98-70D67DE6156C}" dt="2019-06-09T12:13:22.221" v="1277" actId="2696"/>
-        <pc:sldMkLst>
-          <pc:docMk/>
-          <pc:sldMk cId="2481679794" sldId="310"/>
-        </pc:sldMkLst>
-      </pc:sldChg>
-      <pc:sldChg chg="del">
-        <pc:chgData name="susan ibach" userId="11074aa641b35c68" providerId="LiveId" clId="{3F10FC51-139A-4882-BF98-70D67DE6156C}" dt="2019-06-09T12:13:23.702" v="1278" actId="2696"/>
-        <pc:sldMkLst>
-          <pc:docMk/>
-          <pc:sldMk cId="706568234" sldId="311"/>
-        </pc:sldMkLst>
-      </pc:sldChg>
-      <pc:sldChg chg="del">
-        <pc:chgData name="susan ibach" userId="11074aa641b35c68" providerId="LiveId" clId="{3F10FC51-139A-4882-BF98-70D67DE6156C}" dt="2019-06-09T12:13:24.945" v="1279" actId="2696"/>
-        <pc:sldMkLst>
-          <pc:docMk/>
-          <pc:sldMk cId="2112199873" sldId="312"/>
-        </pc:sldMkLst>
-      </pc:sldChg>
-      <pc:sldChg chg="addSp modSp add">
-        <pc:chgData name="susan ibach" userId="11074aa641b35c68" providerId="LiveId" clId="{3F10FC51-139A-4882-BF98-70D67DE6156C}" dt="2019-06-09T12:18:34.616" v="1581" actId="20577"/>
-        <pc:sldMkLst>
-          <pc:docMk/>
-          <pc:sldMk cId="1895564028" sldId="313"/>
-        </pc:sldMkLst>
-        <pc:spChg chg="mod">
-          <ac:chgData name="susan ibach" userId="11074aa641b35c68" providerId="LiveId" clId="{3F10FC51-139A-4882-BF98-70D67DE6156C}" dt="2019-06-09T12:18:34.616" v="1581" actId="20577"/>
-          <ac:spMkLst>
-            <pc:docMk/>
-            <pc:sldMk cId="1895564028" sldId="313"/>
-            <ac:spMk id="2" creationId="{70AA7D9F-5081-4FF7-AD0A-C78EBF60A4FF}"/>
-          </ac:spMkLst>
-        </pc:spChg>
-        <pc:spChg chg="add mod">
-          <ac:chgData name="susan ibach" userId="11074aa641b35c68" providerId="LiveId" clId="{3F10FC51-139A-4882-BF98-70D67DE6156C}" dt="2019-06-09T12:00:15.198" v="1234" actId="1076"/>
-          <ac:spMkLst>
-            <pc:docMk/>
-            <pc:sldMk cId="1895564028" sldId="313"/>
-            <ac:spMk id="3" creationId="{6F062DC7-E9A7-412E-83E4-AB0E1C27909F}"/>
-          </ac:spMkLst>
-        </pc:spChg>
-        <pc:spChg chg="mod">
-          <ac:chgData name="susan ibach" userId="11074aa641b35c68" providerId="LiveId" clId="{3F10FC51-139A-4882-BF98-70D67DE6156C}" dt="2019-06-09T11:59:57.113" v="1215" actId="6549"/>
-          <ac:spMkLst>
-            <pc:docMk/>
-            <pc:sldMk cId="1895564028" sldId="313"/>
-            <ac:spMk id="15" creationId="{C41CEC0E-6036-4285-A88C-1F24EC8BAFE3}"/>
-          </ac:spMkLst>
-        </pc:spChg>
-      </pc:sldChg>
-      <pc:sldChg chg="addSp delSp modSp add">
-        <pc:chgData name="susan ibach" userId="11074aa641b35c68" providerId="LiveId" clId="{3F10FC51-139A-4882-BF98-70D67DE6156C}" dt="2019-06-09T12:32:47.090" v="1818" actId="20577"/>
-        <pc:sldMkLst>
-          <pc:docMk/>
-          <pc:sldMk cId="3419740176" sldId="314"/>
-        </pc:sldMkLst>
-        <pc:spChg chg="mod">
-          <ac:chgData name="susan ibach" userId="11074aa641b35c68" providerId="LiveId" clId="{3F10FC51-139A-4882-BF98-70D67DE6156C}" dt="2019-06-09T12:29:06.002" v="1758" actId="208"/>
-          <ac:spMkLst>
-            <pc:docMk/>
-            <pc:sldMk cId="3419740176" sldId="314"/>
-            <ac:spMk id="2" creationId="{70AA7D9F-5081-4FF7-AD0A-C78EBF60A4FF}"/>
-          </ac:spMkLst>
-        </pc:spChg>
-        <pc:spChg chg="add del mod">
-          <ac:chgData name="susan ibach" userId="11074aa641b35c68" providerId="LiveId" clId="{3F10FC51-139A-4882-BF98-70D67DE6156C}" dt="2019-06-09T11:46:36.725" v="875" actId="478"/>
-          <ac:spMkLst>
-            <pc:docMk/>
-            <pc:sldMk cId="3419740176" sldId="314"/>
-            <ac:spMk id="3" creationId="{6D4C729C-3A4E-4E08-AF6F-917A86570726}"/>
-          </ac:spMkLst>
-        </pc:spChg>
-        <pc:spChg chg="add del mod">
-          <ac:chgData name="susan ibach" userId="11074aa641b35c68" providerId="LiveId" clId="{3F10FC51-139A-4882-BF98-70D67DE6156C}" dt="2019-06-09T11:46:36.733" v="877"/>
-          <ac:spMkLst>
-            <pc:docMk/>
-            <pc:sldMk cId="3419740176" sldId="314"/>
-            <ac:spMk id="4" creationId="{E0CE912A-D608-4C7B-8634-BB92E3C90B1A}"/>
-          </ac:spMkLst>
-        </pc:spChg>
-        <pc:spChg chg="add del mod">
-          <ac:chgData name="susan ibach" userId="11074aa641b35c68" providerId="LiveId" clId="{3F10FC51-139A-4882-BF98-70D67DE6156C}" dt="2019-06-09T11:46:36.741" v="879"/>
-          <ac:spMkLst>
-            <pc:docMk/>
-            <pc:sldMk cId="3419740176" sldId="314"/>
-            <ac:spMk id="5" creationId="{0B82ED75-CC1C-48FA-A8C4-0097C62EC37A}"/>
-          </ac:spMkLst>
-        </pc:spChg>
-        <pc:spChg chg="add del mod">
-          <ac:chgData name="susan ibach" userId="11074aa641b35c68" providerId="LiveId" clId="{3F10FC51-139A-4882-BF98-70D67DE6156C}" dt="2019-06-09T11:46:36.743" v="881"/>
-          <ac:spMkLst>
-            <pc:docMk/>
-            <pc:sldMk cId="3419740176" sldId="314"/>
-            <ac:spMk id="6" creationId="{F31C552B-E950-4D69-91F9-7961ABCF9F34}"/>
-          </ac:spMkLst>
-        </pc:spChg>
-        <pc:spChg chg="add del mod">
-          <ac:chgData name="susan ibach" userId="11074aa641b35c68" providerId="LiveId" clId="{3F10FC51-139A-4882-BF98-70D67DE6156C}" dt="2019-06-09T11:46:36.743" v="883"/>
-          <ac:spMkLst>
-            <pc:docMk/>
-            <pc:sldMk cId="3419740176" sldId="314"/>
-            <ac:spMk id="7" creationId="{23DFC033-B92C-4026-A2B6-52BCFA7CB6C1}"/>
-          </ac:spMkLst>
-        </pc:spChg>
-        <pc:spChg chg="add mod">
-          <ac:chgData name="susan ibach" userId="11074aa641b35c68" providerId="LiveId" clId="{3F10FC51-139A-4882-BF98-70D67DE6156C}" dt="2019-06-09T12:30:16.051" v="1799" actId="20577"/>
-          <ac:spMkLst>
-            <pc:docMk/>
-            <pc:sldMk cId="3419740176" sldId="314"/>
-            <ac:spMk id="8" creationId="{EE6001B0-2ED4-4248-855B-BB5E6C532E85}"/>
-          </ac:spMkLst>
-        </pc:spChg>
-        <pc:spChg chg="add mod">
-          <ac:chgData name="susan ibach" userId="11074aa641b35c68" providerId="LiveId" clId="{3F10FC51-139A-4882-BF98-70D67DE6156C}" dt="2019-06-09T12:32:47.090" v="1818" actId="20577"/>
-          <ac:spMkLst>
-            <pc:docMk/>
-            <pc:sldMk cId="3419740176" sldId="314"/>
-            <ac:spMk id="9" creationId="{1F51F5E7-75B5-4BA4-86F5-C20B770AA775}"/>
-          </ac:spMkLst>
-        </pc:spChg>
-        <pc:spChg chg="add">
-          <ac:chgData name="susan ibach" userId="11074aa641b35c68" providerId="LiveId" clId="{3F10FC51-139A-4882-BF98-70D67DE6156C}" dt="2019-06-09T12:26:05.168" v="1709"/>
-          <ac:spMkLst>
-            <pc:docMk/>
-            <pc:sldMk cId="3419740176" sldId="314"/>
-            <ac:spMk id="10" creationId="{94D6731E-2047-4451-9278-86658BC5EA64}"/>
-          </ac:spMkLst>
-        </pc:spChg>
-        <pc:spChg chg="mod">
-          <ac:chgData name="susan ibach" userId="11074aa641b35c68" providerId="LiveId" clId="{3F10FC51-139A-4882-BF98-70D67DE6156C}" dt="2019-06-09T12:23:27.973" v="1688" actId="20577"/>
-          <ac:spMkLst>
-            <pc:docMk/>
-            <pc:sldMk cId="3419740176" sldId="314"/>
-            <ac:spMk id="15" creationId="{C41CEC0E-6036-4285-A88C-1F24EC8BAFE3}"/>
-          </ac:spMkLst>
-        </pc:spChg>
-      </pc:sldChg>
-      <pc:sldChg chg="addSp modSp add ord">
-        <pc:chgData name="susan ibach" userId="11074aa641b35c68" providerId="LiveId" clId="{3F10FC51-139A-4882-BF98-70D67DE6156C}" dt="2019-06-09T12:25:31.346" v="1708" actId="1076"/>
-        <pc:sldMkLst>
-          <pc:docMk/>
-          <pc:sldMk cId="3351142080" sldId="315"/>
-        </pc:sldMkLst>
-        <pc:spChg chg="mod">
-          <ac:chgData name="susan ibach" userId="11074aa641b35c68" providerId="LiveId" clId="{3F10FC51-139A-4882-BF98-70D67DE6156C}" dt="2019-06-09T12:25:16.257" v="1705" actId="20577"/>
-          <ac:spMkLst>
-            <pc:docMk/>
-            <pc:sldMk cId="3351142080" sldId="315"/>
-            <ac:spMk id="2" creationId="{70AA7D9F-5081-4FF7-AD0A-C78EBF60A4FF}"/>
-          </ac:spMkLst>
-        </pc:spChg>
-        <pc:spChg chg="add mod">
-          <ac:chgData name="susan ibach" userId="11074aa641b35c68" providerId="LiveId" clId="{3F10FC51-139A-4882-BF98-70D67DE6156C}" dt="2019-06-09T12:25:31.346" v="1708" actId="1076"/>
-          <ac:spMkLst>
-            <pc:docMk/>
-            <pc:sldMk cId="3351142080" sldId="315"/>
-            <ac:spMk id="3" creationId="{B2B64416-E0F5-4021-B619-1CDDC4873D7F}"/>
-          </ac:spMkLst>
-        </pc:spChg>
-        <pc:spChg chg="add">
-          <ac:chgData name="susan ibach" userId="11074aa641b35c68" providerId="LiveId" clId="{3F10FC51-139A-4882-BF98-70D67DE6156C}" dt="2019-06-09T12:24:56.685" v="1702"/>
-          <ac:spMkLst>
-            <pc:docMk/>
-            <pc:sldMk cId="3351142080" sldId="315"/>
-            <ac:spMk id="5" creationId="{64376CF3-08CE-4FC9-834B-1EBA9680F011}"/>
-          </ac:spMkLst>
-        </pc:spChg>
-      </pc:sldChg>
-      <pc:sldChg chg="addSp modSp add">
-        <pc:chgData name="susan ibach" userId="11074aa641b35c68" providerId="LiveId" clId="{3F10FC51-139A-4882-BF98-70D67DE6156C}" dt="2019-06-09T12:19:32.711" v="1585" actId="20577"/>
-        <pc:sldMkLst>
-          <pc:docMk/>
-          <pc:sldMk cId="308888824" sldId="316"/>
-        </pc:sldMkLst>
-        <pc:spChg chg="mod">
-          <ac:chgData name="susan ibach" userId="11074aa641b35c68" providerId="LiveId" clId="{3F10FC51-139A-4882-BF98-70D67DE6156C}" dt="2019-06-09T12:18:45.136" v="1584" actId="20577"/>
-          <ac:spMkLst>
-            <pc:docMk/>
-            <pc:sldMk cId="308888824" sldId="316"/>
-            <ac:spMk id="2" creationId="{70AA7D9F-5081-4FF7-AD0A-C78EBF60A4FF}"/>
-          </ac:spMkLst>
-        </pc:spChg>
-        <pc:spChg chg="mod">
-          <ac:chgData name="susan ibach" userId="11074aa641b35c68" providerId="LiveId" clId="{3F10FC51-139A-4882-BF98-70D67DE6156C}" dt="2019-06-09T12:15:31.203" v="1498" actId="20577"/>
-          <ac:spMkLst>
-            <pc:docMk/>
-            <pc:sldMk cId="308888824" sldId="316"/>
-            <ac:spMk id="3" creationId="{6F062DC7-E9A7-412E-83E4-AB0E1C27909F}"/>
-          </ac:spMkLst>
-        </pc:spChg>
-        <pc:spChg chg="add mod">
-          <ac:chgData name="susan ibach" userId="11074aa641b35c68" providerId="LiveId" clId="{3F10FC51-139A-4882-BF98-70D67DE6156C}" dt="2019-06-09T12:19:32.711" v="1585" actId="20577"/>
-          <ac:spMkLst>
-            <pc:docMk/>
-            <pc:sldMk cId="308888824" sldId="316"/>
-            <ac:spMk id="6" creationId="{A10062FF-672F-4FD5-B01B-CCD37E15AD0A}"/>
-          </ac:spMkLst>
-        </pc:spChg>
-        <pc:spChg chg="add mod">
-          <ac:chgData name="susan ibach" userId="11074aa641b35c68" providerId="LiveId" clId="{3F10FC51-139A-4882-BF98-70D67DE6156C}" dt="2019-06-09T12:16:20.120" v="1512" actId="20577"/>
-          <ac:spMkLst>
-            <pc:docMk/>
-            <pc:sldMk cId="308888824" sldId="316"/>
-            <ac:spMk id="7" creationId="{93EAB759-DDAF-4076-AF41-CD4E9C11E148}"/>
-          </ac:spMkLst>
-        </pc:spChg>
-        <pc:spChg chg="mod">
-          <ac:chgData name="susan ibach" userId="11074aa641b35c68" providerId="LiveId" clId="{3F10FC51-139A-4882-BF98-70D67DE6156C}" dt="2019-06-09T12:14:49.933" v="1372" actId="6549"/>
-          <ac:spMkLst>
-            <pc:docMk/>
-            <pc:sldMk cId="308888824" sldId="316"/>
-            <ac:spMk id="15" creationId="{C41CEC0E-6036-4285-A88C-1F24EC8BAFE3}"/>
-          </ac:spMkLst>
-        </pc:spChg>
-      </pc:sldChg>
-    </pc:docChg>
-  </pc:docChgLst>
-  <pc:docChgLst>
     <pc:chgData name="susan ibach" userId="11074aa641b35c68" providerId="LiveId" clId="{72A56A81-2346-47CB-8ECB-DC80861C14FC}"/>
     <pc:docChg chg="undo custSel addSld delSld modSld sldOrd modSection">
       <pc:chgData name="susan ibach" userId="11074aa641b35c68" providerId="LiveId" clId="{72A56A81-2346-47CB-8ECB-DC80861C14FC}" dt="2019-05-31T20:26:41.919" v="3865" actId="1076"/>
@@ -606,70 +248,6 @@
           </ac:spMkLst>
         </pc:spChg>
       </pc:sldChg>
-    </pc:docChg>
-  </pc:docChgLst>
-  <pc:docChgLst>
-    <pc:chgData name="susan ibach" userId="11074aa641b35c68" providerId="LiveId" clId="{8C4834CC-AAFC-417A-9869-4271BFA334C2}"/>
-    <pc:docChg chg="undo custSel addSld delSld modSld sldOrd modSection">
-      <pc:chgData name="susan ibach" userId="11074aa641b35c68" providerId="LiveId" clId="{8C4834CC-AAFC-417A-9869-4271BFA334C2}" dt="2019-05-31T21:13:56.235" v="1492" actId="13926"/>
-      <pc:docMkLst>
-        <pc:docMk/>
-      </pc:docMkLst>
-      <pc:sldChg chg="modSp">
-        <pc:chgData name="susan ibach" userId="11074aa641b35c68" providerId="LiveId" clId="{8C4834CC-AAFC-417A-9869-4271BFA334C2}" dt="2019-05-31T21:09:26.273" v="1470" actId="20577"/>
-        <pc:sldMkLst>
-          <pc:docMk/>
-          <pc:sldMk cId="1842309144" sldId="283"/>
-        </pc:sldMkLst>
-        <pc:spChg chg="mod">
-          <ac:chgData name="susan ibach" userId="11074aa641b35c68" providerId="LiveId" clId="{8C4834CC-AAFC-417A-9869-4271BFA334C2}" dt="2019-05-31T21:09:26.273" v="1470" actId="20577"/>
-          <ac:spMkLst>
-            <pc:docMk/>
-            <pc:sldMk cId="1842309144" sldId="283"/>
-            <ac:spMk id="9" creationId="{00000000-0000-0000-0000-000000000000}"/>
-          </ac:spMkLst>
-        </pc:spChg>
-      </pc:sldChg>
-      <pc:sldChg chg="modSp">
-        <pc:chgData name="susan ibach" userId="11074aa641b35c68" providerId="LiveId" clId="{8C4834CC-AAFC-417A-9869-4271BFA334C2}" dt="2019-05-31T21:10:19.942" v="1486" actId="20577"/>
-        <pc:sldMkLst>
-          <pc:docMk/>
-          <pc:sldMk cId="4004018897" sldId="298"/>
-        </pc:sldMkLst>
-        <pc:spChg chg="mod">
-          <ac:chgData name="susan ibach" userId="11074aa641b35c68" providerId="LiveId" clId="{8C4834CC-AAFC-417A-9869-4271BFA334C2}" dt="2019-05-31T20:53:43.222" v="1138" actId="20577"/>
-          <ac:spMkLst>
-            <pc:docMk/>
-            <pc:sldMk cId="4004018897" sldId="298"/>
-            <ac:spMk id="4" creationId="{00000000-0000-0000-0000-000000000000}"/>
-          </ac:spMkLst>
-        </pc:spChg>
-        <pc:spChg chg="mod">
-          <ac:chgData name="susan ibach" userId="11074aa641b35c68" providerId="LiveId" clId="{8C4834CC-AAFC-417A-9869-4271BFA334C2}" dt="2019-05-31T20:52:56.533" v="1121" actId="20577"/>
-          <ac:spMkLst>
-            <pc:docMk/>
-            <pc:sldMk cId="4004018897" sldId="298"/>
-            <ac:spMk id="5" creationId="{00000000-0000-0000-0000-000000000000}"/>
-          </ac:spMkLst>
-        </pc:spChg>
-        <pc:spChg chg="mod">
-          <ac:chgData name="susan ibach" userId="11074aa641b35c68" providerId="LiveId" clId="{8C4834CC-AAFC-417A-9869-4271BFA334C2}" dt="2019-05-31T21:10:19.942" v="1486" actId="20577"/>
-          <ac:spMkLst>
-            <pc:docMk/>
-            <pc:sldMk cId="4004018897" sldId="298"/>
-            <ac:spMk id="6" creationId="{4F4D9F13-C119-40D2-9B3B-8DCD9D0EA709}"/>
-          </ac:spMkLst>
-        </pc:spChg>
-      </pc:sldChg>
-    </pc:docChg>
-  </pc:docChgLst>
-  <pc:docChgLst>
-    <pc:chgData name="susan ibach" userId="11074aa641b35c68" providerId="LiveId" clId="{100ED00D-7AE8-480F-890B-C49E9FA6711B}"/>
-    <pc:docChg chg="custSel modSld">
-      <pc:chgData name="susan ibach" userId="11074aa641b35c68" providerId="LiveId" clId="{100ED00D-7AE8-480F-890B-C49E9FA6711B}" dt="2019-05-30T15:17:43.472" v="52" actId="207"/>
-      <pc:docMkLst>
-        <pc:docMk/>
-      </pc:docMkLst>
     </pc:docChg>
   </pc:docChgLst>
   <pc:docChgLst>
@@ -1268,6 +846,373 @@
     </pc:docChg>
   </pc:docChgLst>
   <pc:docChgLst>
+    <pc:chgData name="susan ibach" userId="11074aa641b35c68" providerId="LiveId" clId="{100ED00D-7AE8-480F-890B-C49E9FA6711B}"/>
+    <pc:docChg chg="custSel modSld">
+      <pc:chgData name="susan ibach" userId="11074aa641b35c68" providerId="LiveId" clId="{100ED00D-7AE8-480F-890B-C49E9FA6711B}" dt="2019-05-30T15:17:43.472" v="52" actId="207"/>
+      <pc:docMkLst>
+        <pc:docMk/>
+      </pc:docMkLst>
+    </pc:docChg>
+  </pc:docChgLst>
+  <pc:docChgLst>
+    <pc:chgData name="susan ibach" userId="11074aa641b35c68" providerId="LiveId" clId="{3F10FC51-139A-4882-BF98-70D67DE6156C}"/>
+    <pc:docChg chg="undo custSel addSld delSld modSld sldOrd modSection">
+      <pc:chgData name="susan ibach" userId="11074aa641b35c68" providerId="LiveId" clId="{3F10FC51-139A-4882-BF98-70D67DE6156C}" dt="2019-06-09T12:32:47.090" v="1818" actId="20577"/>
+      <pc:docMkLst>
+        <pc:docMk/>
+      </pc:docMkLst>
+      <pc:sldChg chg="modSp">
+        <pc:chgData name="susan ibach" userId="11074aa641b35c68" providerId="LiveId" clId="{3F10FC51-139A-4882-BF98-70D67DE6156C}" dt="2019-06-09T11:26:41.928" v="3" actId="20577"/>
+        <pc:sldMkLst>
+          <pc:docMk/>
+          <pc:sldMk cId="1842309144" sldId="283"/>
+        </pc:sldMkLst>
+        <pc:spChg chg="mod">
+          <ac:chgData name="susan ibach" userId="11074aa641b35c68" providerId="LiveId" clId="{3F10FC51-139A-4882-BF98-70D67DE6156C}" dt="2019-06-09T11:26:41.928" v="3" actId="20577"/>
+          <ac:spMkLst>
+            <pc:docMk/>
+            <pc:sldMk cId="1842309144" sldId="283"/>
+            <ac:spMk id="9" creationId="{00000000-0000-0000-0000-000000000000}"/>
+          </ac:spMkLst>
+        </pc:spChg>
+      </pc:sldChg>
+      <pc:sldChg chg="addSp delSp modSp delAnim">
+        <pc:chgData name="susan ibach" userId="11074aa641b35c68" providerId="LiveId" clId="{3F10FC51-139A-4882-BF98-70D67DE6156C}" dt="2019-06-09T12:06:07.853" v="1247" actId="20577"/>
+        <pc:sldMkLst>
+          <pc:docMk/>
+          <pc:sldMk cId="4004018897" sldId="298"/>
+        </pc:sldMkLst>
+        <pc:spChg chg="add mod">
+          <ac:chgData name="susan ibach" userId="11074aa641b35c68" providerId="LiveId" clId="{3F10FC51-139A-4882-BF98-70D67DE6156C}" dt="2019-06-09T12:06:07.853" v="1247" actId="20577"/>
+          <ac:spMkLst>
+            <pc:docMk/>
+            <pc:sldMk cId="4004018897" sldId="298"/>
+            <ac:spMk id="2" creationId="{70AA7D9F-5081-4FF7-AD0A-C78EBF60A4FF}"/>
+          </ac:spMkLst>
+        </pc:spChg>
+        <pc:spChg chg="del">
+          <ac:chgData name="susan ibach" userId="11074aa641b35c68" providerId="LiveId" clId="{3F10FC51-139A-4882-BF98-70D67DE6156C}" dt="2019-06-09T11:28:26.126" v="110" actId="478"/>
+          <ac:spMkLst>
+            <pc:docMk/>
+            <pc:sldMk cId="4004018897" sldId="298"/>
+            <ac:spMk id="7" creationId="{5B95B2A7-9A5B-4508-8428-AA929752807F}"/>
+          </ac:spMkLst>
+        </pc:spChg>
+        <pc:spChg chg="del">
+          <ac:chgData name="susan ibach" userId="11074aa641b35c68" providerId="LiveId" clId="{3F10FC51-139A-4882-BF98-70D67DE6156C}" dt="2019-06-09T11:28:29.175" v="111" actId="478"/>
+          <ac:spMkLst>
+            <pc:docMk/>
+            <pc:sldMk cId="4004018897" sldId="298"/>
+            <ac:spMk id="8" creationId="{A014B427-F7C1-46C1-A9E7-3C6BA2B70622}"/>
+          </ac:spMkLst>
+        </pc:spChg>
+        <pc:spChg chg="del">
+          <ac:chgData name="susan ibach" userId="11074aa641b35c68" providerId="LiveId" clId="{3F10FC51-139A-4882-BF98-70D67DE6156C}" dt="2019-06-09T11:28:29.175" v="111" actId="478"/>
+          <ac:spMkLst>
+            <pc:docMk/>
+            <pc:sldMk cId="4004018897" sldId="298"/>
+            <ac:spMk id="9" creationId="{40D93A2C-8022-43BA-AC8E-B48095464C6F}"/>
+          </ac:spMkLst>
+        </pc:spChg>
+        <pc:spChg chg="del">
+          <ac:chgData name="susan ibach" userId="11074aa641b35c68" providerId="LiveId" clId="{3F10FC51-139A-4882-BF98-70D67DE6156C}" dt="2019-06-09T11:28:29.175" v="111" actId="478"/>
+          <ac:spMkLst>
+            <pc:docMk/>
+            <pc:sldMk cId="4004018897" sldId="298"/>
+            <ac:spMk id="10" creationId="{DA3FA523-98E6-415B-850A-186E2E090BA5}"/>
+          </ac:spMkLst>
+        </pc:spChg>
+        <pc:spChg chg="del">
+          <ac:chgData name="susan ibach" userId="11074aa641b35c68" providerId="LiveId" clId="{3F10FC51-139A-4882-BF98-70D67DE6156C}" dt="2019-06-09T11:28:29.175" v="111" actId="478"/>
+          <ac:spMkLst>
+            <pc:docMk/>
+            <pc:sldMk cId="4004018897" sldId="298"/>
+            <ac:spMk id="11" creationId="{A4F8C86F-734C-4605-9092-079EAE42BC2E}"/>
+          </ac:spMkLst>
+        </pc:spChg>
+        <pc:spChg chg="del">
+          <ac:chgData name="susan ibach" userId="11074aa641b35c68" providerId="LiveId" clId="{3F10FC51-139A-4882-BF98-70D67DE6156C}" dt="2019-06-09T11:28:29.175" v="111" actId="478"/>
+          <ac:spMkLst>
+            <pc:docMk/>
+            <pc:sldMk cId="4004018897" sldId="298"/>
+            <ac:spMk id="12" creationId="{22EA54FB-CE93-43D6-963B-100229A73EC4}"/>
+          </ac:spMkLst>
+        </pc:spChg>
+        <pc:spChg chg="del">
+          <ac:chgData name="susan ibach" userId="11074aa641b35c68" providerId="LiveId" clId="{3F10FC51-139A-4882-BF98-70D67DE6156C}" dt="2019-06-09T11:28:29.175" v="111" actId="478"/>
+          <ac:spMkLst>
+            <pc:docMk/>
+            <pc:sldMk cId="4004018897" sldId="298"/>
+            <ac:spMk id="13" creationId="{031DF528-F990-4234-95E0-777F35FD6DA7}"/>
+          </ac:spMkLst>
+        </pc:spChg>
+        <pc:spChg chg="mod">
+          <ac:chgData name="susan ibach" userId="11074aa641b35c68" providerId="LiveId" clId="{3F10FC51-139A-4882-BF98-70D67DE6156C}" dt="2019-06-09T11:26:57.685" v="54" actId="20577"/>
+          <ac:spMkLst>
+            <pc:docMk/>
+            <pc:sldMk cId="4004018897" sldId="298"/>
+            <ac:spMk id="14" creationId="{0EABF196-DEFD-4037-AB56-85AC0D14459F}"/>
+          </ac:spMkLst>
+        </pc:spChg>
+        <pc:spChg chg="mod">
+          <ac:chgData name="susan ibach" userId="11074aa641b35c68" providerId="LiveId" clId="{3F10FC51-139A-4882-BF98-70D67DE6156C}" dt="2019-06-09T11:31:32.387" v="235" actId="20577"/>
+          <ac:spMkLst>
+            <pc:docMk/>
+            <pc:sldMk cId="4004018897" sldId="298"/>
+            <ac:spMk id="15" creationId="{C41CEC0E-6036-4285-A88C-1F24EC8BAFE3}"/>
+          </ac:spMkLst>
+        </pc:spChg>
+        <pc:spChg chg="add">
+          <ac:chgData name="susan ibach" userId="11074aa641b35c68" providerId="LiveId" clId="{3F10FC51-139A-4882-BF98-70D67DE6156C}" dt="2019-06-09T12:01:17.386" v="1237"/>
+          <ac:spMkLst>
+            <pc:docMk/>
+            <pc:sldMk cId="4004018897" sldId="298"/>
+            <ac:spMk id="16" creationId="{9DA8F1D8-17FF-41C5-8889-5CB9609B7579}"/>
+          </ac:spMkLst>
+        </pc:spChg>
+        <pc:grpChg chg="del">
+          <ac:chgData name="susan ibach" userId="11074aa641b35c68" providerId="LiveId" clId="{3F10FC51-139A-4882-BF98-70D67DE6156C}" dt="2019-06-09T11:28:29.175" v="111" actId="478"/>
+          <ac:grpSpMkLst>
+            <pc:docMk/>
+            <pc:sldMk cId="4004018897" sldId="298"/>
+            <ac:grpSpMk id="21" creationId="{3AB08620-D685-4DC5-8468-84E5AFC45072}"/>
+          </ac:grpSpMkLst>
+        </pc:grpChg>
+      </pc:sldChg>
+      <pc:sldChg chg="del">
+        <pc:chgData name="susan ibach" userId="11074aa641b35c68" providerId="LiveId" clId="{3F10FC51-139A-4882-BF98-70D67DE6156C}" dt="2019-06-09T12:13:17.346" v="1275" actId="2696"/>
+        <pc:sldMkLst>
+          <pc:docMk/>
+          <pc:sldMk cId="2032872148" sldId="308"/>
+        </pc:sldMkLst>
+      </pc:sldChg>
+      <pc:sldChg chg="del">
+        <pc:chgData name="susan ibach" userId="11074aa641b35c68" providerId="LiveId" clId="{3F10FC51-139A-4882-BF98-70D67DE6156C}" dt="2019-06-09T12:13:20.416" v="1276" actId="2696"/>
+        <pc:sldMkLst>
+          <pc:docMk/>
+          <pc:sldMk cId="2492619593" sldId="309"/>
+        </pc:sldMkLst>
+      </pc:sldChg>
+      <pc:sldChg chg="del">
+        <pc:chgData name="susan ibach" userId="11074aa641b35c68" providerId="LiveId" clId="{3F10FC51-139A-4882-BF98-70D67DE6156C}" dt="2019-06-09T12:13:22.221" v="1277" actId="2696"/>
+        <pc:sldMkLst>
+          <pc:docMk/>
+          <pc:sldMk cId="2481679794" sldId="310"/>
+        </pc:sldMkLst>
+      </pc:sldChg>
+      <pc:sldChg chg="del">
+        <pc:chgData name="susan ibach" userId="11074aa641b35c68" providerId="LiveId" clId="{3F10FC51-139A-4882-BF98-70D67DE6156C}" dt="2019-06-09T12:13:23.702" v="1278" actId="2696"/>
+        <pc:sldMkLst>
+          <pc:docMk/>
+          <pc:sldMk cId="706568234" sldId="311"/>
+        </pc:sldMkLst>
+      </pc:sldChg>
+      <pc:sldChg chg="del">
+        <pc:chgData name="susan ibach" userId="11074aa641b35c68" providerId="LiveId" clId="{3F10FC51-139A-4882-BF98-70D67DE6156C}" dt="2019-06-09T12:13:24.945" v="1279" actId="2696"/>
+        <pc:sldMkLst>
+          <pc:docMk/>
+          <pc:sldMk cId="2112199873" sldId="312"/>
+        </pc:sldMkLst>
+      </pc:sldChg>
+      <pc:sldChg chg="addSp modSp add">
+        <pc:chgData name="susan ibach" userId="11074aa641b35c68" providerId="LiveId" clId="{3F10FC51-139A-4882-BF98-70D67DE6156C}" dt="2019-06-09T12:18:34.616" v="1581" actId="20577"/>
+        <pc:sldMkLst>
+          <pc:docMk/>
+          <pc:sldMk cId="1895564028" sldId="313"/>
+        </pc:sldMkLst>
+        <pc:spChg chg="mod">
+          <ac:chgData name="susan ibach" userId="11074aa641b35c68" providerId="LiveId" clId="{3F10FC51-139A-4882-BF98-70D67DE6156C}" dt="2019-06-09T12:18:34.616" v="1581" actId="20577"/>
+          <ac:spMkLst>
+            <pc:docMk/>
+            <pc:sldMk cId="1895564028" sldId="313"/>
+            <ac:spMk id="2" creationId="{70AA7D9F-5081-4FF7-AD0A-C78EBF60A4FF}"/>
+          </ac:spMkLst>
+        </pc:spChg>
+        <pc:spChg chg="add mod">
+          <ac:chgData name="susan ibach" userId="11074aa641b35c68" providerId="LiveId" clId="{3F10FC51-139A-4882-BF98-70D67DE6156C}" dt="2019-06-09T12:00:15.198" v="1234" actId="1076"/>
+          <ac:spMkLst>
+            <pc:docMk/>
+            <pc:sldMk cId="1895564028" sldId="313"/>
+            <ac:spMk id="3" creationId="{6F062DC7-E9A7-412E-83E4-AB0E1C27909F}"/>
+          </ac:spMkLst>
+        </pc:spChg>
+        <pc:spChg chg="mod">
+          <ac:chgData name="susan ibach" userId="11074aa641b35c68" providerId="LiveId" clId="{3F10FC51-139A-4882-BF98-70D67DE6156C}" dt="2019-06-09T11:59:57.113" v="1215" actId="6549"/>
+          <ac:spMkLst>
+            <pc:docMk/>
+            <pc:sldMk cId="1895564028" sldId="313"/>
+            <ac:spMk id="15" creationId="{C41CEC0E-6036-4285-A88C-1F24EC8BAFE3}"/>
+          </ac:spMkLst>
+        </pc:spChg>
+      </pc:sldChg>
+      <pc:sldChg chg="addSp delSp modSp add">
+        <pc:chgData name="susan ibach" userId="11074aa641b35c68" providerId="LiveId" clId="{3F10FC51-139A-4882-BF98-70D67DE6156C}" dt="2019-06-09T12:32:47.090" v="1818" actId="20577"/>
+        <pc:sldMkLst>
+          <pc:docMk/>
+          <pc:sldMk cId="3419740176" sldId="314"/>
+        </pc:sldMkLst>
+        <pc:spChg chg="mod">
+          <ac:chgData name="susan ibach" userId="11074aa641b35c68" providerId="LiveId" clId="{3F10FC51-139A-4882-BF98-70D67DE6156C}" dt="2019-06-09T12:29:06.002" v="1758" actId="208"/>
+          <ac:spMkLst>
+            <pc:docMk/>
+            <pc:sldMk cId="3419740176" sldId="314"/>
+            <ac:spMk id="2" creationId="{70AA7D9F-5081-4FF7-AD0A-C78EBF60A4FF}"/>
+          </ac:spMkLst>
+        </pc:spChg>
+        <pc:spChg chg="add del mod">
+          <ac:chgData name="susan ibach" userId="11074aa641b35c68" providerId="LiveId" clId="{3F10FC51-139A-4882-BF98-70D67DE6156C}" dt="2019-06-09T11:46:36.725" v="875" actId="478"/>
+          <ac:spMkLst>
+            <pc:docMk/>
+            <pc:sldMk cId="3419740176" sldId="314"/>
+            <ac:spMk id="3" creationId="{6D4C729C-3A4E-4E08-AF6F-917A86570726}"/>
+          </ac:spMkLst>
+        </pc:spChg>
+        <pc:spChg chg="add del mod">
+          <ac:chgData name="susan ibach" userId="11074aa641b35c68" providerId="LiveId" clId="{3F10FC51-139A-4882-BF98-70D67DE6156C}" dt="2019-06-09T11:46:36.733" v="877"/>
+          <ac:spMkLst>
+            <pc:docMk/>
+            <pc:sldMk cId="3419740176" sldId="314"/>
+            <ac:spMk id="4" creationId="{E0CE912A-D608-4C7B-8634-BB92E3C90B1A}"/>
+          </ac:spMkLst>
+        </pc:spChg>
+        <pc:spChg chg="add del mod">
+          <ac:chgData name="susan ibach" userId="11074aa641b35c68" providerId="LiveId" clId="{3F10FC51-139A-4882-BF98-70D67DE6156C}" dt="2019-06-09T11:46:36.741" v="879"/>
+          <ac:spMkLst>
+            <pc:docMk/>
+            <pc:sldMk cId="3419740176" sldId="314"/>
+            <ac:spMk id="5" creationId="{0B82ED75-CC1C-48FA-A8C4-0097C62EC37A}"/>
+          </ac:spMkLst>
+        </pc:spChg>
+        <pc:spChg chg="add del mod">
+          <ac:chgData name="susan ibach" userId="11074aa641b35c68" providerId="LiveId" clId="{3F10FC51-139A-4882-BF98-70D67DE6156C}" dt="2019-06-09T11:46:36.743" v="881"/>
+          <ac:spMkLst>
+            <pc:docMk/>
+            <pc:sldMk cId="3419740176" sldId="314"/>
+            <ac:spMk id="6" creationId="{F31C552B-E950-4D69-91F9-7961ABCF9F34}"/>
+          </ac:spMkLst>
+        </pc:spChg>
+        <pc:spChg chg="add del mod">
+          <ac:chgData name="susan ibach" userId="11074aa641b35c68" providerId="LiveId" clId="{3F10FC51-139A-4882-BF98-70D67DE6156C}" dt="2019-06-09T11:46:36.743" v="883"/>
+          <ac:spMkLst>
+            <pc:docMk/>
+            <pc:sldMk cId="3419740176" sldId="314"/>
+            <ac:spMk id="7" creationId="{23DFC033-B92C-4026-A2B6-52BCFA7CB6C1}"/>
+          </ac:spMkLst>
+        </pc:spChg>
+        <pc:spChg chg="add mod">
+          <ac:chgData name="susan ibach" userId="11074aa641b35c68" providerId="LiveId" clId="{3F10FC51-139A-4882-BF98-70D67DE6156C}" dt="2019-06-09T12:30:16.051" v="1799" actId="20577"/>
+          <ac:spMkLst>
+            <pc:docMk/>
+            <pc:sldMk cId="3419740176" sldId="314"/>
+            <ac:spMk id="8" creationId="{EE6001B0-2ED4-4248-855B-BB5E6C532E85}"/>
+          </ac:spMkLst>
+        </pc:spChg>
+        <pc:spChg chg="add mod">
+          <ac:chgData name="susan ibach" userId="11074aa641b35c68" providerId="LiveId" clId="{3F10FC51-139A-4882-BF98-70D67DE6156C}" dt="2019-06-09T12:32:47.090" v="1818" actId="20577"/>
+          <ac:spMkLst>
+            <pc:docMk/>
+            <pc:sldMk cId="3419740176" sldId="314"/>
+            <ac:spMk id="9" creationId="{1F51F5E7-75B5-4BA4-86F5-C20B770AA775}"/>
+          </ac:spMkLst>
+        </pc:spChg>
+        <pc:spChg chg="add">
+          <ac:chgData name="susan ibach" userId="11074aa641b35c68" providerId="LiveId" clId="{3F10FC51-139A-4882-BF98-70D67DE6156C}" dt="2019-06-09T12:26:05.168" v="1709"/>
+          <ac:spMkLst>
+            <pc:docMk/>
+            <pc:sldMk cId="3419740176" sldId="314"/>
+            <ac:spMk id="10" creationId="{94D6731E-2047-4451-9278-86658BC5EA64}"/>
+          </ac:spMkLst>
+        </pc:spChg>
+        <pc:spChg chg="mod">
+          <ac:chgData name="susan ibach" userId="11074aa641b35c68" providerId="LiveId" clId="{3F10FC51-139A-4882-BF98-70D67DE6156C}" dt="2019-06-09T12:23:27.973" v="1688" actId="20577"/>
+          <ac:spMkLst>
+            <pc:docMk/>
+            <pc:sldMk cId="3419740176" sldId="314"/>
+            <ac:spMk id="15" creationId="{C41CEC0E-6036-4285-A88C-1F24EC8BAFE3}"/>
+          </ac:spMkLst>
+        </pc:spChg>
+      </pc:sldChg>
+      <pc:sldChg chg="addSp modSp add ord">
+        <pc:chgData name="susan ibach" userId="11074aa641b35c68" providerId="LiveId" clId="{3F10FC51-139A-4882-BF98-70D67DE6156C}" dt="2019-06-09T12:25:31.346" v="1708" actId="1076"/>
+        <pc:sldMkLst>
+          <pc:docMk/>
+          <pc:sldMk cId="3351142080" sldId="315"/>
+        </pc:sldMkLst>
+        <pc:spChg chg="mod">
+          <ac:chgData name="susan ibach" userId="11074aa641b35c68" providerId="LiveId" clId="{3F10FC51-139A-4882-BF98-70D67DE6156C}" dt="2019-06-09T12:25:16.257" v="1705" actId="20577"/>
+          <ac:spMkLst>
+            <pc:docMk/>
+            <pc:sldMk cId="3351142080" sldId="315"/>
+            <ac:spMk id="2" creationId="{70AA7D9F-5081-4FF7-AD0A-C78EBF60A4FF}"/>
+          </ac:spMkLst>
+        </pc:spChg>
+        <pc:spChg chg="add mod">
+          <ac:chgData name="susan ibach" userId="11074aa641b35c68" providerId="LiveId" clId="{3F10FC51-139A-4882-BF98-70D67DE6156C}" dt="2019-06-09T12:25:31.346" v="1708" actId="1076"/>
+          <ac:spMkLst>
+            <pc:docMk/>
+            <pc:sldMk cId="3351142080" sldId="315"/>
+            <ac:spMk id="3" creationId="{B2B64416-E0F5-4021-B619-1CDDC4873D7F}"/>
+          </ac:spMkLst>
+        </pc:spChg>
+        <pc:spChg chg="add">
+          <ac:chgData name="susan ibach" userId="11074aa641b35c68" providerId="LiveId" clId="{3F10FC51-139A-4882-BF98-70D67DE6156C}" dt="2019-06-09T12:24:56.685" v="1702"/>
+          <ac:spMkLst>
+            <pc:docMk/>
+            <pc:sldMk cId="3351142080" sldId="315"/>
+            <ac:spMk id="5" creationId="{64376CF3-08CE-4FC9-834B-1EBA9680F011}"/>
+          </ac:spMkLst>
+        </pc:spChg>
+      </pc:sldChg>
+      <pc:sldChg chg="addSp modSp add">
+        <pc:chgData name="susan ibach" userId="11074aa641b35c68" providerId="LiveId" clId="{3F10FC51-139A-4882-BF98-70D67DE6156C}" dt="2019-06-09T12:19:32.711" v="1585" actId="20577"/>
+        <pc:sldMkLst>
+          <pc:docMk/>
+          <pc:sldMk cId="308888824" sldId="316"/>
+        </pc:sldMkLst>
+        <pc:spChg chg="mod">
+          <ac:chgData name="susan ibach" userId="11074aa641b35c68" providerId="LiveId" clId="{3F10FC51-139A-4882-BF98-70D67DE6156C}" dt="2019-06-09T12:18:45.136" v="1584" actId="20577"/>
+          <ac:spMkLst>
+            <pc:docMk/>
+            <pc:sldMk cId="308888824" sldId="316"/>
+            <ac:spMk id="2" creationId="{70AA7D9F-5081-4FF7-AD0A-C78EBF60A4FF}"/>
+          </ac:spMkLst>
+        </pc:spChg>
+        <pc:spChg chg="mod">
+          <ac:chgData name="susan ibach" userId="11074aa641b35c68" providerId="LiveId" clId="{3F10FC51-139A-4882-BF98-70D67DE6156C}" dt="2019-06-09T12:15:31.203" v="1498" actId="20577"/>
+          <ac:spMkLst>
+            <pc:docMk/>
+            <pc:sldMk cId="308888824" sldId="316"/>
+            <ac:spMk id="3" creationId="{6F062DC7-E9A7-412E-83E4-AB0E1C27909F}"/>
+          </ac:spMkLst>
+        </pc:spChg>
+        <pc:spChg chg="add mod">
+          <ac:chgData name="susan ibach" userId="11074aa641b35c68" providerId="LiveId" clId="{3F10FC51-139A-4882-BF98-70D67DE6156C}" dt="2019-06-09T12:19:32.711" v="1585" actId="20577"/>
+          <ac:spMkLst>
+            <pc:docMk/>
+            <pc:sldMk cId="308888824" sldId="316"/>
+            <ac:spMk id="6" creationId="{A10062FF-672F-4FD5-B01B-CCD37E15AD0A}"/>
+          </ac:spMkLst>
+        </pc:spChg>
+        <pc:spChg chg="add mod">
+          <ac:chgData name="susan ibach" userId="11074aa641b35c68" providerId="LiveId" clId="{3F10FC51-139A-4882-BF98-70D67DE6156C}" dt="2019-06-09T12:16:20.120" v="1512" actId="20577"/>
+          <ac:spMkLst>
+            <pc:docMk/>
+            <pc:sldMk cId="308888824" sldId="316"/>
+            <ac:spMk id="7" creationId="{93EAB759-DDAF-4076-AF41-CD4E9C11E148}"/>
+          </ac:spMkLst>
+        </pc:spChg>
+        <pc:spChg chg="mod">
+          <ac:chgData name="susan ibach" userId="11074aa641b35c68" providerId="LiveId" clId="{3F10FC51-139A-4882-BF98-70D67DE6156C}" dt="2019-06-09T12:14:49.933" v="1372" actId="6549"/>
+          <ac:spMkLst>
+            <pc:docMk/>
+            <pc:sldMk cId="308888824" sldId="316"/>
+            <ac:spMk id="15" creationId="{C41CEC0E-6036-4285-A88C-1F24EC8BAFE3}"/>
+          </ac:spMkLst>
+        </pc:spChg>
+      </pc:sldChg>
+    </pc:docChg>
+  </pc:docChgLst>
+  <pc:docChgLst>
     <pc:chgData name="susan ibach" userId="11074aa641b35c68" providerId="LiveId" clId="{1F796490-8BA8-4970-BD2C-6F664B793745}"/>
     <pc:docChg chg="undo custSel addSld delSld modSld sldOrd modSection">
       <pc:chgData name="susan ibach" userId="11074aa641b35c68" providerId="LiveId" clId="{1F796490-8BA8-4970-BD2C-6F664B793745}" dt="2019-06-09T18:45:09.141" v="2256" actId="14100"/>
@@ -1803,6 +1748,61 @@
       </pc:sldChg>
     </pc:docChg>
   </pc:docChgLst>
+  <pc:docChgLst>
+    <pc:chgData name="susan ibach" userId="11074aa641b35c68" providerId="LiveId" clId="{8C4834CC-AAFC-417A-9869-4271BFA334C2}"/>
+    <pc:docChg chg="undo custSel addSld delSld modSld sldOrd modSection">
+      <pc:chgData name="susan ibach" userId="11074aa641b35c68" providerId="LiveId" clId="{8C4834CC-AAFC-417A-9869-4271BFA334C2}" dt="2019-05-31T21:13:56.235" v="1492" actId="13926"/>
+      <pc:docMkLst>
+        <pc:docMk/>
+      </pc:docMkLst>
+      <pc:sldChg chg="modSp">
+        <pc:chgData name="susan ibach" userId="11074aa641b35c68" providerId="LiveId" clId="{8C4834CC-AAFC-417A-9869-4271BFA334C2}" dt="2019-05-31T21:09:26.273" v="1470" actId="20577"/>
+        <pc:sldMkLst>
+          <pc:docMk/>
+          <pc:sldMk cId="1842309144" sldId="283"/>
+        </pc:sldMkLst>
+        <pc:spChg chg="mod">
+          <ac:chgData name="susan ibach" userId="11074aa641b35c68" providerId="LiveId" clId="{8C4834CC-AAFC-417A-9869-4271BFA334C2}" dt="2019-05-31T21:09:26.273" v="1470" actId="20577"/>
+          <ac:spMkLst>
+            <pc:docMk/>
+            <pc:sldMk cId="1842309144" sldId="283"/>
+            <ac:spMk id="9" creationId="{00000000-0000-0000-0000-000000000000}"/>
+          </ac:spMkLst>
+        </pc:spChg>
+      </pc:sldChg>
+      <pc:sldChg chg="modSp">
+        <pc:chgData name="susan ibach" userId="11074aa641b35c68" providerId="LiveId" clId="{8C4834CC-AAFC-417A-9869-4271BFA334C2}" dt="2019-05-31T21:10:19.942" v="1486" actId="20577"/>
+        <pc:sldMkLst>
+          <pc:docMk/>
+          <pc:sldMk cId="4004018897" sldId="298"/>
+        </pc:sldMkLst>
+        <pc:spChg chg="mod">
+          <ac:chgData name="susan ibach" userId="11074aa641b35c68" providerId="LiveId" clId="{8C4834CC-AAFC-417A-9869-4271BFA334C2}" dt="2019-05-31T20:53:43.222" v="1138" actId="20577"/>
+          <ac:spMkLst>
+            <pc:docMk/>
+            <pc:sldMk cId="4004018897" sldId="298"/>
+            <ac:spMk id="4" creationId="{00000000-0000-0000-0000-000000000000}"/>
+          </ac:spMkLst>
+        </pc:spChg>
+        <pc:spChg chg="mod">
+          <ac:chgData name="susan ibach" userId="11074aa641b35c68" providerId="LiveId" clId="{8C4834CC-AAFC-417A-9869-4271BFA334C2}" dt="2019-05-31T20:52:56.533" v="1121" actId="20577"/>
+          <ac:spMkLst>
+            <pc:docMk/>
+            <pc:sldMk cId="4004018897" sldId="298"/>
+            <ac:spMk id="5" creationId="{00000000-0000-0000-0000-000000000000}"/>
+          </ac:spMkLst>
+        </pc:spChg>
+        <pc:spChg chg="mod">
+          <ac:chgData name="susan ibach" userId="11074aa641b35c68" providerId="LiveId" clId="{8C4834CC-AAFC-417A-9869-4271BFA334C2}" dt="2019-05-31T21:10:19.942" v="1486" actId="20577"/>
+          <ac:spMkLst>
+            <pc:docMk/>
+            <pc:sldMk cId="4004018897" sldId="298"/>
+            <ac:spMk id="6" creationId="{4F4D9F13-C119-40D2-9B3B-8DCD9D0EA709}"/>
+          </ac:spMkLst>
+        </pc:spChg>
+      </pc:sldChg>
+    </pc:docChg>
+  </pc:docChgLst>
 </pc:chgInfo>
 </file>
 
@@ -1892,7 +1892,7 @@
               <a:rPr lang="en-US" smtClean="0">
                 <a:latin typeface="Segoe UI" pitchFamily="34" charset="0"/>
               </a:rPr>
-              <a:t>6/9/2019 10:41 AM</a:t>
+              <a:t>6/9/2019 5:29 PM</a:t>
             </a:fld>
             <a:endParaRPr lang="en-US" dirty="0">
               <a:latin typeface="Segoe UI" pitchFamily="34" charset="0"/>
@@ -2170,7 +2170,7 @@
           <a:p>
             <a:fld id="{38EEC551-8CDA-4EB6-89BB-2A86C9F091C8}" type="datetime8">
               <a:rPr lang="en-US" smtClean="0"/>
-              <a:t>6/9/2019 10:41 AM</a:t>
+              <a:t>6/9/2019 5:28 PM</a:t>
             </a:fld>
             <a:endParaRPr lang="en-US" dirty="0"/>
           </a:p>
@@ -2504,7 +2504,7 @@
           <a:p>
             <a:fld id="{6108602D-D426-4C00-B215-BFA18C076426}" type="datetime8">
               <a:rPr lang="en-US" smtClean="0"/>
-              <a:t>6/9/2019 10:46 AM</a:t>
+              <a:t>6/9/2019 5:28 PM</a:t>
             </a:fld>
             <a:endParaRPr lang="en-US" dirty="0"/>
           </a:p>
@@ -2669,7 +2669,7 @@
           <a:p>
             <a:fld id="{6108602D-D426-4C00-B215-BFA18C076426}" type="datetime8">
               <a:rPr lang="en-US" smtClean="0"/>
-              <a:t>6/9/2019 10:46 AM</a:t>
+              <a:t>6/9/2019 5:28 PM</a:t>
             </a:fld>
             <a:endParaRPr lang="en-US" dirty="0"/>
           </a:p>
@@ -2834,7 +2834,7 @@
           <a:p>
             <a:fld id="{6108602D-D426-4C00-B215-BFA18C076426}" type="datetime8">
               <a:rPr lang="en-US" smtClean="0"/>
-              <a:t>6/9/2019 10:57 AM</a:t>
+              <a:t>6/9/2019 5:28 PM</a:t>
             </a:fld>
             <a:endParaRPr lang="en-US" dirty="0"/>
           </a:p>
@@ -2999,7 +2999,7 @@
           <a:p>
             <a:fld id="{6108602D-D426-4C00-B215-BFA18C076426}" type="datetime8">
               <a:rPr lang="en-US" smtClean="0"/>
-              <a:t>6/9/2019 11:27 AM</a:t>
+              <a:t>6/9/2019 5:28 PM</a:t>
             </a:fld>
             <a:endParaRPr lang="en-US" dirty="0"/>
           </a:p>
@@ -3164,7 +3164,7 @@
           <a:p>
             <a:fld id="{6108602D-D426-4C00-B215-BFA18C076426}" type="datetime8">
               <a:rPr lang="en-US" smtClean="0"/>
-              <a:t>6/9/2019 11:29 AM</a:t>
+              <a:t>6/9/2019 5:28 PM</a:t>
             </a:fld>
             <a:endParaRPr lang="en-US" dirty="0"/>
           </a:p>
@@ -3329,7 +3329,7 @@
           <a:p>
             <a:fld id="{6108602D-D426-4C00-B215-BFA18C076426}" type="datetime8">
               <a:rPr lang="en-US" smtClean="0"/>
-              <a:t>6/9/2019 11:31 AM</a:t>
+              <a:t>6/9/2019 5:28 PM</a:t>
             </a:fld>
             <a:endParaRPr lang="en-US" dirty="0"/>
           </a:p>
@@ -3494,7 +3494,7 @@
           <a:p>
             <a:fld id="{6108602D-D426-4C00-B215-BFA18C076426}" type="datetime8">
               <a:rPr lang="en-US" smtClean="0"/>
-              <a:t>6/9/2019 11:32 AM</a:t>
+              <a:t>6/9/2019 5:28 PM</a:t>
             </a:fld>
             <a:endParaRPr lang="en-US" dirty="0"/>
           </a:p>
@@ -44965,8 +44965,8 @@
         </p:nvSpPr>
         <p:spPr>
           <a:xfrm>
-            <a:off x="365760" y="2456537"/>
-            <a:ext cx="11430001" cy="2031325"/>
+            <a:off x="365760" y="2352536"/>
+            <a:ext cx="11430001" cy="1754326"/>
           </a:xfrm>
           <a:prstGeom prst="rect">
             <a:avLst/>
@@ -45029,7 +45029,7 @@
                   <a:srgbClr val="00FFFF"/>
                 </a:highlight>
               </a:rPr>
-              <a:t>bear", "polar", "animal", "mammal", "outdoor", "water", "white", "large", "walking", "snow", "standing"], </a:t>
+              <a:t>bear", "polar", "animal", "mammal", "outdoor", "water", "white", "large", "walking", "snow"], </a:t>
             </a:r>
           </a:p>
           <a:p>
@@ -45182,8 +45182,8 @@
         </p:nvSpPr>
         <p:spPr>
           <a:xfrm>
-            <a:off x="365759" y="3649662"/>
-            <a:ext cx="11430002" cy="3139321"/>
+            <a:off x="6065837" y="4140140"/>
+            <a:ext cx="5729924" cy="2862322"/>
           </a:xfrm>
           <a:prstGeom prst="rect">
             <a:avLst/>
@@ -45306,23 +45306,6 @@
               </a:rPr>
               <a:t>snow</a:t>
             </a:r>
-          </a:p>
-          <a:p>
-            <a:r>
-              <a:rPr lang="en-US" dirty="0">
-                <a:highlight>
-                  <a:srgbClr val="00FFFF"/>
-                </a:highlight>
-                <a:latin typeface="Consolas" panose="020B0609020204030204" pitchFamily="49" charset="0"/>
-              </a:rPr>
-              <a:t>standing</a:t>
-            </a:r>
-            <a:endParaRPr lang="en-CA" dirty="0">
-              <a:highlight>
-                <a:srgbClr val="00FFFF"/>
-              </a:highlight>
-              <a:latin typeface="Consolas" panose="020B0609020204030204" pitchFamily="49" charset="0"/>
-            </a:endParaRPr>
           </a:p>
         </p:txBody>
       </p:sp>
@@ -46646,33 +46629,6 @@
 </file>
 
 <file path=customXml/item1.xml><?xml version="1.0" encoding="utf-8"?>
-<Control xmlns="http://schemas.microsoft.com/VisualStudio/2011/storyboarding/control">
-  <Id Name="fb22c541-ded0-47fa-8877-83a4c2d16227" Revision="1" Stencil="7276b9ef-3953-4dce-a89b-ed85f20b8b93" StencilVersion="1.0"/>
-</Control>
-</file>
-
-<file path=customXml/item10.xml><?xml version="1.0" encoding="utf-8"?>
-<Control xmlns="http://schemas.microsoft.com/VisualStudio/2011/storyboarding/control">
-  <Id Name="d69996e1-3d61-4686-9b63-f1b855c596ab" Revision="1" Stencil="7276b9ef-3953-4dce-a89b-ed85f20b8b93" StencilVersion="1.0"/>
-</Control>
-</file>
-
-<file path=customXml/item11.xml><?xml version="1.0" encoding="utf-8"?>
-<Control xmlns="http://schemas.microsoft.com/VisualStudio/2011/storyboarding/control">
-  <Id Name="d69996e1-3d61-4686-9b63-f1b855c596ab" Revision="1" Stencil="7276b9ef-3953-4dce-a89b-ed85f20b8b93" StencilVersion="1.0"/>
-</Control>
-</file>
-
-<file path=customXml/item12.xml><?xml version="1.0" encoding="utf-8"?>
-<?mso-contentType ?>
-<FormTemplates xmlns="http://schemas.microsoft.com/sharepoint/v3/contenttype/forms">
-  <Display>DocumentLibraryForm</Display>
-  <Edit>DocumentLibraryForm</Edit>
-  <New>DocumentLibraryForm</New>
-</FormTemplates>
-</file>
-
-<file path=customXml/item13.xml><?xml version="1.0" encoding="utf-8"?>
 <p:properties xmlns:p="http://schemas.microsoft.com/office/2006/metadata/properties" xmlns:xsi="http://www.w3.org/2001/XMLSchema-instance" xmlns:pc="http://schemas.microsoft.com/office/infopath/2007/PartnerControls">
   <documentManagement>
     <SharedWithUsers xmlns="83cd2334-221a-48c3-9034-bfd1542dfe28">
@@ -46696,19 +46652,7 @@
 </p:properties>
 </file>
 
-<file path=customXml/item14.xml><?xml version="1.0" encoding="utf-8"?>
-<Control xmlns="http://schemas.microsoft.com/VisualStudio/2011/storyboarding/control">
-  <Id Name="a2191c86-fc50-4add-948c-129f6b5a88d8" Revision="1" Stencil="7276b9ef-3953-4dce-a89b-ed85f20b8b93" StencilVersion="1.0"/>
-</Control>
-</file>
-
-<file path=customXml/item15.xml><?xml version="1.0" encoding="utf-8"?>
-<Control xmlns="http://schemas.microsoft.com/VisualStudio/2011/storyboarding/control">
-  <Id Name="d69996e1-3d61-4686-9b63-f1b855c596ab" Revision="1" Stencil="7276b9ef-3953-4dce-a89b-ed85f20b8b93" StencilVersion="1.0"/>
-</Control>
-</file>
-
-<file path=customXml/item16.xml><?xml version="1.0" encoding="utf-8"?>
+<file path=customXml/item10.xml><?xml version="1.0" encoding="utf-8"?>
 <?mso-contentType ?>
 <FormTemplates xmlns="http://schemas.microsoft.com/sharepoint/v3/contenttype/forms">
   <Display>DocumentLibraryForm</Display>
@@ -46717,7 +46661,82 @@
 </FormTemplates>
 </file>
 
+<file path=customXml/item11.xml><?xml version="1.0" encoding="utf-8"?>
+<?mso-contentType ?>
+<FormTemplates xmlns="http://schemas.microsoft.com/sharepoint/v3/contenttype/forms">
+  <Display>DocumentLibraryForm</Display>
+  <Edit>DocumentLibraryForm</Edit>
+  <New>DocumentLibraryForm</New>
+</FormTemplates>
+</file>
+
+<file path=customXml/item12.xml><?xml version="1.0" encoding="utf-8"?>
+<Control xmlns="http://schemas.microsoft.com/VisualStudio/2011/storyboarding/control">
+  <Id Name="369f9055-6b6c-48b9-9320-5df2d46c430a" Revision="1" Stencil="7276b9ef-3953-4dce-a89b-ed85f20b8b93" StencilVersion="1.0"/>
+</Control>
+</file>
+
+<file path=customXml/item13.xml><?xml version="1.0" encoding="utf-8"?>
+<?mso-contentType ?>
+<FormTemplates xmlns="http://schemas.microsoft.com/sharepoint/v3/contenttype/forms">
+  <Display>DocumentLibraryForm</Display>
+  <Edit>DocumentLibraryForm</Edit>
+  <New>DocumentLibraryForm</New>
+</FormTemplates>
+</file>
+
+<file path=customXml/item14.xml><?xml version="1.0" encoding="utf-8"?>
+<Control xmlns="http://schemas.microsoft.com/VisualStudio/2011/storyboarding/control">
+  <Id Name="369f9055-6b6c-48b9-9320-5df2d46c430a" Revision="1" Stencil="7276b9ef-3953-4dce-a89b-ed85f20b8b93" StencilVersion="1.0"/>
+</Control>
+</file>
+
+<file path=customXml/item15.xml><?xml version="1.0" encoding="utf-8"?>
+<Control xmlns="http://schemas.microsoft.com/VisualStudio/2011/storyboarding/control">
+  <Id Name="a53d73d2-368b-429e-b817-1324eec1382c" Revision="1" Stencil="7276b9ef-3953-4dce-a89b-ed85f20b8b93" StencilVersion="1.0"/>
+</Control>
+</file>
+
+<file path=customXml/item16.xml><?xml version="1.0" encoding="utf-8"?>
+<Control xmlns="http://schemas.microsoft.com/VisualStudio/2011/storyboarding/control">
+  <Id Name="a2191c86-fc50-4add-948c-129f6b5a88d8" Revision="1" Stencil="7276b9ef-3953-4dce-a89b-ed85f20b8b93" StencilVersion="1.0"/>
+</Control>
+</file>
+
 <file path=customXml/item17.xml><?xml version="1.0" encoding="utf-8"?>
+<Control xmlns="http://schemas.microsoft.com/VisualStudio/2011/storyboarding/control">
+  <Id Name="a53d73d2-368b-429e-b817-1324eec1382c" Revision="1" Stencil="7276b9ef-3953-4dce-a89b-ed85f20b8b93" StencilVersion="1.0"/>
+</Control>
+</file>
+
+<file path=customXml/item18.xml><?xml version="1.0" encoding="utf-8"?>
+<Control xmlns="http://schemas.microsoft.com/VisualStudio/2011/storyboarding/control">
+  <Id Name="a2191c86-fc50-4add-948c-129f6b5a88d8" Revision="1" Stencil="7276b9ef-3953-4dce-a89b-ed85f20b8b93" StencilVersion="1.0"/>
+</Control>
+</file>
+
+<file path=customXml/item19.xml><?xml version="1.0" encoding="utf-8"?>
+<Control xmlns="http://schemas.microsoft.com/VisualStudio/2011/storyboarding/control">
+  <Id Name="d69996e1-3d61-4686-9b63-f1b855c596ab" Revision="1" Stencil="7276b9ef-3953-4dce-a89b-ed85f20b8b93" StencilVersion="1.0"/>
+</Control>
+</file>
+
+<file path=customXml/item2.xml><?xml version="1.0" encoding="utf-8"?>
+<Control xmlns="http://schemas.microsoft.com/VisualStudio/2011/storyboarding/control">
+  <Id Name="a53d73d2-368b-429e-b817-1324eec1382c" Revision="1" Stencil="7276b9ef-3953-4dce-a89b-ed85f20b8b93" StencilVersion="1.0"/>
+</Control>
+</file>
+
+<file path=customXml/item20.xml><?xml version="1.0" encoding="utf-8"?>
+<?mso-contentType ?>
+<FormTemplates xmlns="http://schemas.microsoft.com/sharepoint/v3/contenttype/forms">
+  <Display>DocumentLibraryForm</Display>
+  <Edit>DocumentLibraryForm</Edit>
+  <New>DocumentLibraryForm</New>
+</FormTemplates>
+</file>
+
+<file path=customXml/item21.xml><?xml version="1.0" encoding="utf-8"?>
 <p:properties xmlns:p="http://schemas.microsoft.com/office/2006/metadata/properties" xmlns:xsi="http://www.w3.org/2001/XMLSchema-instance" xmlns:pc="http://schemas.microsoft.com/office/infopath/2007/PartnerControls">
   <documentManagement>
     <SharedWithUsers xmlns="83cd2334-221a-48c3-9034-bfd1542dfe28">
@@ -46741,7 +46760,37 @@
 </p:properties>
 </file>
 
-<file path=customXml/item18.xml><?xml version="1.0" encoding="utf-8"?>
+<file path=customXml/item22.xml><?xml version="1.0" encoding="utf-8"?>
+<Control xmlns="http://schemas.microsoft.com/VisualStudio/2011/storyboarding/control">
+  <Id Name="a2191c86-fc50-4add-948c-129f6b5a88d8" Revision="1" Stencil="7276b9ef-3953-4dce-a89b-ed85f20b8b93" StencilVersion="1.0"/>
+</Control>
+</file>
+
+<file path=customXml/item23.xml><?xml version="1.0" encoding="utf-8"?>
+<p:properties xmlns:p="http://schemas.microsoft.com/office/2006/metadata/properties" xmlns:xsi="http://www.w3.org/2001/XMLSchema-instance" xmlns:pc="http://schemas.microsoft.com/office/infopath/2007/PartnerControls">
+  <documentManagement>
+    <SharedWithUsers xmlns="83cd2334-221a-48c3-9034-bfd1542dfe28">
+      <UserInfo>
+        <DisplayName>Gilad Turbahn</DisplayName>
+        <AccountId>511</AccountId>
+        <AccountType/>
+      </UserInfo>
+      <UserInfo>
+        <DisplayName>Keith Boyd</DisplayName>
+        <AccountId>993</AccountId>
+        <AccountType/>
+      </UserInfo>
+      <UserInfo>
+        <DisplayName>Christopher Harrison</DisplayName>
+        <AccountId>1176</AccountId>
+        <AccountType/>
+      </UserInfo>
+    </SharedWithUsers>
+  </documentManagement>
+</p:properties>
+</file>
+
+<file path=customXml/item24.xml><?xml version="1.0" encoding="utf-8"?>
 <?mso-contentType ?>
 <FormTemplates xmlns="http://schemas.microsoft.com/sharepoint/v3/contenttype/forms">
   <Display>DocumentLibraryForm</Display>
@@ -46750,7 +46799,439 @@
 </FormTemplates>
 </file>
 
-<file path=customXml/item19.xml><?xml version="1.0" encoding="utf-8"?>
+<file path=customXml/item25.xml><?xml version="1.0" encoding="utf-8"?>
+<Control xmlns="http://schemas.microsoft.com/VisualStudio/2011/storyboarding/control">
+  <Id Name="a53d73d2-368b-429e-b817-1324eec1382c" Revision="1" Stencil="7276b9ef-3953-4dce-a89b-ed85f20b8b93" StencilVersion="1.0"/>
+</Control>
+</file>
+
+<file path=customXml/item26.xml><?xml version="1.0" encoding="utf-8"?>
+<p:properties xmlns:p="http://schemas.microsoft.com/office/2006/metadata/properties" xmlns:xsi="http://www.w3.org/2001/XMLSchema-instance" xmlns:pc="http://schemas.microsoft.com/office/infopath/2007/PartnerControls">
+  <documentManagement>
+    <SharedWithUsers xmlns="83cd2334-221a-48c3-9034-bfd1542dfe28">
+      <UserInfo>
+        <DisplayName>Gilad Turbahn</DisplayName>
+        <AccountId>511</AccountId>
+        <AccountType/>
+      </UserInfo>
+      <UserInfo>
+        <DisplayName>Keith Boyd</DisplayName>
+        <AccountId>993</AccountId>
+        <AccountType/>
+      </UserInfo>
+      <UserInfo>
+        <DisplayName>Christopher Harrison</DisplayName>
+        <AccountId>1176</AccountId>
+        <AccountType/>
+      </UserInfo>
+    </SharedWithUsers>
+  </documentManagement>
+</p:properties>
+</file>
+
+<file path=customXml/item27.xml><?xml version="1.0" encoding="utf-8"?>
+<?mso-contentType ?>
+<FormTemplates xmlns="http://schemas.microsoft.com/sharepoint/v3/contenttype/forms">
+  <Display>DocumentLibraryForm</Display>
+  <Edit>DocumentLibraryForm</Edit>
+  <New>DocumentLibraryForm</New>
+</FormTemplates>
+</file>
+
+<file path=customXml/item28.xml><?xml version="1.0" encoding="utf-8"?>
+<Control xmlns="http://schemas.microsoft.com/VisualStudio/2011/storyboarding/control">
+  <Id Name="d69996e1-3d61-4686-9b63-f1b855c596ab" Revision="1" Stencil="7276b9ef-3953-4dce-a89b-ed85f20b8b93" StencilVersion="1.0"/>
+</Control>
+</file>
+
+<file path=customXml/item29.xml><?xml version="1.0" encoding="utf-8"?>
+<Control xmlns="http://schemas.microsoft.com/VisualStudio/2011/storyboarding/control">
+  <Id Name="fb22c541-ded0-47fa-8877-83a4c2d16227" Revision="1" Stencil="7276b9ef-3953-4dce-a89b-ed85f20b8b93" StencilVersion="1.0"/>
+</Control>
+</file>
+
+<file path=customXml/item3.xml><?xml version="1.0" encoding="utf-8"?>
+<p:properties xmlns:p="http://schemas.microsoft.com/office/2006/metadata/properties" xmlns:xsi="http://www.w3.org/2001/XMLSchema-instance" xmlns:pc="http://schemas.microsoft.com/office/infopath/2007/PartnerControls">
+  <documentManagement>
+    <SharedWithUsers xmlns="83cd2334-221a-48c3-9034-bfd1542dfe28">
+      <UserInfo>
+        <DisplayName>Gilad Turbahn</DisplayName>
+        <AccountId>511</AccountId>
+        <AccountType/>
+      </UserInfo>
+      <UserInfo>
+        <DisplayName>Keith Boyd</DisplayName>
+        <AccountId>993</AccountId>
+        <AccountType/>
+      </UserInfo>
+      <UserInfo>
+        <DisplayName>Christopher Harrison</DisplayName>
+        <AccountId>1176</AccountId>
+        <AccountType/>
+      </UserInfo>
+    </SharedWithUsers>
+  </documentManagement>
+</p:properties>
+</file>
+
+<file path=customXml/item30.xml><?xml version="1.0" encoding="utf-8"?>
+<p:properties xmlns:p="http://schemas.microsoft.com/office/2006/metadata/properties" xmlns:xsi="http://www.w3.org/2001/XMLSchema-instance" xmlns:pc="http://schemas.microsoft.com/office/infopath/2007/PartnerControls">
+  <documentManagement>
+    <SharedWithUsers xmlns="83cd2334-221a-48c3-9034-bfd1542dfe28">
+      <UserInfo>
+        <DisplayName>Gilad Turbahn</DisplayName>
+        <AccountId>511</AccountId>
+        <AccountType/>
+      </UserInfo>
+      <UserInfo>
+        <DisplayName>Keith Boyd</DisplayName>
+        <AccountId>993</AccountId>
+        <AccountType/>
+      </UserInfo>
+      <UserInfo>
+        <DisplayName>Christopher Harrison</DisplayName>
+        <AccountId>1176</AccountId>
+        <AccountType/>
+      </UserInfo>
+    </SharedWithUsers>
+  </documentManagement>
+</p:properties>
+</file>
+
+<file path=customXml/item31.xml><?xml version="1.0" encoding="utf-8"?>
+<Control xmlns="http://schemas.microsoft.com/VisualStudio/2011/storyboarding/control">
+  <Id Name="d69996e1-3d61-4686-9b63-f1b855c596ab" Revision="1" Stencil="7276b9ef-3953-4dce-a89b-ed85f20b8b93" StencilVersion="1.0"/>
+</Control>
+</file>
+
+<file path=customXml/item32.xml><?xml version="1.0" encoding="utf-8"?>
+<p:properties xmlns:p="http://schemas.microsoft.com/office/2006/metadata/properties" xmlns:xsi="http://www.w3.org/2001/XMLSchema-instance" xmlns:pc="http://schemas.microsoft.com/office/infopath/2007/PartnerControls">
+  <documentManagement>
+    <SharedWithUsers xmlns="83cd2334-221a-48c3-9034-bfd1542dfe28">
+      <UserInfo>
+        <DisplayName>Gilad Turbahn</DisplayName>
+        <AccountId>511</AccountId>
+        <AccountType/>
+      </UserInfo>
+      <UserInfo>
+        <DisplayName>Keith Boyd</DisplayName>
+        <AccountId>993</AccountId>
+        <AccountType/>
+      </UserInfo>
+      <UserInfo>
+        <DisplayName>Christopher Harrison</DisplayName>
+        <AccountId>1176</AccountId>
+        <AccountType/>
+      </UserInfo>
+    </SharedWithUsers>
+  </documentManagement>
+</p:properties>
+</file>
+
+<file path=customXml/item33.xml><?xml version="1.0" encoding="utf-8"?>
+<Control xmlns="http://schemas.microsoft.com/VisualStudio/2011/storyboarding/control">
+  <Id Name="a53d73d2-368b-429e-b817-1324eec1382c" Revision="1" Stencil="7276b9ef-3953-4dce-a89b-ed85f20b8b93" StencilVersion="1.0"/>
+</Control>
+</file>
+
+<file path=customXml/item34.xml><?xml version="1.0" encoding="utf-8"?>
+<Control xmlns="http://schemas.microsoft.com/VisualStudio/2011/storyboarding/control">
+  <Id Name="fb22c541-ded0-47fa-8877-83a4c2d16227" Revision="1" Stencil="7276b9ef-3953-4dce-a89b-ed85f20b8b93" StencilVersion="1.0"/>
+</Control>
+</file>
+
+<file path=customXml/item35.xml><?xml version="1.0" encoding="utf-8"?>
+<Control xmlns="http://schemas.microsoft.com/VisualStudio/2011/storyboarding/control">
+  <Id Name="369f9055-6b6c-48b9-9320-5df2d46c430a" Revision="1" Stencil="7276b9ef-3953-4dce-a89b-ed85f20b8b93" StencilVersion="1.0"/>
+</Control>
+</file>
+
+<file path=customXml/item36.xml><?xml version="1.0" encoding="utf-8"?>
+<Control xmlns="http://schemas.microsoft.com/VisualStudio/2011/storyboarding/control">
+  <Id Name="a2191c86-fc50-4add-948c-129f6b5a88d8" Revision="1" Stencil="7276b9ef-3953-4dce-a89b-ed85f20b8b93" StencilVersion="1.0"/>
+</Control>
+</file>
+
+<file path=customXml/item37.xml><?xml version="1.0" encoding="utf-8"?>
+<Control xmlns="http://schemas.microsoft.com/VisualStudio/2011/storyboarding/control">
+  <Id Name="d69996e1-3d61-4686-9b63-f1b855c596ab" Revision="1" Stencil="7276b9ef-3953-4dce-a89b-ed85f20b8b93" StencilVersion="1.0"/>
+</Control>
+</file>
+
+<file path=customXml/item38.xml><?xml version="1.0" encoding="utf-8"?>
+<?mso-contentType ?>
+<FormTemplates xmlns="http://schemas.microsoft.com/sharepoint/v3/contenttype/forms">
+  <Display>DocumentLibraryForm</Display>
+  <Edit>DocumentLibraryForm</Edit>
+  <New>DocumentLibraryForm</New>
+</FormTemplates>
+</file>
+
+<file path=customXml/item39.xml><?xml version="1.0" encoding="utf-8"?>
+<?mso-contentType ?>
+<FormTemplates xmlns="http://schemas.microsoft.com/sharepoint/v3/contenttype/forms">
+  <Display>DocumentLibraryForm</Display>
+  <Edit>DocumentLibraryForm</Edit>
+  <New>DocumentLibraryForm</New>
+</FormTemplates>
+</file>
+
+<file path=customXml/item4.xml><?xml version="1.0" encoding="utf-8"?>
+<Control xmlns="http://schemas.microsoft.com/VisualStudio/2011/storyboarding/control">
+  <Id Name="369f9055-6b6c-48b9-9320-5df2d46c430a" Revision="1" Stencil="7276b9ef-3953-4dce-a89b-ed85f20b8b93" StencilVersion="1.0"/>
+</Control>
+</file>
+
+<file path=customXml/item40.xml><?xml version="1.0" encoding="utf-8"?>
+<p:properties xmlns:p="http://schemas.microsoft.com/office/2006/metadata/properties" xmlns:xsi="http://www.w3.org/2001/XMLSchema-instance" xmlns:pc="http://schemas.microsoft.com/office/infopath/2007/PartnerControls">
+  <documentManagement>
+    <SharedWithUsers xmlns="83cd2334-221a-48c3-9034-bfd1542dfe28">
+      <UserInfo>
+        <DisplayName>Gilad Turbahn</DisplayName>
+        <AccountId>511</AccountId>
+        <AccountType/>
+      </UserInfo>
+      <UserInfo>
+        <DisplayName>Keith Boyd</DisplayName>
+        <AccountId>993</AccountId>
+        <AccountType/>
+      </UserInfo>
+      <UserInfo>
+        <DisplayName>Christopher Harrison</DisplayName>
+        <AccountId>1176</AccountId>
+        <AccountType/>
+      </UserInfo>
+    </SharedWithUsers>
+  </documentManagement>
+</p:properties>
+</file>
+
+<file path=customXml/item41.xml><?xml version="1.0" encoding="utf-8"?>
+<Control xmlns="http://schemas.microsoft.com/VisualStudio/2011/storyboarding/control">
+  <Id Name="a53d73d2-368b-429e-b817-1324eec1382c" Revision="1" Stencil="7276b9ef-3953-4dce-a89b-ed85f20b8b93" StencilVersion="1.0"/>
+</Control>
+</file>
+
+<file path=customXml/item42.xml><?xml version="1.0" encoding="utf-8"?>
+<Control xmlns="http://schemas.microsoft.com/VisualStudio/2011/storyboarding/control">
+  <Id Name="d69996e1-3d61-4686-9b63-f1b855c596ab" Revision="1" Stencil="7276b9ef-3953-4dce-a89b-ed85f20b8b93" StencilVersion="1.0"/>
+</Control>
+</file>
+
+<file path=customXml/item43.xml><?xml version="1.0" encoding="utf-8"?>
+<p:properties xmlns:p="http://schemas.microsoft.com/office/2006/metadata/properties" xmlns:xsi="http://www.w3.org/2001/XMLSchema-instance" xmlns:pc="http://schemas.microsoft.com/office/infopath/2007/PartnerControls">
+  <documentManagement>
+    <SharedWithUsers xmlns="83cd2334-221a-48c3-9034-bfd1542dfe28">
+      <UserInfo>
+        <DisplayName>Gilad Turbahn</DisplayName>
+        <AccountId>511</AccountId>
+        <AccountType/>
+      </UserInfo>
+      <UserInfo>
+        <DisplayName>Keith Boyd</DisplayName>
+        <AccountId>993</AccountId>
+        <AccountType/>
+      </UserInfo>
+      <UserInfo>
+        <DisplayName>Christopher Harrison</DisplayName>
+        <AccountId>1176</AccountId>
+        <AccountType/>
+      </UserInfo>
+    </SharedWithUsers>
+  </documentManagement>
+</p:properties>
+</file>
+
+<file path=customXml/item44.xml><?xml version="1.0" encoding="utf-8"?>
+<?mso-contentType ?>
+<FormTemplates xmlns="http://schemas.microsoft.com/sharepoint/v3/contenttype/forms">
+  <Display>DocumentLibraryForm</Display>
+  <Edit>DocumentLibraryForm</Edit>
+  <New>DocumentLibraryForm</New>
+</FormTemplates>
+</file>
+
+<file path=customXml/item45.xml><?xml version="1.0" encoding="utf-8"?>
+<?mso-contentType ?>
+<FormTemplates xmlns="http://schemas.microsoft.com/sharepoint/v3/contenttype/forms">
+  <Display>DocumentLibraryForm</Display>
+  <Edit>DocumentLibraryForm</Edit>
+  <New>DocumentLibraryForm</New>
+</FormTemplates>
+</file>
+
+<file path=customXml/item46.xml><?xml version="1.0" encoding="utf-8"?>
+<p:properties xmlns:p="http://schemas.microsoft.com/office/2006/metadata/properties" xmlns:xsi="http://www.w3.org/2001/XMLSchema-instance" xmlns:pc="http://schemas.microsoft.com/office/infopath/2007/PartnerControls">
+  <documentManagement>
+    <SharedWithUsers xmlns="83cd2334-221a-48c3-9034-bfd1542dfe28">
+      <UserInfo>
+        <DisplayName>Gilad Turbahn</DisplayName>
+        <AccountId>511</AccountId>
+        <AccountType/>
+      </UserInfo>
+      <UserInfo>
+        <DisplayName>Keith Boyd</DisplayName>
+        <AccountId>993</AccountId>
+        <AccountType/>
+      </UserInfo>
+      <UserInfo>
+        <DisplayName>Christopher Harrison</DisplayName>
+        <AccountId>1176</AccountId>
+        <AccountType/>
+      </UserInfo>
+    </SharedWithUsers>
+  </documentManagement>
+</p:properties>
+</file>
+
+<file path=customXml/item47.xml><?xml version="1.0" encoding="utf-8"?>
+<Control xmlns="http://schemas.microsoft.com/VisualStudio/2011/storyboarding/control">
+  <Id Name="fb22c541-ded0-47fa-8877-83a4c2d16227" Revision="1" Stencil="7276b9ef-3953-4dce-a89b-ed85f20b8b93" StencilVersion="1.0"/>
+</Control>
+</file>
+
+<file path=customXml/item48.xml><?xml version="1.0" encoding="utf-8"?>
+<Control xmlns="http://schemas.microsoft.com/VisualStudio/2011/storyboarding/control">
+  <Id Name="fb22c541-ded0-47fa-8877-83a4c2d16227" Revision="1" Stencil="7276b9ef-3953-4dce-a89b-ed85f20b8b93" StencilVersion="1.0"/>
+</Control>
+</file>
+
+<file path=customXml/item49.xml><?xml version="1.0" encoding="utf-8"?>
+<?mso-contentType ?>
+<FormTemplates xmlns="http://schemas.microsoft.com/sharepoint/v3/contenttype/forms">
+  <Display>DocumentLibraryForm</Display>
+  <Edit>DocumentLibraryForm</Edit>
+  <New>DocumentLibraryForm</New>
+</FormTemplates>
+</file>
+
+<file path=customXml/item5.xml><?xml version="1.0" encoding="utf-8"?>
+<Control xmlns="http://schemas.microsoft.com/VisualStudio/2011/storyboarding/control">
+  <Id Name="fb22c541-ded0-47fa-8877-83a4c2d16227" Revision="1" Stencil="7276b9ef-3953-4dce-a89b-ed85f20b8b93" StencilVersion="1.0"/>
+</Control>
+</file>
+
+<file path=customXml/item50.xml><?xml version="1.0" encoding="utf-8"?>
+<?mso-contentType ?>
+<FormTemplates xmlns="http://schemas.microsoft.com/sharepoint/v3/contenttype/forms">
+  <Display>DocumentLibraryForm</Display>
+  <Edit>DocumentLibraryForm</Edit>
+  <New>DocumentLibraryForm</New>
+</FormTemplates>
+</file>
+
+<file path=customXml/item51.xml><?xml version="1.0" encoding="utf-8"?>
+<p:properties xmlns:p="http://schemas.microsoft.com/office/2006/metadata/properties" xmlns:xsi="http://www.w3.org/2001/XMLSchema-instance" xmlns:pc="http://schemas.microsoft.com/office/infopath/2007/PartnerControls">
+  <documentManagement>
+    <SharedWithUsers xmlns="83cd2334-221a-48c3-9034-bfd1542dfe28">
+      <UserInfo>
+        <DisplayName>Gilad Turbahn</DisplayName>
+        <AccountId>511</AccountId>
+        <AccountType/>
+      </UserInfo>
+      <UserInfo>
+        <DisplayName>Keith Boyd</DisplayName>
+        <AccountId>993</AccountId>
+        <AccountType/>
+      </UserInfo>
+      <UserInfo>
+        <DisplayName>Christopher Harrison</DisplayName>
+        <AccountId>1176</AccountId>
+        <AccountType/>
+      </UserInfo>
+    </SharedWithUsers>
+  </documentManagement>
+</p:properties>
+</file>
+
+<file path=customXml/item52.xml><?xml version="1.0" encoding="utf-8"?>
+<p:properties xmlns:p="http://schemas.microsoft.com/office/2006/metadata/properties" xmlns:xsi="http://www.w3.org/2001/XMLSchema-instance" xmlns:pc="http://schemas.microsoft.com/office/infopath/2007/PartnerControls">
+  <documentManagement>
+    <SharedWithUsers xmlns="83cd2334-221a-48c3-9034-bfd1542dfe28">
+      <UserInfo>
+        <DisplayName>Gilad Turbahn</DisplayName>
+        <AccountId>511</AccountId>
+        <AccountType/>
+      </UserInfo>
+      <UserInfo>
+        <DisplayName>Keith Boyd</DisplayName>
+        <AccountId>993</AccountId>
+        <AccountType/>
+      </UserInfo>
+      <UserInfo>
+        <DisplayName>Christopher Harrison</DisplayName>
+        <AccountId>1176</AccountId>
+        <AccountType/>
+      </UserInfo>
+    </SharedWithUsers>
+  </documentManagement>
+</p:properties>
+</file>
+
+<file path=customXml/item53.xml><?xml version="1.0" encoding="utf-8"?>
+<Control xmlns="http://schemas.microsoft.com/VisualStudio/2011/storyboarding/control">
+  <Id Name="369f9055-6b6c-48b9-9320-5df2d46c430a" Revision="1" Stencil="7276b9ef-3953-4dce-a89b-ed85f20b8b93" StencilVersion="1.0"/>
+</Control>
+</file>
+
+<file path=customXml/item54.xml><?xml version="1.0" encoding="utf-8"?>
+<Control xmlns="http://schemas.microsoft.com/VisualStudio/2011/storyboarding/control">
+  <Id Name="369f9055-6b6c-48b9-9320-5df2d46c430a" Revision="1" Stencil="7276b9ef-3953-4dce-a89b-ed85f20b8b93" StencilVersion="1.0"/>
+</Control>
+</file>
+
+<file path=customXml/item55.xml><?xml version="1.0" encoding="utf-8"?>
+<?mso-contentType ?>
+<FormTemplates xmlns="http://schemas.microsoft.com/sharepoint/v3/contenttype/forms">
+  <Display>DocumentLibraryForm</Display>
+  <Edit>DocumentLibraryForm</Edit>
+  <New>DocumentLibraryForm</New>
+</FormTemplates>
+</file>
+
+<file path=customXml/item56.xml><?xml version="1.0" encoding="utf-8"?>
+<Control xmlns="http://schemas.microsoft.com/VisualStudio/2011/storyboarding/control">
+  <Id Name="fb22c541-ded0-47fa-8877-83a4c2d16227" Revision="1" Stencil="7276b9ef-3953-4dce-a89b-ed85f20b8b93" StencilVersion="1.0"/>
+</Control>
+</file>
+
+<file path=customXml/item57.xml><?xml version="1.0" encoding="utf-8"?>
+<Control xmlns="http://schemas.microsoft.com/VisualStudio/2011/storyboarding/control">
+  <Id Name="d69996e1-3d61-4686-9b63-f1b855c596ab" Revision="1" Stencil="7276b9ef-3953-4dce-a89b-ed85f20b8b93" StencilVersion="1.0"/>
+</Control>
+</file>
+
+<file path=customXml/item6.xml><?xml version="1.0" encoding="utf-8"?>
+<Control xmlns="http://schemas.microsoft.com/VisualStudio/2011/storyboarding/control">
+  <Id Name="a2191c86-fc50-4add-948c-129f6b5a88d8" Revision="1" Stencil="7276b9ef-3953-4dce-a89b-ed85f20b8b93" StencilVersion="1.0"/>
+</Control>
+</file>
+
+<file path=customXml/item7.xml><?xml version="1.0" encoding="utf-8"?>
+<p:properties xmlns:p="http://schemas.microsoft.com/office/2006/metadata/properties" xmlns:xsi="http://www.w3.org/2001/XMLSchema-instance" xmlns:pc="http://schemas.microsoft.com/office/infopath/2007/PartnerControls">
+  <documentManagement>
+    <SharedWithUsers xmlns="83cd2334-221a-48c3-9034-bfd1542dfe28">
+      <UserInfo>
+        <DisplayName>Gilad Turbahn</DisplayName>
+        <AccountId>511</AccountId>
+        <AccountType/>
+      </UserInfo>
+      <UserInfo>
+        <DisplayName>Keith Boyd</DisplayName>
+        <AccountId>993</AccountId>
+        <AccountType/>
+      </UserInfo>
+      <UserInfo>
+        <DisplayName>Christopher Harrison</DisplayName>
+        <AccountId>1176</AccountId>
+        <AccountType/>
+      </UserInfo>
+    </SharedWithUsers>
+  </documentManagement>
+</p:properties>
+</file>
+
+<file path=customXml/item8.xml><?xml version="1.0" encoding="utf-8"?>
 <ct:contentTypeSchema xmlns:ct="http://schemas.microsoft.com/office/2006/metadata/contentType" xmlns:ma="http://schemas.microsoft.com/office/2006/metadata/properties/metaAttributes" ct:_="" ma:_="" ma:contentTypeName="Document" ma:contentTypeID="0x010100674EDBEC711BD14FBA6FF5C10FEFEAC7" ma:contentTypeVersion="2" ma:contentTypeDescription="Create a new document." ma:contentTypeScope="" ma:versionID="2439c5e21841780d4f192983b535a097">
   <xsd:schema xmlns:xsd="http://www.w3.org/2001/XMLSchema" xmlns:xs="http://www.w3.org/2001/XMLSchema" xmlns:p="http://schemas.microsoft.com/office/2006/metadata/properties" xmlns:ns2="83cd2334-221a-48c3-9034-bfd1542dfe28" targetNamespace="http://schemas.microsoft.com/office/2006/metadata/properties" ma:root="true" ma:fieldsID="2bca9163d8d0b233c3086236a9289b04" ns2:_="">
     <xsd:import namespace="83cd2334-221a-48c3-9034-bfd1542dfe28"/>
@@ -46898,511 +47379,189 @@
 </ct:contentTypeSchema>
 </file>
 
-<file path=customXml/item2.xml><?xml version="1.0" encoding="utf-8"?>
-<Control xmlns="http://schemas.microsoft.com/VisualStudio/2011/storyboarding/control">
-  <Id Name="369f9055-6b6c-48b9-9320-5df2d46c430a" Revision="1" Stencil="7276b9ef-3953-4dce-a89b-ed85f20b8b93" StencilVersion="1.0"/>
-</Control>
-</file>
-
-<file path=customXml/item20.xml><?xml version="1.0" encoding="utf-8"?>
-<p:properties xmlns:p="http://schemas.microsoft.com/office/2006/metadata/properties" xmlns:xsi="http://www.w3.org/2001/XMLSchema-instance" xmlns:pc="http://schemas.microsoft.com/office/infopath/2007/PartnerControls">
-  <documentManagement>
-    <SharedWithUsers xmlns="83cd2334-221a-48c3-9034-bfd1542dfe28">
-      <UserInfo>
-        <DisplayName>Gilad Turbahn</DisplayName>
-        <AccountId>511</AccountId>
-        <AccountType/>
-      </UserInfo>
-      <UserInfo>
-        <DisplayName>Keith Boyd</DisplayName>
-        <AccountId>993</AccountId>
-        <AccountType/>
-      </UserInfo>
-      <UserInfo>
-        <DisplayName>Christopher Harrison</DisplayName>
-        <AccountId>1176</AccountId>
-        <AccountType/>
-      </UserInfo>
-    </SharedWithUsers>
-  </documentManagement>
-</p:properties>
-</file>
-
-<file path=customXml/item21.xml><?xml version="1.0" encoding="utf-8"?>
-<p:properties xmlns:p="http://schemas.microsoft.com/office/2006/metadata/properties" xmlns:xsi="http://www.w3.org/2001/XMLSchema-instance" xmlns:pc="http://schemas.microsoft.com/office/infopath/2007/PartnerControls">
-  <documentManagement>
-    <SharedWithUsers xmlns="83cd2334-221a-48c3-9034-bfd1542dfe28">
-      <UserInfo>
-        <DisplayName>Gilad Turbahn</DisplayName>
-        <AccountId>511</AccountId>
-        <AccountType/>
-      </UserInfo>
-      <UserInfo>
-        <DisplayName>Keith Boyd</DisplayName>
-        <AccountId>993</AccountId>
-        <AccountType/>
-      </UserInfo>
-      <UserInfo>
-        <DisplayName>Christopher Harrison</DisplayName>
-        <AccountId>1176</AccountId>
-        <AccountType/>
-      </UserInfo>
-    </SharedWithUsers>
-  </documentManagement>
-</p:properties>
-</file>
-
-<file path=customXml/item22.xml><?xml version="1.0" encoding="utf-8"?>
-<?mso-contentType ?>
-<FormTemplates xmlns="http://schemas.microsoft.com/sharepoint/v3/contenttype/forms">
-  <Display>DocumentLibraryForm</Display>
-  <Edit>DocumentLibraryForm</Edit>
-  <New>DocumentLibraryForm</New>
-</FormTemplates>
-</file>
-
-<file path=customXml/item23.xml><?xml version="1.0" encoding="utf-8"?>
-<p:properties xmlns:p="http://schemas.microsoft.com/office/2006/metadata/properties" xmlns:xsi="http://www.w3.org/2001/XMLSchema-instance" xmlns:pc="http://schemas.microsoft.com/office/infopath/2007/PartnerControls">
-  <documentManagement>
-    <SharedWithUsers xmlns="83cd2334-221a-48c3-9034-bfd1542dfe28">
-      <UserInfo>
-        <DisplayName>Gilad Turbahn</DisplayName>
-        <AccountId>511</AccountId>
-        <AccountType/>
-      </UserInfo>
-      <UserInfo>
-        <DisplayName>Keith Boyd</DisplayName>
-        <AccountId>993</AccountId>
-        <AccountType/>
-      </UserInfo>
-      <UserInfo>
-        <DisplayName>Christopher Harrison</DisplayName>
-        <AccountId>1176</AccountId>
-        <AccountType/>
-      </UserInfo>
-    </SharedWithUsers>
-  </documentManagement>
-</p:properties>
-</file>
-
-<file path=customXml/item24.xml><?xml version="1.0" encoding="utf-8"?>
-<p:properties xmlns:p="http://schemas.microsoft.com/office/2006/metadata/properties" xmlns:xsi="http://www.w3.org/2001/XMLSchema-instance" xmlns:pc="http://schemas.microsoft.com/office/infopath/2007/PartnerControls">
-  <documentManagement>
-    <SharedWithUsers xmlns="83cd2334-221a-48c3-9034-bfd1542dfe28">
-      <UserInfo>
-        <DisplayName>Gilad Turbahn</DisplayName>
-        <AccountId>511</AccountId>
-        <AccountType/>
-      </UserInfo>
-      <UserInfo>
-        <DisplayName>Keith Boyd</DisplayName>
-        <AccountId>993</AccountId>
-        <AccountType/>
-      </UserInfo>
-      <UserInfo>
-        <DisplayName>Christopher Harrison</DisplayName>
-        <AccountId>1176</AccountId>
-        <AccountType/>
-      </UserInfo>
-    </SharedWithUsers>
-  </documentManagement>
-</p:properties>
-</file>
-
-<file path=customXml/item25.xml><?xml version="1.0" encoding="utf-8"?>
+<file path=customXml/item9.xml><?xml version="1.0" encoding="utf-8"?>
 <Control xmlns="http://schemas.microsoft.com/VisualStudio/2011/storyboarding/control">
   <Id Name="a2191c86-fc50-4add-948c-129f6b5a88d8" Revision="1" Stencil="7276b9ef-3953-4dce-a89b-ed85f20b8b93" StencilVersion="1.0"/>
 </Control>
 </file>
 
-<file path=customXml/item26.xml><?xml version="1.0" encoding="utf-8"?>
-<?mso-contentType ?>
-<FormTemplates xmlns="http://schemas.microsoft.com/sharepoint/v3/contenttype/forms">
-  <Display>DocumentLibraryForm</Display>
-  <Edit>DocumentLibraryForm</Edit>
-  <New>DocumentLibraryForm</New>
-</FormTemplates>
+<file path=customXml/itemProps1.xml><?xml version="1.0" encoding="utf-8"?>
+<ds:datastoreItem xmlns:ds="http://schemas.openxmlformats.org/officeDocument/2006/customXml" ds:itemID="{1B69B6B1-FB2A-4C02-95B6-C12A54DCD27B}">
+  <ds:schemaRefs>
+    <ds:schemaRef ds:uri="http://schemas.microsoft.com/office/2006/metadata/properties"/>
+    <ds:schemaRef ds:uri="http://schemas.microsoft.com/office/infopath/2007/PartnerControls"/>
+    <ds:schemaRef ds:uri="83cd2334-221a-48c3-9034-bfd1542dfe28"/>
+  </ds:schemaRefs>
+</ds:datastoreItem>
 </file>
 
-<file path=customXml/item27.xml><?xml version="1.0" encoding="utf-8"?>
-<?mso-contentType ?>
-<FormTemplates xmlns="http://schemas.microsoft.com/sharepoint/v3/contenttype/forms">
-  <Display>DocumentLibraryForm</Display>
-  <Edit>DocumentLibraryForm</Edit>
-  <New>DocumentLibraryForm</New>
-</FormTemplates>
+<file path=customXml/itemProps10.xml><?xml version="1.0" encoding="utf-8"?>
+<ds:datastoreItem xmlns:ds="http://schemas.openxmlformats.org/officeDocument/2006/customXml" ds:itemID="{2F30C844-8093-47D2-A9B2-B7BEE821CE68}">
+  <ds:schemaRefs>
+    <ds:schemaRef ds:uri="http://schemas.microsoft.com/sharepoint/v3/contenttype/forms"/>
+  </ds:schemaRefs>
+</ds:datastoreItem>
 </file>
 
-<file path=customXml/item28.xml><?xml version="1.0" encoding="utf-8"?>
-<Control xmlns="http://schemas.microsoft.com/VisualStudio/2011/storyboarding/control">
-  <Id Name="a53d73d2-368b-429e-b817-1324eec1382c" Revision="1" Stencil="7276b9ef-3953-4dce-a89b-ed85f20b8b93" StencilVersion="1.0"/>
-</Control>
+<file path=customXml/itemProps11.xml><?xml version="1.0" encoding="utf-8"?>
+<ds:datastoreItem xmlns:ds="http://schemas.openxmlformats.org/officeDocument/2006/customXml" ds:itemID="{758FDAC0-319D-4A54-8D8E-1D42CB1F8004}">
+  <ds:schemaRefs>
+    <ds:schemaRef ds:uri="http://schemas.microsoft.com/sharepoint/v3/contenttype/forms"/>
+  </ds:schemaRefs>
+</ds:datastoreItem>
 </file>
 
-<file path=customXml/item29.xml><?xml version="1.0" encoding="utf-8"?>
-<Control xmlns="http://schemas.microsoft.com/VisualStudio/2011/storyboarding/control">
-  <Id Name="fb22c541-ded0-47fa-8877-83a4c2d16227" Revision="1" Stencil="7276b9ef-3953-4dce-a89b-ed85f20b8b93" StencilVersion="1.0"/>
-</Control>
+<file path=customXml/itemProps12.xml><?xml version="1.0" encoding="utf-8"?>
+<ds:datastoreItem xmlns:ds="http://schemas.openxmlformats.org/officeDocument/2006/customXml" ds:itemID="{08C4EE12-DF69-4FFC-9E40-C7991F3490A6}">
+  <ds:schemaRefs>
+    <ds:schemaRef ds:uri="http://schemas.microsoft.com/VisualStudio/2011/storyboarding/control"/>
+  </ds:schemaRefs>
+</ds:datastoreItem>
 </file>
 
-<file path=customXml/item3.xml><?xml version="1.0" encoding="utf-8"?>
-<Control xmlns="http://schemas.microsoft.com/VisualStudio/2011/storyboarding/control">
-  <Id Name="d69996e1-3d61-4686-9b63-f1b855c596ab" Revision="1" Stencil="7276b9ef-3953-4dce-a89b-ed85f20b8b93" StencilVersion="1.0"/>
-</Control>
+<file path=customXml/itemProps13.xml><?xml version="1.0" encoding="utf-8"?>
+<ds:datastoreItem xmlns:ds="http://schemas.openxmlformats.org/officeDocument/2006/customXml" ds:itemID="{1EF25EC2-965B-4491-9691-6B806C9E3B8B}">
+  <ds:schemaRefs>
+    <ds:schemaRef ds:uri="http://schemas.microsoft.com/sharepoint/v3/contenttype/forms"/>
+  </ds:schemaRefs>
+</ds:datastoreItem>
 </file>
 
-<file path=customXml/item30.xml><?xml version="1.0" encoding="utf-8"?>
-<Control xmlns="http://schemas.microsoft.com/VisualStudio/2011/storyboarding/control">
-  <Id Name="369f9055-6b6c-48b9-9320-5df2d46c430a" Revision="1" Stencil="7276b9ef-3953-4dce-a89b-ed85f20b8b93" StencilVersion="1.0"/>
-</Control>
+<file path=customXml/itemProps14.xml><?xml version="1.0" encoding="utf-8"?>
+<ds:datastoreItem xmlns:ds="http://schemas.openxmlformats.org/officeDocument/2006/customXml" ds:itemID="{38217AA1-CC95-49A9-B284-2ED4D347D7CA}">
+  <ds:schemaRefs>
+    <ds:schemaRef ds:uri="http://schemas.microsoft.com/VisualStudio/2011/storyboarding/control"/>
+  </ds:schemaRefs>
+</ds:datastoreItem>
 </file>
 
-<file path=customXml/item31.xml><?xml version="1.0" encoding="utf-8"?>
-<?mso-contentType ?>
-<FormTemplates xmlns="http://schemas.microsoft.com/sharepoint/v3/contenttype/forms">
-  <Display>DocumentLibraryForm</Display>
-  <Edit>DocumentLibraryForm</Edit>
-  <New>DocumentLibraryForm</New>
-</FormTemplates>
+<file path=customXml/itemProps15.xml><?xml version="1.0" encoding="utf-8"?>
+<ds:datastoreItem xmlns:ds="http://schemas.openxmlformats.org/officeDocument/2006/customXml" ds:itemID="{6FB9D450-4C47-4A44-8C0D-C78D8A54C46F}">
+  <ds:schemaRefs>
+    <ds:schemaRef ds:uri="http://schemas.microsoft.com/VisualStudio/2011/storyboarding/control"/>
+  </ds:schemaRefs>
+</ds:datastoreItem>
 </file>
 
-<file path=customXml/item32.xml><?xml version="1.0" encoding="utf-8"?>
-<Control xmlns="http://schemas.microsoft.com/VisualStudio/2011/storyboarding/control">
-  <Id Name="a53d73d2-368b-429e-b817-1324eec1382c" Revision="1" Stencil="7276b9ef-3953-4dce-a89b-ed85f20b8b93" StencilVersion="1.0"/>
-</Control>
+<file path=customXml/itemProps16.xml><?xml version="1.0" encoding="utf-8"?>
+<ds:datastoreItem xmlns:ds="http://schemas.openxmlformats.org/officeDocument/2006/customXml" ds:itemID="{8257D6BC-B71E-4D95-81E4-A1D4A8174168}">
+  <ds:schemaRefs>
+    <ds:schemaRef ds:uri="http://schemas.microsoft.com/VisualStudio/2011/storyboarding/control"/>
+  </ds:schemaRefs>
+</ds:datastoreItem>
 </file>
 
-<file path=customXml/item33.xml><?xml version="1.0" encoding="utf-8"?>
-<p:properties xmlns:p="http://schemas.microsoft.com/office/2006/metadata/properties" xmlns:xsi="http://www.w3.org/2001/XMLSchema-instance" xmlns:pc="http://schemas.microsoft.com/office/infopath/2007/PartnerControls">
-  <documentManagement>
-    <SharedWithUsers xmlns="83cd2334-221a-48c3-9034-bfd1542dfe28">
-      <UserInfo>
-        <DisplayName>Gilad Turbahn</DisplayName>
-        <AccountId>511</AccountId>
-        <AccountType/>
-      </UserInfo>
-      <UserInfo>
-        <DisplayName>Keith Boyd</DisplayName>
-        <AccountId>993</AccountId>
-        <AccountType/>
-      </UserInfo>
-      <UserInfo>
-        <DisplayName>Christopher Harrison</DisplayName>
-        <AccountId>1176</AccountId>
-        <AccountType/>
-      </UserInfo>
-    </SharedWithUsers>
-  </documentManagement>
-</p:properties>
+<file path=customXml/itemProps17.xml><?xml version="1.0" encoding="utf-8"?>
+<ds:datastoreItem xmlns:ds="http://schemas.openxmlformats.org/officeDocument/2006/customXml" ds:itemID="{21F6B647-976A-41D0-B760-9DF9DFC6AE3C}">
+  <ds:schemaRefs>
+    <ds:schemaRef ds:uri="http://schemas.microsoft.com/VisualStudio/2011/storyboarding/control"/>
+  </ds:schemaRefs>
+</ds:datastoreItem>
 </file>
 
-<file path=customXml/item34.xml><?xml version="1.0" encoding="utf-8"?>
-<p:properties xmlns:p="http://schemas.microsoft.com/office/2006/metadata/properties" xmlns:xsi="http://www.w3.org/2001/XMLSchema-instance" xmlns:pc="http://schemas.microsoft.com/office/infopath/2007/PartnerControls">
-  <documentManagement>
-    <SharedWithUsers xmlns="83cd2334-221a-48c3-9034-bfd1542dfe28">
-      <UserInfo>
-        <DisplayName>Gilad Turbahn</DisplayName>
-        <AccountId>511</AccountId>
-        <AccountType/>
-      </UserInfo>
-      <UserInfo>
-        <DisplayName>Keith Boyd</DisplayName>
-        <AccountId>993</AccountId>
-        <AccountType/>
-      </UserInfo>
-      <UserInfo>
-        <DisplayName>Christopher Harrison</DisplayName>
-        <AccountId>1176</AccountId>
-        <AccountType/>
-      </UserInfo>
-    </SharedWithUsers>
-  </documentManagement>
-</p:properties>
+<file path=customXml/itemProps18.xml><?xml version="1.0" encoding="utf-8"?>
+<ds:datastoreItem xmlns:ds="http://schemas.openxmlformats.org/officeDocument/2006/customXml" ds:itemID="{4B16F4FE-7C26-4443-B426-81998D23ED87}">
+  <ds:schemaRefs>
+    <ds:schemaRef ds:uri="http://schemas.microsoft.com/VisualStudio/2011/storyboarding/control"/>
+  </ds:schemaRefs>
+</ds:datastoreItem>
 </file>
 
-<file path=customXml/item35.xml><?xml version="1.0" encoding="utf-8"?>
-<?mso-contentType ?>
-<FormTemplates xmlns="http://schemas.microsoft.com/sharepoint/v3/contenttype/forms">
-  <Display>DocumentLibraryForm</Display>
-  <Edit>DocumentLibraryForm</Edit>
-  <New>DocumentLibraryForm</New>
-</FormTemplates>
+<file path=customXml/itemProps19.xml><?xml version="1.0" encoding="utf-8"?>
+<ds:datastoreItem xmlns:ds="http://schemas.openxmlformats.org/officeDocument/2006/customXml" ds:itemID="{C63AC2F0-1DEB-4E91-A88A-7A014A172F4F}">
+  <ds:schemaRefs>
+    <ds:schemaRef ds:uri="http://schemas.microsoft.com/VisualStudio/2011/storyboarding/control"/>
+  </ds:schemaRefs>
+</ds:datastoreItem>
 </file>
 
-<file path=customXml/item36.xml><?xml version="1.0" encoding="utf-8"?>
-<Control xmlns="http://schemas.microsoft.com/VisualStudio/2011/storyboarding/control">
-  <Id Name="fb22c541-ded0-47fa-8877-83a4c2d16227" Revision="1" Stencil="7276b9ef-3953-4dce-a89b-ed85f20b8b93" StencilVersion="1.0"/>
-</Control>
+<file path=customXml/itemProps2.xml><?xml version="1.0" encoding="utf-8"?>
+<ds:datastoreItem xmlns:ds="http://schemas.openxmlformats.org/officeDocument/2006/customXml" ds:itemID="{8893E80D-6D0C-4E0F-AA22-E5615BB87E5B}">
+  <ds:schemaRefs>
+    <ds:schemaRef ds:uri="http://schemas.microsoft.com/VisualStudio/2011/storyboarding/control"/>
+  </ds:schemaRefs>
+</ds:datastoreItem>
 </file>
 
-<file path=customXml/item37.xml><?xml version="1.0" encoding="utf-8"?>
-<p:properties xmlns:p="http://schemas.microsoft.com/office/2006/metadata/properties" xmlns:xsi="http://www.w3.org/2001/XMLSchema-instance" xmlns:pc="http://schemas.microsoft.com/office/infopath/2007/PartnerControls">
-  <documentManagement>
-    <SharedWithUsers xmlns="83cd2334-221a-48c3-9034-bfd1542dfe28">
-      <UserInfo>
-        <DisplayName>Gilad Turbahn</DisplayName>
-        <AccountId>511</AccountId>
-        <AccountType/>
-      </UserInfo>
-      <UserInfo>
-        <DisplayName>Keith Boyd</DisplayName>
-        <AccountId>993</AccountId>
-        <AccountType/>
-      </UserInfo>
-      <UserInfo>
-        <DisplayName>Christopher Harrison</DisplayName>
-        <AccountId>1176</AccountId>
-        <AccountType/>
-      </UserInfo>
-    </SharedWithUsers>
-  </documentManagement>
-</p:properties>
+<file path=customXml/itemProps20.xml><?xml version="1.0" encoding="utf-8"?>
+<ds:datastoreItem xmlns:ds="http://schemas.openxmlformats.org/officeDocument/2006/customXml" ds:itemID="{8E7D1C6F-2F1C-4FF7-8E81-B00199180E81}">
+  <ds:schemaRefs>
+    <ds:schemaRef ds:uri="http://schemas.microsoft.com/sharepoint/v3/contenttype/forms"/>
+  </ds:schemaRefs>
+</ds:datastoreItem>
 </file>
 
-<file path=customXml/item38.xml><?xml version="1.0" encoding="utf-8"?>
-<?mso-contentType ?>
-<FormTemplates xmlns="http://schemas.microsoft.com/sharepoint/v3/contenttype/forms">
-  <Display>DocumentLibraryForm</Display>
-  <Edit>DocumentLibraryForm</Edit>
-  <New>DocumentLibraryForm</New>
-</FormTemplates>
+<file path=customXml/itemProps21.xml><?xml version="1.0" encoding="utf-8"?>
+<ds:datastoreItem xmlns:ds="http://schemas.openxmlformats.org/officeDocument/2006/customXml" ds:itemID="{CA892322-6599-4C5A-B402-BE6DBAED9B8E}">
+  <ds:schemaRefs>
+    <ds:schemaRef ds:uri="http://schemas.microsoft.com/office/2006/metadata/properties"/>
+    <ds:schemaRef ds:uri="http://schemas.microsoft.com/office/infopath/2007/PartnerControls"/>
+    <ds:schemaRef ds:uri="83cd2334-221a-48c3-9034-bfd1542dfe28"/>
+  </ds:schemaRefs>
+</ds:datastoreItem>
 </file>
 
-<file path=customXml/item39.xml><?xml version="1.0" encoding="utf-8"?>
-<?mso-contentType ?>
-<FormTemplates xmlns="http://schemas.microsoft.com/sharepoint/v3/contenttype/forms">
-  <Display>DocumentLibraryForm</Display>
-  <Edit>DocumentLibraryForm</Edit>
-  <New>DocumentLibraryForm</New>
-</FormTemplates>
+<file path=customXml/itemProps22.xml><?xml version="1.0" encoding="utf-8"?>
+<ds:datastoreItem xmlns:ds="http://schemas.openxmlformats.org/officeDocument/2006/customXml" ds:itemID="{8BD595CA-AC5E-43B9-B966-E468A16E8322}">
+  <ds:schemaRefs>
+    <ds:schemaRef ds:uri="http://schemas.microsoft.com/VisualStudio/2011/storyboarding/control"/>
+  </ds:schemaRefs>
+</ds:datastoreItem>
 </file>
 
-<file path=customXml/item4.xml><?xml version="1.0" encoding="utf-8"?>
-<Control xmlns="http://schemas.microsoft.com/VisualStudio/2011/storyboarding/control">
-  <Id Name="a53d73d2-368b-429e-b817-1324eec1382c" Revision="1" Stencil="7276b9ef-3953-4dce-a89b-ed85f20b8b93" StencilVersion="1.0"/>
-</Control>
+<file path=customXml/itemProps23.xml><?xml version="1.0" encoding="utf-8"?>
+<ds:datastoreItem xmlns:ds="http://schemas.openxmlformats.org/officeDocument/2006/customXml" ds:itemID="{17A7EC28-79CF-44E6-BA48-85916A7F29F5}">
+  <ds:schemaRefs>
+    <ds:schemaRef ds:uri="http://schemas.microsoft.com/office/2006/metadata/properties"/>
+    <ds:schemaRef ds:uri="http://schemas.microsoft.com/office/infopath/2007/PartnerControls"/>
+    <ds:schemaRef ds:uri="83cd2334-221a-48c3-9034-bfd1542dfe28"/>
+  </ds:schemaRefs>
+</ds:datastoreItem>
 </file>
 
-<file path=customXml/item40.xml><?xml version="1.0" encoding="utf-8"?>
-<Control xmlns="http://schemas.microsoft.com/VisualStudio/2011/storyboarding/control">
-  <Id Name="369f9055-6b6c-48b9-9320-5df2d46c430a" Revision="1" Stencil="7276b9ef-3953-4dce-a89b-ed85f20b8b93" StencilVersion="1.0"/>
-</Control>
+<file path=customXml/itemProps24.xml><?xml version="1.0" encoding="utf-8"?>
+<ds:datastoreItem xmlns:ds="http://schemas.openxmlformats.org/officeDocument/2006/customXml" ds:itemID="{470353D1-3545-4BE2-A17C-548BF46AD9BC}">
+  <ds:schemaRefs>
+    <ds:schemaRef ds:uri="http://schemas.microsoft.com/sharepoint/v3/contenttype/forms"/>
+  </ds:schemaRefs>
+</ds:datastoreItem>
 </file>
 
-<file path=customXml/item41.xml><?xml version="1.0" encoding="utf-8"?>
-<?mso-contentType ?>
-<FormTemplates xmlns="http://schemas.microsoft.com/sharepoint/v3/contenttype/forms">
-  <Display>DocumentLibraryForm</Display>
-  <Edit>DocumentLibraryForm</Edit>
-  <New>DocumentLibraryForm</New>
-</FormTemplates>
+<file path=customXml/itemProps25.xml><?xml version="1.0" encoding="utf-8"?>
+<ds:datastoreItem xmlns:ds="http://schemas.openxmlformats.org/officeDocument/2006/customXml" ds:itemID="{4E805D65-1532-4BB0-8F41-8013167C0009}">
+  <ds:schemaRefs>
+    <ds:schemaRef ds:uri="http://schemas.microsoft.com/VisualStudio/2011/storyboarding/control"/>
+  </ds:schemaRefs>
+</ds:datastoreItem>
 </file>
 
-<file path=customXml/item42.xml><?xml version="1.0" encoding="utf-8"?>
-<p:properties xmlns:p="http://schemas.microsoft.com/office/2006/metadata/properties" xmlns:xsi="http://www.w3.org/2001/XMLSchema-instance" xmlns:pc="http://schemas.microsoft.com/office/infopath/2007/PartnerControls">
-  <documentManagement>
-    <SharedWithUsers xmlns="83cd2334-221a-48c3-9034-bfd1542dfe28">
-      <UserInfo>
-        <DisplayName>Gilad Turbahn</DisplayName>
-        <AccountId>511</AccountId>
-        <AccountType/>
-      </UserInfo>
-      <UserInfo>
-        <DisplayName>Keith Boyd</DisplayName>
-        <AccountId>993</AccountId>
-        <AccountType/>
-      </UserInfo>
-      <UserInfo>
-        <DisplayName>Christopher Harrison</DisplayName>
-        <AccountId>1176</AccountId>
-        <AccountType/>
-      </UserInfo>
-    </SharedWithUsers>
-  </documentManagement>
-</p:properties>
+<file path=customXml/itemProps26.xml><?xml version="1.0" encoding="utf-8"?>
+<ds:datastoreItem xmlns:ds="http://schemas.openxmlformats.org/officeDocument/2006/customXml" ds:itemID="{B18102BA-C10B-41D1-8610-3D321D638DD2}">
+  <ds:schemaRefs>
+    <ds:schemaRef ds:uri="http://schemas.microsoft.com/office/2006/metadata/properties"/>
+    <ds:schemaRef ds:uri="http://schemas.microsoft.com/office/infopath/2007/PartnerControls"/>
+    <ds:schemaRef ds:uri="83cd2334-221a-48c3-9034-bfd1542dfe28"/>
+  </ds:schemaRefs>
+</ds:datastoreItem>
 </file>
 
-<file path=customXml/item43.xml><?xml version="1.0" encoding="utf-8"?>
-<Control xmlns="http://schemas.microsoft.com/VisualStudio/2011/storyboarding/control">
-  <Id Name="369f9055-6b6c-48b9-9320-5df2d46c430a" Revision="1" Stencil="7276b9ef-3953-4dce-a89b-ed85f20b8b93" StencilVersion="1.0"/>
-</Control>
+<file path=customXml/itemProps27.xml><?xml version="1.0" encoding="utf-8"?>
+<ds:datastoreItem xmlns:ds="http://schemas.openxmlformats.org/officeDocument/2006/customXml" ds:itemID="{2FE0657F-3467-430A-8CBC-C10125456BF4}">
+  <ds:schemaRefs>
+    <ds:schemaRef ds:uri="http://schemas.microsoft.com/sharepoint/v3/contenttype/forms"/>
+  </ds:schemaRefs>
+</ds:datastoreItem>
 </file>
 
-<file path=customXml/item44.xml><?xml version="1.0" encoding="utf-8"?>
-<?mso-contentType ?>
-<FormTemplates xmlns="http://schemas.microsoft.com/sharepoint/v3/contenttype/forms">
-  <Display>DocumentLibraryForm</Display>
-  <Edit>DocumentLibraryForm</Edit>
-  <New>DocumentLibraryForm</New>
-</FormTemplates>
+<file path=customXml/itemProps28.xml><?xml version="1.0" encoding="utf-8"?>
+<ds:datastoreItem xmlns:ds="http://schemas.openxmlformats.org/officeDocument/2006/customXml" ds:itemID="{C0F92A87-A216-45A9-B9C0-0515663D35BF}">
+  <ds:schemaRefs>
+    <ds:schemaRef ds:uri="http://schemas.microsoft.com/VisualStudio/2011/storyboarding/control"/>
+  </ds:schemaRefs>
+</ds:datastoreItem>
 </file>
 
-<file path=customXml/item45.xml><?xml version="1.0" encoding="utf-8"?>
-<Control xmlns="http://schemas.microsoft.com/VisualStudio/2011/storyboarding/control">
-  <Id Name="fb22c541-ded0-47fa-8877-83a4c2d16227" Revision="1" Stencil="7276b9ef-3953-4dce-a89b-ed85f20b8b93" StencilVersion="1.0"/>
-</Control>
-</file>
-
-<file path=customXml/item46.xml><?xml version="1.0" encoding="utf-8"?>
-<Control xmlns="http://schemas.microsoft.com/VisualStudio/2011/storyboarding/control">
-  <Id Name="a53d73d2-368b-429e-b817-1324eec1382c" Revision="1" Stencil="7276b9ef-3953-4dce-a89b-ed85f20b8b93" StencilVersion="1.0"/>
-</Control>
-</file>
-
-<file path=customXml/item47.xml><?xml version="1.0" encoding="utf-8"?>
-<Control xmlns="http://schemas.microsoft.com/VisualStudio/2011/storyboarding/control">
-  <Id Name="369f9055-6b6c-48b9-9320-5df2d46c430a" Revision="1" Stencil="7276b9ef-3953-4dce-a89b-ed85f20b8b93" StencilVersion="1.0"/>
-</Control>
-</file>
-
-<file path=customXml/item48.xml><?xml version="1.0" encoding="utf-8"?>
-<Control xmlns="http://schemas.microsoft.com/VisualStudio/2011/storyboarding/control">
-  <Id Name="a53d73d2-368b-429e-b817-1324eec1382c" Revision="1" Stencil="7276b9ef-3953-4dce-a89b-ed85f20b8b93" StencilVersion="1.0"/>
-</Control>
-</file>
-
-<file path=customXml/item49.xml><?xml version="1.0" encoding="utf-8"?>
-<Control xmlns="http://schemas.microsoft.com/VisualStudio/2011/storyboarding/control">
-  <Id Name="369f9055-6b6c-48b9-9320-5df2d46c430a" Revision="1" Stencil="7276b9ef-3953-4dce-a89b-ed85f20b8b93" StencilVersion="1.0"/>
-</Control>
-</file>
-
-<file path=customXml/item5.xml><?xml version="1.0" encoding="utf-8"?>
-<p:properties xmlns:p="http://schemas.microsoft.com/office/2006/metadata/properties" xmlns:xsi="http://www.w3.org/2001/XMLSchema-instance" xmlns:pc="http://schemas.microsoft.com/office/infopath/2007/PartnerControls">
-  <documentManagement>
-    <SharedWithUsers xmlns="83cd2334-221a-48c3-9034-bfd1542dfe28">
-      <UserInfo>
-        <DisplayName>Gilad Turbahn</DisplayName>
-        <AccountId>511</AccountId>
-        <AccountType/>
-      </UserInfo>
-      <UserInfo>
-        <DisplayName>Keith Boyd</DisplayName>
-        <AccountId>993</AccountId>
-        <AccountType/>
-      </UserInfo>
-      <UserInfo>
-        <DisplayName>Christopher Harrison</DisplayName>
-        <AccountId>1176</AccountId>
-        <AccountType/>
-      </UserInfo>
-    </SharedWithUsers>
-  </documentManagement>
-</p:properties>
-</file>
-
-<file path=customXml/item50.xml><?xml version="1.0" encoding="utf-8"?>
-<Control xmlns="http://schemas.microsoft.com/VisualStudio/2011/storyboarding/control">
-  <Id Name="fb22c541-ded0-47fa-8877-83a4c2d16227" Revision="1" Stencil="7276b9ef-3953-4dce-a89b-ed85f20b8b93" StencilVersion="1.0"/>
-</Control>
-</file>
-
-<file path=customXml/item51.xml><?xml version="1.0" encoding="utf-8"?>
-<Control xmlns="http://schemas.microsoft.com/VisualStudio/2011/storyboarding/control">
-  <Id Name="a2191c86-fc50-4add-948c-129f6b5a88d8" Revision="1" Stencil="7276b9ef-3953-4dce-a89b-ed85f20b8b93" StencilVersion="1.0"/>
-</Control>
-</file>
-
-<file path=customXml/item52.xml><?xml version="1.0" encoding="utf-8"?>
-<p:properties xmlns:p="http://schemas.microsoft.com/office/2006/metadata/properties" xmlns:xsi="http://www.w3.org/2001/XMLSchema-instance" xmlns:pc="http://schemas.microsoft.com/office/infopath/2007/PartnerControls">
-  <documentManagement>
-    <SharedWithUsers xmlns="83cd2334-221a-48c3-9034-bfd1542dfe28">
-      <UserInfo>
-        <DisplayName>Gilad Turbahn</DisplayName>
-        <AccountId>511</AccountId>
-        <AccountType/>
-      </UserInfo>
-      <UserInfo>
-        <DisplayName>Keith Boyd</DisplayName>
-        <AccountId>993</AccountId>
-        <AccountType/>
-      </UserInfo>
-      <UserInfo>
-        <DisplayName>Christopher Harrison</DisplayName>
-        <AccountId>1176</AccountId>
-        <AccountType/>
-      </UserInfo>
-    </SharedWithUsers>
-  </documentManagement>
-</p:properties>
-</file>
-
-<file path=customXml/item53.xml><?xml version="1.0" encoding="utf-8"?>
-<Control xmlns="http://schemas.microsoft.com/VisualStudio/2011/storyboarding/control">
-  <Id Name="a2191c86-fc50-4add-948c-129f6b5a88d8" Revision="1" Stencil="7276b9ef-3953-4dce-a89b-ed85f20b8b93" StencilVersion="1.0"/>
-</Control>
-</file>
-
-<file path=customXml/item54.xml><?xml version="1.0" encoding="utf-8"?>
-<Control xmlns="http://schemas.microsoft.com/VisualStudio/2011/storyboarding/control">
-  <Id Name="d69996e1-3d61-4686-9b63-f1b855c596ab" Revision="1" Stencil="7276b9ef-3953-4dce-a89b-ed85f20b8b93" StencilVersion="1.0"/>
-</Control>
-</file>
-
-<file path=customXml/item55.xml><?xml version="1.0" encoding="utf-8"?>
-<Control xmlns="http://schemas.microsoft.com/VisualStudio/2011/storyboarding/control">
-  <Id Name="fb22c541-ded0-47fa-8877-83a4c2d16227" Revision="1" Stencil="7276b9ef-3953-4dce-a89b-ed85f20b8b93" StencilVersion="1.0"/>
-</Control>
-</file>
-
-<file path=customXml/item56.xml><?xml version="1.0" encoding="utf-8"?>
-<Control xmlns="http://schemas.microsoft.com/VisualStudio/2011/storyboarding/control">
-  <Id Name="a2191c86-fc50-4add-948c-129f6b5a88d8" Revision="1" Stencil="7276b9ef-3953-4dce-a89b-ed85f20b8b93" StencilVersion="1.0"/>
-</Control>
-</file>
-
-<file path=customXml/item57.xml><?xml version="1.0" encoding="utf-8"?>
-<Control xmlns="http://schemas.microsoft.com/VisualStudio/2011/storyboarding/control">
-  <Id Name="a2191c86-fc50-4add-948c-129f6b5a88d8" Revision="1" Stencil="7276b9ef-3953-4dce-a89b-ed85f20b8b93" StencilVersion="1.0"/>
-</Control>
-</file>
-
-<file path=customXml/item6.xml><?xml version="1.0" encoding="utf-8"?>
-<p:properties xmlns:p="http://schemas.microsoft.com/office/2006/metadata/properties" xmlns:xsi="http://www.w3.org/2001/XMLSchema-instance" xmlns:pc="http://schemas.microsoft.com/office/infopath/2007/PartnerControls">
-  <documentManagement>
-    <SharedWithUsers xmlns="83cd2334-221a-48c3-9034-bfd1542dfe28">
-      <UserInfo>
-        <DisplayName>Gilad Turbahn</DisplayName>
-        <AccountId>511</AccountId>
-        <AccountType/>
-      </UserInfo>
-      <UserInfo>
-        <DisplayName>Keith Boyd</DisplayName>
-        <AccountId>993</AccountId>
-        <AccountType/>
-      </UserInfo>
-      <UserInfo>
-        <DisplayName>Christopher Harrison</DisplayName>
-        <AccountId>1176</AccountId>
-        <AccountType/>
-      </UserInfo>
-    </SharedWithUsers>
-  </documentManagement>
-</p:properties>
-</file>
-
-<file path=customXml/item7.xml><?xml version="1.0" encoding="utf-8"?>
-<?mso-contentType ?>
-<FormTemplates xmlns="http://schemas.microsoft.com/sharepoint/v3/contenttype/forms">
-  <Display>DocumentLibraryForm</Display>
-  <Edit>DocumentLibraryForm</Edit>
-  <New>DocumentLibraryForm</New>
-</FormTemplates>
-</file>
-
-<file path=customXml/item8.xml><?xml version="1.0" encoding="utf-8"?>
-<Control xmlns="http://schemas.microsoft.com/VisualStudio/2011/storyboarding/control">
-  <Id Name="a53d73d2-368b-429e-b817-1324eec1382c" Revision="1" Stencil="7276b9ef-3953-4dce-a89b-ed85f20b8b93" StencilVersion="1.0"/>
-</Control>
-</file>
-
-<file path=customXml/item9.xml><?xml version="1.0" encoding="utf-8"?>
-<Control xmlns="http://schemas.microsoft.com/VisualStudio/2011/storyboarding/control">
-  <Id Name="d69996e1-3d61-4686-9b63-f1b855c596ab" Revision="1" Stencil="7276b9ef-3953-4dce-a89b-ed85f20b8b93" StencilVersion="1.0"/>
-</Control>
-</file>
-
-<file path=customXml/itemProps1.xml><?xml version="1.0" encoding="utf-8"?>
+<file path=customXml/itemProps29.xml><?xml version="1.0" encoding="utf-8"?>
 <ds:datastoreItem xmlns:ds="http://schemas.openxmlformats.org/officeDocument/2006/customXml" ds:itemID="{4C1B3C27-4803-4D72-A3F8-6668A3F0A24B}">
   <ds:schemaRefs>
     <ds:schemaRef ds:uri="http://schemas.microsoft.com/VisualStudio/2011/storyboarding/control"/>
@@ -47410,7 +47569,77 @@
 </ds:datastoreItem>
 </file>
 
-<file path=customXml/itemProps10.xml><?xml version="1.0" encoding="utf-8"?>
+<file path=customXml/itemProps3.xml><?xml version="1.0" encoding="utf-8"?>
+<ds:datastoreItem xmlns:ds="http://schemas.openxmlformats.org/officeDocument/2006/customXml" ds:itemID="{46A26515-AC12-45CE-B5C2-487B64D484BF}">
+  <ds:schemaRefs>
+    <ds:schemaRef ds:uri="http://schemas.microsoft.com/office/2006/metadata/properties"/>
+    <ds:schemaRef ds:uri="http://schemas.microsoft.com/office/infopath/2007/PartnerControls"/>
+    <ds:schemaRef ds:uri="83cd2334-221a-48c3-9034-bfd1542dfe28"/>
+  </ds:schemaRefs>
+</ds:datastoreItem>
+</file>
+
+<file path=customXml/itemProps30.xml><?xml version="1.0" encoding="utf-8"?>
+<ds:datastoreItem xmlns:ds="http://schemas.openxmlformats.org/officeDocument/2006/customXml" ds:itemID="{F990F116-B58F-4255-B05B-DA3808E0E5C6}">
+  <ds:schemaRefs>
+    <ds:schemaRef ds:uri="http://schemas.microsoft.com/office/2006/metadata/properties"/>
+    <ds:schemaRef ds:uri="http://schemas.microsoft.com/office/infopath/2007/PartnerControls"/>
+    <ds:schemaRef ds:uri="83cd2334-221a-48c3-9034-bfd1542dfe28"/>
+  </ds:schemaRefs>
+</ds:datastoreItem>
+</file>
+
+<file path=customXml/itemProps31.xml><?xml version="1.0" encoding="utf-8"?>
+<ds:datastoreItem xmlns:ds="http://schemas.openxmlformats.org/officeDocument/2006/customXml" ds:itemID="{3DC6CABD-46E1-4C27-A0B3-616DC56F8E5C}">
+  <ds:schemaRefs>
+    <ds:schemaRef ds:uri="http://schemas.microsoft.com/VisualStudio/2011/storyboarding/control"/>
+  </ds:schemaRefs>
+</ds:datastoreItem>
+</file>
+
+<file path=customXml/itemProps32.xml><?xml version="1.0" encoding="utf-8"?>
+<ds:datastoreItem xmlns:ds="http://schemas.openxmlformats.org/officeDocument/2006/customXml" ds:itemID="{6018CCD6-C254-44D3-91D5-EC4D81FDEBEC}">
+  <ds:schemaRefs>
+    <ds:schemaRef ds:uri="http://schemas.microsoft.com/office/2006/metadata/properties"/>
+    <ds:schemaRef ds:uri="http://schemas.microsoft.com/office/infopath/2007/PartnerControls"/>
+    <ds:schemaRef ds:uri="83cd2334-221a-48c3-9034-bfd1542dfe28"/>
+  </ds:schemaRefs>
+</ds:datastoreItem>
+</file>
+
+<file path=customXml/itemProps33.xml><?xml version="1.0" encoding="utf-8"?>
+<ds:datastoreItem xmlns:ds="http://schemas.openxmlformats.org/officeDocument/2006/customXml" ds:itemID="{ED350DFE-2319-4AB0-BC96-1D36D125365A}">
+  <ds:schemaRefs>
+    <ds:schemaRef ds:uri="http://schemas.microsoft.com/VisualStudio/2011/storyboarding/control"/>
+  </ds:schemaRefs>
+</ds:datastoreItem>
+</file>
+
+<file path=customXml/itemProps34.xml><?xml version="1.0" encoding="utf-8"?>
+<ds:datastoreItem xmlns:ds="http://schemas.openxmlformats.org/officeDocument/2006/customXml" ds:itemID="{376216F9-AF6B-4844-AE8C-B9F953F916AB}">
+  <ds:schemaRefs>
+    <ds:schemaRef ds:uri="http://schemas.microsoft.com/VisualStudio/2011/storyboarding/control"/>
+  </ds:schemaRefs>
+</ds:datastoreItem>
+</file>
+
+<file path=customXml/itemProps35.xml><?xml version="1.0" encoding="utf-8"?>
+<ds:datastoreItem xmlns:ds="http://schemas.openxmlformats.org/officeDocument/2006/customXml" ds:itemID="{82DB428A-B8F8-483F-8276-095629A8ECDB}">
+  <ds:schemaRefs>
+    <ds:schemaRef ds:uri="http://schemas.microsoft.com/VisualStudio/2011/storyboarding/control"/>
+  </ds:schemaRefs>
+</ds:datastoreItem>
+</file>
+
+<file path=customXml/itemProps36.xml><?xml version="1.0" encoding="utf-8"?>
+<ds:datastoreItem xmlns:ds="http://schemas.openxmlformats.org/officeDocument/2006/customXml" ds:itemID="{0B54C583-7BAB-4080-8093-C5F84F5A225A}">
+  <ds:schemaRefs>
+    <ds:schemaRef ds:uri="http://schemas.microsoft.com/VisualStudio/2011/storyboarding/control"/>
+  </ds:schemaRefs>
+</ds:datastoreItem>
+</file>
+
+<file path=customXml/itemProps37.xml><?xml version="1.0" encoding="utf-8"?>
 <ds:datastoreItem xmlns:ds="http://schemas.openxmlformats.org/officeDocument/2006/customXml" ds:itemID="{67213E6F-7B96-4222-888B-63710B06D885}">
   <ds:schemaRefs>
     <ds:schemaRef ds:uri="http://schemas.microsoft.com/VisualStudio/2011/storyboarding/control"/>
@@ -47418,23 +47647,57 @@
 </ds:datastoreItem>
 </file>
 
-<file path=customXml/itemProps11.xml><?xml version="1.0" encoding="utf-8"?>
-<ds:datastoreItem xmlns:ds="http://schemas.openxmlformats.org/officeDocument/2006/customXml" ds:itemID="{0282FB20-2D4C-459D-8468-77D1D3C6925D}">
+<file path=customXml/itemProps38.xml><?xml version="1.0" encoding="utf-8"?>
+<ds:datastoreItem xmlns:ds="http://schemas.openxmlformats.org/officeDocument/2006/customXml" ds:itemID="{71AE1ABA-EE71-4D7C-AE19-D2A04FC317D0}">
+  <ds:schemaRefs>
+    <ds:schemaRef ds:uri="http://schemas.microsoft.com/sharepoint/v3/contenttype/forms"/>
+  </ds:schemaRefs>
+</ds:datastoreItem>
+</file>
+
+<file path=customXml/itemProps39.xml><?xml version="1.0" encoding="utf-8"?>
+<ds:datastoreItem xmlns:ds="http://schemas.openxmlformats.org/officeDocument/2006/customXml" ds:itemID="{EE8BC9EC-1D07-4DEF-A123-A09345AC6302}">
+  <ds:schemaRefs>
+    <ds:schemaRef ds:uri="http://schemas.microsoft.com/sharepoint/v3/contenttype/forms"/>
+  </ds:schemaRefs>
+</ds:datastoreItem>
+</file>
+
+<file path=customXml/itemProps4.xml><?xml version="1.0" encoding="utf-8"?>
+<ds:datastoreItem xmlns:ds="http://schemas.openxmlformats.org/officeDocument/2006/customXml" ds:itemID="{7959CC6A-F423-4783-B968-3BCC86A7394E}">
   <ds:schemaRefs>
     <ds:schemaRef ds:uri="http://schemas.microsoft.com/VisualStudio/2011/storyboarding/control"/>
   </ds:schemaRefs>
 </ds:datastoreItem>
 </file>
 
-<file path=customXml/itemProps12.xml><?xml version="1.0" encoding="utf-8"?>
-<ds:datastoreItem xmlns:ds="http://schemas.openxmlformats.org/officeDocument/2006/customXml" ds:itemID="{8E7D1C6F-2F1C-4FF7-8E81-B00199180E81}">
+<file path=customXml/itemProps40.xml><?xml version="1.0" encoding="utf-8"?>
+<ds:datastoreItem xmlns:ds="http://schemas.openxmlformats.org/officeDocument/2006/customXml" ds:itemID="{ECB83CA1-96BF-44F4-BD12-40C3FA24896A}">
   <ds:schemaRefs>
-    <ds:schemaRef ds:uri="http://schemas.microsoft.com/sharepoint/v3/contenttype/forms"/>
+    <ds:schemaRef ds:uri="http://schemas.microsoft.com/office/2006/metadata/properties"/>
+    <ds:schemaRef ds:uri="http://schemas.microsoft.com/office/infopath/2007/PartnerControls"/>
+    <ds:schemaRef ds:uri="83cd2334-221a-48c3-9034-bfd1542dfe28"/>
   </ds:schemaRefs>
 </ds:datastoreItem>
 </file>
 
-<file path=customXml/itemProps13.xml><?xml version="1.0" encoding="utf-8"?>
+<file path=customXml/itemProps41.xml><?xml version="1.0" encoding="utf-8"?>
+<ds:datastoreItem xmlns:ds="http://schemas.openxmlformats.org/officeDocument/2006/customXml" ds:itemID="{F68D8396-E21C-4AFF-8FDD-70D00673D0EE}">
+  <ds:schemaRefs>
+    <ds:schemaRef ds:uri="http://schemas.microsoft.com/VisualStudio/2011/storyboarding/control"/>
+  </ds:schemaRefs>
+</ds:datastoreItem>
+</file>
+
+<file path=customXml/itemProps42.xml><?xml version="1.0" encoding="utf-8"?>
+<ds:datastoreItem xmlns:ds="http://schemas.openxmlformats.org/officeDocument/2006/customXml" ds:itemID="{366CA990-F93D-4100-9654-65D9E30F4E1C}">
+  <ds:schemaRefs>
+    <ds:schemaRef ds:uri="http://schemas.microsoft.com/VisualStudio/2011/storyboarding/control"/>
+  </ds:schemaRefs>
+</ds:datastoreItem>
+</file>
+
+<file path=customXml/itemProps43.xml><?xml version="1.0" encoding="utf-8"?>
 <ds:datastoreItem xmlns:ds="http://schemas.openxmlformats.org/officeDocument/2006/customXml" ds:itemID="{473A6A21-7521-4B81-9336-9B587BA12275}">
   <ds:schemaRefs>
     <ds:schemaRef ds:uri="http://schemas.microsoft.com/office/2006/metadata/properties"/>
@@ -47444,32 +47707,24 @@
 </ds:datastoreItem>
 </file>
 
-<file path=customXml/itemProps14.xml><?xml version="1.0" encoding="utf-8"?>
-<ds:datastoreItem xmlns:ds="http://schemas.openxmlformats.org/officeDocument/2006/customXml" ds:itemID="{3C954CC5-1CAC-4EC3-9791-8630483065B9}">
-  <ds:schemaRefs>
-    <ds:schemaRef ds:uri="http://schemas.microsoft.com/VisualStudio/2011/storyboarding/control"/>
-  </ds:schemaRefs>
-</ds:datastoreItem>
-</file>
-
-<file path=customXml/itemProps15.xml><?xml version="1.0" encoding="utf-8"?>
-<ds:datastoreItem xmlns:ds="http://schemas.openxmlformats.org/officeDocument/2006/customXml" ds:itemID="{3DC6CABD-46E1-4C27-A0B3-616DC56F8E5C}">
-  <ds:schemaRefs>
-    <ds:schemaRef ds:uri="http://schemas.microsoft.com/VisualStudio/2011/storyboarding/control"/>
-  </ds:schemaRefs>
-</ds:datastoreItem>
-</file>
-
-<file path=customXml/itemProps16.xml><?xml version="1.0" encoding="utf-8"?>
-<ds:datastoreItem xmlns:ds="http://schemas.openxmlformats.org/officeDocument/2006/customXml" ds:itemID="{9360AFB9-8F99-4E1B-878D-F2EBABEB164C}">
+<file path=customXml/itemProps44.xml><?xml version="1.0" encoding="utf-8"?>
+<ds:datastoreItem xmlns:ds="http://schemas.openxmlformats.org/officeDocument/2006/customXml" ds:itemID="{D9B2CC65-7352-4418-88DB-351C33D88613}">
   <ds:schemaRefs>
     <ds:schemaRef ds:uri="http://schemas.microsoft.com/sharepoint/v3/contenttype/forms"/>
   </ds:schemaRefs>
 </ds:datastoreItem>
 </file>
 
-<file path=customXml/itemProps17.xml><?xml version="1.0" encoding="utf-8"?>
-<ds:datastoreItem xmlns:ds="http://schemas.openxmlformats.org/officeDocument/2006/customXml" ds:itemID="{CA892322-6599-4C5A-B402-BE6DBAED9B8E}">
+<file path=customXml/itemProps45.xml><?xml version="1.0" encoding="utf-8"?>
+<ds:datastoreItem xmlns:ds="http://schemas.openxmlformats.org/officeDocument/2006/customXml" ds:itemID="{8CFA17AA-8D1D-41BA-81E2-B1C9B1D8F8E0}">
+  <ds:schemaRefs>
+    <ds:schemaRef ds:uri="http://schemas.microsoft.com/sharepoint/v3/contenttype/forms"/>
+  </ds:schemaRefs>
+</ds:datastoreItem>
+</file>
+
+<file path=customXml/itemProps46.xml><?xml version="1.0" encoding="utf-8"?>
+<ds:datastoreItem xmlns:ds="http://schemas.openxmlformats.org/officeDocument/2006/customXml" ds:itemID="{1C76383C-FD09-474B-94B3-126FB1A7D094}">
   <ds:schemaRefs>
     <ds:schemaRef ds:uri="http://schemas.microsoft.com/office/2006/metadata/properties"/>
     <ds:schemaRef ds:uri="http://schemas.microsoft.com/office/infopath/2007/PartnerControls"/>
@@ -47478,15 +47733,125 @@
 </ds:datastoreItem>
 </file>
 
-<file path=customXml/itemProps18.xml><?xml version="1.0" encoding="utf-8"?>
-<ds:datastoreItem xmlns:ds="http://schemas.openxmlformats.org/officeDocument/2006/customXml" ds:itemID="{D9B2CC65-7352-4418-88DB-351C33D88613}">
+<file path=customXml/itemProps47.xml><?xml version="1.0" encoding="utf-8"?>
+<ds:datastoreItem xmlns:ds="http://schemas.openxmlformats.org/officeDocument/2006/customXml" ds:itemID="{4E8278DB-3CDD-48A7-992E-A7596AD335B9}">
+  <ds:schemaRefs>
+    <ds:schemaRef ds:uri="http://schemas.microsoft.com/VisualStudio/2011/storyboarding/control"/>
+  </ds:schemaRefs>
+</ds:datastoreItem>
+</file>
+
+<file path=customXml/itemProps48.xml><?xml version="1.0" encoding="utf-8"?>
+<ds:datastoreItem xmlns:ds="http://schemas.openxmlformats.org/officeDocument/2006/customXml" ds:itemID="{B5105A87-47B6-44F6-97FD-4619C0556604}">
+  <ds:schemaRefs>
+    <ds:schemaRef ds:uri="http://schemas.microsoft.com/VisualStudio/2011/storyboarding/control"/>
+  </ds:schemaRefs>
+</ds:datastoreItem>
+</file>
+
+<file path=customXml/itemProps49.xml><?xml version="1.0" encoding="utf-8"?>
+<ds:datastoreItem xmlns:ds="http://schemas.openxmlformats.org/officeDocument/2006/customXml" ds:itemID="{4378A4E9-AA60-4BA3-8067-B1CEFEF637CD}">
   <ds:schemaRefs>
     <ds:schemaRef ds:uri="http://schemas.microsoft.com/sharepoint/v3/contenttype/forms"/>
   </ds:schemaRefs>
 </ds:datastoreItem>
 </file>
 
-<file path=customXml/itemProps19.xml><?xml version="1.0" encoding="utf-8"?>
+<file path=customXml/itemProps5.xml><?xml version="1.0" encoding="utf-8"?>
+<ds:datastoreItem xmlns:ds="http://schemas.openxmlformats.org/officeDocument/2006/customXml" ds:itemID="{432851C6-BC05-4673-B853-6D08AB80CDC4}">
+  <ds:schemaRefs>
+    <ds:schemaRef ds:uri="http://schemas.microsoft.com/VisualStudio/2011/storyboarding/control"/>
+  </ds:schemaRefs>
+</ds:datastoreItem>
+</file>
+
+<file path=customXml/itemProps50.xml><?xml version="1.0" encoding="utf-8"?>
+<ds:datastoreItem xmlns:ds="http://schemas.openxmlformats.org/officeDocument/2006/customXml" ds:itemID="{0AFEAFFC-501F-4A71-8E0A-BCC3D721BFBC}">
+  <ds:schemaRefs>
+    <ds:schemaRef ds:uri="http://schemas.microsoft.com/sharepoint/v3/contenttype/forms"/>
+  </ds:schemaRefs>
+</ds:datastoreItem>
+</file>
+
+<file path=customXml/itemProps51.xml><?xml version="1.0" encoding="utf-8"?>
+<ds:datastoreItem xmlns:ds="http://schemas.openxmlformats.org/officeDocument/2006/customXml" ds:itemID="{E5517D1D-A0F7-4038-99B1-CB797994AD5E}">
+  <ds:schemaRefs>
+    <ds:schemaRef ds:uri="http://schemas.microsoft.com/office/2006/metadata/properties"/>
+    <ds:schemaRef ds:uri="http://schemas.microsoft.com/office/infopath/2007/PartnerControls"/>
+    <ds:schemaRef ds:uri="83cd2334-221a-48c3-9034-bfd1542dfe28"/>
+  </ds:schemaRefs>
+</ds:datastoreItem>
+</file>
+
+<file path=customXml/itemProps52.xml><?xml version="1.0" encoding="utf-8"?>
+<ds:datastoreItem xmlns:ds="http://schemas.openxmlformats.org/officeDocument/2006/customXml" ds:itemID="{C049BDDC-AD09-43FB-B97D-26B51C0635EE}">
+  <ds:schemaRefs>
+    <ds:schemaRef ds:uri="http://schemas.microsoft.com/office/2006/metadata/properties"/>
+    <ds:schemaRef ds:uri="http://schemas.microsoft.com/office/infopath/2007/PartnerControls"/>
+    <ds:schemaRef ds:uri="83cd2334-221a-48c3-9034-bfd1542dfe28"/>
+  </ds:schemaRefs>
+</ds:datastoreItem>
+</file>
+
+<file path=customXml/itemProps53.xml><?xml version="1.0" encoding="utf-8"?>
+<ds:datastoreItem xmlns:ds="http://schemas.openxmlformats.org/officeDocument/2006/customXml" ds:itemID="{FE651ABA-5DC1-4ABD-A06E-055AE54B337B}">
+  <ds:schemaRefs>
+    <ds:schemaRef ds:uri="http://schemas.microsoft.com/VisualStudio/2011/storyboarding/control"/>
+  </ds:schemaRefs>
+</ds:datastoreItem>
+</file>
+
+<file path=customXml/itemProps54.xml><?xml version="1.0" encoding="utf-8"?>
+<ds:datastoreItem xmlns:ds="http://schemas.openxmlformats.org/officeDocument/2006/customXml" ds:itemID="{42D603BF-B513-4201-A599-21BA0F4FFC40}">
+  <ds:schemaRefs>
+    <ds:schemaRef ds:uri="http://schemas.microsoft.com/VisualStudio/2011/storyboarding/control"/>
+  </ds:schemaRefs>
+</ds:datastoreItem>
+</file>
+
+<file path=customXml/itemProps55.xml><?xml version="1.0" encoding="utf-8"?>
+<ds:datastoreItem xmlns:ds="http://schemas.openxmlformats.org/officeDocument/2006/customXml" ds:itemID="{9360AFB9-8F99-4E1B-878D-F2EBABEB164C}">
+  <ds:schemaRefs>
+    <ds:schemaRef ds:uri="http://schemas.microsoft.com/sharepoint/v3/contenttype/forms"/>
+  </ds:schemaRefs>
+</ds:datastoreItem>
+</file>
+
+<file path=customXml/itemProps56.xml><?xml version="1.0" encoding="utf-8"?>
+<ds:datastoreItem xmlns:ds="http://schemas.openxmlformats.org/officeDocument/2006/customXml" ds:itemID="{D6FEE829-2115-45B4-8110-670FD454542B}">
+  <ds:schemaRefs>
+    <ds:schemaRef ds:uri="http://schemas.microsoft.com/VisualStudio/2011/storyboarding/control"/>
+  </ds:schemaRefs>
+</ds:datastoreItem>
+</file>
+
+<file path=customXml/itemProps57.xml><?xml version="1.0" encoding="utf-8"?>
+<ds:datastoreItem xmlns:ds="http://schemas.openxmlformats.org/officeDocument/2006/customXml" ds:itemID="{0282FB20-2D4C-459D-8468-77D1D3C6925D}">
+  <ds:schemaRefs>
+    <ds:schemaRef ds:uri="http://schemas.microsoft.com/VisualStudio/2011/storyboarding/control"/>
+  </ds:schemaRefs>
+</ds:datastoreItem>
+</file>
+
+<file path=customXml/itemProps6.xml><?xml version="1.0" encoding="utf-8"?>
+<ds:datastoreItem xmlns:ds="http://schemas.openxmlformats.org/officeDocument/2006/customXml" ds:itemID="{D4B5F268-5930-44CD-BDF1-D0A04D4BBC1C}">
+  <ds:schemaRefs>
+    <ds:schemaRef ds:uri="http://schemas.microsoft.com/VisualStudio/2011/storyboarding/control"/>
+  </ds:schemaRefs>
+</ds:datastoreItem>
+</file>
+
+<file path=customXml/itemProps7.xml><?xml version="1.0" encoding="utf-8"?>
+<ds:datastoreItem xmlns:ds="http://schemas.openxmlformats.org/officeDocument/2006/customXml" ds:itemID="{E692D73E-1478-4790-BEEC-C5C534998F40}">
+  <ds:schemaRefs>
+    <ds:schemaRef ds:uri="http://schemas.microsoft.com/office/2006/metadata/properties"/>
+    <ds:schemaRef ds:uri="http://schemas.microsoft.com/office/infopath/2007/PartnerControls"/>
+    <ds:schemaRef ds:uri="83cd2334-221a-48c3-9034-bfd1542dfe28"/>
+  </ds:schemaRefs>
+</ds:datastoreItem>
+</file>
+
+<file path=customXml/itemProps8.xml><?xml version="1.0" encoding="utf-8"?>
 <ds:datastoreItem xmlns:ds="http://schemas.openxmlformats.org/officeDocument/2006/customXml" ds:itemID="{11F98F69-7518-4AE2-AE7B-E037DC9DDC97}">
   <ds:schemaRefs>
     <ds:schemaRef ds:uri="http://schemas.microsoft.com/office/2006/metadata/contentType"/>
@@ -47504,390 +47869,8 @@
 </ds:datastoreItem>
 </file>
 
-<file path=customXml/itemProps2.xml><?xml version="1.0" encoding="utf-8"?>
-<ds:datastoreItem xmlns:ds="http://schemas.openxmlformats.org/officeDocument/2006/customXml" ds:itemID="{42D603BF-B513-4201-A599-21BA0F4FFC40}">
-  <ds:schemaRefs>
-    <ds:schemaRef ds:uri="http://schemas.microsoft.com/VisualStudio/2011/storyboarding/control"/>
-  </ds:schemaRefs>
-</ds:datastoreItem>
-</file>
-
-<file path=customXml/itemProps20.xml><?xml version="1.0" encoding="utf-8"?>
-<ds:datastoreItem xmlns:ds="http://schemas.openxmlformats.org/officeDocument/2006/customXml" ds:itemID="{B18102BA-C10B-41D1-8610-3D321D638DD2}">
-  <ds:schemaRefs>
-    <ds:schemaRef ds:uri="http://schemas.microsoft.com/office/2006/metadata/properties"/>
-    <ds:schemaRef ds:uri="http://schemas.microsoft.com/office/infopath/2007/PartnerControls"/>
-    <ds:schemaRef ds:uri="83cd2334-221a-48c3-9034-bfd1542dfe28"/>
-  </ds:schemaRefs>
-</ds:datastoreItem>
-</file>
-
-<file path=customXml/itemProps21.xml><?xml version="1.0" encoding="utf-8"?>
-<ds:datastoreItem xmlns:ds="http://schemas.openxmlformats.org/officeDocument/2006/customXml" ds:itemID="{E5517D1D-A0F7-4038-99B1-CB797994AD5E}">
-  <ds:schemaRefs>
-    <ds:schemaRef ds:uri="http://schemas.microsoft.com/office/2006/metadata/properties"/>
-    <ds:schemaRef ds:uri="http://schemas.microsoft.com/office/infopath/2007/PartnerControls"/>
-    <ds:schemaRef ds:uri="83cd2334-221a-48c3-9034-bfd1542dfe28"/>
-  </ds:schemaRefs>
-</ds:datastoreItem>
-</file>
-
-<file path=customXml/itemProps22.xml><?xml version="1.0" encoding="utf-8"?>
-<ds:datastoreItem xmlns:ds="http://schemas.openxmlformats.org/officeDocument/2006/customXml" ds:itemID="{2F30C844-8093-47D2-A9B2-B7BEE821CE68}">
-  <ds:schemaRefs>
-    <ds:schemaRef ds:uri="http://schemas.microsoft.com/sharepoint/v3/contenttype/forms"/>
-  </ds:schemaRefs>
-</ds:datastoreItem>
-</file>
-
-<file path=customXml/itemProps23.xml><?xml version="1.0" encoding="utf-8"?>
-<ds:datastoreItem xmlns:ds="http://schemas.openxmlformats.org/officeDocument/2006/customXml" ds:itemID="{6018CCD6-C254-44D3-91D5-EC4D81FDEBEC}">
-  <ds:schemaRefs>
-    <ds:schemaRef ds:uri="http://schemas.microsoft.com/office/2006/metadata/properties"/>
-    <ds:schemaRef ds:uri="http://schemas.microsoft.com/office/infopath/2007/PartnerControls"/>
-    <ds:schemaRef ds:uri="83cd2334-221a-48c3-9034-bfd1542dfe28"/>
-  </ds:schemaRefs>
-</ds:datastoreItem>
-</file>
-
-<file path=customXml/itemProps24.xml><?xml version="1.0" encoding="utf-8"?>
-<ds:datastoreItem xmlns:ds="http://schemas.openxmlformats.org/officeDocument/2006/customXml" ds:itemID="{1B69B6B1-FB2A-4C02-95B6-C12A54DCD27B}">
-  <ds:schemaRefs>
-    <ds:schemaRef ds:uri="http://schemas.microsoft.com/office/2006/metadata/properties"/>
-    <ds:schemaRef ds:uri="http://schemas.microsoft.com/office/infopath/2007/PartnerControls"/>
-    <ds:schemaRef ds:uri="83cd2334-221a-48c3-9034-bfd1542dfe28"/>
-  </ds:schemaRefs>
-</ds:datastoreItem>
-</file>
-
-<file path=customXml/itemProps25.xml><?xml version="1.0" encoding="utf-8"?>
-<ds:datastoreItem xmlns:ds="http://schemas.openxmlformats.org/officeDocument/2006/customXml" ds:itemID="{8BD595CA-AC5E-43B9-B966-E468A16E8322}">
-  <ds:schemaRefs>
-    <ds:schemaRef ds:uri="http://schemas.microsoft.com/VisualStudio/2011/storyboarding/control"/>
-  </ds:schemaRefs>
-</ds:datastoreItem>
-</file>
-
-<file path=customXml/itemProps26.xml><?xml version="1.0" encoding="utf-8"?>
-<ds:datastoreItem xmlns:ds="http://schemas.openxmlformats.org/officeDocument/2006/customXml" ds:itemID="{0AFEAFFC-501F-4A71-8E0A-BCC3D721BFBC}">
-  <ds:schemaRefs>
-    <ds:schemaRef ds:uri="http://schemas.microsoft.com/sharepoint/v3/contenttype/forms"/>
-  </ds:schemaRefs>
-</ds:datastoreItem>
-</file>
-
-<file path=customXml/itemProps27.xml><?xml version="1.0" encoding="utf-8"?>
-<ds:datastoreItem xmlns:ds="http://schemas.openxmlformats.org/officeDocument/2006/customXml" ds:itemID="{758FDAC0-319D-4A54-8D8E-1D42CB1F8004}">
-  <ds:schemaRefs>
-    <ds:schemaRef ds:uri="http://schemas.microsoft.com/sharepoint/v3/contenttype/forms"/>
-  </ds:schemaRefs>
-</ds:datastoreItem>
-</file>
-
-<file path=customXml/itemProps28.xml><?xml version="1.0" encoding="utf-8"?>
-<ds:datastoreItem xmlns:ds="http://schemas.openxmlformats.org/officeDocument/2006/customXml" ds:itemID="{ED350DFE-2319-4AB0-BC96-1D36D125365A}">
-  <ds:schemaRefs>
-    <ds:schemaRef ds:uri="http://schemas.microsoft.com/VisualStudio/2011/storyboarding/control"/>
-  </ds:schemaRefs>
-</ds:datastoreItem>
-</file>
-
-<file path=customXml/itemProps29.xml><?xml version="1.0" encoding="utf-8"?>
-<ds:datastoreItem xmlns:ds="http://schemas.openxmlformats.org/officeDocument/2006/customXml" ds:itemID="{D6FEE829-2115-45B4-8110-670FD454542B}">
-  <ds:schemaRefs>
-    <ds:schemaRef ds:uri="http://schemas.microsoft.com/VisualStudio/2011/storyboarding/control"/>
-  </ds:schemaRefs>
-</ds:datastoreItem>
-</file>
-
-<file path=customXml/itemProps3.xml><?xml version="1.0" encoding="utf-8"?>
-<ds:datastoreItem xmlns:ds="http://schemas.openxmlformats.org/officeDocument/2006/customXml" ds:itemID="{C63AC2F0-1DEB-4E91-A88A-7A014A172F4F}">
-  <ds:schemaRefs>
-    <ds:schemaRef ds:uri="http://schemas.microsoft.com/VisualStudio/2011/storyboarding/control"/>
-  </ds:schemaRefs>
-</ds:datastoreItem>
-</file>
-
-<file path=customXml/itemProps30.xml><?xml version="1.0" encoding="utf-8"?>
-<ds:datastoreItem xmlns:ds="http://schemas.openxmlformats.org/officeDocument/2006/customXml" ds:itemID="{08C4EE12-DF69-4FFC-9E40-C7991F3490A6}">
-  <ds:schemaRefs>
-    <ds:schemaRef ds:uri="http://schemas.microsoft.com/VisualStudio/2011/storyboarding/control"/>
-  </ds:schemaRefs>
-</ds:datastoreItem>
-</file>
-
-<file path=customXml/itemProps31.xml><?xml version="1.0" encoding="utf-8"?>
-<ds:datastoreItem xmlns:ds="http://schemas.openxmlformats.org/officeDocument/2006/customXml" ds:itemID="{71AE1ABA-EE71-4D7C-AE19-D2A04FC317D0}">
-  <ds:schemaRefs>
-    <ds:schemaRef ds:uri="http://schemas.microsoft.com/sharepoint/v3/contenttype/forms"/>
-  </ds:schemaRefs>
-</ds:datastoreItem>
-</file>
-
-<file path=customXml/itemProps32.xml><?xml version="1.0" encoding="utf-8"?>
-<ds:datastoreItem xmlns:ds="http://schemas.openxmlformats.org/officeDocument/2006/customXml" ds:itemID="{8893E80D-6D0C-4E0F-AA22-E5615BB87E5B}">
-  <ds:schemaRefs>
-    <ds:schemaRef ds:uri="http://schemas.microsoft.com/VisualStudio/2011/storyboarding/control"/>
-  </ds:schemaRefs>
-</ds:datastoreItem>
-</file>
-
-<file path=customXml/itemProps33.xml><?xml version="1.0" encoding="utf-8"?>
-<ds:datastoreItem xmlns:ds="http://schemas.openxmlformats.org/officeDocument/2006/customXml" ds:itemID="{17A7EC28-79CF-44E6-BA48-85916A7F29F5}">
-  <ds:schemaRefs>
-    <ds:schemaRef ds:uri="http://schemas.microsoft.com/office/2006/metadata/properties"/>
-    <ds:schemaRef ds:uri="http://schemas.microsoft.com/office/infopath/2007/PartnerControls"/>
-    <ds:schemaRef ds:uri="83cd2334-221a-48c3-9034-bfd1542dfe28"/>
-  </ds:schemaRefs>
-</ds:datastoreItem>
-</file>
-
-<file path=customXml/itemProps34.xml><?xml version="1.0" encoding="utf-8"?>
-<ds:datastoreItem xmlns:ds="http://schemas.openxmlformats.org/officeDocument/2006/customXml" ds:itemID="{1C76383C-FD09-474B-94B3-126FB1A7D094}">
-  <ds:schemaRefs>
-    <ds:schemaRef ds:uri="http://schemas.microsoft.com/office/2006/metadata/properties"/>
-    <ds:schemaRef ds:uri="http://schemas.microsoft.com/office/infopath/2007/PartnerControls"/>
-    <ds:schemaRef ds:uri="83cd2334-221a-48c3-9034-bfd1542dfe28"/>
-  </ds:schemaRefs>
-</ds:datastoreItem>
-</file>
-
-<file path=customXml/itemProps35.xml><?xml version="1.0" encoding="utf-8"?>
-<ds:datastoreItem xmlns:ds="http://schemas.openxmlformats.org/officeDocument/2006/customXml" ds:itemID="{1EF25EC2-965B-4491-9691-6B806C9E3B8B}">
-  <ds:schemaRefs>
-    <ds:schemaRef ds:uri="http://schemas.microsoft.com/sharepoint/v3/contenttype/forms"/>
-  </ds:schemaRefs>
-</ds:datastoreItem>
-</file>
-
-<file path=customXml/itemProps36.xml><?xml version="1.0" encoding="utf-8"?>
-<ds:datastoreItem xmlns:ds="http://schemas.openxmlformats.org/officeDocument/2006/customXml" ds:itemID="{376216F9-AF6B-4844-AE8C-B9F953F916AB}">
-  <ds:schemaRefs>
-    <ds:schemaRef ds:uri="http://schemas.microsoft.com/VisualStudio/2011/storyboarding/control"/>
-  </ds:schemaRefs>
-</ds:datastoreItem>
-</file>
-
-<file path=customXml/itemProps37.xml><?xml version="1.0" encoding="utf-8"?>
-<ds:datastoreItem xmlns:ds="http://schemas.openxmlformats.org/officeDocument/2006/customXml" ds:itemID="{46A26515-AC12-45CE-B5C2-487B64D484BF}">
-  <ds:schemaRefs>
-    <ds:schemaRef ds:uri="http://schemas.microsoft.com/office/2006/metadata/properties"/>
-    <ds:schemaRef ds:uri="http://schemas.microsoft.com/office/infopath/2007/PartnerControls"/>
-    <ds:schemaRef ds:uri="83cd2334-221a-48c3-9034-bfd1542dfe28"/>
-  </ds:schemaRefs>
-</ds:datastoreItem>
-</file>
-
-<file path=customXml/itemProps38.xml><?xml version="1.0" encoding="utf-8"?>
-<ds:datastoreItem xmlns:ds="http://schemas.openxmlformats.org/officeDocument/2006/customXml" ds:itemID="{470353D1-3545-4BE2-A17C-548BF46AD9BC}">
-  <ds:schemaRefs>
-    <ds:schemaRef ds:uri="http://schemas.microsoft.com/sharepoint/v3/contenttype/forms"/>
-  </ds:schemaRefs>
-</ds:datastoreItem>
-</file>
-
-<file path=customXml/itemProps39.xml><?xml version="1.0" encoding="utf-8"?>
-<ds:datastoreItem xmlns:ds="http://schemas.openxmlformats.org/officeDocument/2006/customXml" ds:itemID="{8CFA17AA-8D1D-41BA-81E2-B1C9B1D8F8E0}">
-  <ds:schemaRefs>
-    <ds:schemaRef ds:uri="http://schemas.microsoft.com/sharepoint/v3/contenttype/forms"/>
-  </ds:schemaRefs>
-</ds:datastoreItem>
-</file>
-
-<file path=customXml/itemProps4.xml><?xml version="1.0" encoding="utf-8"?>
-<ds:datastoreItem xmlns:ds="http://schemas.openxmlformats.org/officeDocument/2006/customXml" ds:itemID="{F68D8396-E21C-4AFF-8FDD-70D00673D0EE}">
-  <ds:schemaRefs>
-    <ds:schemaRef ds:uri="http://schemas.microsoft.com/VisualStudio/2011/storyboarding/control"/>
-  </ds:schemaRefs>
-</ds:datastoreItem>
-</file>
-
-<file path=customXml/itemProps40.xml><?xml version="1.0" encoding="utf-8"?>
-<ds:datastoreItem xmlns:ds="http://schemas.openxmlformats.org/officeDocument/2006/customXml" ds:itemID="{7959CC6A-F423-4783-B968-3BCC86A7394E}">
-  <ds:schemaRefs>
-    <ds:schemaRef ds:uri="http://schemas.microsoft.com/VisualStudio/2011/storyboarding/control"/>
-  </ds:schemaRefs>
-</ds:datastoreItem>
-</file>
-
-<file path=customXml/itemProps41.xml><?xml version="1.0" encoding="utf-8"?>
-<ds:datastoreItem xmlns:ds="http://schemas.openxmlformats.org/officeDocument/2006/customXml" ds:itemID="{2FE0657F-3467-430A-8CBC-C10125456BF4}">
-  <ds:schemaRefs>
-    <ds:schemaRef ds:uri="http://schemas.microsoft.com/sharepoint/v3/contenttype/forms"/>
-  </ds:schemaRefs>
-</ds:datastoreItem>
-</file>
-
-<file path=customXml/itemProps42.xml><?xml version="1.0" encoding="utf-8"?>
-<ds:datastoreItem xmlns:ds="http://schemas.openxmlformats.org/officeDocument/2006/customXml" ds:itemID="{C049BDDC-AD09-43FB-B97D-26B51C0635EE}">
-  <ds:schemaRefs>
-    <ds:schemaRef ds:uri="http://schemas.microsoft.com/office/2006/metadata/properties"/>
-    <ds:schemaRef ds:uri="http://schemas.microsoft.com/office/infopath/2007/PartnerControls"/>
-    <ds:schemaRef ds:uri="83cd2334-221a-48c3-9034-bfd1542dfe28"/>
-  </ds:schemaRefs>
-</ds:datastoreItem>
-</file>
-
-<file path=customXml/itemProps43.xml><?xml version="1.0" encoding="utf-8"?>
-<ds:datastoreItem xmlns:ds="http://schemas.openxmlformats.org/officeDocument/2006/customXml" ds:itemID="{38217AA1-CC95-49A9-B284-2ED4D347D7CA}">
-  <ds:schemaRefs>
-    <ds:schemaRef ds:uri="http://schemas.microsoft.com/VisualStudio/2011/storyboarding/control"/>
-  </ds:schemaRefs>
-</ds:datastoreItem>
-</file>
-
-<file path=customXml/itemProps44.xml><?xml version="1.0" encoding="utf-8"?>
-<ds:datastoreItem xmlns:ds="http://schemas.openxmlformats.org/officeDocument/2006/customXml" ds:itemID="{EE8BC9EC-1D07-4DEF-A123-A09345AC6302}">
-  <ds:schemaRefs>
-    <ds:schemaRef ds:uri="http://schemas.microsoft.com/sharepoint/v3/contenttype/forms"/>
-  </ds:schemaRefs>
-</ds:datastoreItem>
-</file>
-
-<file path=customXml/itemProps45.xml><?xml version="1.0" encoding="utf-8"?>
-<ds:datastoreItem xmlns:ds="http://schemas.openxmlformats.org/officeDocument/2006/customXml" ds:itemID="{432851C6-BC05-4673-B853-6D08AB80CDC4}">
-  <ds:schemaRefs>
-    <ds:schemaRef ds:uri="http://schemas.microsoft.com/VisualStudio/2011/storyboarding/control"/>
-  </ds:schemaRefs>
-</ds:datastoreItem>
-</file>
-
-<file path=customXml/itemProps46.xml><?xml version="1.0" encoding="utf-8"?>
-<ds:datastoreItem xmlns:ds="http://schemas.openxmlformats.org/officeDocument/2006/customXml" ds:itemID="{4E805D65-1532-4BB0-8F41-8013167C0009}">
-  <ds:schemaRefs>
-    <ds:schemaRef ds:uri="http://schemas.microsoft.com/VisualStudio/2011/storyboarding/control"/>
-  </ds:schemaRefs>
-</ds:datastoreItem>
-</file>
-
-<file path=customXml/itemProps47.xml><?xml version="1.0" encoding="utf-8"?>
-<ds:datastoreItem xmlns:ds="http://schemas.openxmlformats.org/officeDocument/2006/customXml" ds:itemID="{FE651ABA-5DC1-4ABD-A06E-055AE54B337B}">
-  <ds:schemaRefs>
-    <ds:schemaRef ds:uri="http://schemas.microsoft.com/VisualStudio/2011/storyboarding/control"/>
-  </ds:schemaRefs>
-</ds:datastoreItem>
-</file>
-
-<file path=customXml/itemProps48.xml><?xml version="1.0" encoding="utf-8"?>
-<ds:datastoreItem xmlns:ds="http://schemas.openxmlformats.org/officeDocument/2006/customXml" ds:itemID="{6FB9D450-4C47-4A44-8C0D-C78D8A54C46F}">
-  <ds:schemaRefs>
-    <ds:schemaRef ds:uri="http://schemas.microsoft.com/VisualStudio/2011/storyboarding/control"/>
-  </ds:schemaRefs>
-</ds:datastoreItem>
-</file>
-
-<file path=customXml/itemProps49.xml><?xml version="1.0" encoding="utf-8"?>
-<ds:datastoreItem xmlns:ds="http://schemas.openxmlformats.org/officeDocument/2006/customXml" ds:itemID="{82DB428A-B8F8-483F-8276-095629A8ECDB}">
-  <ds:schemaRefs>
-    <ds:schemaRef ds:uri="http://schemas.microsoft.com/VisualStudio/2011/storyboarding/control"/>
-  </ds:schemaRefs>
-</ds:datastoreItem>
-</file>
-
-<file path=customXml/itemProps5.xml><?xml version="1.0" encoding="utf-8"?>
-<ds:datastoreItem xmlns:ds="http://schemas.openxmlformats.org/officeDocument/2006/customXml" ds:itemID="{E692D73E-1478-4790-BEEC-C5C534998F40}">
-  <ds:schemaRefs>
-    <ds:schemaRef ds:uri="http://schemas.microsoft.com/office/2006/metadata/properties"/>
-    <ds:schemaRef ds:uri="http://schemas.microsoft.com/office/infopath/2007/PartnerControls"/>
-    <ds:schemaRef ds:uri="83cd2334-221a-48c3-9034-bfd1542dfe28"/>
-  </ds:schemaRefs>
-</ds:datastoreItem>
-</file>
-
-<file path=customXml/itemProps50.xml><?xml version="1.0" encoding="utf-8"?>
-<ds:datastoreItem xmlns:ds="http://schemas.openxmlformats.org/officeDocument/2006/customXml" ds:itemID="{4E8278DB-3CDD-48A7-992E-A7596AD335B9}">
-  <ds:schemaRefs>
-    <ds:schemaRef ds:uri="http://schemas.microsoft.com/VisualStudio/2011/storyboarding/control"/>
-  </ds:schemaRefs>
-</ds:datastoreItem>
-</file>
-
-<file path=customXml/itemProps51.xml><?xml version="1.0" encoding="utf-8"?>
-<ds:datastoreItem xmlns:ds="http://schemas.openxmlformats.org/officeDocument/2006/customXml" ds:itemID="{4B16F4FE-7C26-4443-B426-81998D23ED87}">
-  <ds:schemaRefs>
-    <ds:schemaRef ds:uri="http://schemas.microsoft.com/VisualStudio/2011/storyboarding/control"/>
-  </ds:schemaRefs>
-</ds:datastoreItem>
-</file>
-
-<file path=customXml/itemProps52.xml><?xml version="1.0" encoding="utf-8"?>
-<ds:datastoreItem xmlns:ds="http://schemas.openxmlformats.org/officeDocument/2006/customXml" ds:itemID="{ECB83CA1-96BF-44F4-BD12-40C3FA24896A}">
-  <ds:schemaRefs>
-    <ds:schemaRef ds:uri="http://schemas.microsoft.com/office/2006/metadata/properties"/>
-    <ds:schemaRef ds:uri="http://schemas.microsoft.com/office/infopath/2007/PartnerControls"/>
-    <ds:schemaRef ds:uri="83cd2334-221a-48c3-9034-bfd1542dfe28"/>
-  </ds:schemaRefs>
-</ds:datastoreItem>
-</file>
-
-<file path=customXml/itemProps53.xml><?xml version="1.0" encoding="utf-8"?>
-<ds:datastoreItem xmlns:ds="http://schemas.openxmlformats.org/officeDocument/2006/customXml" ds:itemID="{D4B5F268-5930-44CD-BDF1-D0A04D4BBC1C}">
-  <ds:schemaRefs>
-    <ds:schemaRef ds:uri="http://schemas.microsoft.com/VisualStudio/2011/storyboarding/control"/>
-  </ds:schemaRefs>
-</ds:datastoreItem>
-</file>
-
-<file path=customXml/itemProps54.xml><?xml version="1.0" encoding="utf-8"?>
-<ds:datastoreItem xmlns:ds="http://schemas.openxmlformats.org/officeDocument/2006/customXml" ds:itemID="{C0F92A87-A216-45A9-B9C0-0515663D35BF}">
-  <ds:schemaRefs>
-    <ds:schemaRef ds:uri="http://schemas.microsoft.com/VisualStudio/2011/storyboarding/control"/>
-  </ds:schemaRefs>
-</ds:datastoreItem>
-</file>
-
-<file path=customXml/itemProps55.xml><?xml version="1.0" encoding="utf-8"?>
-<ds:datastoreItem xmlns:ds="http://schemas.openxmlformats.org/officeDocument/2006/customXml" ds:itemID="{B5105A87-47B6-44F6-97FD-4619C0556604}">
-  <ds:schemaRefs>
-    <ds:schemaRef ds:uri="http://schemas.microsoft.com/VisualStudio/2011/storyboarding/control"/>
-  </ds:schemaRefs>
-</ds:datastoreItem>
-</file>
-
-<file path=customXml/itemProps56.xml><?xml version="1.0" encoding="utf-8"?>
-<ds:datastoreItem xmlns:ds="http://schemas.openxmlformats.org/officeDocument/2006/customXml" ds:itemID="{8257D6BC-B71E-4D95-81E4-A1D4A8174168}">
-  <ds:schemaRefs>
-    <ds:schemaRef ds:uri="http://schemas.microsoft.com/VisualStudio/2011/storyboarding/control"/>
-  </ds:schemaRefs>
-</ds:datastoreItem>
-</file>
-
-<file path=customXml/itemProps57.xml><?xml version="1.0" encoding="utf-8"?>
-<ds:datastoreItem xmlns:ds="http://schemas.openxmlformats.org/officeDocument/2006/customXml" ds:itemID="{0B54C583-7BAB-4080-8093-C5F84F5A225A}">
-  <ds:schemaRefs>
-    <ds:schemaRef ds:uri="http://schemas.microsoft.com/VisualStudio/2011/storyboarding/control"/>
-  </ds:schemaRefs>
-</ds:datastoreItem>
-</file>
-
-<file path=customXml/itemProps6.xml><?xml version="1.0" encoding="utf-8"?>
-<ds:datastoreItem xmlns:ds="http://schemas.openxmlformats.org/officeDocument/2006/customXml" ds:itemID="{F990F116-B58F-4255-B05B-DA3808E0E5C6}">
-  <ds:schemaRefs>
-    <ds:schemaRef ds:uri="http://schemas.microsoft.com/office/2006/metadata/properties"/>
-    <ds:schemaRef ds:uri="http://schemas.microsoft.com/office/infopath/2007/PartnerControls"/>
-    <ds:schemaRef ds:uri="83cd2334-221a-48c3-9034-bfd1542dfe28"/>
-  </ds:schemaRefs>
-</ds:datastoreItem>
-</file>
-
-<file path=customXml/itemProps7.xml><?xml version="1.0" encoding="utf-8"?>
-<ds:datastoreItem xmlns:ds="http://schemas.openxmlformats.org/officeDocument/2006/customXml" ds:itemID="{4378A4E9-AA60-4BA3-8067-B1CEFEF637CD}">
-  <ds:schemaRefs>
-    <ds:schemaRef ds:uri="http://schemas.microsoft.com/sharepoint/v3/contenttype/forms"/>
-  </ds:schemaRefs>
-</ds:datastoreItem>
-</file>
-
-<file path=customXml/itemProps8.xml><?xml version="1.0" encoding="utf-8"?>
-<ds:datastoreItem xmlns:ds="http://schemas.openxmlformats.org/officeDocument/2006/customXml" ds:itemID="{21F6B647-976A-41D0-B760-9DF9DFC6AE3C}">
-  <ds:schemaRefs>
-    <ds:schemaRef ds:uri="http://schemas.microsoft.com/VisualStudio/2011/storyboarding/control"/>
-  </ds:schemaRefs>
-</ds:datastoreItem>
-</file>
-
 <file path=customXml/itemProps9.xml><?xml version="1.0" encoding="utf-8"?>
-<ds:datastoreItem xmlns:ds="http://schemas.openxmlformats.org/officeDocument/2006/customXml" ds:itemID="{366CA990-F93D-4100-9654-65D9E30F4E1C}">
+<ds:datastoreItem xmlns:ds="http://schemas.openxmlformats.org/officeDocument/2006/customXml" ds:itemID="{3C954CC5-1CAC-4EC3-9791-8630483065B9}">
   <ds:schemaRefs>
     <ds:schemaRef ds:uri="http://schemas.microsoft.com/VisualStudio/2011/storyboarding/control"/>
   </ds:schemaRefs>

--- a/Slides/17 - JSON.pptx
+++ b/Slides/17 - JSON.pptx
@@ -5,10 +5,10 @@
     <p:sldMasterId id="2147484082" r:id="rId58"/>
   </p:sldMasterIdLst>
   <p:notesMasterIdLst>
-    <p:notesMasterId r:id="rId68"/>
+    <p:notesMasterId r:id="rId71"/>
   </p:notesMasterIdLst>
   <p:handoutMasterIdLst>
-    <p:handoutMasterId r:id="rId69"/>
+    <p:handoutMasterId r:id="rId72"/>
   </p:handoutMasterIdLst>
   <p:sldIdLst>
     <p:sldId id="283" r:id="rId59"/>
@@ -19,7 +19,10 @@
     <p:sldId id="318" r:id="rId64"/>
     <p:sldId id="319" r:id="rId65"/>
     <p:sldId id="320" r:id="rId66"/>
-    <p:sldId id="257" r:id="rId67"/>
+    <p:sldId id="321" r:id="rId67"/>
+    <p:sldId id="322" r:id="rId68"/>
+    <p:sldId id="323" r:id="rId69"/>
+    <p:sldId id="257" r:id="rId70"/>
   </p:sldIdLst>
   <p:sldSz cx="12436475" cy="6994525"/>
   <p:notesSz cx="6858000" cy="9144000"/>
@@ -131,6 +134,9 @@
             <p14:sldId id="318"/>
             <p14:sldId id="319"/>
             <p14:sldId id="320"/>
+            <p14:sldId id="321"/>
+            <p14:sldId id="322"/>
+            <p14:sldId id="323"/>
             <p14:sldId id="257"/>
           </p14:sldIdLst>
         </p14:section>
@@ -1213,6 +1219,61 @@
     </pc:docChg>
   </pc:docChgLst>
   <pc:docChgLst>
+    <pc:chgData name="susan ibach" userId="11074aa641b35c68" providerId="LiveId" clId="{8C4834CC-AAFC-417A-9869-4271BFA334C2}"/>
+    <pc:docChg chg="undo custSel addSld delSld modSld sldOrd modSection">
+      <pc:chgData name="susan ibach" userId="11074aa641b35c68" providerId="LiveId" clId="{8C4834CC-AAFC-417A-9869-4271BFA334C2}" dt="2019-05-31T21:13:56.235" v="1492" actId="13926"/>
+      <pc:docMkLst>
+        <pc:docMk/>
+      </pc:docMkLst>
+      <pc:sldChg chg="modSp">
+        <pc:chgData name="susan ibach" userId="11074aa641b35c68" providerId="LiveId" clId="{8C4834CC-AAFC-417A-9869-4271BFA334C2}" dt="2019-05-31T21:09:26.273" v="1470" actId="20577"/>
+        <pc:sldMkLst>
+          <pc:docMk/>
+          <pc:sldMk cId="1842309144" sldId="283"/>
+        </pc:sldMkLst>
+        <pc:spChg chg="mod">
+          <ac:chgData name="susan ibach" userId="11074aa641b35c68" providerId="LiveId" clId="{8C4834CC-AAFC-417A-9869-4271BFA334C2}" dt="2019-05-31T21:09:26.273" v="1470" actId="20577"/>
+          <ac:spMkLst>
+            <pc:docMk/>
+            <pc:sldMk cId="1842309144" sldId="283"/>
+            <ac:spMk id="9" creationId="{00000000-0000-0000-0000-000000000000}"/>
+          </ac:spMkLst>
+        </pc:spChg>
+      </pc:sldChg>
+      <pc:sldChg chg="modSp">
+        <pc:chgData name="susan ibach" userId="11074aa641b35c68" providerId="LiveId" clId="{8C4834CC-AAFC-417A-9869-4271BFA334C2}" dt="2019-05-31T21:10:19.942" v="1486" actId="20577"/>
+        <pc:sldMkLst>
+          <pc:docMk/>
+          <pc:sldMk cId="4004018897" sldId="298"/>
+        </pc:sldMkLst>
+        <pc:spChg chg="mod">
+          <ac:chgData name="susan ibach" userId="11074aa641b35c68" providerId="LiveId" clId="{8C4834CC-AAFC-417A-9869-4271BFA334C2}" dt="2019-05-31T20:53:43.222" v="1138" actId="20577"/>
+          <ac:spMkLst>
+            <pc:docMk/>
+            <pc:sldMk cId="4004018897" sldId="298"/>
+            <ac:spMk id="4" creationId="{00000000-0000-0000-0000-000000000000}"/>
+          </ac:spMkLst>
+        </pc:spChg>
+        <pc:spChg chg="mod">
+          <ac:chgData name="susan ibach" userId="11074aa641b35c68" providerId="LiveId" clId="{8C4834CC-AAFC-417A-9869-4271BFA334C2}" dt="2019-05-31T20:52:56.533" v="1121" actId="20577"/>
+          <ac:spMkLst>
+            <pc:docMk/>
+            <pc:sldMk cId="4004018897" sldId="298"/>
+            <ac:spMk id="5" creationId="{00000000-0000-0000-0000-000000000000}"/>
+          </ac:spMkLst>
+        </pc:spChg>
+        <pc:spChg chg="mod">
+          <ac:chgData name="susan ibach" userId="11074aa641b35c68" providerId="LiveId" clId="{8C4834CC-AAFC-417A-9869-4271BFA334C2}" dt="2019-05-31T21:10:19.942" v="1486" actId="20577"/>
+          <ac:spMkLst>
+            <pc:docMk/>
+            <pc:sldMk cId="4004018897" sldId="298"/>
+            <ac:spMk id="6" creationId="{4F4D9F13-C119-40D2-9B3B-8DCD9D0EA709}"/>
+          </ac:spMkLst>
+        </pc:spChg>
+      </pc:sldChg>
+    </pc:docChg>
+  </pc:docChgLst>
+  <pc:docChgLst>
     <pc:chgData name="susan ibach" userId="11074aa641b35c68" providerId="LiveId" clId="{1F796490-8BA8-4970-BD2C-6F664B793745}"/>
     <pc:docChg chg="undo custSel addSld delSld modSld sldOrd modSection">
       <pc:chgData name="susan ibach" userId="11074aa641b35c68" providerId="LiveId" clId="{1F796490-8BA8-4970-BD2C-6F664B793745}" dt="2019-06-09T18:45:09.141" v="2256" actId="14100"/>
@@ -1748,61 +1809,6 @@
       </pc:sldChg>
     </pc:docChg>
   </pc:docChgLst>
-  <pc:docChgLst>
-    <pc:chgData name="susan ibach" userId="11074aa641b35c68" providerId="LiveId" clId="{8C4834CC-AAFC-417A-9869-4271BFA334C2}"/>
-    <pc:docChg chg="undo custSel addSld delSld modSld sldOrd modSection">
-      <pc:chgData name="susan ibach" userId="11074aa641b35c68" providerId="LiveId" clId="{8C4834CC-AAFC-417A-9869-4271BFA334C2}" dt="2019-05-31T21:13:56.235" v="1492" actId="13926"/>
-      <pc:docMkLst>
-        <pc:docMk/>
-      </pc:docMkLst>
-      <pc:sldChg chg="modSp">
-        <pc:chgData name="susan ibach" userId="11074aa641b35c68" providerId="LiveId" clId="{8C4834CC-AAFC-417A-9869-4271BFA334C2}" dt="2019-05-31T21:09:26.273" v="1470" actId="20577"/>
-        <pc:sldMkLst>
-          <pc:docMk/>
-          <pc:sldMk cId="1842309144" sldId="283"/>
-        </pc:sldMkLst>
-        <pc:spChg chg="mod">
-          <ac:chgData name="susan ibach" userId="11074aa641b35c68" providerId="LiveId" clId="{8C4834CC-AAFC-417A-9869-4271BFA334C2}" dt="2019-05-31T21:09:26.273" v="1470" actId="20577"/>
-          <ac:spMkLst>
-            <pc:docMk/>
-            <pc:sldMk cId="1842309144" sldId="283"/>
-            <ac:spMk id="9" creationId="{00000000-0000-0000-0000-000000000000}"/>
-          </ac:spMkLst>
-        </pc:spChg>
-      </pc:sldChg>
-      <pc:sldChg chg="modSp">
-        <pc:chgData name="susan ibach" userId="11074aa641b35c68" providerId="LiveId" clId="{8C4834CC-AAFC-417A-9869-4271BFA334C2}" dt="2019-05-31T21:10:19.942" v="1486" actId="20577"/>
-        <pc:sldMkLst>
-          <pc:docMk/>
-          <pc:sldMk cId="4004018897" sldId="298"/>
-        </pc:sldMkLst>
-        <pc:spChg chg="mod">
-          <ac:chgData name="susan ibach" userId="11074aa641b35c68" providerId="LiveId" clId="{8C4834CC-AAFC-417A-9869-4271BFA334C2}" dt="2019-05-31T20:53:43.222" v="1138" actId="20577"/>
-          <ac:spMkLst>
-            <pc:docMk/>
-            <pc:sldMk cId="4004018897" sldId="298"/>
-            <ac:spMk id="4" creationId="{00000000-0000-0000-0000-000000000000}"/>
-          </ac:spMkLst>
-        </pc:spChg>
-        <pc:spChg chg="mod">
-          <ac:chgData name="susan ibach" userId="11074aa641b35c68" providerId="LiveId" clId="{8C4834CC-AAFC-417A-9869-4271BFA334C2}" dt="2019-05-31T20:52:56.533" v="1121" actId="20577"/>
-          <ac:spMkLst>
-            <pc:docMk/>
-            <pc:sldMk cId="4004018897" sldId="298"/>
-            <ac:spMk id="5" creationId="{00000000-0000-0000-0000-000000000000}"/>
-          </ac:spMkLst>
-        </pc:spChg>
-        <pc:spChg chg="mod">
-          <ac:chgData name="susan ibach" userId="11074aa641b35c68" providerId="LiveId" clId="{8C4834CC-AAFC-417A-9869-4271BFA334C2}" dt="2019-05-31T21:10:19.942" v="1486" actId="20577"/>
-          <ac:spMkLst>
-            <pc:docMk/>
-            <pc:sldMk cId="4004018897" sldId="298"/>
-            <ac:spMk id="6" creationId="{4F4D9F13-C119-40D2-9B3B-8DCD9D0EA709}"/>
-          </ac:spMkLst>
-        </pc:spChg>
-      </pc:sldChg>
-    </pc:docChg>
-  </pc:docChgLst>
 </pc:chgInfo>
 </file>
 
@@ -1892,7 +1898,7 @@
               <a:rPr lang="en-US" smtClean="0">
                 <a:latin typeface="Segoe UI" pitchFamily="34" charset="0"/>
               </a:rPr>
-              <a:t>6/9/2019 5:29 PM</a:t>
+              <a:t>6/10/2019 7:19 PM</a:t>
             </a:fld>
             <a:endParaRPr lang="en-US" dirty="0">
               <a:latin typeface="Segoe UI" pitchFamily="34" charset="0"/>
@@ -2170,7 +2176,7 @@
           <a:p>
             <a:fld id="{38EEC551-8CDA-4EB6-89BB-2A86C9F091C8}" type="datetime8">
               <a:rPr lang="en-US" smtClean="0"/>
-              <a:t>6/9/2019 5:28 PM</a:t>
+              <a:t>6/10/2019 7:19 PM</a:t>
             </a:fld>
             <a:endParaRPr lang="en-US" dirty="0"/>
           </a:p>
@@ -2504,7 +2510,7 @@
           <a:p>
             <a:fld id="{6108602D-D426-4C00-B215-BFA18C076426}" type="datetime8">
               <a:rPr lang="en-US" smtClean="0"/>
-              <a:t>6/9/2019 5:28 PM</a:t>
+              <a:t>6/10/2019 7:19 PM</a:t>
             </a:fld>
             <a:endParaRPr lang="en-US" dirty="0"/>
           </a:p>
@@ -2571,6 +2577,171 @@
     <p:extLst>
       <p:ext uri="{BB962C8B-B14F-4D97-AF65-F5344CB8AC3E}">
         <p14:creationId xmlns:p14="http://schemas.microsoft.com/office/powerpoint/2010/main" val="3186141284"/>
+      </p:ext>
+    </p:extLst>
+  </p:cSld>
+  <p:clrMapOvr>
+    <a:masterClrMapping/>
+  </p:clrMapOvr>
+</p:notes>
+</file>
+
+<file path=ppt/notesSlides/notesSlide10.xml><?xml version="1.0" encoding="utf-8"?>
+<p:notes xmlns:a="http://schemas.openxmlformats.org/drawingml/2006/main" xmlns:r="http://schemas.openxmlformats.org/officeDocument/2006/relationships" xmlns:p="http://schemas.openxmlformats.org/presentationml/2006/main">
+  <p:cSld>
+    <p:spTree>
+      <p:nvGrpSpPr>
+        <p:cNvPr id="1" name=""/>
+        <p:cNvGrpSpPr/>
+        <p:nvPr/>
+      </p:nvGrpSpPr>
+      <p:grpSpPr>
+        <a:xfrm>
+          <a:off x="0" y="0"/>
+          <a:ext cx="0" cy="0"/>
+          <a:chOff x="0" y="0"/>
+          <a:chExt cx="0" cy="0"/>
+        </a:xfrm>
+      </p:grpSpPr>
+      <p:sp>
+        <p:nvSpPr>
+          <p:cNvPr id="2" name="Slide Image Placeholder 1"/>
+          <p:cNvSpPr>
+            <a:spLocks noGrp="1" noRot="1" noChangeAspect="1"/>
+          </p:cNvSpPr>
+          <p:nvPr>
+            <p:ph type="sldImg"/>
+          </p:nvPr>
+        </p:nvSpPr>
+        <p:spPr/>
+      </p:sp>
+      <p:sp>
+        <p:nvSpPr>
+          <p:cNvPr id="3" name="Notes Placeholder 2"/>
+          <p:cNvSpPr>
+            <a:spLocks noGrp="1"/>
+          </p:cNvSpPr>
+          <p:nvPr>
+            <p:ph type="body" idx="1"/>
+          </p:nvPr>
+        </p:nvSpPr>
+        <p:spPr/>
+        <p:txBody>
+          <a:bodyPr/>
+          <a:lstStyle/>
+          <a:p>
+            <a:endParaRPr lang="en-US" dirty="0"/>
+          </a:p>
+        </p:txBody>
+      </p:sp>
+      <p:sp>
+        <p:nvSpPr>
+          <p:cNvPr id="6" name="Slide Number Placeholder 5"/>
+          <p:cNvSpPr>
+            <a:spLocks noGrp="1"/>
+          </p:cNvSpPr>
+          <p:nvPr>
+            <p:ph type="sldNum" sz="quarter" idx="12"/>
+          </p:nvPr>
+        </p:nvSpPr>
+        <p:spPr/>
+        <p:txBody>
+          <a:bodyPr/>
+          <a:lstStyle/>
+          <a:p>
+            <a:fld id="{B4008EB6-D09E-4580-8CD6-DDB14511944F}" type="slidenum">
+              <a:rPr lang="en-US" smtClean="0"/>
+              <a:pPr/>
+              <a:t>11</a:t>
+            </a:fld>
+            <a:endParaRPr lang="en-US" dirty="0"/>
+          </a:p>
+        </p:txBody>
+      </p:sp>
+      <p:sp>
+        <p:nvSpPr>
+          <p:cNvPr id="10" name="Date Placeholder 9"/>
+          <p:cNvSpPr>
+            <a:spLocks noGrp="1"/>
+          </p:cNvSpPr>
+          <p:nvPr>
+            <p:ph type="dt" idx="13"/>
+          </p:nvPr>
+        </p:nvSpPr>
+        <p:spPr/>
+        <p:txBody>
+          <a:bodyPr/>
+          <a:lstStyle/>
+          <a:p>
+            <a:fld id="{6108602D-D426-4C00-B215-BFA18C076426}" type="datetime8">
+              <a:rPr lang="en-US" smtClean="0"/>
+              <a:t>6/10/2019 8:01 PM</a:t>
+            </a:fld>
+            <a:endParaRPr lang="en-US" dirty="0"/>
+          </a:p>
+        </p:txBody>
+      </p:sp>
+      <p:sp>
+        <p:nvSpPr>
+          <p:cNvPr id="4" name="Footer Placeholder 3"/>
+          <p:cNvSpPr>
+            <a:spLocks noGrp="1"/>
+          </p:cNvSpPr>
+          <p:nvPr>
+            <p:ph type="ftr" sz="quarter" idx="14"/>
+          </p:nvPr>
+        </p:nvSpPr>
+        <p:spPr/>
+        <p:txBody>
+          <a:bodyPr/>
+          <a:lstStyle/>
+          <a:p>
+            <a:pPr defTabSz="914099" eaLnBrk="0" hangingPunct="0"/>
+            <a:r>
+              <a:rPr lang="en-US" sz="400" dirty="0">
+                <a:gradFill>
+                  <a:gsLst>
+                    <a:gs pos="0">
+                      <a:prstClr val="black"/>
+                    </a:gs>
+                    <a:gs pos="100000">
+                      <a:prstClr val="black"/>
+                    </a:gs>
+                  </a:gsLst>
+                  <a:lin ang="5400000" scaled="0"/>
+                </a:gradFill>
+                <a:latin typeface="Segoe UI" pitchFamily="34" charset="0"/>
+                <a:ea typeface="Segoe UI" pitchFamily="34" charset="0"/>
+                <a:cs typeface="Segoe UI" pitchFamily="34" charset="0"/>
+              </a:rPr>
+              <a:t>© 2014 Microsoft Corporation. All rights reserved. MICROSOFT MAKES NO WARRANTIES, EXPRESS, IMPLIED OR STATUTORY, AS TO THE INFORMATION IN THIS PRESENTATION.</a:t>
+            </a:r>
+          </a:p>
+        </p:txBody>
+      </p:sp>
+      <p:sp>
+        <p:nvSpPr>
+          <p:cNvPr id="5" name="Header Placeholder 4"/>
+          <p:cNvSpPr>
+            <a:spLocks noGrp="1"/>
+          </p:cNvSpPr>
+          <p:nvPr>
+            <p:ph type="hdr" sz="quarter" idx="15"/>
+          </p:nvPr>
+        </p:nvSpPr>
+        <p:spPr/>
+        <p:txBody>
+          <a:bodyPr/>
+          <a:lstStyle/>
+          <a:p>
+            <a:endParaRPr lang="en-US" dirty="0"/>
+          </a:p>
+        </p:txBody>
+      </p:sp>
+    </p:spTree>
+    <p:extLst>
+      <p:ext uri="{BB962C8B-B14F-4D97-AF65-F5344CB8AC3E}">
+        <p14:creationId xmlns:p14="http://schemas.microsoft.com/office/powerpoint/2010/main" val="227347564"/>
       </p:ext>
     </p:extLst>
   </p:cSld>
@@ -2669,7 +2840,7 @@
           <a:p>
             <a:fld id="{6108602D-D426-4C00-B215-BFA18C076426}" type="datetime8">
               <a:rPr lang="en-US" smtClean="0"/>
-              <a:t>6/9/2019 5:28 PM</a:t>
+              <a:t>6/10/2019 7:19 PM</a:t>
             </a:fld>
             <a:endParaRPr lang="en-US" dirty="0"/>
           </a:p>
@@ -2834,7 +3005,7 @@
           <a:p>
             <a:fld id="{6108602D-D426-4C00-B215-BFA18C076426}" type="datetime8">
               <a:rPr lang="en-US" smtClean="0"/>
-              <a:t>6/9/2019 5:28 PM</a:t>
+              <a:t>6/10/2019 7:19 PM</a:t>
             </a:fld>
             <a:endParaRPr lang="en-US" dirty="0"/>
           </a:p>
@@ -2999,7 +3170,7 @@
           <a:p>
             <a:fld id="{6108602D-D426-4C00-B215-BFA18C076426}" type="datetime8">
               <a:rPr lang="en-US" smtClean="0"/>
-              <a:t>6/9/2019 5:28 PM</a:t>
+              <a:t>6/10/2019 7:19 PM</a:t>
             </a:fld>
             <a:endParaRPr lang="en-US" dirty="0"/>
           </a:p>
@@ -3164,7 +3335,7 @@
           <a:p>
             <a:fld id="{6108602D-D426-4C00-B215-BFA18C076426}" type="datetime8">
               <a:rPr lang="en-US" smtClean="0"/>
-              <a:t>6/9/2019 5:28 PM</a:t>
+              <a:t>6/10/2019 7:19 PM</a:t>
             </a:fld>
             <a:endParaRPr lang="en-US" dirty="0"/>
           </a:p>
@@ -3329,7 +3500,7 @@
           <a:p>
             <a:fld id="{6108602D-D426-4C00-B215-BFA18C076426}" type="datetime8">
               <a:rPr lang="en-US" smtClean="0"/>
-              <a:t>6/9/2019 5:28 PM</a:t>
+              <a:t>6/10/2019 7:19 PM</a:t>
             </a:fld>
             <a:endParaRPr lang="en-US" dirty="0"/>
           </a:p>
@@ -3494,7 +3665,7 @@
           <a:p>
             <a:fld id="{6108602D-D426-4C00-B215-BFA18C076426}" type="datetime8">
               <a:rPr lang="en-US" smtClean="0"/>
-              <a:t>6/9/2019 5:28 PM</a:t>
+              <a:t>6/10/2019 7:19 PM</a:t>
             </a:fld>
             <a:endParaRPr lang="en-US" dirty="0"/>
           </a:p>
@@ -3561,6 +3732,336 @@
     <p:extLst>
       <p:ext uri="{BB962C8B-B14F-4D97-AF65-F5344CB8AC3E}">
         <p14:creationId xmlns:p14="http://schemas.microsoft.com/office/powerpoint/2010/main" val="1197371138"/>
+      </p:ext>
+    </p:extLst>
+  </p:cSld>
+  <p:clrMapOvr>
+    <a:masterClrMapping/>
+  </p:clrMapOvr>
+</p:notes>
+</file>
+
+<file path=ppt/notesSlides/notesSlide8.xml><?xml version="1.0" encoding="utf-8"?>
+<p:notes xmlns:a="http://schemas.openxmlformats.org/drawingml/2006/main" xmlns:r="http://schemas.openxmlformats.org/officeDocument/2006/relationships" xmlns:p="http://schemas.openxmlformats.org/presentationml/2006/main">
+  <p:cSld>
+    <p:spTree>
+      <p:nvGrpSpPr>
+        <p:cNvPr id="1" name=""/>
+        <p:cNvGrpSpPr/>
+        <p:nvPr/>
+      </p:nvGrpSpPr>
+      <p:grpSpPr>
+        <a:xfrm>
+          <a:off x="0" y="0"/>
+          <a:ext cx="0" cy="0"/>
+          <a:chOff x="0" y="0"/>
+          <a:chExt cx="0" cy="0"/>
+        </a:xfrm>
+      </p:grpSpPr>
+      <p:sp>
+        <p:nvSpPr>
+          <p:cNvPr id="2" name="Slide Image Placeholder 1"/>
+          <p:cNvSpPr>
+            <a:spLocks noGrp="1" noRot="1" noChangeAspect="1"/>
+          </p:cNvSpPr>
+          <p:nvPr>
+            <p:ph type="sldImg"/>
+          </p:nvPr>
+        </p:nvSpPr>
+        <p:spPr/>
+      </p:sp>
+      <p:sp>
+        <p:nvSpPr>
+          <p:cNvPr id="3" name="Notes Placeholder 2"/>
+          <p:cNvSpPr>
+            <a:spLocks noGrp="1"/>
+          </p:cNvSpPr>
+          <p:nvPr>
+            <p:ph type="body" idx="1"/>
+          </p:nvPr>
+        </p:nvSpPr>
+        <p:spPr/>
+        <p:txBody>
+          <a:bodyPr/>
+          <a:lstStyle/>
+          <a:p>
+            <a:endParaRPr lang="en-US" dirty="0"/>
+          </a:p>
+        </p:txBody>
+      </p:sp>
+      <p:sp>
+        <p:nvSpPr>
+          <p:cNvPr id="6" name="Slide Number Placeholder 5"/>
+          <p:cNvSpPr>
+            <a:spLocks noGrp="1"/>
+          </p:cNvSpPr>
+          <p:nvPr>
+            <p:ph type="sldNum" sz="quarter" idx="12"/>
+          </p:nvPr>
+        </p:nvSpPr>
+        <p:spPr/>
+        <p:txBody>
+          <a:bodyPr/>
+          <a:lstStyle/>
+          <a:p>
+            <a:fld id="{B4008EB6-D09E-4580-8CD6-DDB14511944F}" type="slidenum">
+              <a:rPr lang="en-US" smtClean="0"/>
+              <a:pPr/>
+              <a:t>9</a:t>
+            </a:fld>
+            <a:endParaRPr lang="en-US" dirty="0"/>
+          </a:p>
+        </p:txBody>
+      </p:sp>
+      <p:sp>
+        <p:nvSpPr>
+          <p:cNvPr id="10" name="Date Placeholder 9"/>
+          <p:cNvSpPr>
+            <a:spLocks noGrp="1"/>
+          </p:cNvSpPr>
+          <p:nvPr>
+            <p:ph type="dt" idx="13"/>
+          </p:nvPr>
+        </p:nvSpPr>
+        <p:spPr/>
+        <p:txBody>
+          <a:bodyPr/>
+          <a:lstStyle/>
+          <a:p>
+            <a:fld id="{6108602D-D426-4C00-B215-BFA18C076426}" type="datetime8">
+              <a:rPr lang="en-US" smtClean="0"/>
+              <a:t>6/10/2019 7:59 PM</a:t>
+            </a:fld>
+            <a:endParaRPr lang="en-US" dirty="0"/>
+          </a:p>
+        </p:txBody>
+      </p:sp>
+      <p:sp>
+        <p:nvSpPr>
+          <p:cNvPr id="4" name="Footer Placeholder 3"/>
+          <p:cNvSpPr>
+            <a:spLocks noGrp="1"/>
+          </p:cNvSpPr>
+          <p:nvPr>
+            <p:ph type="ftr" sz="quarter" idx="14"/>
+          </p:nvPr>
+        </p:nvSpPr>
+        <p:spPr/>
+        <p:txBody>
+          <a:bodyPr/>
+          <a:lstStyle/>
+          <a:p>
+            <a:pPr defTabSz="914099" eaLnBrk="0" hangingPunct="0"/>
+            <a:r>
+              <a:rPr lang="en-US" sz="400" dirty="0">
+                <a:gradFill>
+                  <a:gsLst>
+                    <a:gs pos="0">
+                      <a:prstClr val="black"/>
+                    </a:gs>
+                    <a:gs pos="100000">
+                      <a:prstClr val="black"/>
+                    </a:gs>
+                  </a:gsLst>
+                  <a:lin ang="5400000" scaled="0"/>
+                </a:gradFill>
+                <a:latin typeface="Segoe UI" pitchFamily="34" charset="0"/>
+                <a:ea typeface="Segoe UI" pitchFamily="34" charset="0"/>
+                <a:cs typeface="Segoe UI" pitchFamily="34" charset="0"/>
+              </a:rPr>
+              <a:t>© 2014 Microsoft Corporation. All rights reserved. MICROSOFT MAKES NO WARRANTIES, EXPRESS, IMPLIED OR STATUTORY, AS TO THE INFORMATION IN THIS PRESENTATION.</a:t>
+            </a:r>
+          </a:p>
+        </p:txBody>
+      </p:sp>
+      <p:sp>
+        <p:nvSpPr>
+          <p:cNvPr id="5" name="Header Placeholder 4"/>
+          <p:cNvSpPr>
+            <a:spLocks noGrp="1"/>
+          </p:cNvSpPr>
+          <p:nvPr>
+            <p:ph type="hdr" sz="quarter" idx="15"/>
+          </p:nvPr>
+        </p:nvSpPr>
+        <p:spPr/>
+        <p:txBody>
+          <a:bodyPr/>
+          <a:lstStyle/>
+          <a:p>
+            <a:endParaRPr lang="en-US" dirty="0"/>
+          </a:p>
+        </p:txBody>
+      </p:sp>
+    </p:spTree>
+    <p:extLst>
+      <p:ext uri="{BB962C8B-B14F-4D97-AF65-F5344CB8AC3E}">
+        <p14:creationId xmlns:p14="http://schemas.microsoft.com/office/powerpoint/2010/main" val="578152577"/>
+      </p:ext>
+    </p:extLst>
+  </p:cSld>
+  <p:clrMapOvr>
+    <a:masterClrMapping/>
+  </p:clrMapOvr>
+</p:notes>
+</file>
+
+<file path=ppt/notesSlides/notesSlide9.xml><?xml version="1.0" encoding="utf-8"?>
+<p:notes xmlns:a="http://schemas.openxmlformats.org/drawingml/2006/main" xmlns:r="http://schemas.openxmlformats.org/officeDocument/2006/relationships" xmlns:p="http://schemas.openxmlformats.org/presentationml/2006/main">
+  <p:cSld>
+    <p:spTree>
+      <p:nvGrpSpPr>
+        <p:cNvPr id="1" name=""/>
+        <p:cNvGrpSpPr/>
+        <p:nvPr/>
+      </p:nvGrpSpPr>
+      <p:grpSpPr>
+        <a:xfrm>
+          <a:off x="0" y="0"/>
+          <a:ext cx="0" cy="0"/>
+          <a:chOff x="0" y="0"/>
+          <a:chExt cx="0" cy="0"/>
+        </a:xfrm>
+      </p:grpSpPr>
+      <p:sp>
+        <p:nvSpPr>
+          <p:cNvPr id="2" name="Slide Image Placeholder 1"/>
+          <p:cNvSpPr>
+            <a:spLocks noGrp="1" noRot="1" noChangeAspect="1"/>
+          </p:cNvSpPr>
+          <p:nvPr>
+            <p:ph type="sldImg"/>
+          </p:nvPr>
+        </p:nvSpPr>
+        <p:spPr/>
+      </p:sp>
+      <p:sp>
+        <p:nvSpPr>
+          <p:cNvPr id="3" name="Notes Placeholder 2"/>
+          <p:cNvSpPr>
+            <a:spLocks noGrp="1"/>
+          </p:cNvSpPr>
+          <p:nvPr>
+            <p:ph type="body" idx="1"/>
+          </p:nvPr>
+        </p:nvSpPr>
+        <p:spPr/>
+        <p:txBody>
+          <a:bodyPr/>
+          <a:lstStyle/>
+          <a:p>
+            <a:endParaRPr lang="en-US" dirty="0"/>
+          </a:p>
+        </p:txBody>
+      </p:sp>
+      <p:sp>
+        <p:nvSpPr>
+          <p:cNvPr id="6" name="Slide Number Placeholder 5"/>
+          <p:cNvSpPr>
+            <a:spLocks noGrp="1"/>
+          </p:cNvSpPr>
+          <p:nvPr>
+            <p:ph type="sldNum" sz="quarter" idx="12"/>
+          </p:nvPr>
+        </p:nvSpPr>
+        <p:spPr/>
+        <p:txBody>
+          <a:bodyPr/>
+          <a:lstStyle/>
+          <a:p>
+            <a:fld id="{B4008EB6-D09E-4580-8CD6-DDB14511944F}" type="slidenum">
+              <a:rPr lang="en-US" smtClean="0"/>
+              <a:pPr/>
+              <a:t>10</a:t>
+            </a:fld>
+            <a:endParaRPr lang="en-US" dirty="0"/>
+          </a:p>
+        </p:txBody>
+      </p:sp>
+      <p:sp>
+        <p:nvSpPr>
+          <p:cNvPr id="10" name="Date Placeholder 9"/>
+          <p:cNvSpPr>
+            <a:spLocks noGrp="1"/>
+          </p:cNvSpPr>
+          <p:nvPr>
+            <p:ph type="dt" idx="13"/>
+          </p:nvPr>
+        </p:nvSpPr>
+        <p:spPr/>
+        <p:txBody>
+          <a:bodyPr/>
+          <a:lstStyle/>
+          <a:p>
+            <a:fld id="{6108602D-D426-4C00-B215-BFA18C076426}" type="datetime8">
+              <a:rPr lang="en-US" smtClean="0"/>
+              <a:t>6/10/2019 8:09 PM</a:t>
+            </a:fld>
+            <a:endParaRPr lang="en-US" dirty="0"/>
+          </a:p>
+        </p:txBody>
+      </p:sp>
+      <p:sp>
+        <p:nvSpPr>
+          <p:cNvPr id="4" name="Footer Placeholder 3"/>
+          <p:cNvSpPr>
+            <a:spLocks noGrp="1"/>
+          </p:cNvSpPr>
+          <p:nvPr>
+            <p:ph type="ftr" sz="quarter" idx="14"/>
+          </p:nvPr>
+        </p:nvSpPr>
+        <p:spPr/>
+        <p:txBody>
+          <a:bodyPr/>
+          <a:lstStyle/>
+          <a:p>
+            <a:pPr defTabSz="914099" eaLnBrk="0" hangingPunct="0"/>
+            <a:r>
+              <a:rPr lang="en-US" sz="400" dirty="0">
+                <a:gradFill>
+                  <a:gsLst>
+                    <a:gs pos="0">
+                      <a:prstClr val="black"/>
+                    </a:gs>
+                    <a:gs pos="100000">
+                      <a:prstClr val="black"/>
+                    </a:gs>
+                  </a:gsLst>
+                  <a:lin ang="5400000" scaled="0"/>
+                </a:gradFill>
+                <a:latin typeface="Segoe UI" pitchFamily="34" charset="0"/>
+                <a:ea typeface="Segoe UI" pitchFamily="34" charset="0"/>
+                <a:cs typeface="Segoe UI" pitchFamily="34" charset="0"/>
+              </a:rPr>
+              <a:t>© 2014 Microsoft Corporation. All rights reserved. MICROSOFT MAKES NO WARRANTIES, EXPRESS, IMPLIED OR STATUTORY, AS TO THE INFORMATION IN THIS PRESENTATION.</a:t>
+            </a:r>
+          </a:p>
+        </p:txBody>
+      </p:sp>
+      <p:sp>
+        <p:nvSpPr>
+          <p:cNvPr id="5" name="Header Placeholder 4"/>
+          <p:cNvSpPr>
+            <a:spLocks noGrp="1"/>
+          </p:cNvSpPr>
+          <p:nvPr>
+            <p:ph type="hdr" sz="quarter" idx="15"/>
+          </p:nvPr>
+        </p:nvSpPr>
+        <p:spPr/>
+        <p:txBody>
+          <a:bodyPr/>
+          <a:lstStyle/>
+          <a:p>
+            <a:endParaRPr lang="en-US" dirty="0"/>
+          </a:p>
+        </p:txBody>
+      </p:sp>
+    </p:spTree>
+    <p:extLst>
+      <p:ext uri="{BB962C8B-B14F-4D97-AF65-F5344CB8AC3E}">
+        <p14:creationId xmlns:p14="http://schemas.microsoft.com/office/powerpoint/2010/main" val="46491454"/>
       </p:ext>
     </p:extLst>
   </p:cSld>
@@ -41823,6 +42324,1272 @@
 </p:sld>
 </file>
 
+<file path=ppt/slides/slide10.xml><?xml version="1.0" encoding="utf-8"?>
+<p:sld xmlns:a="http://schemas.openxmlformats.org/drawingml/2006/main" xmlns:r="http://schemas.openxmlformats.org/officeDocument/2006/relationships" xmlns:p="http://schemas.openxmlformats.org/presentationml/2006/main">
+  <p:cSld>
+    <p:spTree>
+      <p:nvGrpSpPr>
+        <p:cNvPr id="1" name=""/>
+        <p:cNvGrpSpPr/>
+        <p:nvPr/>
+      </p:nvGrpSpPr>
+      <p:grpSpPr>
+        <a:xfrm>
+          <a:off x="0" y="0"/>
+          <a:ext cx="0" cy="0"/>
+          <a:chOff x="0" y="0"/>
+          <a:chExt cx="0" cy="0"/>
+        </a:xfrm>
+      </p:grpSpPr>
+      <p:sp>
+        <p:nvSpPr>
+          <p:cNvPr id="14" name="Title 13">
+            <a:extLst>
+              <a:ext uri="{FF2B5EF4-FFF2-40B4-BE49-F238E27FC236}">
+                <a16:creationId xmlns:a16="http://schemas.microsoft.com/office/drawing/2014/main" id="{0EABF196-DEFD-4037-AB56-85AC0D14459F}"/>
+              </a:ext>
+            </a:extLst>
+          </p:cNvPr>
+          <p:cNvSpPr>
+            <a:spLocks noGrp="1"/>
+          </p:cNvSpPr>
+          <p:nvPr>
+            <p:ph type="title"/>
+          </p:nvPr>
+        </p:nvSpPr>
+        <p:spPr/>
+        <p:txBody>
+          <a:bodyPr/>
+          <a:lstStyle/>
+          <a:p>
+            <a:r>
+              <a:rPr lang="en-US" sz="4000" b="1" dirty="0"/>
+              <a:t>Nest </a:t>
+            </a:r>
+            <a:r>
+              <a:rPr lang="en-US" sz="4000" b="1" dirty="0" err="1"/>
+              <a:t>dictonaries</a:t>
+            </a:r>
+            <a:r>
+              <a:rPr lang="en-US" sz="4000" b="1" dirty="0"/>
+              <a:t> to create JSON in the format {"key":{"subkey0":"subvalue0","subkey1":"subvalue1",…}</a:t>
+            </a:r>
+            <a:br>
+              <a:rPr lang="en-US" b="1" dirty="0"/>
+            </a:br>
+            <a:endParaRPr lang="en-CA" b="1" dirty="0"/>
+          </a:p>
+        </p:txBody>
+      </p:sp>
+      <p:sp>
+        <p:nvSpPr>
+          <p:cNvPr id="7" name="Rectangle 6">
+            <a:extLst>
+              <a:ext uri="{FF2B5EF4-FFF2-40B4-BE49-F238E27FC236}">
+                <a16:creationId xmlns:a16="http://schemas.microsoft.com/office/drawing/2014/main" id="{77DB5C1B-3573-4EBF-8A54-049CC5D3DCDB}"/>
+              </a:ext>
+            </a:extLst>
+          </p:cNvPr>
+          <p:cNvSpPr/>
+          <p:nvPr/>
+        </p:nvSpPr>
+        <p:spPr>
+          <a:xfrm>
+            <a:off x="365759" y="5866665"/>
+            <a:ext cx="11704319" cy="830997"/>
+          </a:xfrm>
+          <a:prstGeom prst="rect">
+            <a:avLst/>
+          </a:prstGeom>
+          <a:solidFill>
+            <a:srgbClr val="737373"/>
+          </a:solidFill>
+        </p:spPr>
+        <p:txBody>
+          <a:bodyPr wrap="square">
+            <a:spAutoFit/>
+          </a:bodyPr>
+          <a:lstStyle/>
+          <a:p>
+            <a:r>
+              <a:rPr lang="en-US" sz="2400" dirty="0">
+                <a:solidFill>
+                  <a:schemeClr val="bg1"/>
+                </a:solidFill>
+                <a:latin typeface="Consolas" panose="020B0609020204030204" pitchFamily="49" charset="0"/>
+              </a:rPr>
+              <a:t>{"Program Manager": {"first": "Christopher", "last": "Harrison", "City": "Seattle"}}</a:t>
+            </a:r>
+            <a:endParaRPr lang="en-US" sz="2800" dirty="0">
+              <a:solidFill>
+                <a:schemeClr val="bg1"/>
+              </a:solidFill>
+              <a:highlight>
+                <a:srgbClr val="00FFFF"/>
+              </a:highlight>
+              <a:latin typeface="Consolas" panose="020B0609020204030204" pitchFamily="49" charset="0"/>
+            </a:endParaRPr>
+          </a:p>
+        </p:txBody>
+      </p:sp>
+      <p:sp>
+        <p:nvSpPr>
+          <p:cNvPr id="2" name="Rectangle 1">
+            <a:extLst>
+              <a:ext uri="{FF2B5EF4-FFF2-40B4-BE49-F238E27FC236}">
+                <a16:creationId xmlns:a16="http://schemas.microsoft.com/office/drawing/2014/main" id="{78B8946D-B36F-473F-9764-96E141553561}"/>
+              </a:ext>
+            </a:extLst>
+          </p:cNvPr>
+          <p:cNvSpPr/>
+          <p:nvPr/>
+        </p:nvSpPr>
+        <p:spPr>
+          <a:xfrm>
+            <a:off x="427037" y="1769010"/>
+            <a:ext cx="11704320" cy="4154984"/>
+          </a:xfrm>
+          <a:prstGeom prst="rect">
+            <a:avLst/>
+          </a:prstGeom>
+        </p:spPr>
+        <p:txBody>
+          <a:bodyPr wrap="square">
+            <a:spAutoFit/>
+          </a:bodyPr>
+          <a:lstStyle/>
+          <a:p>
+            <a:r>
+              <a:rPr lang="en-CA" sz="2400" dirty="0" err="1">
+                <a:solidFill>
+                  <a:srgbClr val="000000"/>
+                </a:solidFill>
+                <a:latin typeface="Consolas" panose="020B0609020204030204" pitchFamily="49" charset="0"/>
+              </a:rPr>
+              <a:t>person_dict</a:t>
+            </a:r>
+            <a:r>
+              <a:rPr lang="en-CA" sz="2400" dirty="0">
+                <a:solidFill>
+                  <a:srgbClr val="000000"/>
+                </a:solidFill>
+                <a:latin typeface="Consolas" panose="020B0609020204030204" pitchFamily="49" charset="0"/>
+              </a:rPr>
+              <a:t> = {</a:t>
+            </a:r>
+            <a:r>
+              <a:rPr lang="en-CA" sz="2400" dirty="0">
+                <a:solidFill>
+                  <a:srgbClr val="A31515"/>
+                </a:solidFill>
+                <a:latin typeface="Consolas" panose="020B0609020204030204" pitchFamily="49" charset="0"/>
+              </a:rPr>
+              <a:t>'first'</a:t>
+            </a:r>
+            <a:r>
+              <a:rPr lang="en-CA" sz="2400" dirty="0">
+                <a:solidFill>
+                  <a:srgbClr val="000000"/>
+                </a:solidFill>
+                <a:latin typeface="Consolas" panose="020B0609020204030204" pitchFamily="49" charset="0"/>
+              </a:rPr>
+              <a:t>: </a:t>
+            </a:r>
+            <a:r>
+              <a:rPr lang="en-CA" sz="2400" dirty="0">
+                <a:solidFill>
+                  <a:srgbClr val="A31515"/>
+                </a:solidFill>
+                <a:latin typeface="Consolas" panose="020B0609020204030204" pitchFamily="49" charset="0"/>
+              </a:rPr>
+              <a:t>'Christopher'</a:t>
+            </a:r>
+            <a:r>
+              <a:rPr lang="en-CA" sz="2400" dirty="0">
+                <a:solidFill>
+                  <a:srgbClr val="000000"/>
+                </a:solidFill>
+                <a:latin typeface="Consolas" panose="020B0609020204030204" pitchFamily="49" charset="0"/>
+              </a:rPr>
+              <a:t>, </a:t>
+            </a:r>
+            <a:r>
+              <a:rPr lang="en-CA" sz="2400" dirty="0">
+                <a:solidFill>
+                  <a:srgbClr val="A31515"/>
+                </a:solidFill>
+                <a:latin typeface="Consolas" panose="020B0609020204030204" pitchFamily="49" charset="0"/>
+              </a:rPr>
+              <a:t>'</a:t>
+            </a:r>
+            <a:r>
+              <a:rPr lang="en-CA" sz="2400" dirty="0" err="1">
+                <a:solidFill>
+                  <a:srgbClr val="A31515"/>
+                </a:solidFill>
+                <a:latin typeface="Consolas" panose="020B0609020204030204" pitchFamily="49" charset="0"/>
+              </a:rPr>
+              <a:t>last'</a:t>
+            </a:r>
+            <a:r>
+              <a:rPr lang="en-CA" sz="2400" dirty="0" err="1">
+                <a:solidFill>
+                  <a:srgbClr val="000000"/>
+                </a:solidFill>
+                <a:latin typeface="Consolas" panose="020B0609020204030204" pitchFamily="49" charset="0"/>
+              </a:rPr>
+              <a:t>:</a:t>
+            </a:r>
+            <a:r>
+              <a:rPr lang="en-CA" sz="2400" dirty="0" err="1">
+                <a:solidFill>
+                  <a:srgbClr val="A31515"/>
+                </a:solidFill>
+                <a:latin typeface="Consolas" panose="020B0609020204030204" pitchFamily="49" charset="0"/>
+              </a:rPr>
+              <a:t>'Harrison</a:t>
+            </a:r>
+            <a:r>
+              <a:rPr lang="en-CA" sz="2400" dirty="0">
+                <a:solidFill>
+                  <a:srgbClr val="A31515"/>
+                </a:solidFill>
+                <a:latin typeface="Consolas" panose="020B0609020204030204" pitchFamily="49" charset="0"/>
+              </a:rPr>
+              <a:t>'</a:t>
+            </a:r>
+            <a:r>
+              <a:rPr lang="en-CA" sz="2400" dirty="0">
+                <a:solidFill>
+                  <a:srgbClr val="000000"/>
+                </a:solidFill>
+                <a:latin typeface="Consolas" panose="020B0609020204030204" pitchFamily="49" charset="0"/>
+              </a:rPr>
+              <a:t>}</a:t>
+            </a:r>
+          </a:p>
+          <a:p>
+            <a:endParaRPr lang="en-CA" sz="2400" dirty="0">
+              <a:solidFill>
+                <a:schemeClr val="tx2"/>
+              </a:solidFill>
+              <a:latin typeface="Consolas" panose="020B0609020204030204" pitchFamily="49" charset="0"/>
+            </a:endParaRPr>
+          </a:p>
+          <a:p>
+            <a:r>
+              <a:rPr lang="en-CA" sz="2400" dirty="0">
+                <a:solidFill>
+                  <a:schemeClr val="tx2"/>
+                </a:solidFill>
+                <a:latin typeface="Consolas" panose="020B0609020204030204" pitchFamily="49" charset="0"/>
+              </a:rPr>
+              <a:t># Create staff dictionary which assigns a person to a role</a:t>
+            </a:r>
+          </a:p>
+          <a:p>
+            <a:r>
+              <a:rPr lang="en-CA" sz="2400" dirty="0" err="1">
+                <a:solidFill>
+                  <a:srgbClr val="000000"/>
+                </a:solidFill>
+                <a:latin typeface="Consolas" panose="020B0609020204030204" pitchFamily="49" charset="0"/>
+              </a:rPr>
+              <a:t>staff_dict</a:t>
+            </a:r>
+            <a:r>
+              <a:rPr lang="en-CA" sz="2400" dirty="0">
+                <a:solidFill>
+                  <a:srgbClr val="000000"/>
+                </a:solidFill>
+                <a:latin typeface="Consolas" panose="020B0609020204030204" pitchFamily="49" charset="0"/>
+              </a:rPr>
+              <a:t> ={}</a:t>
+            </a:r>
+          </a:p>
+          <a:p>
+            <a:r>
+              <a:rPr lang="en-CA" sz="2400" dirty="0" err="1">
+                <a:solidFill>
+                  <a:srgbClr val="000000"/>
+                </a:solidFill>
+                <a:latin typeface="Consolas" panose="020B0609020204030204" pitchFamily="49" charset="0"/>
+              </a:rPr>
+              <a:t>staff_dict</a:t>
+            </a:r>
+            <a:r>
+              <a:rPr lang="en-CA" sz="2400" dirty="0">
+                <a:solidFill>
+                  <a:srgbClr val="000000"/>
+                </a:solidFill>
+                <a:latin typeface="Consolas" panose="020B0609020204030204" pitchFamily="49" charset="0"/>
+              </a:rPr>
+              <a:t>[</a:t>
+            </a:r>
+            <a:r>
+              <a:rPr lang="en-CA" sz="2400" dirty="0">
+                <a:solidFill>
+                  <a:srgbClr val="A31515"/>
+                </a:solidFill>
+                <a:latin typeface="Consolas" panose="020B0609020204030204" pitchFamily="49" charset="0"/>
+              </a:rPr>
+              <a:t>'Program Manager'</a:t>
+            </a:r>
+            <a:r>
+              <a:rPr lang="en-CA" sz="2400" dirty="0">
+                <a:solidFill>
+                  <a:srgbClr val="000000"/>
+                </a:solidFill>
+                <a:latin typeface="Consolas" panose="020B0609020204030204" pitchFamily="49" charset="0"/>
+              </a:rPr>
+              <a:t>]=</a:t>
+            </a:r>
+            <a:r>
+              <a:rPr lang="en-CA" sz="2400" dirty="0" err="1">
+                <a:solidFill>
+                  <a:srgbClr val="000000"/>
+                </a:solidFill>
+                <a:latin typeface="Consolas" panose="020B0609020204030204" pitchFamily="49" charset="0"/>
+              </a:rPr>
+              <a:t>person_dict</a:t>
+            </a:r>
+            <a:endParaRPr lang="en-CA" sz="2400" dirty="0">
+              <a:solidFill>
+                <a:srgbClr val="000000"/>
+              </a:solidFill>
+              <a:latin typeface="Consolas" panose="020B0609020204030204" pitchFamily="49" charset="0"/>
+            </a:endParaRPr>
+          </a:p>
+          <a:p>
+            <a:endParaRPr lang="en-CA" sz="2400" dirty="0">
+              <a:solidFill>
+                <a:srgbClr val="000000"/>
+              </a:solidFill>
+              <a:latin typeface="Consolas" panose="020B0609020204030204" pitchFamily="49" charset="0"/>
+            </a:endParaRPr>
+          </a:p>
+          <a:p>
+            <a:r>
+              <a:rPr lang="en-CA" sz="2400" dirty="0">
+                <a:solidFill>
+                  <a:schemeClr val="tx2"/>
+                </a:solidFill>
+                <a:latin typeface="Consolas" panose="020B0609020204030204" pitchFamily="49" charset="0"/>
+              </a:rPr>
+              <a:t># Convert dictionary to JSON object</a:t>
+            </a:r>
+          </a:p>
+          <a:p>
+            <a:r>
+              <a:rPr lang="en-CA" sz="2400" dirty="0" err="1">
+                <a:solidFill>
+                  <a:srgbClr val="000000"/>
+                </a:solidFill>
+                <a:latin typeface="Consolas" panose="020B0609020204030204" pitchFamily="49" charset="0"/>
+              </a:rPr>
+              <a:t>staff_json</a:t>
+            </a:r>
+            <a:r>
+              <a:rPr lang="en-CA" sz="2400" dirty="0">
+                <a:solidFill>
+                  <a:srgbClr val="000000"/>
+                </a:solidFill>
+                <a:latin typeface="Consolas" panose="020B0609020204030204" pitchFamily="49" charset="0"/>
+              </a:rPr>
+              <a:t> = </a:t>
+            </a:r>
+            <a:r>
+              <a:rPr lang="en-CA" sz="2400" dirty="0" err="1">
+                <a:solidFill>
+                  <a:srgbClr val="000000"/>
+                </a:solidFill>
+                <a:latin typeface="Consolas" panose="020B0609020204030204" pitchFamily="49" charset="0"/>
+              </a:rPr>
+              <a:t>json.dumps</a:t>
+            </a:r>
+            <a:r>
+              <a:rPr lang="en-CA" sz="2400" dirty="0">
+                <a:solidFill>
+                  <a:srgbClr val="000000"/>
+                </a:solidFill>
+                <a:latin typeface="Consolas" panose="020B0609020204030204" pitchFamily="49" charset="0"/>
+              </a:rPr>
+              <a:t>(</a:t>
+            </a:r>
+            <a:r>
+              <a:rPr lang="en-CA" sz="2400" dirty="0" err="1">
+                <a:solidFill>
+                  <a:srgbClr val="000000"/>
+                </a:solidFill>
+                <a:latin typeface="Consolas" panose="020B0609020204030204" pitchFamily="49" charset="0"/>
+              </a:rPr>
+              <a:t>staff_dict</a:t>
+            </a:r>
+            <a:r>
+              <a:rPr lang="en-CA" sz="2400" dirty="0">
+                <a:solidFill>
+                  <a:srgbClr val="000000"/>
+                </a:solidFill>
+                <a:latin typeface="Consolas" panose="020B0609020204030204" pitchFamily="49" charset="0"/>
+              </a:rPr>
+              <a:t>)</a:t>
+            </a:r>
+          </a:p>
+          <a:p>
+            <a:br>
+              <a:rPr lang="en-CA" sz="2400" dirty="0">
+                <a:solidFill>
+                  <a:srgbClr val="000000"/>
+                </a:solidFill>
+                <a:latin typeface="Consolas" panose="020B0609020204030204" pitchFamily="49" charset="0"/>
+              </a:rPr>
+            </a:br>
+            <a:r>
+              <a:rPr lang="en-CA" sz="2400" dirty="0">
+                <a:solidFill>
+                  <a:srgbClr val="000000"/>
+                </a:solidFill>
+                <a:latin typeface="Consolas" panose="020B0609020204030204" pitchFamily="49" charset="0"/>
+              </a:rPr>
+              <a:t># Print JSON object</a:t>
+            </a:r>
+          </a:p>
+          <a:p>
+            <a:r>
+              <a:rPr lang="en-CA" sz="2400" dirty="0">
+                <a:solidFill>
+                  <a:srgbClr val="000000"/>
+                </a:solidFill>
+                <a:latin typeface="Consolas" panose="020B0609020204030204" pitchFamily="49" charset="0"/>
+              </a:rPr>
+              <a:t>print(</a:t>
+            </a:r>
+            <a:r>
+              <a:rPr lang="en-CA" sz="2400" dirty="0" err="1">
+                <a:solidFill>
+                  <a:srgbClr val="000000"/>
+                </a:solidFill>
+                <a:latin typeface="Consolas" panose="020B0609020204030204" pitchFamily="49" charset="0"/>
+              </a:rPr>
+              <a:t>staff_json</a:t>
+            </a:r>
+            <a:r>
+              <a:rPr lang="en-CA" sz="2400" dirty="0">
+                <a:solidFill>
+                  <a:srgbClr val="000000"/>
+                </a:solidFill>
+                <a:latin typeface="Consolas" panose="020B0609020204030204" pitchFamily="49" charset="0"/>
+              </a:rPr>
+              <a:t>)</a:t>
+            </a:r>
+          </a:p>
+        </p:txBody>
+      </p:sp>
+    </p:spTree>
+    <p:extLst>
+      <p:ext uri="{BB962C8B-B14F-4D97-AF65-F5344CB8AC3E}">
+        <p14:creationId xmlns:p14="http://schemas.microsoft.com/office/powerpoint/2010/main" val="2387383361"/>
+      </p:ext>
+    </p:extLst>
+  </p:cSld>
+  <p:clrMapOvr>
+    <a:masterClrMapping/>
+  </p:clrMapOvr>
+  <mc:AlternateContent xmlns:mc="http://schemas.openxmlformats.org/markup-compatibility/2006" xmlns:p14="http://schemas.microsoft.com/office/powerpoint/2010/main">
+    <mc:Choice Requires="p14">
+      <p:transition p14:dur="0"/>
+    </mc:Choice>
+    <mc:Fallback xmlns="">
+      <p:transition/>
+    </mc:Fallback>
+  </mc:AlternateContent>
+  <p:timing>
+    <p:tnLst>
+      <p:par>
+        <p:cTn id="1" dur="indefinite" restart="never" nodeType="tmRoot">
+          <p:childTnLst>
+            <p:seq concurrent="1" nextAc="seek">
+              <p:cTn id="2" dur="indefinite" nodeType="mainSeq">
+                <p:childTnLst>
+                  <p:par>
+                    <p:cTn id="3" fill="hold">
+                      <p:stCondLst>
+                        <p:cond delay="indefinite"/>
+                      </p:stCondLst>
+                      <p:childTnLst>
+                        <p:par>
+                          <p:cTn id="4" fill="hold">
+                            <p:stCondLst>
+                              <p:cond delay="0"/>
+                            </p:stCondLst>
+                            <p:childTnLst>
+                              <p:par>
+                                <p:cTn id="5" presetID="1" presetClass="entr" presetSubtype="0" fill="hold" grpId="0" nodeType="clickEffect">
+                                  <p:stCondLst>
+                                    <p:cond delay="0"/>
+                                  </p:stCondLst>
+                                  <p:childTnLst>
+                                    <p:set>
+                                      <p:cBhvr>
+                                        <p:cTn id="6" dur="1" fill="hold">
+                                          <p:stCondLst>
+                                            <p:cond delay="0"/>
+                                          </p:stCondLst>
+                                        </p:cTn>
+                                        <p:tgtEl>
+                                          <p:spTgt spid="7"/>
+                                        </p:tgtEl>
+                                        <p:attrNameLst>
+                                          <p:attrName>style.visibility</p:attrName>
+                                        </p:attrNameLst>
+                                      </p:cBhvr>
+                                      <p:to>
+                                        <p:strVal val="visible"/>
+                                      </p:to>
+                                    </p:set>
+                                  </p:childTnLst>
+                                </p:cTn>
+                              </p:par>
+                            </p:childTnLst>
+                          </p:cTn>
+                        </p:par>
+                      </p:childTnLst>
+                    </p:cTn>
+                  </p:par>
+                </p:childTnLst>
+              </p:cTn>
+              <p:prevCondLst>
+                <p:cond evt="onPrev" delay="0">
+                  <p:tgtEl>
+                    <p:sldTgt/>
+                  </p:tgtEl>
+                </p:cond>
+              </p:prevCondLst>
+              <p:nextCondLst>
+                <p:cond evt="onNext" delay="0">
+                  <p:tgtEl>
+                    <p:sldTgt/>
+                  </p:tgtEl>
+                </p:cond>
+              </p:nextCondLst>
+            </p:seq>
+          </p:childTnLst>
+        </p:cTn>
+      </p:par>
+    </p:tnLst>
+    <p:bldLst>
+      <p:bldP spid="7" grpId="0" animBg="1"/>
+    </p:bldLst>
+  </p:timing>
+</p:sld>
+</file>
+
+<file path=ppt/slides/slide11.xml><?xml version="1.0" encoding="utf-8"?>
+<p:sld xmlns:a="http://schemas.openxmlformats.org/drawingml/2006/main" xmlns:r="http://schemas.openxmlformats.org/officeDocument/2006/relationships" xmlns:p="http://schemas.openxmlformats.org/presentationml/2006/main">
+  <p:cSld>
+    <p:spTree>
+      <p:nvGrpSpPr>
+        <p:cNvPr id="1" name=""/>
+        <p:cNvGrpSpPr/>
+        <p:nvPr/>
+      </p:nvGrpSpPr>
+      <p:grpSpPr>
+        <a:xfrm>
+          <a:off x="0" y="0"/>
+          <a:ext cx="0" cy="0"/>
+          <a:chOff x="0" y="0"/>
+          <a:chExt cx="0" cy="0"/>
+        </a:xfrm>
+      </p:grpSpPr>
+      <p:sp>
+        <p:nvSpPr>
+          <p:cNvPr id="14" name="Title 13">
+            <a:extLst>
+              <a:ext uri="{FF2B5EF4-FFF2-40B4-BE49-F238E27FC236}">
+                <a16:creationId xmlns:a16="http://schemas.microsoft.com/office/drawing/2014/main" id="{0EABF196-DEFD-4037-AB56-85AC0D14459F}"/>
+              </a:ext>
+            </a:extLst>
+          </p:cNvPr>
+          <p:cNvSpPr>
+            <a:spLocks noGrp="1"/>
+          </p:cNvSpPr>
+          <p:nvPr>
+            <p:ph type="title"/>
+          </p:nvPr>
+        </p:nvSpPr>
+        <p:spPr/>
+        <p:txBody>
+          <a:bodyPr/>
+          <a:lstStyle/>
+          <a:p>
+            <a:r>
+              <a:rPr lang="en-US" sz="4000" b="1" dirty="0"/>
+              <a:t>Add lists to the dictionary to create JSON in the format {"key":[listvalue0, listvalue1, listvalue2, …]}</a:t>
+            </a:r>
+            <a:br>
+              <a:rPr lang="en-US" b="1" dirty="0"/>
+            </a:br>
+            <a:endParaRPr lang="en-CA" b="1" dirty="0"/>
+          </a:p>
+        </p:txBody>
+      </p:sp>
+      <p:sp>
+        <p:nvSpPr>
+          <p:cNvPr id="7" name="Rectangle 6">
+            <a:extLst>
+              <a:ext uri="{FF2B5EF4-FFF2-40B4-BE49-F238E27FC236}">
+                <a16:creationId xmlns:a16="http://schemas.microsoft.com/office/drawing/2014/main" id="{77DB5C1B-3573-4EBF-8A54-049CC5D3DCDB}"/>
+              </a:ext>
+            </a:extLst>
+          </p:cNvPr>
+          <p:cNvSpPr/>
+          <p:nvPr/>
+        </p:nvSpPr>
+        <p:spPr>
+          <a:xfrm>
+            <a:off x="365759" y="5866665"/>
+            <a:ext cx="11704319" cy="830997"/>
+          </a:xfrm>
+          <a:prstGeom prst="rect">
+            <a:avLst/>
+          </a:prstGeom>
+          <a:solidFill>
+            <a:srgbClr val="737373"/>
+          </a:solidFill>
+        </p:spPr>
+        <p:txBody>
+          <a:bodyPr wrap="square">
+            <a:spAutoFit/>
+          </a:bodyPr>
+          <a:lstStyle/>
+          <a:p>
+            <a:r>
+              <a:rPr lang="en-US" sz="2400" dirty="0">
+                <a:solidFill>
+                  <a:schemeClr val="bg1"/>
+                </a:solidFill>
+                <a:latin typeface="Consolas" panose="020B0609020204030204" pitchFamily="49" charset="0"/>
+              </a:rPr>
+              <a:t>{"first": "Christopher", "last": "Harrison", "languages": ["</a:t>
+            </a:r>
+            <a:r>
+              <a:rPr lang="en-US" sz="2400" dirty="0" err="1">
+                <a:solidFill>
+                  <a:schemeClr val="bg1"/>
+                </a:solidFill>
+                <a:latin typeface="Consolas" panose="020B0609020204030204" pitchFamily="49" charset="0"/>
+              </a:rPr>
+              <a:t>CSharp</a:t>
+            </a:r>
+            <a:r>
+              <a:rPr lang="en-US" sz="2400" dirty="0">
+                <a:solidFill>
+                  <a:schemeClr val="bg1"/>
+                </a:solidFill>
+                <a:latin typeface="Consolas" panose="020B0609020204030204" pitchFamily="49" charset="0"/>
+              </a:rPr>
+              <a:t>", "Python", "JavaScript"]}</a:t>
+            </a:r>
+            <a:endParaRPr lang="en-US" sz="2800" dirty="0">
+              <a:solidFill>
+                <a:schemeClr val="bg1"/>
+              </a:solidFill>
+              <a:highlight>
+                <a:srgbClr val="00FFFF"/>
+              </a:highlight>
+              <a:latin typeface="Consolas" panose="020B0609020204030204" pitchFamily="49" charset="0"/>
+            </a:endParaRPr>
+          </a:p>
+        </p:txBody>
+      </p:sp>
+      <p:sp>
+        <p:nvSpPr>
+          <p:cNvPr id="2" name="Rectangle 1">
+            <a:extLst>
+              <a:ext uri="{FF2B5EF4-FFF2-40B4-BE49-F238E27FC236}">
+                <a16:creationId xmlns:a16="http://schemas.microsoft.com/office/drawing/2014/main" id="{78B8946D-B36F-473F-9764-96E141553561}"/>
+              </a:ext>
+            </a:extLst>
+          </p:cNvPr>
+          <p:cNvSpPr/>
+          <p:nvPr/>
+        </p:nvSpPr>
+        <p:spPr>
+          <a:xfrm>
+            <a:off x="427037" y="1769010"/>
+            <a:ext cx="11704320" cy="3785652"/>
+          </a:xfrm>
+          <a:prstGeom prst="rect">
+            <a:avLst/>
+          </a:prstGeom>
+        </p:spPr>
+        <p:txBody>
+          <a:bodyPr wrap="square">
+            <a:spAutoFit/>
+          </a:bodyPr>
+          <a:lstStyle/>
+          <a:p>
+            <a:r>
+              <a:rPr lang="en-CA" sz="2400" dirty="0" err="1">
+                <a:solidFill>
+                  <a:srgbClr val="000000"/>
+                </a:solidFill>
+                <a:latin typeface="Consolas" panose="020B0609020204030204" pitchFamily="49" charset="0"/>
+              </a:rPr>
+              <a:t>person_dict</a:t>
+            </a:r>
+            <a:r>
+              <a:rPr lang="en-CA" sz="2400" dirty="0">
+                <a:solidFill>
+                  <a:srgbClr val="000000"/>
+                </a:solidFill>
+                <a:latin typeface="Consolas" panose="020B0609020204030204" pitchFamily="49" charset="0"/>
+              </a:rPr>
+              <a:t> = {</a:t>
+            </a:r>
+            <a:r>
+              <a:rPr lang="en-CA" sz="2400" dirty="0">
+                <a:solidFill>
+                  <a:srgbClr val="A31515"/>
+                </a:solidFill>
+                <a:latin typeface="Consolas" panose="020B0609020204030204" pitchFamily="49" charset="0"/>
+              </a:rPr>
+              <a:t>'first'</a:t>
+            </a:r>
+            <a:r>
+              <a:rPr lang="en-CA" sz="2400" dirty="0">
+                <a:solidFill>
+                  <a:srgbClr val="000000"/>
+                </a:solidFill>
+                <a:latin typeface="Consolas" panose="020B0609020204030204" pitchFamily="49" charset="0"/>
+              </a:rPr>
+              <a:t>: </a:t>
+            </a:r>
+            <a:r>
+              <a:rPr lang="en-CA" sz="2400" dirty="0">
+                <a:solidFill>
+                  <a:srgbClr val="A31515"/>
+                </a:solidFill>
+                <a:latin typeface="Consolas" panose="020B0609020204030204" pitchFamily="49" charset="0"/>
+              </a:rPr>
+              <a:t>'Christopher'</a:t>
+            </a:r>
+            <a:r>
+              <a:rPr lang="en-CA" sz="2400" dirty="0">
+                <a:solidFill>
+                  <a:srgbClr val="000000"/>
+                </a:solidFill>
+                <a:latin typeface="Consolas" panose="020B0609020204030204" pitchFamily="49" charset="0"/>
+              </a:rPr>
+              <a:t>, </a:t>
+            </a:r>
+            <a:r>
+              <a:rPr lang="en-CA" sz="2400" dirty="0">
+                <a:solidFill>
+                  <a:srgbClr val="A31515"/>
+                </a:solidFill>
+                <a:latin typeface="Consolas" panose="020B0609020204030204" pitchFamily="49" charset="0"/>
+              </a:rPr>
+              <a:t>'</a:t>
+            </a:r>
+            <a:r>
+              <a:rPr lang="en-CA" sz="2400" dirty="0" err="1">
+                <a:solidFill>
+                  <a:srgbClr val="A31515"/>
+                </a:solidFill>
+                <a:latin typeface="Consolas" panose="020B0609020204030204" pitchFamily="49" charset="0"/>
+              </a:rPr>
+              <a:t>last'</a:t>
+            </a:r>
+            <a:r>
+              <a:rPr lang="en-CA" sz="2400" dirty="0" err="1">
+                <a:solidFill>
+                  <a:srgbClr val="000000"/>
+                </a:solidFill>
+                <a:latin typeface="Consolas" panose="020B0609020204030204" pitchFamily="49" charset="0"/>
+              </a:rPr>
+              <a:t>:</a:t>
+            </a:r>
+            <a:r>
+              <a:rPr lang="en-CA" sz="2400" dirty="0" err="1">
+                <a:solidFill>
+                  <a:srgbClr val="A31515"/>
+                </a:solidFill>
+                <a:latin typeface="Consolas" panose="020B0609020204030204" pitchFamily="49" charset="0"/>
+              </a:rPr>
+              <a:t>'Harrison</a:t>
+            </a:r>
+            <a:r>
+              <a:rPr lang="en-CA" sz="2400" dirty="0">
+                <a:solidFill>
+                  <a:srgbClr val="A31515"/>
+                </a:solidFill>
+                <a:latin typeface="Consolas" panose="020B0609020204030204" pitchFamily="49" charset="0"/>
+              </a:rPr>
+              <a:t>'</a:t>
+            </a:r>
+            <a:r>
+              <a:rPr lang="en-CA" sz="2400" dirty="0">
+                <a:solidFill>
+                  <a:srgbClr val="000000"/>
+                </a:solidFill>
+                <a:latin typeface="Consolas" panose="020B0609020204030204" pitchFamily="49" charset="0"/>
+              </a:rPr>
+              <a:t>}</a:t>
+            </a:r>
+          </a:p>
+          <a:p>
+            <a:endParaRPr lang="en-CA" sz="2400" dirty="0">
+              <a:solidFill>
+                <a:srgbClr val="A31515"/>
+              </a:solidFill>
+              <a:latin typeface="Consolas" panose="020B0609020204030204" pitchFamily="49" charset="0"/>
+            </a:endParaRPr>
+          </a:p>
+          <a:p>
+            <a:r>
+              <a:rPr lang="en-CA" sz="2400" dirty="0">
+                <a:solidFill>
+                  <a:schemeClr val="tx2"/>
+                </a:solidFill>
+                <a:latin typeface="Consolas" panose="020B0609020204030204" pitchFamily="49" charset="0"/>
+              </a:rPr>
+              <a:t># Create a list object of programming languages</a:t>
+            </a:r>
+          </a:p>
+          <a:p>
+            <a:r>
+              <a:rPr lang="en-CA" sz="2400" dirty="0" err="1">
+                <a:solidFill>
+                  <a:srgbClr val="333333"/>
+                </a:solidFill>
+                <a:latin typeface="Consolas" panose="020B0609020204030204" pitchFamily="49" charset="0"/>
+              </a:rPr>
+              <a:t>languages_list</a:t>
+            </a:r>
+            <a:r>
+              <a:rPr lang="en-CA" sz="2400" dirty="0">
+                <a:solidFill>
+                  <a:srgbClr val="333333"/>
+                </a:solidFill>
+                <a:latin typeface="Consolas" panose="020B0609020204030204" pitchFamily="49" charset="0"/>
+              </a:rPr>
+              <a:t> = [</a:t>
+            </a:r>
+            <a:r>
+              <a:rPr lang="en-CA" sz="2400" dirty="0">
+                <a:solidFill>
+                  <a:srgbClr val="A31515"/>
+                </a:solidFill>
+                <a:latin typeface="Consolas" panose="020B0609020204030204" pitchFamily="49" charset="0"/>
+              </a:rPr>
+              <a:t>'</a:t>
+            </a:r>
+            <a:r>
+              <a:rPr lang="en-CA" sz="2400" dirty="0" err="1">
+                <a:solidFill>
+                  <a:srgbClr val="A31515"/>
+                </a:solidFill>
+                <a:latin typeface="Consolas" panose="020B0609020204030204" pitchFamily="49" charset="0"/>
+              </a:rPr>
+              <a:t>CSharp</a:t>
+            </a:r>
+            <a:r>
+              <a:rPr lang="en-CA" sz="2400" dirty="0">
+                <a:solidFill>
+                  <a:srgbClr val="A31515"/>
+                </a:solidFill>
+                <a:latin typeface="Consolas" panose="020B0609020204030204" pitchFamily="49" charset="0"/>
+              </a:rPr>
+              <a:t>'</a:t>
+            </a:r>
+            <a:r>
+              <a:rPr lang="en-CA" sz="2400" dirty="0">
+                <a:solidFill>
+                  <a:srgbClr val="333333"/>
+                </a:solidFill>
+                <a:latin typeface="Consolas" panose="020B0609020204030204" pitchFamily="49" charset="0"/>
+              </a:rPr>
+              <a:t>,</a:t>
+            </a:r>
+            <a:r>
+              <a:rPr lang="en-CA" sz="2400" dirty="0">
+                <a:solidFill>
+                  <a:srgbClr val="A31515"/>
+                </a:solidFill>
+                <a:latin typeface="Consolas" panose="020B0609020204030204" pitchFamily="49" charset="0"/>
+              </a:rPr>
+              <a:t>'</a:t>
+            </a:r>
+            <a:r>
+              <a:rPr lang="en-CA" sz="2400" dirty="0" err="1">
+                <a:solidFill>
+                  <a:srgbClr val="A31515"/>
+                </a:solidFill>
+                <a:latin typeface="Consolas" panose="020B0609020204030204" pitchFamily="49" charset="0"/>
+              </a:rPr>
+              <a:t>Python'</a:t>
+            </a:r>
+            <a:r>
+              <a:rPr lang="en-CA" sz="2400" dirty="0" err="1">
+                <a:solidFill>
+                  <a:srgbClr val="333333"/>
+                </a:solidFill>
+                <a:latin typeface="Consolas" panose="020B0609020204030204" pitchFamily="49" charset="0"/>
+              </a:rPr>
+              <a:t>,</a:t>
+            </a:r>
+            <a:r>
+              <a:rPr lang="en-CA" sz="2400" dirty="0" err="1">
+                <a:solidFill>
+                  <a:srgbClr val="A31515"/>
+                </a:solidFill>
+                <a:latin typeface="Consolas" panose="020B0609020204030204" pitchFamily="49" charset="0"/>
+              </a:rPr>
+              <a:t>'JavaScript</a:t>
+            </a:r>
+            <a:r>
+              <a:rPr lang="en-CA" sz="2400" dirty="0">
+                <a:solidFill>
+                  <a:srgbClr val="A31515"/>
+                </a:solidFill>
+                <a:latin typeface="Consolas" panose="020B0609020204030204" pitchFamily="49" charset="0"/>
+              </a:rPr>
+              <a:t>'</a:t>
+            </a:r>
+            <a:r>
+              <a:rPr lang="en-CA" sz="2400" dirty="0">
+                <a:solidFill>
+                  <a:srgbClr val="333333"/>
+                </a:solidFill>
+                <a:latin typeface="Consolas" panose="020B0609020204030204" pitchFamily="49" charset="0"/>
+              </a:rPr>
+              <a:t> ]</a:t>
+            </a:r>
+          </a:p>
+          <a:p>
+            <a:r>
+              <a:rPr lang="en-CA" sz="2400" dirty="0">
+                <a:solidFill>
+                  <a:schemeClr val="tx2"/>
+                </a:solidFill>
+                <a:latin typeface="Consolas" panose="020B0609020204030204" pitchFamily="49" charset="0"/>
+              </a:rPr>
+              <a:t># Add list to dictionary</a:t>
+            </a:r>
+          </a:p>
+          <a:p>
+            <a:r>
+              <a:rPr lang="en-CA" sz="2400" dirty="0" err="1">
+                <a:solidFill>
+                  <a:srgbClr val="333333"/>
+                </a:solidFill>
+                <a:latin typeface="Consolas" panose="020B0609020204030204" pitchFamily="49" charset="0"/>
+              </a:rPr>
+              <a:t>person_dict</a:t>
+            </a:r>
+            <a:r>
+              <a:rPr lang="en-CA" sz="2400" dirty="0">
+                <a:solidFill>
+                  <a:srgbClr val="333333"/>
+                </a:solidFill>
+                <a:latin typeface="Consolas" panose="020B0609020204030204" pitchFamily="49" charset="0"/>
+              </a:rPr>
+              <a:t>[</a:t>
+            </a:r>
+            <a:r>
+              <a:rPr lang="en-CA" sz="2400" dirty="0">
+                <a:solidFill>
+                  <a:srgbClr val="A31515"/>
+                </a:solidFill>
+                <a:latin typeface="Consolas" panose="020B0609020204030204" pitchFamily="49" charset="0"/>
+              </a:rPr>
+              <a:t>'languages'</a:t>
+            </a:r>
+            <a:r>
+              <a:rPr lang="en-CA" sz="2400" dirty="0">
+                <a:solidFill>
+                  <a:srgbClr val="333333"/>
+                </a:solidFill>
+                <a:latin typeface="Consolas" panose="020B0609020204030204" pitchFamily="49" charset="0"/>
+              </a:rPr>
+              <a:t>]= </a:t>
+            </a:r>
+            <a:r>
+              <a:rPr lang="en-CA" sz="2400" dirty="0" err="1">
+                <a:solidFill>
+                  <a:srgbClr val="333333"/>
+                </a:solidFill>
+                <a:latin typeface="Consolas" panose="020B0609020204030204" pitchFamily="49" charset="0"/>
+              </a:rPr>
+              <a:t>languages_list</a:t>
+            </a:r>
+            <a:endParaRPr lang="en-CA" sz="2400" dirty="0">
+              <a:solidFill>
+                <a:srgbClr val="333333"/>
+              </a:solidFill>
+              <a:latin typeface="Consolas" panose="020B0609020204030204" pitchFamily="49" charset="0"/>
+            </a:endParaRPr>
+          </a:p>
+          <a:p>
+            <a:endParaRPr lang="en-CA" sz="2400" dirty="0">
+              <a:solidFill>
+                <a:srgbClr val="000000"/>
+              </a:solidFill>
+              <a:latin typeface="Consolas" panose="020B0609020204030204" pitchFamily="49" charset="0"/>
+            </a:endParaRPr>
+          </a:p>
+          <a:p>
+            <a:r>
+              <a:rPr lang="en-CA" sz="2400" dirty="0">
+                <a:solidFill>
+                  <a:schemeClr val="tx2"/>
+                </a:solidFill>
+                <a:latin typeface="Consolas" panose="020B0609020204030204" pitchFamily="49" charset="0"/>
+              </a:rPr>
+              <a:t># Convert dictionary to JSON object</a:t>
+            </a:r>
+          </a:p>
+          <a:p>
+            <a:r>
+              <a:rPr lang="en-CA" sz="2400" dirty="0" err="1">
+                <a:solidFill>
+                  <a:srgbClr val="000000"/>
+                </a:solidFill>
+                <a:latin typeface="Consolas" panose="020B0609020204030204" pitchFamily="49" charset="0"/>
+              </a:rPr>
+              <a:t>person_json</a:t>
+            </a:r>
+            <a:r>
+              <a:rPr lang="en-CA" sz="2400" dirty="0">
+                <a:solidFill>
+                  <a:srgbClr val="000000"/>
+                </a:solidFill>
+                <a:latin typeface="Consolas" panose="020B0609020204030204" pitchFamily="49" charset="0"/>
+              </a:rPr>
+              <a:t> = </a:t>
+            </a:r>
+            <a:r>
+              <a:rPr lang="en-CA" sz="2400" dirty="0" err="1">
+                <a:solidFill>
+                  <a:srgbClr val="000000"/>
+                </a:solidFill>
+                <a:latin typeface="Consolas" panose="020B0609020204030204" pitchFamily="49" charset="0"/>
+              </a:rPr>
+              <a:t>json.dumps</a:t>
+            </a:r>
+            <a:r>
+              <a:rPr lang="en-CA" sz="2400" dirty="0">
+                <a:solidFill>
+                  <a:srgbClr val="000000"/>
+                </a:solidFill>
+                <a:latin typeface="Consolas" panose="020B0609020204030204" pitchFamily="49" charset="0"/>
+              </a:rPr>
+              <a:t>(</a:t>
+            </a:r>
+            <a:r>
+              <a:rPr lang="en-CA" sz="2400" dirty="0" err="1">
+                <a:solidFill>
+                  <a:srgbClr val="000000"/>
+                </a:solidFill>
+                <a:latin typeface="Consolas" panose="020B0609020204030204" pitchFamily="49" charset="0"/>
+              </a:rPr>
+              <a:t>person_dict</a:t>
+            </a:r>
+            <a:r>
+              <a:rPr lang="en-CA" sz="2400" dirty="0">
+                <a:solidFill>
+                  <a:srgbClr val="000000"/>
+                </a:solidFill>
+                <a:latin typeface="Consolas" panose="020B0609020204030204" pitchFamily="49" charset="0"/>
+              </a:rPr>
+              <a:t>)</a:t>
+            </a:r>
+          </a:p>
+          <a:p>
+            <a:r>
+              <a:rPr lang="en-CA" sz="2400" dirty="0">
+                <a:solidFill>
+                  <a:srgbClr val="333333"/>
+                </a:solidFill>
+                <a:latin typeface="Consolas" panose="020B0609020204030204" pitchFamily="49" charset="0"/>
+              </a:rPr>
+              <a:t>print</a:t>
+            </a:r>
+            <a:r>
+              <a:rPr lang="en-CA" sz="2400" dirty="0">
+                <a:solidFill>
+                  <a:srgbClr val="000000"/>
+                </a:solidFill>
+                <a:latin typeface="Consolas" panose="020B0609020204030204" pitchFamily="49" charset="0"/>
+              </a:rPr>
+              <a:t>(</a:t>
+            </a:r>
+            <a:r>
+              <a:rPr lang="en-CA" sz="2400" dirty="0" err="1">
+                <a:solidFill>
+                  <a:srgbClr val="000000"/>
+                </a:solidFill>
+                <a:latin typeface="Consolas" panose="020B0609020204030204" pitchFamily="49" charset="0"/>
+              </a:rPr>
+              <a:t>person_json</a:t>
+            </a:r>
+            <a:r>
+              <a:rPr lang="en-CA" sz="2400" dirty="0">
+                <a:solidFill>
+                  <a:srgbClr val="000000"/>
+                </a:solidFill>
+                <a:latin typeface="Consolas" panose="020B0609020204030204" pitchFamily="49" charset="0"/>
+              </a:rPr>
+              <a:t>)</a:t>
+            </a:r>
+            <a:endParaRPr lang="en-CA" sz="2400" b="0" dirty="0">
+              <a:solidFill>
+                <a:srgbClr val="000000"/>
+              </a:solidFill>
+              <a:effectLst/>
+              <a:latin typeface="Consolas" panose="020B0609020204030204" pitchFamily="49" charset="0"/>
+            </a:endParaRPr>
+          </a:p>
+        </p:txBody>
+      </p:sp>
+    </p:spTree>
+    <p:extLst>
+      <p:ext uri="{BB962C8B-B14F-4D97-AF65-F5344CB8AC3E}">
+        <p14:creationId xmlns:p14="http://schemas.microsoft.com/office/powerpoint/2010/main" val="911207295"/>
+      </p:ext>
+    </p:extLst>
+  </p:cSld>
+  <p:clrMapOvr>
+    <a:masterClrMapping/>
+  </p:clrMapOvr>
+  <mc:AlternateContent xmlns:mc="http://schemas.openxmlformats.org/markup-compatibility/2006" xmlns:p14="http://schemas.microsoft.com/office/powerpoint/2010/main">
+    <mc:Choice Requires="p14">
+      <p:transition p14:dur="0"/>
+    </mc:Choice>
+    <mc:Fallback xmlns="">
+      <p:transition/>
+    </mc:Fallback>
+  </mc:AlternateContent>
+  <p:timing>
+    <p:tnLst>
+      <p:par>
+        <p:cTn id="1" dur="indefinite" restart="never" nodeType="tmRoot">
+          <p:childTnLst>
+            <p:seq concurrent="1" nextAc="seek">
+              <p:cTn id="2" dur="indefinite" nodeType="mainSeq">
+                <p:childTnLst>
+                  <p:par>
+                    <p:cTn id="3" fill="hold">
+                      <p:stCondLst>
+                        <p:cond delay="indefinite"/>
+                      </p:stCondLst>
+                      <p:childTnLst>
+                        <p:par>
+                          <p:cTn id="4" fill="hold">
+                            <p:stCondLst>
+                              <p:cond delay="0"/>
+                            </p:stCondLst>
+                            <p:childTnLst>
+                              <p:par>
+                                <p:cTn id="5" presetID="1" presetClass="entr" presetSubtype="0" fill="hold" grpId="0" nodeType="clickEffect">
+                                  <p:stCondLst>
+                                    <p:cond delay="0"/>
+                                  </p:stCondLst>
+                                  <p:childTnLst>
+                                    <p:set>
+                                      <p:cBhvr>
+                                        <p:cTn id="6" dur="1" fill="hold">
+                                          <p:stCondLst>
+                                            <p:cond delay="0"/>
+                                          </p:stCondLst>
+                                        </p:cTn>
+                                        <p:tgtEl>
+                                          <p:spTgt spid="7"/>
+                                        </p:tgtEl>
+                                        <p:attrNameLst>
+                                          <p:attrName>style.visibility</p:attrName>
+                                        </p:attrNameLst>
+                                      </p:cBhvr>
+                                      <p:to>
+                                        <p:strVal val="visible"/>
+                                      </p:to>
+                                    </p:set>
+                                  </p:childTnLst>
+                                </p:cTn>
+                              </p:par>
+                            </p:childTnLst>
+                          </p:cTn>
+                        </p:par>
+                      </p:childTnLst>
+                    </p:cTn>
+                  </p:par>
+                </p:childTnLst>
+              </p:cTn>
+              <p:prevCondLst>
+                <p:cond evt="onPrev" delay="0">
+                  <p:tgtEl>
+                    <p:sldTgt/>
+                  </p:tgtEl>
+                </p:cond>
+              </p:prevCondLst>
+              <p:nextCondLst>
+                <p:cond evt="onNext" delay="0">
+                  <p:tgtEl>
+                    <p:sldTgt/>
+                  </p:tgtEl>
+                </p:cond>
+              </p:nextCondLst>
+            </p:seq>
+          </p:childTnLst>
+        </p:cTn>
+      </p:par>
+    </p:tnLst>
+    <p:bldLst>
+      <p:bldP spid="7" grpId="0" animBg="1"/>
+    </p:bldLst>
+  </p:timing>
+</p:sld>
+</file>
+
+<file path=ppt/slides/slide12.xml><?xml version="1.0" encoding="utf-8"?>
+<p:sld xmlns:a="http://schemas.openxmlformats.org/drawingml/2006/main" xmlns:r="http://schemas.openxmlformats.org/officeDocument/2006/relationships" xmlns:p="http://schemas.openxmlformats.org/presentationml/2006/main">
+  <p:cSld>
+    <p:spTree>
+      <p:nvGrpSpPr>
+        <p:cNvPr id="1" name=""/>
+        <p:cNvGrpSpPr/>
+        <p:nvPr/>
+      </p:nvGrpSpPr>
+      <p:grpSpPr>
+        <a:xfrm>
+          <a:off x="0" y="0"/>
+          <a:ext cx="0" cy="0"/>
+          <a:chOff x="0" y="0"/>
+          <a:chExt cx="0" cy="0"/>
+        </a:xfrm>
+      </p:grpSpPr>
+    </p:spTree>
+    <p:extLst>
+      <p:ext uri="{BB962C8B-B14F-4D97-AF65-F5344CB8AC3E}">
+        <p14:creationId xmlns:p14="http://schemas.microsoft.com/office/powerpoint/2010/main" val="2137390358"/>
+      </p:ext>
+    </p:extLst>
+  </p:cSld>
+  <p:clrMapOvr>
+    <a:masterClrMapping/>
+  </p:clrMapOvr>
+  <mc:AlternateContent xmlns:mc="http://schemas.openxmlformats.org/markup-compatibility/2006" xmlns:p14="http://schemas.microsoft.com/office/powerpoint/2010/main">
+    <mc:Choice Requires="p14">
+      <p:transition p14:dur="0"/>
+    </mc:Choice>
+    <mc:Fallback xmlns="">
+      <p:transition/>
+    </mc:Fallback>
+  </mc:AlternateContent>
+</p:sld>
+</file>
+
 <file path=ppt/slides/slide2.xml><?xml version="1.0" encoding="utf-8"?>
 <p:sld xmlns:a="http://schemas.openxmlformats.org/drawingml/2006/main" xmlns:r="http://schemas.openxmlformats.org/officeDocument/2006/relationships" xmlns:p="http://schemas.openxmlformats.org/presentationml/2006/main">
   <p:cSld>
@@ -43840,7 +45607,12 @@
             <p:ph type="title"/>
           </p:nvPr>
         </p:nvSpPr>
-        <p:spPr/>
+        <p:spPr>
+          <a:xfrm>
+            <a:off x="365760" y="365760"/>
+            <a:ext cx="11704320" cy="914400"/>
+          </a:xfrm>
+        </p:spPr>
         <p:txBody>
           <a:bodyPr/>
           <a:lstStyle/>
@@ -45505,10 +47277,446 @@
           <a:chExt cx="0" cy="0"/>
         </a:xfrm>
       </p:grpSpPr>
+      <p:sp>
+        <p:nvSpPr>
+          <p:cNvPr id="14" name="Title 13">
+            <a:extLst>
+              <a:ext uri="{FF2B5EF4-FFF2-40B4-BE49-F238E27FC236}">
+                <a16:creationId xmlns:a16="http://schemas.microsoft.com/office/drawing/2014/main" id="{0EABF196-DEFD-4037-AB56-85AC0D14459F}"/>
+              </a:ext>
+            </a:extLst>
+          </p:cNvPr>
+          <p:cNvSpPr>
+            <a:spLocks noGrp="1"/>
+          </p:cNvSpPr>
+          <p:nvPr>
+            <p:ph type="title"/>
+          </p:nvPr>
+        </p:nvSpPr>
+        <p:spPr/>
+        <p:txBody>
+          <a:bodyPr/>
+          <a:lstStyle/>
+          <a:p>
+            <a:r>
+              <a:rPr lang="en-US" b="1" dirty="0"/>
+              <a:t>You can create </a:t>
+            </a:r>
+            <a:r>
+              <a:rPr lang="en-CA" b="1" dirty="0"/>
+              <a:t>"</a:t>
+            </a:r>
+            <a:r>
+              <a:rPr lang="en-CA" b="1" dirty="0" err="1"/>
+              <a:t>key":"value</a:t>
+            </a:r>
+            <a:r>
+              <a:rPr lang="en-CA" b="1" dirty="0"/>
+              <a:t>" </a:t>
+            </a:r>
+            <a:r>
+              <a:rPr lang="en-US" b="1" dirty="0"/>
+              <a:t>JSON objects from a dictionary</a:t>
+            </a:r>
+            <a:br>
+              <a:rPr lang="en-US" b="1" dirty="0"/>
+            </a:br>
+            <a:endParaRPr lang="en-CA" b="1" dirty="0"/>
+          </a:p>
+        </p:txBody>
+      </p:sp>
+      <p:sp>
+        <p:nvSpPr>
+          <p:cNvPr id="7" name="Rectangle 6">
+            <a:extLst>
+              <a:ext uri="{FF2B5EF4-FFF2-40B4-BE49-F238E27FC236}">
+                <a16:creationId xmlns:a16="http://schemas.microsoft.com/office/drawing/2014/main" id="{77DB5C1B-3573-4EBF-8A54-049CC5D3DCDB}"/>
+              </a:ext>
+            </a:extLst>
+          </p:cNvPr>
+          <p:cNvSpPr/>
+          <p:nvPr/>
+        </p:nvSpPr>
+        <p:spPr>
+          <a:xfrm>
+            <a:off x="609918" y="5094137"/>
+            <a:ext cx="11170919" cy="1323439"/>
+          </a:xfrm>
+          <a:prstGeom prst="rect">
+            <a:avLst/>
+          </a:prstGeom>
+          <a:solidFill>
+            <a:srgbClr val="737373"/>
+          </a:solidFill>
+        </p:spPr>
+        <p:txBody>
+          <a:bodyPr wrap="square">
+            <a:spAutoFit/>
+          </a:bodyPr>
+          <a:lstStyle/>
+          <a:p>
+            <a:r>
+              <a:rPr lang="en-US" sz="2400" dirty="0">
+                <a:solidFill>
+                  <a:schemeClr val="bg1"/>
+                </a:solidFill>
+                <a:latin typeface="Consolas" panose="020B0609020204030204" pitchFamily="49" charset="0"/>
+              </a:rPr>
+              <a:t>{"first": "Christopher", "last": "Harrison", "City": "Seattle"}</a:t>
+            </a:r>
+          </a:p>
+          <a:p>
+            <a:endParaRPr lang="en-US" sz="2800" dirty="0">
+              <a:solidFill>
+                <a:schemeClr val="bg1"/>
+              </a:solidFill>
+              <a:latin typeface="Consolas" panose="020B0609020204030204" pitchFamily="49" charset="0"/>
+            </a:endParaRPr>
+          </a:p>
+          <a:p>
+            <a:endParaRPr lang="en-US" sz="2800" dirty="0">
+              <a:solidFill>
+                <a:schemeClr val="bg1"/>
+              </a:solidFill>
+              <a:highlight>
+                <a:srgbClr val="00FFFF"/>
+              </a:highlight>
+              <a:latin typeface="Consolas" panose="020B0609020204030204" pitchFamily="49" charset="0"/>
+            </a:endParaRPr>
+          </a:p>
+        </p:txBody>
+      </p:sp>
+      <p:sp>
+        <p:nvSpPr>
+          <p:cNvPr id="2" name="Rectangle 1">
+            <a:extLst>
+              <a:ext uri="{FF2B5EF4-FFF2-40B4-BE49-F238E27FC236}">
+                <a16:creationId xmlns:a16="http://schemas.microsoft.com/office/drawing/2014/main" id="{78B8946D-B36F-473F-9764-96E141553561}"/>
+              </a:ext>
+            </a:extLst>
+          </p:cNvPr>
+          <p:cNvSpPr/>
+          <p:nvPr/>
+        </p:nvSpPr>
+        <p:spPr>
+          <a:xfrm>
+            <a:off x="655637" y="1821874"/>
+            <a:ext cx="11704320" cy="3046988"/>
+          </a:xfrm>
+          <a:prstGeom prst="rect">
+            <a:avLst/>
+          </a:prstGeom>
+        </p:spPr>
+        <p:txBody>
+          <a:bodyPr wrap="square">
+            <a:spAutoFit/>
+          </a:bodyPr>
+          <a:lstStyle/>
+          <a:p>
+            <a:r>
+              <a:rPr lang="en-CA" sz="2400" dirty="0">
+                <a:solidFill>
+                  <a:schemeClr val="tx2"/>
+                </a:solidFill>
+                <a:latin typeface="Consolas" panose="020B0609020204030204" pitchFamily="49" charset="0"/>
+              </a:rPr>
+              <a:t># Create a dictionary object</a:t>
+            </a:r>
+          </a:p>
+          <a:p>
+            <a:r>
+              <a:rPr lang="en-CA" sz="2400" dirty="0" err="1">
+                <a:solidFill>
+                  <a:srgbClr val="000000"/>
+                </a:solidFill>
+                <a:latin typeface="Consolas" panose="020B0609020204030204" pitchFamily="49" charset="0"/>
+              </a:rPr>
+              <a:t>person_dict</a:t>
+            </a:r>
+            <a:r>
+              <a:rPr lang="en-CA" sz="2400" dirty="0">
+                <a:solidFill>
+                  <a:srgbClr val="000000"/>
+                </a:solidFill>
+                <a:latin typeface="Consolas" panose="020B0609020204030204" pitchFamily="49" charset="0"/>
+              </a:rPr>
+              <a:t> = {</a:t>
+            </a:r>
+            <a:r>
+              <a:rPr lang="en-CA" sz="2400" dirty="0">
+                <a:solidFill>
+                  <a:srgbClr val="A31515"/>
+                </a:solidFill>
+                <a:latin typeface="Consolas" panose="020B0609020204030204" pitchFamily="49" charset="0"/>
+              </a:rPr>
+              <a:t>'first'</a:t>
+            </a:r>
+            <a:r>
+              <a:rPr lang="en-CA" sz="2400" dirty="0">
+                <a:solidFill>
+                  <a:srgbClr val="000000"/>
+                </a:solidFill>
+                <a:latin typeface="Consolas" panose="020B0609020204030204" pitchFamily="49" charset="0"/>
+              </a:rPr>
+              <a:t>: </a:t>
+            </a:r>
+            <a:r>
+              <a:rPr lang="en-CA" sz="2400" dirty="0">
+                <a:solidFill>
+                  <a:srgbClr val="A31515"/>
+                </a:solidFill>
+                <a:latin typeface="Consolas" panose="020B0609020204030204" pitchFamily="49" charset="0"/>
+              </a:rPr>
+              <a:t>'Christopher'</a:t>
+            </a:r>
+            <a:r>
+              <a:rPr lang="en-CA" sz="2400" dirty="0">
+                <a:solidFill>
+                  <a:srgbClr val="000000"/>
+                </a:solidFill>
+                <a:latin typeface="Consolas" panose="020B0609020204030204" pitchFamily="49" charset="0"/>
+              </a:rPr>
+              <a:t>, </a:t>
+            </a:r>
+            <a:r>
+              <a:rPr lang="en-CA" sz="2400" dirty="0">
+                <a:solidFill>
+                  <a:srgbClr val="A31515"/>
+                </a:solidFill>
+                <a:latin typeface="Consolas" panose="020B0609020204030204" pitchFamily="49" charset="0"/>
+              </a:rPr>
+              <a:t>'</a:t>
+            </a:r>
+            <a:r>
+              <a:rPr lang="en-CA" sz="2400" dirty="0" err="1">
+                <a:solidFill>
+                  <a:srgbClr val="A31515"/>
+                </a:solidFill>
+                <a:latin typeface="Consolas" panose="020B0609020204030204" pitchFamily="49" charset="0"/>
+              </a:rPr>
+              <a:t>last'</a:t>
+            </a:r>
+            <a:r>
+              <a:rPr lang="en-CA" sz="2400" dirty="0" err="1">
+                <a:solidFill>
+                  <a:srgbClr val="000000"/>
+                </a:solidFill>
+                <a:latin typeface="Consolas" panose="020B0609020204030204" pitchFamily="49" charset="0"/>
+              </a:rPr>
+              <a:t>:</a:t>
+            </a:r>
+            <a:r>
+              <a:rPr lang="en-CA" sz="2400" dirty="0" err="1">
+                <a:solidFill>
+                  <a:srgbClr val="A31515"/>
+                </a:solidFill>
+                <a:latin typeface="Consolas" panose="020B0609020204030204" pitchFamily="49" charset="0"/>
+              </a:rPr>
+              <a:t>'Harrison</a:t>
+            </a:r>
+            <a:r>
+              <a:rPr lang="en-CA" sz="2400" dirty="0">
+                <a:solidFill>
+                  <a:srgbClr val="A31515"/>
+                </a:solidFill>
+                <a:latin typeface="Consolas" panose="020B0609020204030204" pitchFamily="49" charset="0"/>
+              </a:rPr>
+              <a:t>'</a:t>
+            </a:r>
+            <a:r>
+              <a:rPr lang="en-CA" sz="2400" dirty="0">
+                <a:solidFill>
+                  <a:srgbClr val="000000"/>
+                </a:solidFill>
+                <a:latin typeface="Consolas" panose="020B0609020204030204" pitchFamily="49" charset="0"/>
+              </a:rPr>
+              <a:t>}</a:t>
+            </a:r>
+          </a:p>
+          <a:p>
+            <a:r>
+              <a:rPr lang="en-CA" sz="2400" dirty="0">
+                <a:solidFill>
+                  <a:schemeClr val="tx2"/>
+                </a:solidFill>
+                <a:latin typeface="Consolas" panose="020B0609020204030204" pitchFamily="49" charset="0"/>
+              </a:rPr>
+              <a:t># Add additional key pairs as needed to dictionary</a:t>
+            </a:r>
+          </a:p>
+          <a:p>
+            <a:r>
+              <a:rPr lang="en-CA" sz="2400" dirty="0" err="1">
+                <a:solidFill>
+                  <a:srgbClr val="000000"/>
+                </a:solidFill>
+                <a:latin typeface="Consolas" panose="020B0609020204030204" pitchFamily="49" charset="0"/>
+              </a:rPr>
+              <a:t>person_dict</a:t>
+            </a:r>
+            <a:r>
+              <a:rPr lang="en-CA" sz="2400" dirty="0">
+                <a:solidFill>
+                  <a:srgbClr val="000000"/>
+                </a:solidFill>
+                <a:latin typeface="Consolas" panose="020B0609020204030204" pitchFamily="49" charset="0"/>
+              </a:rPr>
+              <a:t>[</a:t>
+            </a:r>
+            <a:r>
+              <a:rPr lang="en-CA" sz="2400" dirty="0">
+                <a:solidFill>
+                  <a:srgbClr val="A31515"/>
+                </a:solidFill>
+                <a:latin typeface="Consolas" panose="020B0609020204030204" pitchFamily="49" charset="0"/>
+              </a:rPr>
+              <a:t>'City'</a:t>
+            </a:r>
+            <a:r>
+              <a:rPr lang="en-CA" sz="2400" dirty="0">
+                <a:solidFill>
+                  <a:srgbClr val="000000"/>
+                </a:solidFill>
+                <a:latin typeface="Consolas" panose="020B0609020204030204" pitchFamily="49" charset="0"/>
+              </a:rPr>
+              <a:t>]=</a:t>
+            </a:r>
+            <a:r>
+              <a:rPr lang="en-CA" sz="2400" dirty="0">
+                <a:solidFill>
+                  <a:srgbClr val="A31515"/>
+                </a:solidFill>
+                <a:latin typeface="Consolas" panose="020B0609020204030204" pitchFamily="49" charset="0"/>
+              </a:rPr>
+              <a:t>'Seattle'</a:t>
+            </a:r>
+          </a:p>
+          <a:p>
+            <a:endParaRPr lang="en-CA" sz="2400" dirty="0">
+              <a:solidFill>
+                <a:srgbClr val="000000"/>
+              </a:solidFill>
+              <a:latin typeface="Consolas" panose="020B0609020204030204" pitchFamily="49" charset="0"/>
+            </a:endParaRPr>
+          </a:p>
+          <a:p>
+            <a:r>
+              <a:rPr lang="en-CA" sz="2400" dirty="0">
+                <a:solidFill>
+                  <a:schemeClr val="tx2"/>
+                </a:solidFill>
+                <a:latin typeface="Consolas" panose="020B0609020204030204" pitchFamily="49" charset="0"/>
+              </a:rPr>
+              <a:t># Convert dictionary to JSON object</a:t>
+            </a:r>
+          </a:p>
+          <a:p>
+            <a:r>
+              <a:rPr lang="en-CA" sz="2400" dirty="0" err="1">
+                <a:solidFill>
+                  <a:srgbClr val="000000"/>
+                </a:solidFill>
+                <a:latin typeface="Consolas" panose="020B0609020204030204" pitchFamily="49" charset="0"/>
+              </a:rPr>
+              <a:t>person_json</a:t>
+            </a:r>
+            <a:r>
+              <a:rPr lang="en-CA" sz="2400" dirty="0">
+                <a:solidFill>
+                  <a:srgbClr val="000000"/>
+                </a:solidFill>
+                <a:latin typeface="Consolas" panose="020B0609020204030204" pitchFamily="49" charset="0"/>
+              </a:rPr>
+              <a:t> = </a:t>
+            </a:r>
+            <a:r>
+              <a:rPr lang="en-CA" sz="2400" dirty="0" err="1">
+                <a:solidFill>
+                  <a:srgbClr val="000000"/>
+                </a:solidFill>
+                <a:latin typeface="Consolas" panose="020B0609020204030204" pitchFamily="49" charset="0"/>
+              </a:rPr>
+              <a:t>json.dumps</a:t>
+            </a:r>
+            <a:r>
+              <a:rPr lang="en-CA" sz="2400" dirty="0">
+                <a:solidFill>
+                  <a:srgbClr val="000000"/>
+                </a:solidFill>
+                <a:latin typeface="Consolas" panose="020B0609020204030204" pitchFamily="49" charset="0"/>
+              </a:rPr>
+              <a:t>(</a:t>
+            </a:r>
+            <a:r>
+              <a:rPr lang="en-CA" sz="2400" dirty="0" err="1">
+                <a:solidFill>
+                  <a:srgbClr val="000000"/>
+                </a:solidFill>
+                <a:latin typeface="Consolas" panose="020B0609020204030204" pitchFamily="49" charset="0"/>
+              </a:rPr>
+              <a:t>person_dict</a:t>
+            </a:r>
+            <a:r>
+              <a:rPr lang="en-CA" sz="2400" dirty="0">
+                <a:solidFill>
+                  <a:srgbClr val="000000"/>
+                </a:solidFill>
+                <a:latin typeface="Consolas" panose="020B0609020204030204" pitchFamily="49" charset="0"/>
+              </a:rPr>
+              <a:t>)</a:t>
+            </a:r>
+          </a:p>
+          <a:p>
+            <a:r>
+              <a:rPr lang="en-CA" sz="2400" dirty="0">
+                <a:solidFill>
+                  <a:srgbClr val="333333"/>
+                </a:solidFill>
+                <a:latin typeface="Consolas" panose="020B0609020204030204" pitchFamily="49" charset="0"/>
+              </a:rPr>
+              <a:t>print</a:t>
+            </a:r>
+            <a:r>
+              <a:rPr lang="en-CA" sz="2400" dirty="0">
+                <a:solidFill>
+                  <a:srgbClr val="000000"/>
+                </a:solidFill>
+                <a:latin typeface="Consolas" panose="020B0609020204030204" pitchFamily="49" charset="0"/>
+              </a:rPr>
+              <a:t>(</a:t>
+            </a:r>
+            <a:r>
+              <a:rPr lang="en-CA" sz="2400" dirty="0" err="1">
+                <a:solidFill>
+                  <a:srgbClr val="000000"/>
+                </a:solidFill>
+                <a:latin typeface="Consolas" panose="020B0609020204030204" pitchFamily="49" charset="0"/>
+              </a:rPr>
+              <a:t>person_json</a:t>
+            </a:r>
+            <a:r>
+              <a:rPr lang="en-CA" sz="2400" dirty="0">
+                <a:solidFill>
+                  <a:srgbClr val="000000"/>
+                </a:solidFill>
+                <a:latin typeface="Consolas" panose="020B0609020204030204" pitchFamily="49" charset="0"/>
+              </a:rPr>
+              <a:t>)</a:t>
+            </a:r>
+            <a:endParaRPr lang="en-CA" sz="2400" b="0" dirty="0">
+              <a:solidFill>
+                <a:srgbClr val="000000"/>
+              </a:solidFill>
+              <a:effectLst/>
+              <a:latin typeface="Consolas" panose="020B0609020204030204" pitchFamily="49" charset="0"/>
+            </a:endParaRPr>
+          </a:p>
+        </p:txBody>
+      </p:sp>
     </p:spTree>
     <p:extLst>
       <p:ext uri="{BB962C8B-B14F-4D97-AF65-F5344CB8AC3E}">
-        <p14:creationId xmlns:p14="http://schemas.microsoft.com/office/powerpoint/2010/main" val="2137390358"/>
+        <p14:creationId xmlns:p14="http://schemas.microsoft.com/office/powerpoint/2010/main" val="2468433470"/>
       </p:ext>
     </p:extLst>
   </p:cSld>
@@ -45523,6 +47731,84 @@
       <p:transition/>
     </mc:Fallback>
   </mc:AlternateContent>
+  <p:timing>
+    <p:tnLst>
+      <p:par>
+        <p:cTn id="1" dur="indefinite" restart="never" nodeType="tmRoot">
+          <p:childTnLst>
+            <p:seq concurrent="1" nextAc="seek">
+              <p:cTn id="2" dur="indefinite" nodeType="mainSeq">
+                <p:childTnLst>
+                  <p:par>
+                    <p:cTn id="3" fill="hold">
+                      <p:stCondLst>
+                        <p:cond delay="indefinite"/>
+                      </p:stCondLst>
+                      <p:childTnLst>
+                        <p:par>
+                          <p:cTn id="4" fill="hold">
+                            <p:stCondLst>
+                              <p:cond delay="0"/>
+                            </p:stCondLst>
+                            <p:childTnLst>
+                              <p:par>
+                                <p:cTn id="5" presetID="1" presetClass="entr" presetSubtype="0" fill="hold" grpId="0" nodeType="clickEffect">
+                                  <p:stCondLst>
+                                    <p:cond delay="0"/>
+                                  </p:stCondLst>
+                                  <p:childTnLst>
+                                    <p:set>
+                                      <p:cBhvr>
+                                        <p:cTn id="6" dur="1" fill="hold">
+                                          <p:stCondLst>
+                                            <p:cond delay="0"/>
+                                          </p:stCondLst>
+                                        </p:cTn>
+                                        <p:tgtEl>
+                                          <p:spTgt spid="7"/>
+                                        </p:tgtEl>
+                                        <p:attrNameLst>
+                                          <p:attrName>style.visibility</p:attrName>
+                                        </p:attrNameLst>
+                                      </p:cBhvr>
+                                      <p:to>
+                                        <p:strVal val="visible"/>
+                                      </p:to>
+                                    </p:set>
+                                  </p:childTnLst>
+                                </p:cTn>
+                              </p:par>
+                            </p:childTnLst>
+                          </p:cTn>
+                        </p:par>
+                      </p:childTnLst>
+                    </p:cTn>
+                  </p:par>
+                </p:childTnLst>
+              </p:cTn>
+              <p:prevCondLst>
+                <p:cond evt="onPrev" delay="0">
+                  <p:tgtEl>
+                    <p:sldTgt/>
+                  </p:tgtEl>
+                </p:cond>
+              </p:prevCondLst>
+              <p:nextCondLst>
+                <p:cond evt="onNext" delay="0">
+                  <p:tgtEl>
+                    <p:sldTgt/>
+                  </p:tgtEl>
+                </p:cond>
+              </p:nextCondLst>
+            </p:seq>
+          </p:childTnLst>
+        </p:cTn>
+      </p:par>
+    </p:tnLst>
+    <p:bldLst>
+      <p:bldP spid="7" grpId="0" animBg="1"/>
+    </p:bldLst>
+  </p:timing>
 </p:sld>
 </file>
 
@@ -46629,6 +48915,12 @@
 </file>
 
 <file path=customXml/item1.xml><?xml version="1.0" encoding="utf-8"?>
+<Control xmlns="http://schemas.microsoft.com/VisualStudio/2011/storyboarding/control">
+  <Id Name="fb22c541-ded0-47fa-8877-83a4c2d16227" Revision="1" Stencil="7276b9ef-3953-4dce-a89b-ed85f20b8b93" StencilVersion="1.0"/>
+</Control>
+</file>
+
+<file path=customXml/item10.xml><?xml version="1.0" encoding="utf-8"?>
 <p:properties xmlns:p="http://schemas.microsoft.com/office/2006/metadata/properties" xmlns:xsi="http://www.w3.org/2001/XMLSchema-instance" xmlns:pc="http://schemas.microsoft.com/office/infopath/2007/PartnerControls">
   <documentManagement>
     <SharedWithUsers xmlns="83cd2334-221a-48c3-9034-bfd1542dfe28">
@@ -46652,91 +48944,13 @@
 </p:properties>
 </file>
 
-<file path=customXml/item10.xml><?xml version="1.0" encoding="utf-8"?>
-<?mso-contentType ?>
-<FormTemplates xmlns="http://schemas.microsoft.com/sharepoint/v3/contenttype/forms">
-  <Display>DocumentLibraryForm</Display>
-  <Edit>DocumentLibraryForm</Edit>
-  <New>DocumentLibraryForm</New>
-</FormTemplates>
-</file>
-
 <file path=customXml/item11.xml><?xml version="1.0" encoding="utf-8"?>
-<?mso-contentType ?>
-<FormTemplates xmlns="http://schemas.microsoft.com/sharepoint/v3/contenttype/forms">
-  <Display>DocumentLibraryForm</Display>
-  <Edit>DocumentLibraryForm</Edit>
-  <New>DocumentLibraryForm</New>
-</FormTemplates>
-</file>
-
-<file path=customXml/item12.xml><?xml version="1.0" encoding="utf-8"?>
-<Control xmlns="http://schemas.microsoft.com/VisualStudio/2011/storyboarding/control">
-  <Id Name="369f9055-6b6c-48b9-9320-5df2d46c430a" Revision="1" Stencil="7276b9ef-3953-4dce-a89b-ed85f20b8b93" StencilVersion="1.0"/>
-</Control>
-</file>
-
-<file path=customXml/item13.xml><?xml version="1.0" encoding="utf-8"?>
-<?mso-contentType ?>
-<FormTemplates xmlns="http://schemas.microsoft.com/sharepoint/v3/contenttype/forms">
-  <Display>DocumentLibraryForm</Display>
-  <Edit>DocumentLibraryForm</Edit>
-  <New>DocumentLibraryForm</New>
-</FormTemplates>
-</file>
-
-<file path=customXml/item14.xml><?xml version="1.0" encoding="utf-8"?>
-<Control xmlns="http://schemas.microsoft.com/VisualStudio/2011/storyboarding/control">
-  <Id Name="369f9055-6b6c-48b9-9320-5df2d46c430a" Revision="1" Stencil="7276b9ef-3953-4dce-a89b-ed85f20b8b93" StencilVersion="1.0"/>
-</Control>
-</file>
-
-<file path=customXml/item15.xml><?xml version="1.0" encoding="utf-8"?>
-<Control xmlns="http://schemas.microsoft.com/VisualStudio/2011/storyboarding/control">
-  <Id Name="a53d73d2-368b-429e-b817-1324eec1382c" Revision="1" Stencil="7276b9ef-3953-4dce-a89b-ed85f20b8b93" StencilVersion="1.0"/>
-</Control>
-</file>
-
-<file path=customXml/item16.xml><?xml version="1.0" encoding="utf-8"?>
-<Control xmlns="http://schemas.microsoft.com/VisualStudio/2011/storyboarding/control">
-  <Id Name="a2191c86-fc50-4add-948c-129f6b5a88d8" Revision="1" Stencil="7276b9ef-3953-4dce-a89b-ed85f20b8b93" StencilVersion="1.0"/>
-</Control>
-</file>
-
-<file path=customXml/item17.xml><?xml version="1.0" encoding="utf-8"?>
-<Control xmlns="http://schemas.microsoft.com/VisualStudio/2011/storyboarding/control">
-  <Id Name="a53d73d2-368b-429e-b817-1324eec1382c" Revision="1" Stencil="7276b9ef-3953-4dce-a89b-ed85f20b8b93" StencilVersion="1.0"/>
-</Control>
-</file>
-
-<file path=customXml/item18.xml><?xml version="1.0" encoding="utf-8"?>
-<Control xmlns="http://schemas.microsoft.com/VisualStudio/2011/storyboarding/control">
-  <Id Name="a2191c86-fc50-4add-948c-129f6b5a88d8" Revision="1" Stencil="7276b9ef-3953-4dce-a89b-ed85f20b8b93" StencilVersion="1.0"/>
-</Control>
-</file>
-
-<file path=customXml/item19.xml><?xml version="1.0" encoding="utf-8"?>
 <Control xmlns="http://schemas.microsoft.com/VisualStudio/2011/storyboarding/control">
   <Id Name="d69996e1-3d61-4686-9b63-f1b855c596ab" Revision="1" Stencil="7276b9ef-3953-4dce-a89b-ed85f20b8b93" StencilVersion="1.0"/>
 </Control>
 </file>
 
-<file path=customXml/item2.xml><?xml version="1.0" encoding="utf-8"?>
-<Control xmlns="http://schemas.microsoft.com/VisualStudio/2011/storyboarding/control">
-  <Id Name="a53d73d2-368b-429e-b817-1324eec1382c" Revision="1" Stencil="7276b9ef-3953-4dce-a89b-ed85f20b8b93" StencilVersion="1.0"/>
-</Control>
-</file>
-
-<file path=customXml/item20.xml><?xml version="1.0" encoding="utf-8"?>
-<?mso-contentType ?>
-<FormTemplates xmlns="http://schemas.microsoft.com/sharepoint/v3/contenttype/forms">
-  <Display>DocumentLibraryForm</Display>
-  <Edit>DocumentLibraryForm</Edit>
-  <New>DocumentLibraryForm</New>
-</FormTemplates>
-</file>
-
-<file path=customXml/item21.xml><?xml version="1.0" encoding="utf-8"?>
+<file path=customXml/item12.xml><?xml version="1.0" encoding="utf-8"?>
 <p:properties xmlns:p="http://schemas.microsoft.com/office/2006/metadata/properties" xmlns:xsi="http://www.w3.org/2001/XMLSchema-instance" xmlns:pc="http://schemas.microsoft.com/office/infopath/2007/PartnerControls">
   <documentManagement>
     <SharedWithUsers xmlns="83cd2334-221a-48c3-9034-bfd1542dfe28">
@@ -46760,13 +48974,34 @@
 </p:properties>
 </file>
 
-<file path=customXml/item22.xml><?xml version="1.0" encoding="utf-8"?>
+<file path=customXml/item13.xml><?xml version="1.0" encoding="utf-8"?>
+<?mso-contentType ?>
+<FormTemplates xmlns="http://schemas.microsoft.com/sharepoint/v3/contenttype/forms">
+  <Display>DocumentLibraryForm</Display>
+  <Edit>DocumentLibraryForm</Edit>
+  <New>DocumentLibraryForm</New>
+</FormTemplates>
+</file>
+
+<file path=customXml/item14.xml><?xml version="1.0" encoding="utf-8"?>
 <Control xmlns="http://schemas.microsoft.com/VisualStudio/2011/storyboarding/control">
-  <Id Name="a2191c86-fc50-4add-948c-129f6b5a88d8" Revision="1" Stencil="7276b9ef-3953-4dce-a89b-ed85f20b8b93" StencilVersion="1.0"/>
+  <Id Name="369f9055-6b6c-48b9-9320-5df2d46c430a" Revision="1" Stencil="7276b9ef-3953-4dce-a89b-ed85f20b8b93" StencilVersion="1.0"/>
 </Control>
 </file>
 
-<file path=customXml/item23.xml><?xml version="1.0" encoding="utf-8"?>
+<file path=customXml/item15.xml><?xml version="1.0" encoding="utf-8"?>
+<Control xmlns="http://schemas.microsoft.com/VisualStudio/2011/storyboarding/control">
+  <Id Name="fb22c541-ded0-47fa-8877-83a4c2d16227" Revision="1" Stencil="7276b9ef-3953-4dce-a89b-ed85f20b8b93" StencilVersion="1.0"/>
+</Control>
+</file>
+
+<file path=customXml/item16.xml><?xml version="1.0" encoding="utf-8"?>
+<Control xmlns="http://schemas.microsoft.com/VisualStudio/2011/storyboarding/control">
+  <Id Name="a53d73d2-368b-429e-b817-1324eec1382c" Revision="1" Stencil="7276b9ef-3953-4dce-a89b-ed85f20b8b93" StencilVersion="1.0"/>
+</Control>
+</file>
+
+<file path=customXml/item17.xml><?xml version="1.0" encoding="utf-8"?>
 <p:properties xmlns:p="http://schemas.microsoft.com/office/2006/metadata/properties" xmlns:xsi="http://www.w3.org/2001/XMLSchema-instance" xmlns:pc="http://schemas.microsoft.com/office/infopath/2007/PartnerControls">
   <documentManagement>
     <SharedWithUsers xmlns="83cd2334-221a-48c3-9034-bfd1542dfe28">
@@ -46790,7 +49025,19 @@
 </p:properties>
 </file>
 
-<file path=customXml/item24.xml><?xml version="1.0" encoding="utf-8"?>
+<file path=customXml/item18.xml><?xml version="1.0" encoding="utf-8"?>
+<Control xmlns="http://schemas.microsoft.com/VisualStudio/2011/storyboarding/control">
+  <Id Name="d69996e1-3d61-4686-9b63-f1b855c596ab" Revision="1" Stencil="7276b9ef-3953-4dce-a89b-ed85f20b8b93" StencilVersion="1.0"/>
+</Control>
+</file>
+
+<file path=customXml/item19.xml><?xml version="1.0" encoding="utf-8"?>
+<Control xmlns="http://schemas.microsoft.com/VisualStudio/2011/storyboarding/control">
+  <Id Name="a2191c86-fc50-4add-948c-129f6b5a88d8" Revision="1" Stencil="7276b9ef-3953-4dce-a89b-ed85f20b8b93" StencilVersion="1.0"/>
+</Control>
+</file>
+
+<file path=customXml/item2.xml><?xml version="1.0" encoding="utf-8"?>
 <?mso-contentType ?>
 <FormTemplates xmlns="http://schemas.microsoft.com/sharepoint/v3/contenttype/forms">
   <Display>DocumentLibraryForm</Display>
@@ -46799,10 +49046,49 @@
 </FormTemplates>
 </file>
 
+<file path=customXml/item20.xml><?xml version="1.0" encoding="utf-8"?>
+<?mso-contentType ?>
+<FormTemplates xmlns="http://schemas.microsoft.com/sharepoint/v3/contenttype/forms">
+  <Display>DocumentLibraryForm</Display>
+  <Edit>DocumentLibraryForm</Edit>
+  <New>DocumentLibraryForm</New>
+</FormTemplates>
+</file>
+
+<file path=customXml/item21.xml><?xml version="1.0" encoding="utf-8"?>
+<Control xmlns="http://schemas.microsoft.com/VisualStudio/2011/storyboarding/control">
+  <Id Name="d69996e1-3d61-4686-9b63-f1b855c596ab" Revision="1" Stencil="7276b9ef-3953-4dce-a89b-ed85f20b8b93" StencilVersion="1.0"/>
+</Control>
+</file>
+
+<file path=customXml/item22.xml><?xml version="1.0" encoding="utf-8"?>
+<Control xmlns="http://schemas.microsoft.com/VisualStudio/2011/storyboarding/control">
+  <Id Name="d69996e1-3d61-4686-9b63-f1b855c596ab" Revision="1" Stencil="7276b9ef-3953-4dce-a89b-ed85f20b8b93" StencilVersion="1.0"/>
+</Control>
+</file>
+
+<file path=customXml/item23.xml><?xml version="1.0" encoding="utf-8"?>
+<?mso-contentType ?>
+<FormTemplates xmlns="http://schemas.microsoft.com/sharepoint/v3/contenttype/forms">
+  <Display>DocumentLibraryForm</Display>
+  <Edit>DocumentLibraryForm</Edit>
+  <New>DocumentLibraryForm</New>
+</FormTemplates>
+</file>
+
+<file path=customXml/item24.xml><?xml version="1.0" encoding="utf-8"?>
+<Control xmlns="http://schemas.microsoft.com/VisualStudio/2011/storyboarding/control">
+  <Id Name="d69996e1-3d61-4686-9b63-f1b855c596ab" Revision="1" Stencil="7276b9ef-3953-4dce-a89b-ed85f20b8b93" StencilVersion="1.0"/>
+</Control>
+</file>
+
 <file path=customXml/item25.xml><?xml version="1.0" encoding="utf-8"?>
-<Control xmlns="http://schemas.microsoft.com/VisualStudio/2011/storyboarding/control">
-  <Id Name="a53d73d2-368b-429e-b817-1324eec1382c" Revision="1" Stencil="7276b9ef-3953-4dce-a89b-ed85f20b8b93" StencilVersion="1.0"/>
-</Control>
+<?mso-contentType ?>
+<FormTemplates xmlns="http://schemas.microsoft.com/sharepoint/v3/contenttype/forms">
+  <Display>DocumentLibraryForm</Display>
+  <Edit>DocumentLibraryForm</Edit>
+  <New>DocumentLibraryForm</New>
+</FormTemplates>
 </file>
 
 <file path=customXml/item26.xml><?xml version="1.0" encoding="utf-8"?>
@@ -46830,6 +49116,18 @@
 </file>
 
 <file path=customXml/item27.xml><?xml version="1.0" encoding="utf-8"?>
+<Control xmlns="http://schemas.microsoft.com/VisualStudio/2011/storyboarding/control">
+  <Id Name="369f9055-6b6c-48b9-9320-5df2d46c430a" Revision="1" Stencil="7276b9ef-3953-4dce-a89b-ed85f20b8b93" StencilVersion="1.0"/>
+</Control>
+</file>
+
+<file path=customXml/item28.xml><?xml version="1.0" encoding="utf-8"?>
+<Control xmlns="http://schemas.microsoft.com/VisualStudio/2011/storyboarding/control">
+  <Id Name="a2191c86-fc50-4add-948c-129f6b5a88d8" Revision="1" Stencil="7276b9ef-3953-4dce-a89b-ed85f20b8b93" StencilVersion="1.0"/>
+</Control>
+</file>
+
+<file path=customXml/item29.xml><?xml version="1.0" encoding="utf-8"?>
 <?mso-contentType ?>
 <FormTemplates xmlns="http://schemas.microsoft.com/sharepoint/v3/contenttype/forms">
   <Display>DocumentLibraryForm</Display>
@@ -46838,40 +49136,13 @@
 </FormTemplates>
 </file>
 
-<file path=customXml/item28.xml><?xml version="1.0" encoding="utf-8"?>
-<Control xmlns="http://schemas.microsoft.com/VisualStudio/2011/storyboarding/control">
-  <Id Name="d69996e1-3d61-4686-9b63-f1b855c596ab" Revision="1" Stencil="7276b9ef-3953-4dce-a89b-ed85f20b8b93" StencilVersion="1.0"/>
-</Control>
-</file>
-
-<file path=customXml/item29.xml><?xml version="1.0" encoding="utf-8"?>
-<Control xmlns="http://schemas.microsoft.com/VisualStudio/2011/storyboarding/control">
-  <Id Name="fb22c541-ded0-47fa-8877-83a4c2d16227" Revision="1" Stencil="7276b9ef-3953-4dce-a89b-ed85f20b8b93" StencilVersion="1.0"/>
-</Control>
-</file>
-
 <file path=customXml/item3.xml><?xml version="1.0" encoding="utf-8"?>
-<p:properties xmlns:p="http://schemas.microsoft.com/office/2006/metadata/properties" xmlns:xsi="http://www.w3.org/2001/XMLSchema-instance" xmlns:pc="http://schemas.microsoft.com/office/infopath/2007/PartnerControls">
-  <documentManagement>
-    <SharedWithUsers xmlns="83cd2334-221a-48c3-9034-bfd1542dfe28">
-      <UserInfo>
-        <DisplayName>Gilad Turbahn</DisplayName>
-        <AccountId>511</AccountId>
-        <AccountType/>
-      </UserInfo>
-      <UserInfo>
-        <DisplayName>Keith Boyd</DisplayName>
-        <AccountId>993</AccountId>
-        <AccountType/>
-      </UserInfo>
-      <UserInfo>
-        <DisplayName>Christopher Harrison</DisplayName>
-        <AccountId>1176</AccountId>
-        <AccountType/>
-      </UserInfo>
-    </SharedWithUsers>
-  </documentManagement>
-</p:properties>
+<?mso-contentType ?>
+<FormTemplates xmlns="http://schemas.microsoft.com/sharepoint/v3/contenttype/forms">
+  <Display>DocumentLibraryForm</Display>
+  <Edit>DocumentLibraryForm</Edit>
+  <New>DocumentLibraryForm</New>
+</FormTemplates>
 </file>
 
 <file path=customXml/item30.xml><?xml version="1.0" encoding="utf-8"?>
@@ -46900,7 +49171,7 @@
 
 <file path=customXml/item31.xml><?xml version="1.0" encoding="utf-8"?>
 <Control xmlns="http://schemas.microsoft.com/VisualStudio/2011/storyboarding/control">
-  <Id Name="d69996e1-3d61-4686-9b63-f1b855c596ab" Revision="1" Stencil="7276b9ef-3953-4dce-a89b-ed85f20b8b93" StencilVersion="1.0"/>
+  <Id Name="369f9055-6b6c-48b9-9320-5df2d46c430a" Revision="1" Stencil="7276b9ef-3953-4dce-a89b-ed85f20b8b93" StencilVersion="1.0"/>
 </Control>
 </file>
 
@@ -46930,7 +49201,7 @@
 
 <file path=customXml/item33.xml><?xml version="1.0" encoding="utf-8"?>
 <Control xmlns="http://schemas.microsoft.com/VisualStudio/2011/storyboarding/control">
-  <Id Name="a53d73d2-368b-429e-b817-1324eec1382c" Revision="1" Stencil="7276b9ef-3953-4dce-a89b-ed85f20b8b93" StencilVersion="1.0"/>
+  <Id Name="fb22c541-ded0-47fa-8877-83a4c2d16227" Revision="1" Stencil="7276b9ef-3953-4dce-a89b-ed85f20b8b93" StencilVersion="1.0"/>
 </Control>
 </file>
 
@@ -46953,285 +49224,6 @@
 </file>
 
 <file path=customXml/item37.xml><?xml version="1.0" encoding="utf-8"?>
-<Control xmlns="http://schemas.microsoft.com/VisualStudio/2011/storyboarding/control">
-  <Id Name="d69996e1-3d61-4686-9b63-f1b855c596ab" Revision="1" Stencil="7276b9ef-3953-4dce-a89b-ed85f20b8b93" StencilVersion="1.0"/>
-</Control>
-</file>
-
-<file path=customXml/item38.xml><?xml version="1.0" encoding="utf-8"?>
-<?mso-contentType ?>
-<FormTemplates xmlns="http://schemas.microsoft.com/sharepoint/v3/contenttype/forms">
-  <Display>DocumentLibraryForm</Display>
-  <Edit>DocumentLibraryForm</Edit>
-  <New>DocumentLibraryForm</New>
-</FormTemplates>
-</file>
-
-<file path=customXml/item39.xml><?xml version="1.0" encoding="utf-8"?>
-<?mso-contentType ?>
-<FormTemplates xmlns="http://schemas.microsoft.com/sharepoint/v3/contenttype/forms">
-  <Display>DocumentLibraryForm</Display>
-  <Edit>DocumentLibraryForm</Edit>
-  <New>DocumentLibraryForm</New>
-</FormTemplates>
-</file>
-
-<file path=customXml/item4.xml><?xml version="1.0" encoding="utf-8"?>
-<Control xmlns="http://schemas.microsoft.com/VisualStudio/2011/storyboarding/control">
-  <Id Name="369f9055-6b6c-48b9-9320-5df2d46c430a" Revision="1" Stencil="7276b9ef-3953-4dce-a89b-ed85f20b8b93" StencilVersion="1.0"/>
-</Control>
-</file>
-
-<file path=customXml/item40.xml><?xml version="1.0" encoding="utf-8"?>
-<p:properties xmlns:p="http://schemas.microsoft.com/office/2006/metadata/properties" xmlns:xsi="http://www.w3.org/2001/XMLSchema-instance" xmlns:pc="http://schemas.microsoft.com/office/infopath/2007/PartnerControls">
-  <documentManagement>
-    <SharedWithUsers xmlns="83cd2334-221a-48c3-9034-bfd1542dfe28">
-      <UserInfo>
-        <DisplayName>Gilad Turbahn</DisplayName>
-        <AccountId>511</AccountId>
-        <AccountType/>
-      </UserInfo>
-      <UserInfo>
-        <DisplayName>Keith Boyd</DisplayName>
-        <AccountId>993</AccountId>
-        <AccountType/>
-      </UserInfo>
-      <UserInfo>
-        <DisplayName>Christopher Harrison</DisplayName>
-        <AccountId>1176</AccountId>
-        <AccountType/>
-      </UserInfo>
-    </SharedWithUsers>
-  </documentManagement>
-</p:properties>
-</file>
-
-<file path=customXml/item41.xml><?xml version="1.0" encoding="utf-8"?>
-<Control xmlns="http://schemas.microsoft.com/VisualStudio/2011/storyboarding/control">
-  <Id Name="a53d73d2-368b-429e-b817-1324eec1382c" Revision="1" Stencil="7276b9ef-3953-4dce-a89b-ed85f20b8b93" StencilVersion="1.0"/>
-</Control>
-</file>
-
-<file path=customXml/item42.xml><?xml version="1.0" encoding="utf-8"?>
-<Control xmlns="http://schemas.microsoft.com/VisualStudio/2011/storyboarding/control">
-  <Id Name="d69996e1-3d61-4686-9b63-f1b855c596ab" Revision="1" Stencil="7276b9ef-3953-4dce-a89b-ed85f20b8b93" StencilVersion="1.0"/>
-</Control>
-</file>
-
-<file path=customXml/item43.xml><?xml version="1.0" encoding="utf-8"?>
-<p:properties xmlns:p="http://schemas.microsoft.com/office/2006/metadata/properties" xmlns:xsi="http://www.w3.org/2001/XMLSchema-instance" xmlns:pc="http://schemas.microsoft.com/office/infopath/2007/PartnerControls">
-  <documentManagement>
-    <SharedWithUsers xmlns="83cd2334-221a-48c3-9034-bfd1542dfe28">
-      <UserInfo>
-        <DisplayName>Gilad Turbahn</DisplayName>
-        <AccountId>511</AccountId>
-        <AccountType/>
-      </UserInfo>
-      <UserInfo>
-        <DisplayName>Keith Boyd</DisplayName>
-        <AccountId>993</AccountId>
-        <AccountType/>
-      </UserInfo>
-      <UserInfo>
-        <DisplayName>Christopher Harrison</DisplayName>
-        <AccountId>1176</AccountId>
-        <AccountType/>
-      </UserInfo>
-    </SharedWithUsers>
-  </documentManagement>
-</p:properties>
-</file>
-
-<file path=customXml/item44.xml><?xml version="1.0" encoding="utf-8"?>
-<?mso-contentType ?>
-<FormTemplates xmlns="http://schemas.microsoft.com/sharepoint/v3/contenttype/forms">
-  <Display>DocumentLibraryForm</Display>
-  <Edit>DocumentLibraryForm</Edit>
-  <New>DocumentLibraryForm</New>
-</FormTemplates>
-</file>
-
-<file path=customXml/item45.xml><?xml version="1.0" encoding="utf-8"?>
-<?mso-contentType ?>
-<FormTemplates xmlns="http://schemas.microsoft.com/sharepoint/v3/contenttype/forms">
-  <Display>DocumentLibraryForm</Display>
-  <Edit>DocumentLibraryForm</Edit>
-  <New>DocumentLibraryForm</New>
-</FormTemplates>
-</file>
-
-<file path=customXml/item46.xml><?xml version="1.0" encoding="utf-8"?>
-<p:properties xmlns:p="http://schemas.microsoft.com/office/2006/metadata/properties" xmlns:xsi="http://www.w3.org/2001/XMLSchema-instance" xmlns:pc="http://schemas.microsoft.com/office/infopath/2007/PartnerControls">
-  <documentManagement>
-    <SharedWithUsers xmlns="83cd2334-221a-48c3-9034-bfd1542dfe28">
-      <UserInfo>
-        <DisplayName>Gilad Turbahn</DisplayName>
-        <AccountId>511</AccountId>
-        <AccountType/>
-      </UserInfo>
-      <UserInfo>
-        <DisplayName>Keith Boyd</DisplayName>
-        <AccountId>993</AccountId>
-        <AccountType/>
-      </UserInfo>
-      <UserInfo>
-        <DisplayName>Christopher Harrison</DisplayName>
-        <AccountId>1176</AccountId>
-        <AccountType/>
-      </UserInfo>
-    </SharedWithUsers>
-  </documentManagement>
-</p:properties>
-</file>
-
-<file path=customXml/item47.xml><?xml version="1.0" encoding="utf-8"?>
-<Control xmlns="http://schemas.microsoft.com/VisualStudio/2011/storyboarding/control">
-  <Id Name="fb22c541-ded0-47fa-8877-83a4c2d16227" Revision="1" Stencil="7276b9ef-3953-4dce-a89b-ed85f20b8b93" StencilVersion="1.0"/>
-</Control>
-</file>
-
-<file path=customXml/item48.xml><?xml version="1.0" encoding="utf-8"?>
-<Control xmlns="http://schemas.microsoft.com/VisualStudio/2011/storyboarding/control">
-  <Id Name="fb22c541-ded0-47fa-8877-83a4c2d16227" Revision="1" Stencil="7276b9ef-3953-4dce-a89b-ed85f20b8b93" StencilVersion="1.0"/>
-</Control>
-</file>
-
-<file path=customXml/item49.xml><?xml version="1.0" encoding="utf-8"?>
-<?mso-contentType ?>
-<FormTemplates xmlns="http://schemas.microsoft.com/sharepoint/v3/contenttype/forms">
-  <Display>DocumentLibraryForm</Display>
-  <Edit>DocumentLibraryForm</Edit>
-  <New>DocumentLibraryForm</New>
-</FormTemplates>
-</file>
-
-<file path=customXml/item5.xml><?xml version="1.0" encoding="utf-8"?>
-<Control xmlns="http://schemas.microsoft.com/VisualStudio/2011/storyboarding/control">
-  <Id Name="fb22c541-ded0-47fa-8877-83a4c2d16227" Revision="1" Stencil="7276b9ef-3953-4dce-a89b-ed85f20b8b93" StencilVersion="1.0"/>
-</Control>
-</file>
-
-<file path=customXml/item50.xml><?xml version="1.0" encoding="utf-8"?>
-<?mso-contentType ?>
-<FormTemplates xmlns="http://schemas.microsoft.com/sharepoint/v3/contenttype/forms">
-  <Display>DocumentLibraryForm</Display>
-  <Edit>DocumentLibraryForm</Edit>
-  <New>DocumentLibraryForm</New>
-</FormTemplates>
-</file>
-
-<file path=customXml/item51.xml><?xml version="1.0" encoding="utf-8"?>
-<p:properties xmlns:p="http://schemas.microsoft.com/office/2006/metadata/properties" xmlns:xsi="http://www.w3.org/2001/XMLSchema-instance" xmlns:pc="http://schemas.microsoft.com/office/infopath/2007/PartnerControls">
-  <documentManagement>
-    <SharedWithUsers xmlns="83cd2334-221a-48c3-9034-bfd1542dfe28">
-      <UserInfo>
-        <DisplayName>Gilad Turbahn</DisplayName>
-        <AccountId>511</AccountId>
-        <AccountType/>
-      </UserInfo>
-      <UserInfo>
-        <DisplayName>Keith Boyd</DisplayName>
-        <AccountId>993</AccountId>
-        <AccountType/>
-      </UserInfo>
-      <UserInfo>
-        <DisplayName>Christopher Harrison</DisplayName>
-        <AccountId>1176</AccountId>
-        <AccountType/>
-      </UserInfo>
-    </SharedWithUsers>
-  </documentManagement>
-</p:properties>
-</file>
-
-<file path=customXml/item52.xml><?xml version="1.0" encoding="utf-8"?>
-<p:properties xmlns:p="http://schemas.microsoft.com/office/2006/metadata/properties" xmlns:xsi="http://www.w3.org/2001/XMLSchema-instance" xmlns:pc="http://schemas.microsoft.com/office/infopath/2007/PartnerControls">
-  <documentManagement>
-    <SharedWithUsers xmlns="83cd2334-221a-48c3-9034-bfd1542dfe28">
-      <UserInfo>
-        <DisplayName>Gilad Turbahn</DisplayName>
-        <AccountId>511</AccountId>
-        <AccountType/>
-      </UserInfo>
-      <UserInfo>
-        <DisplayName>Keith Boyd</DisplayName>
-        <AccountId>993</AccountId>
-        <AccountType/>
-      </UserInfo>
-      <UserInfo>
-        <DisplayName>Christopher Harrison</DisplayName>
-        <AccountId>1176</AccountId>
-        <AccountType/>
-      </UserInfo>
-    </SharedWithUsers>
-  </documentManagement>
-</p:properties>
-</file>
-
-<file path=customXml/item53.xml><?xml version="1.0" encoding="utf-8"?>
-<Control xmlns="http://schemas.microsoft.com/VisualStudio/2011/storyboarding/control">
-  <Id Name="369f9055-6b6c-48b9-9320-5df2d46c430a" Revision="1" Stencil="7276b9ef-3953-4dce-a89b-ed85f20b8b93" StencilVersion="1.0"/>
-</Control>
-</file>
-
-<file path=customXml/item54.xml><?xml version="1.0" encoding="utf-8"?>
-<Control xmlns="http://schemas.microsoft.com/VisualStudio/2011/storyboarding/control">
-  <Id Name="369f9055-6b6c-48b9-9320-5df2d46c430a" Revision="1" Stencil="7276b9ef-3953-4dce-a89b-ed85f20b8b93" StencilVersion="1.0"/>
-</Control>
-</file>
-
-<file path=customXml/item55.xml><?xml version="1.0" encoding="utf-8"?>
-<?mso-contentType ?>
-<FormTemplates xmlns="http://schemas.microsoft.com/sharepoint/v3/contenttype/forms">
-  <Display>DocumentLibraryForm</Display>
-  <Edit>DocumentLibraryForm</Edit>
-  <New>DocumentLibraryForm</New>
-</FormTemplates>
-</file>
-
-<file path=customXml/item56.xml><?xml version="1.0" encoding="utf-8"?>
-<Control xmlns="http://schemas.microsoft.com/VisualStudio/2011/storyboarding/control">
-  <Id Name="fb22c541-ded0-47fa-8877-83a4c2d16227" Revision="1" Stencil="7276b9ef-3953-4dce-a89b-ed85f20b8b93" StencilVersion="1.0"/>
-</Control>
-</file>
-
-<file path=customXml/item57.xml><?xml version="1.0" encoding="utf-8"?>
-<Control xmlns="http://schemas.microsoft.com/VisualStudio/2011/storyboarding/control">
-  <Id Name="d69996e1-3d61-4686-9b63-f1b855c596ab" Revision="1" Stencil="7276b9ef-3953-4dce-a89b-ed85f20b8b93" StencilVersion="1.0"/>
-</Control>
-</file>
-
-<file path=customXml/item6.xml><?xml version="1.0" encoding="utf-8"?>
-<Control xmlns="http://schemas.microsoft.com/VisualStudio/2011/storyboarding/control">
-  <Id Name="a2191c86-fc50-4add-948c-129f6b5a88d8" Revision="1" Stencil="7276b9ef-3953-4dce-a89b-ed85f20b8b93" StencilVersion="1.0"/>
-</Control>
-</file>
-
-<file path=customXml/item7.xml><?xml version="1.0" encoding="utf-8"?>
-<p:properties xmlns:p="http://schemas.microsoft.com/office/2006/metadata/properties" xmlns:xsi="http://www.w3.org/2001/XMLSchema-instance" xmlns:pc="http://schemas.microsoft.com/office/infopath/2007/PartnerControls">
-  <documentManagement>
-    <SharedWithUsers xmlns="83cd2334-221a-48c3-9034-bfd1542dfe28">
-      <UserInfo>
-        <DisplayName>Gilad Turbahn</DisplayName>
-        <AccountId>511</AccountId>
-        <AccountType/>
-      </UserInfo>
-      <UserInfo>
-        <DisplayName>Keith Boyd</DisplayName>
-        <AccountId>993</AccountId>
-        <AccountType/>
-      </UserInfo>
-      <UserInfo>
-        <DisplayName>Christopher Harrison</DisplayName>
-        <AccountId>1176</AccountId>
-        <AccountType/>
-      </UserInfo>
-    </SharedWithUsers>
-  </documentManagement>
-</p:properties>
-</file>
-
-<file path=customXml/item8.xml><?xml version="1.0" encoding="utf-8"?>
 <ct:contentTypeSchema xmlns:ct="http://schemas.microsoft.com/office/2006/metadata/contentType" xmlns:ma="http://schemas.microsoft.com/office/2006/metadata/properties/metaAttributes" ct:_="" ma:_="" ma:contentTypeName="Document" ma:contentTypeID="0x010100674EDBEC711BD14FBA6FF5C10FEFEAC7" ma:contentTypeVersion="2" ma:contentTypeDescription="Create a new document." ma:contentTypeScope="" ma:versionID="2439c5e21841780d4f192983b535a097">
   <xsd:schema xmlns:xsd="http://www.w3.org/2001/XMLSchema" xmlns:xs="http://www.w3.org/2001/XMLSchema" xmlns:p="http://schemas.microsoft.com/office/2006/metadata/properties" xmlns:ns2="83cd2334-221a-48c3-9034-bfd1542dfe28" targetNamespace="http://schemas.microsoft.com/office/2006/metadata/properties" ma:root="true" ma:fieldsID="2bca9163d8d0b233c3086236a9289b04" ns2:_="">
     <xsd:import namespace="83cd2334-221a-48c3-9034-bfd1542dfe28"/>
@@ -47379,14 +49371,316 @@
 </ct:contentTypeSchema>
 </file>
 
-<file path=customXml/item9.xml><?xml version="1.0" encoding="utf-8"?>
+<file path=customXml/item38.xml><?xml version="1.0" encoding="utf-8"?>
+<p:properties xmlns:p="http://schemas.microsoft.com/office/2006/metadata/properties" xmlns:xsi="http://www.w3.org/2001/XMLSchema-instance" xmlns:pc="http://schemas.microsoft.com/office/infopath/2007/PartnerControls">
+  <documentManagement>
+    <SharedWithUsers xmlns="83cd2334-221a-48c3-9034-bfd1542dfe28">
+      <UserInfo>
+        <DisplayName>Gilad Turbahn</DisplayName>
+        <AccountId>511</AccountId>
+        <AccountType/>
+      </UserInfo>
+      <UserInfo>
+        <DisplayName>Keith Boyd</DisplayName>
+        <AccountId>993</AccountId>
+        <AccountType/>
+      </UserInfo>
+      <UserInfo>
+        <DisplayName>Christopher Harrison</DisplayName>
+        <AccountId>1176</AccountId>
+        <AccountType/>
+      </UserInfo>
+    </SharedWithUsers>
+  </documentManagement>
+</p:properties>
+</file>
+
+<file path=customXml/item39.xml><?xml version="1.0" encoding="utf-8"?>
+<p:properties xmlns:p="http://schemas.microsoft.com/office/2006/metadata/properties" xmlns:xsi="http://www.w3.org/2001/XMLSchema-instance" xmlns:pc="http://schemas.microsoft.com/office/infopath/2007/PartnerControls">
+  <documentManagement>
+    <SharedWithUsers xmlns="83cd2334-221a-48c3-9034-bfd1542dfe28">
+      <UserInfo>
+        <DisplayName>Gilad Turbahn</DisplayName>
+        <AccountId>511</AccountId>
+        <AccountType/>
+      </UserInfo>
+      <UserInfo>
+        <DisplayName>Keith Boyd</DisplayName>
+        <AccountId>993</AccountId>
+        <AccountType/>
+      </UserInfo>
+      <UserInfo>
+        <DisplayName>Christopher Harrison</DisplayName>
+        <AccountId>1176</AccountId>
+        <AccountType/>
+      </UserInfo>
+    </SharedWithUsers>
+  </documentManagement>
+</p:properties>
+</file>
+
+<file path=customXml/item4.xml><?xml version="1.0" encoding="utf-8"?>
+<p:properties xmlns:p="http://schemas.microsoft.com/office/2006/metadata/properties" xmlns:xsi="http://www.w3.org/2001/XMLSchema-instance" xmlns:pc="http://schemas.microsoft.com/office/infopath/2007/PartnerControls">
+  <documentManagement>
+    <SharedWithUsers xmlns="83cd2334-221a-48c3-9034-bfd1542dfe28">
+      <UserInfo>
+        <DisplayName>Gilad Turbahn</DisplayName>
+        <AccountId>511</AccountId>
+        <AccountType/>
+      </UserInfo>
+      <UserInfo>
+        <DisplayName>Keith Boyd</DisplayName>
+        <AccountId>993</AccountId>
+        <AccountType/>
+      </UserInfo>
+      <UserInfo>
+        <DisplayName>Christopher Harrison</DisplayName>
+        <AccountId>1176</AccountId>
+        <AccountType/>
+      </UserInfo>
+    </SharedWithUsers>
+  </documentManagement>
+</p:properties>
+</file>
+
+<file path=customXml/item40.xml><?xml version="1.0" encoding="utf-8"?>
+<Control xmlns="http://schemas.microsoft.com/VisualStudio/2011/storyboarding/control">
+  <Id Name="369f9055-6b6c-48b9-9320-5df2d46c430a" Revision="1" Stencil="7276b9ef-3953-4dce-a89b-ed85f20b8b93" StencilVersion="1.0"/>
+</Control>
+</file>
+
+<file path=customXml/item41.xml><?xml version="1.0" encoding="utf-8"?>
+<Control xmlns="http://schemas.microsoft.com/VisualStudio/2011/storyboarding/control">
+  <Id Name="a53d73d2-368b-429e-b817-1324eec1382c" Revision="1" Stencil="7276b9ef-3953-4dce-a89b-ed85f20b8b93" StencilVersion="1.0"/>
+</Control>
+</file>
+
+<file path=customXml/item42.xml><?xml version="1.0" encoding="utf-8"?>
+<Control xmlns="http://schemas.microsoft.com/VisualStudio/2011/storyboarding/control">
+  <Id Name="a53d73d2-368b-429e-b817-1324eec1382c" Revision="1" Stencil="7276b9ef-3953-4dce-a89b-ed85f20b8b93" StencilVersion="1.0"/>
+</Control>
+</file>
+
+<file path=customXml/item43.xml><?xml version="1.0" encoding="utf-8"?>
+<Control xmlns="http://schemas.microsoft.com/VisualStudio/2011/storyboarding/control">
+  <Id Name="a53d73d2-368b-429e-b817-1324eec1382c" Revision="1" Stencil="7276b9ef-3953-4dce-a89b-ed85f20b8b93" StencilVersion="1.0"/>
+</Control>
+</file>
+
+<file path=customXml/item44.xml><?xml version="1.0" encoding="utf-8"?>
+<?mso-contentType ?>
+<FormTemplates xmlns="http://schemas.microsoft.com/sharepoint/v3/contenttype/forms">
+  <Display>DocumentLibraryForm</Display>
+  <Edit>DocumentLibraryForm</Edit>
+  <New>DocumentLibraryForm</New>
+</FormTemplates>
+</file>
+
+<file path=customXml/item45.xml><?xml version="1.0" encoding="utf-8"?>
+<p:properties xmlns:p="http://schemas.microsoft.com/office/2006/metadata/properties" xmlns:xsi="http://www.w3.org/2001/XMLSchema-instance" xmlns:pc="http://schemas.microsoft.com/office/infopath/2007/PartnerControls">
+  <documentManagement>
+    <SharedWithUsers xmlns="83cd2334-221a-48c3-9034-bfd1542dfe28">
+      <UserInfo>
+        <DisplayName>Gilad Turbahn</DisplayName>
+        <AccountId>511</AccountId>
+        <AccountType/>
+      </UserInfo>
+      <UserInfo>
+        <DisplayName>Keith Boyd</DisplayName>
+        <AccountId>993</AccountId>
+        <AccountType/>
+      </UserInfo>
+      <UserInfo>
+        <DisplayName>Christopher Harrison</DisplayName>
+        <AccountId>1176</AccountId>
+        <AccountType/>
+      </UserInfo>
+    </SharedWithUsers>
+  </documentManagement>
+</p:properties>
+</file>
+
+<file path=customXml/item46.xml><?xml version="1.0" encoding="utf-8"?>
+<?mso-contentType ?>
+<FormTemplates xmlns="http://schemas.microsoft.com/sharepoint/v3/contenttype/forms">
+  <Display>DocumentLibraryForm</Display>
+  <Edit>DocumentLibraryForm</Edit>
+  <New>DocumentLibraryForm</New>
+</FormTemplates>
+</file>
+
+<file path=customXml/item47.xml><?xml version="1.0" encoding="utf-8"?>
+<Control xmlns="http://schemas.microsoft.com/VisualStudio/2011/storyboarding/control">
+  <Id Name="a53d73d2-368b-429e-b817-1324eec1382c" Revision="1" Stencil="7276b9ef-3953-4dce-a89b-ed85f20b8b93" StencilVersion="1.0"/>
+</Control>
+</file>
+
+<file path=customXml/item48.xml><?xml version="1.0" encoding="utf-8"?>
+<Control xmlns="http://schemas.microsoft.com/VisualStudio/2011/storyboarding/control">
+  <Id Name="369f9055-6b6c-48b9-9320-5df2d46c430a" Revision="1" Stencil="7276b9ef-3953-4dce-a89b-ed85f20b8b93" StencilVersion="1.0"/>
+</Control>
+</file>
+
+<file path=customXml/item49.xml><?xml version="1.0" encoding="utf-8"?>
+<p:properties xmlns:p="http://schemas.microsoft.com/office/2006/metadata/properties" xmlns:xsi="http://www.w3.org/2001/XMLSchema-instance" xmlns:pc="http://schemas.microsoft.com/office/infopath/2007/PartnerControls">
+  <documentManagement>
+    <SharedWithUsers xmlns="83cd2334-221a-48c3-9034-bfd1542dfe28">
+      <UserInfo>
+        <DisplayName>Gilad Turbahn</DisplayName>
+        <AccountId>511</AccountId>
+        <AccountType/>
+      </UserInfo>
+      <UserInfo>
+        <DisplayName>Keith Boyd</DisplayName>
+        <AccountId>993</AccountId>
+        <AccountType/>
+      </UserInfo>
+      <UserInfo>
+        <DisplayName>Christopher Harrison</DisplayName>
+        <AccountId>1176</AccountId>
+        <AccountType/>
+      </UserInfo>
+    </SharedWithUsers>
+  </documentManagement>
+</p:properties>
+</file>
+
+<file path=customXml/item5.xml><?xml version="1.0" encoding="utf-8"?>
+<Control xmlns="http://schemas.microsoft.com/VisualStudio/2011/storyboarding/control">
+  <Id Name="a53d73d2-368b-429e-b817-1324eec1382c" Revision="1" Stencil="7276b9ef-3953-4dce-a89b-ed85f20b8b93" StencilVersion="1.0"/>
+</Control>
+</file>
+
+<file path=customXml/item50.xml><?xml version="1.0" encoding="utf-8"?>
 <Control xmlns="http://schemas.microsoft.com/VisualStudio/2011/storyboarding/control">
   <Id Name="a2191c86-fc50-4add-948c-129f6b5a88d8" Revision="1" Stencil="7276b9ef-3953-4dce-a89b-ed85f20b8b93" StencilVersion="1.0"/>
 </Control>
 </file>
 
+<file path=customXml/item51.xml><?xml version="1.0" encoding="utf-8"?>
+<p:properties xmlns:p="http://schemas.microsoft.com/office/2006/metadata/properties" xmlns:xsi="http://www.w3.org/2001/XMLSchema-instance" xmlns:pc="http://schemas.microsoft.com/office/infopath/2007/PartnerControls">
+  <documentManagement>
+    <SharedWithUsers xmlns="83cd2334-221a-48c3-9034-bfd1542dfe28">
+      <UserInfo>
+        <DisplayName>Gilad Turbahn</DisplayName>
+        <AccountId>511</AccountId>
+        <AccountType/>
+      </UserInfo>
+      <UserInfo>
+        <DisplayName>Keith Boyd</DisplayName>
+        <AccountId>993</AccountId>
+        <AccountType/>
+      </UserInfo>
+      <UserInfo>
+        <DisplayName>Christopher Harrison</DisplayName>
+        <AccountId>1176</AccountId>
+        <AccountType/>
+      </UserInfo>
+    </SharedWithUsers>
+  </documentManagement>
+</p:properties>
+</file>
+
+<file path=customXml/item52.xml><?xml version="1.0" encoding="utf-8"?>
+<?mso-contentType ?>
+<FormTemplates xmlns="http://schemas.microsoft.com/sharepoint/v3/contenttype/forms">
+  <Display>DocumentLibraryForm</Display>
+  <Edit>DocumentLibraryForm</Edit>
+  <New>DocumentLibraryForm</New>
+</FormTemplates>
+</file>
+
+<file path=customXml/item53.xml><?xml version="1.0" encoding="utf-8"?>
+<Control xmlns="http://schemas.microsoft.com/VisualStudio/2011/storyboarding/control">
+  <Id Name="a2191c86-fc50-4add-948c-129f6b5a88d8" Revision="1" Stencil="7276b9ef-3953-4dce-a89b-ed85f20b8b93" StencilVersion="1.0"/>
+</Control>
+</file>
+
+<file path=customXml/item54.xml><?xml version="1.0" encoding="utf-8"?>
+<?mso-contentType ?>
+<FormTemplates xmlns="http://schemas.microsoft.com/sharepoint/v3/contenttype/forms">
+  <Display>DocumentLibraryForm</Display>
+  <Edit>DocumentLibraryForm</Edit>
+  <New>DocumentLibraryForm</New>
+</FormTemplates>
+</file>
+
+<file path=customXml/item55.xml><?xml version="1.0" encoding="utf-8"?>
+<p:properties xmlns:p="http://schemas.microsoft.com/office/2006/metadata/properties" xmlns:xsi="http://www.w3.org/2001/XMLSchema-instance" xmlns:pc="http://schemas.microsoft.com/office/infopath/2007/PartnerControls">
+  <documentManagement>
+    <SharedWithUsers xmlns="83cd2334-221a-48c3-9034-bfd1542dfe28">
+      <UserInfo>
+        <DisplayName>Gilad Turbahn</DisplayName>
+        <AccountId>511</AccountId>
+        <AccountType/>
+      </UserInfo>
+      <UserInfo>
+        <DisplayName>Keith Boyd</DisplayName>
+        <AccountId>993</AccountId>
+        <AccountType/>
+      </UserInfo>
+      <UserInfo>
+        <DisplayName>Christopher Harrison</DisplayName>
+        <AccountId>1176</AccountId>
+        <AccountType/>
+      </UserInfo>
+    </SharedWithUsers>
+  </documentManagement>
+</p:properties>
+</file>
+
+<file path=customXml/item56.xml><?xml version="1.0" encoding="utf-8"?>
+<Control xmlns="http://schemas.microsoft.com/VisualStudio/2011/storyboarding/control">
+  <Id Name="d69996e1-3d61-4686-9b63-f1b855c596ab" Revision="1" Stencil="7276b9ef-3953-4dce-a89b-ed85f20b8b93" StencilVersion="1.0"/>
+</Control>
+</file>
+
+<file path=customXml/item57.xml><?xml version="1.0" encoding="utf-8"?>
+<Control xmlns="http://schemas.microsoft.com/VisualStudio/2011/storyboarding/control">
+  <Id Name="fb22c541-ded0-47fa-8877-83a4c2d16227" Revision="1" Stencil="7276b9ef-3953-4dce-a89b-ed85f20b8b93" StencilVersion="1.0"/>
+</Control>
+</file>
+
+<file path=customXml/item6.xml><?xml version="1.0" encoding="utf-8"?>
+<Control xmlns="http://schemas.microsoft.com/VisualStudio/2011/storyboarding/control">
+  <Id Name="a2191c86-fc50-4add-948c-129f6b5a88d8" Revision="1" Stencil="7276b9ef-3953-4dce-a89b-ed85f20b8b93" StencilVersion="1.0"/>
+</Control>
+</file>
+
+<file path=customXml/item7.xml><?xml version="1.0" encoding="utf-8"?>
+<Control xmlns="http://schemas.microsoft.com/VisualStudio/2011/storyboarding/control">
+  <Id Name="fb22c541-ded0-47fa-8877-83a4c2d16227" Revision="1" Stencil="7276b9ef-3953-4dce-a89b-ed85f20b8b93" StencilVersion="1.0"/>
+</Control>
+</file>
+
+<file path=customXml/item8.xml><?xml version="1.0" encoding="utf-8"?>
+<?mso-contentType ?>
+<FormTemplates xmlns="http://schemas.microsoft.com/sharepoint/v3/contenttype/forms">
+  <Display>DocumentLibraryForm</Display>
+  <Edit>DocumentLibraryForm</Edit>
+  <New>DocumentLibraryForm</New>
+</FormTemplates>
+</file>
+
+<file path=customXml/item9.xml><?xml version="1.0" encoding="utf-8"?>
+<?mso-contentType ?>
+<FormTemplates xmlns="http://schemas.microsoft.com/sharepoint/v3/contenttype/forms">
+  <Display>DocumentLibraryForm</Display>
+  <Edit>DocumentLibraryForm</Edit>
+  <New>DocumentLibraryForm</New>
+</FormTemplates>
+</file>
+
 <file path=customXml/itemProps1.xml><?xml version="1.0" encoding="utf-8"?>
-<ds:datastoreItem xmlns:ds="http://schemas.openxmlformats.org/officeDocument/2006/customXml" ds:itemID="{1B69B6B1-FB2A-4C02-95B6-C12A54DCD27B}">
+<ds:datastoreItem xmlns:ds="http://schemas.openxmlformats.org/officeDocument/2006/customXml" ds:itemID="{376216F9-AF6B-4844-AE8C-B9F953F916AB}">
+  <ds:schemaRefs>
+    <ds:schemaRef ds:uri="http://schemas.microsoft.com/VisualStudio/2011/storyboarding/control"/>
+  </ds:schemaRefs>
+</ds:datastoreItem>
+</file>
+
+<file path=customXml/itemProps10.xml><?xml version="1.0" encoding="utf-8"?>
+<ds:datastoreItem xmlns:ds="http://schemas.openxmlformats.org/officeDocument/2006/customXml" ds:itemID="{6018CCD6-C254-44D3-91D5-EC4D81FDEBEC}">
   <ds:schemaRefs>
     <ds:schemaRef ds:uri="http://schemas.microsoft.com/office/2006/metadata/properties"/>
     <ds:schemaRef ds:uri="http://schemas.microsoft.com/office/infopath/2007/PartnerControls"/>
@@ -47395,104 +49689,16 @@
 </ds:datastoreItem>
 </file>
 
-<file path=customXml/itemProps10.xml><?xml version="1.0" encoding="utf-8"?>
-<ds:datastoreItem xmlns:ds="http://schemas.openxmlformats.org/officeDocument/2006/customXml" ds:itemID="{2F30C844-8093-47D2-A9B2-B7BEE821CE68}">
-  <ds:schemaRefs>
-    <ds:schemaRef ds:uri="http://schemas.microsoft.com/sharepoint/v3/contenttype/forms"/>
-  </ds:schemaRefs>
-</ds:datastoreItem>
-</file>
-
 <file path=customXml/itemProps11.xml><?xml version="1.0" encoding="utf-8"?>
-<ds:datastoreItem xmlns:ds="http://schemas.openxmlformats.org/officeDocument/2006/customXml" ds:itemID="{758FDAC0-319D-4A54-8D8E-1D42CB1F8004}">
-  <ds:schemaRefs>
-    <ds:schemaRef ds:uri="http://schemas.microsoft.com/sharepoint/v3/contenttype/forms"/>
-  </ds:schemaRefs>
-</ds:datastoreItem>
-</file>
-
-<file path=customXml/itemProps12.xml><?xml version="1.0" encoding="utf-8"?>
-<ds:datastoreItem xmlns:ds="http://schemas.openxmlformats.org/officeDocument/2006/customXml" ds:itemID="{08C4EE12-DF69-4FFC-9E40-C7991F3490A6}">
+<ds:datastoreItem xmlns:ds="http://schemas.openxmlformats.org/officeDocument/2006/customXml" ds:itemID="{67213E6F-7B96-4222-888B-63710B06D885}">
   <ds:schemaRefs>
     <ds:schemaRef ds:uri="http://schemas.microsoft.com/VisualStudio/2011/storyboarding/control"/>
   </ds:schemaRefs>
 </ds:datastoreItem>
 </file>
 
-<file path=customXml/itemProps13.xml><?xml version="1.0" encoding="utf-8"?>
-<ds:datastoreItem xmlns:ds="http://schemas.openxmlformats.org/officeDocument/2006/customXml" ds:itemID="{1EF25EC2-965B-4491-9691-6B806C9E3B8B}">
-  <ds:schemaRefs>
-    <ds:schemaRef ds:uri="http://schemas.microsoft.com/sharepoint/v3/contenttype/forms"/>
-  </ds:schemaRefs>
-</ds:datastoreItem>
-</file>
-
-<file path=customXml/itemProps14.xml><?xml version="1.0" encoding="utf-8"?>
-<ds:datastoreItem xmlns:ds="http://schemas.openxmlformats.org/officeDocument/2006/customXml" ds:itemID="{38217AA1-CC95-49A9-B284-2ED4D347D7CA}">
-  <ds:schemaRefs>
-    <ds:schemaRef ds:uri="http://schemas.microsoft.com/VisualStudio/2011/storyboarding/control"/>
-  </ds:schemaRefs>
-</ds:datastoreItem>
-</file>
-
-<file path=customXml/itemProps15.xml><?xml version="1.0" encoding="utf-8"?>
-<ds:datastoreItem xmlns:ds="http://schemas.openxmlformats.org/officeDocument/2006/customXml" ds:itemID="{6FB9D450-4C47-4A44-8C0D-C78D8A54C46F}">
-  <ds:schemaRefs>
-    <ds:schemaRef ds:uri="http://schemas.microsoft.com/VisualStudio/2011/storyboarding/control"/>
-  </ds:schemaRefs>
-</ds:datastoreItem>
-</file>
-
-<file path=customXml/itemProps16.xml><?xml version="1.0" encoding="utf-8"?>
-<ds:datastoreItem xmlns:ds="http://schemas.openxmlformats.org/officeDocument/2006/customXml" ds:itemID="{8257D6BC-B71E-4D95-81E4-A1D4A8174168}">
-  <ds:schemaRefs>
-    <ds:schemaRef ds:uri="http://schemas.microsoft.com/VisualStudio/2011/storyboarding/control"/>
-  </ds:schemaRefs>
-</ds:datastoreItem>
-</file>
-
-<file path=customXml/itemProps17.xml><?xml version="1.0" encoding="utf-8"?>
-<ds:datastoreItem xmlns:ds="http://schemas.openxmlformats.org/officeDocument/2006/customXml" ds:itemID="{21F6B647-976A-41D0-B760-9DF9DFC6AE3C}">
-  <ds:schemaRefs>
-    <ds:schemaRef ds:uri="http://schemas.microsoft.com/VisualStudio/2011/storyboarding/control"/>
-  </ds:schemaRefs>
-</ds:datastoreItem>
-</file>
-
-<file path=customXml/itemProps18.xml><?xml version="1.0" encoding="utf-8"?>
-<ds:datastoreItem xmlns:ds="http://schemas.openxmlformats.org/officeDocument/2006/customXml" ds:itemID="{4B16F4FE-7C26-4443-B426-81998D23ED87}">
-  <ds:schemaRefs>
-    <ds:schemaRef ds:uri="http://schemas.microsoft.com/VisualStudio/2011/storyboarding/control"/>
-  </ds:schemaRefs>
-</ds:datastoreItem>
-</file>
-
-<file path=customXml/itemProps19.xml><?xml version="1.0" encoding="utf-8"?>
-<ds:datastoreItem xmlns:ds="http://schemas.openxmlformats.org/officeDocument/2006/customXml" ds:itemID="{C63AC2F0-1DEB-4E91-A88A-7A014A172F4F}">
-  <ds:schemaRefs>
-    <ds:schemaRef ds:uri="http://schemas.microsoft.com/VisualStudio/2011/storyboarding/control"/>
-  </ds:schemaRefs>
-</ds:datastoreItem>
-</file>
-
-<file path=customXml/itemProps2.xml><?xml version="1.0" encoding="utf-8"?>
-<ds:datastoreItem xmlns:ds="http://schemas.openxmlformats.org/officeDocument/2006/customXml" ds:itemID="{8893E80D-6D0C-4E0F-AA22-E5615BB87E5B}">
-  <ds:schemaRefs>
-    <ds:schemaRef ds:uri="http://schemas.microsoft.com/VisualStudio/2011/storyboarding/control"/>
-  </ds:schemaRefs>
-</ds:datastoreItem>
-</file>
-
-<file path=customXml/itemProps20.xml><?xml version="1.0" encoding="utf-8"?>
-<ds:datastoreItem xmlns:ds="http://schemas.openxmlformats.org/officeDocument/2006/customXml" ds:itemID="{8E7D1C6F-2F1C-4FF7-8E81-B00199180E81}">
-  <ds:schemaRefs>
-    <ds:schemaRef ds:uri="http://schemas.microsoft.com/sharepoint/v3/contenttype/forms"/>
-  </ds:schemaRefs>
-</ds:datastoreItem>
-</file>
-
-<file path=customXml/itemProps21.xml><?xml version="1.0" encoding="utf-8"?>
-<ds:datastoreItem xmlns:ds="http://schemas.openxmlformats.org/officeDocument/2006/customXml" ds:itemID="{CA892322-6599-4C5A-B402-BE6DBAED9B8E}">
+<file path=customXml/itemProps12.xml><?xml version="1.0" encoding="utf-8"?>
+<ds:datastoreItem xmlns:ds="http://schemas.openxmlformats.org/officeDocument/2006/customXml" ds:itemID="{ECB83CA1-96BF-44F4-BD12-40C3FA24896A}">
   <ds:schemaRefs>
     <ds:schemaRef ds:uri="http://schemas.microsoft.com/office/2006/metadata/properties"/>
     <ds:schemaRef ds:uri="http://schemas.microsoft.com/office/infopath/2007/PartnerControls"/>
@@ -47501,15 +49707,39 @@
 </ds:datastoreItem>
 </file>
 
-<file path=customXml/itemProps22.xml><?xml version="1.0" encoding="utf-8"?>
-<ds:datastoreItem xmlns:ds="http://schemas.openxmlformats.org/officeDocument/2006/customXml" ds:itemID="{8BD595CA-AC5E-43B9-B966-E468A16E8322}">
+<file path=customXml/itemProps13.xml><?xml version="1.0" encoding="utf-8"?>
+<ds:datastoreItem xmlns:ds="http://schemas.openxmlformats.org/officeDocument/2006/customXml" ds:itemID="{8CFA17AA-8D1D-41BA-81E2-B1C9B1D8F8E0}">
+  <ds:schemaRefs>
+    <ds:schemaRef ds:uri="http://schemas.microsoft.com/sharepoint/v3/contenttype/forms"/>
+  </ds:schemaRefs>
+</ds:datastoreItem>
+</file>
+
+<file path=customXml/itemProps14.xml><?xml version="1.0" encoding="utf-8"?>
+<ds:datastoreItem xmlns:ds="http://schemas.openxmlformats.org/officeDocument/2006/customXml" ds:itemID="{FE651ABA-5DC1-4ABD-A06E-055AE54B337B}">
   <ds:schemaRefs>
     <ds:schemaRef ds:uri="http://schemas.microsoft.com/VisualStudio/2011/storyboarding/control"/>
   </ds:schemaRefs>
 </ds:datastoreItem>
 </file>
 
-<file path=customXml/itemProps23.xml><?xml version="1.0" encoding="utf-8"?>
+<file path=customXml/itemProps15.xml><?xml version="1.0" encoding="utf-8"?>
+<ds:datastoreItem xmlns:ds="http://schemas.openxmlformats.org/officeDocument/2006/customXml" ds:itemID="{432851C6-BC05-4673-B853-6D08AB80CDC4}">
+  <ds:schemaRefs>
+    <ds:schemaRef ds:uri="http://schemas.microsoft.com/VisualStudio/2011/storyboarding/control"/>
+  </ds:schemaRefs>
+</ds:datastoreItem>
+</file>
+
+<file path=customXml/itemProps16.xml><?xml version="1.0" encoding="utf-8"?>
+<ds:datastoreItem xmlns:ds="http://schemas.openxmlformats.org/officeDocument/2006/customXml" ds:itemID="{6FB9D450-4C47-4A44-8C0D-C78D8A54C46F}">
+  <ds:schemaRefs>
+    <ds:schemaRef ds:uri="http://schemas.microsoft.com/VisualStudio/2011/storyboarding/control"/>
+  </ds:schemaRefs>
+</ds:datastoreItem>
+</file>
+
+<file path=customXml/itemProps17.xml><?xml version="1.0" encoding="utf-8"?>
 <ds:datastoreItem xmlns:ds="http://schemas.openxmlformats.org/officeDocument/2006/customXml" ds:itemID="{17A7EC28-79CF-44E6-BA48-85916A7F29F5}">
   <ds:schemaRefs>
     <ds:schemaRef ds:uri="http://schemas.microsoft.com/office/2006/metadata/properties"/>
@@ -47519,24 +49749,80 @@
 </ds:datastoreItem>
 </file>
 
-<file path=customXml/itemProps24.xml><?xml version="1.0" encoding="utf-8"?>
-<ds:datastoreItem xmlns:ds="http://schemas.openxmlformats.org/officeDocument/2006/customXml" ds:itemID="{470353D1-3545-4BE2-A17C-548BF46AD9BC}">
+<file path=customXml/itemProps18.xml><?xml version="1.0" encoding="utf-8"?>
+<ds:datastoreItem xmlns:ds="http://schemas.openxmlformats.org/officeDocument/2006/customXml" ds:itemID="{C0F92A87-A216-45A9-B9C0-0515663D35BF}">
+  <ds:schemaRefs>
+    <ds:schemaRef ds:uri="http://schemas.microsoft.com/VisualStudio/2011/storyboarding/control"/>
+  </ds:schemaRefs>
+</ds:datastoreItem>
+</file>
+
+<file path=customXml/itemProps19.xml><?xml version="1.0" encoding="utf-8"?>
+<ds:datastoreItem xmlns:ds="http://schemas.openxmlformats.org/officeDocument/2006/customXml" ds:itemID="{0B54C583-7BAB-4080-8093-C5F84F5A225A}">
+  <ds:schemaRefs>
+    <ds:schemaRef ds:uri="http://schemas.microsoft.com/VisualStudio/2011/storyboarding/control"/>
+  </ds:schemaRefs>
+</ds:datastoreItem>
+</file>
+
+<file path=customXml/itemProps2.xml><?xml version="1.0" encoding="utf-8"?>
+<ds:datastoreItem xmlns:ds="http://schemas.openxmlformats.org/officeDocument/2006/customXml" ds:itemID="{0AFEAFFC-501F-4A71-8E0A-BCC3D721BFBC}">
   <ds:schemaRefs>
     <ds:schemaRef ds:uri="http://schemas.microsoft.com/sharepoint/v3/contenttype/forms"/>
   </ds:schemaRefs>
 </ds:datastoreItem>
 </file>
 
-<file path=customXml/itemProps25.xml><?xml version="1.0" encoding="utf-8"?>
-<ds:datastoreItem xmlns:ds="http://schemas.openxmlformats.org/officeDocument/2006/customXml" ds:itemID="{4E805D65-1532-4BB0-8F41-8013167C0009}">
+<file path=customXml/itemProps20.xml><?xml version="1.0" encoding="utf-8"?>
+<ds:datastoreItem xmlns:ds="http://schemas.openxmlformats.org/officeDocument/2006/customXml" ds:itemID="{4378A4E9-AA60-4BA3-8067-B1CEFEF637CD}">
+  <ds:schemaRefs>
+    <ds:schemaRef ds:uri="http://schemas.microsoft.com/sharepoint/v3/contenttype/forms"/>
+  </ds:schemaRefs>
+</ds:datastoreItem>
+</file>
+
+<file path=customXml/itemProps21.xml><?xml version="1.0" encoding="utf-8"?>
+<ds:datastoreItem xmlns:ds="http://schemas.openxmlformats.org/officeDocument/2006/customXml" ds:itemID="{0282FB20-2D4C-459D-8468-77D1D3C6925D}">
   <ds:schemaRefs>
     <ds:schemaRef ds:uri="http://schemas.microsoft.com/VisualStudio/2011/storyboarding/control"/>
   </ds:schemaRefs>
 </ds:datastoreItem>
 </file>
 
+<file path=customXml/itemProps22.xml><?xml version="1.0" encoding="utf-8"?>
+<ds:datastoreItem xmlns:ds="http://schemas.openxmlformats.org/officeDocument/2006/customXml" ds:itemID="{C63AC2F0-1DEB-4E91-A88A-7A014A172F4F}">
+  <ds:schemaRefs>
+    <ds:schemaRef ds:uri="http://schemas.microsoft.com/VisualStudio/2011/storyboarding/control"/>
+  </ds:schemaRefs>
+</ds:datastoreItem>
+</file>
+
+<file path=customXml/itemProps23.xml><?xml version="1.0" encoding="utf-8"?>
+<ds:datastoreItem xmlns:ds="http://schemas.openxmlformats.org/officeDocument/2006/customXml" ds:itemID="{2F30C844-8093-47D2-A9B2-B7BEE821CE68}">
+  <ds:schemaRefs>
+    <ds:schemaRef ds:uri="http://schemas.microsoft.com/sharepoint/v3/contenttype/forms"/>
+  </ds:schemaRefs>
+</ds:datastoreItem>
+</file>
+
+<file path=customXml/itemProps24.xml><?xml version="1.0" encoding="utf-8"?>
+<ds:datastoreItem xmlns:ds="http://schemas.openxmlformats.org/officeDocument/2006/customXml" ds:itemID="{3DC6CABD-46E1-4C27-A0B3-616DC56F8E5C}">
+  <ds:schemaRefs>
+    <ds:schemaRef ds:uri="http://schemas.microsoft.com/VisualStudio/2011/storyboarding/control"/>
+  </ds:schemaRefs>
+</ds:datastoreItem>
+</file>
+
+<file path=customXml/itemProps25.xml><?xml version="1.0" encoding="utf-8"?>
+<ds:datastoreItem xmlns:ds="http://schemas.openxmlformats.org/officeDocument/2006/customXml" ds:itemID="{D9B2CC65-7352-4418-88DB-351C33D88613}">
+  <ds:schemaRefs>
+    <ds:schemaRef ds:uri="http://schemas.microsoft.com/sharepoint/v3/contenttype/forms"/>
+  </ds:schemaRefs>
+</ds:datastoreItem>
+</file>
+
 <file path=customXml/itemProps26.xml><?xml version="1.0" encoding="utf-8"?>
-<ds:datastoreItem xmlns:ds="http://schemas.openxmlformats.org/officeDocument/2006/customXml" ds:itemID="{B18102BA-C10B-41D1-8610-3D321D638DD2}">
+<ds:datastoreItem xmlns:ds="http://schemas.openxmlformats.org/officeDocument/2006/customXml" ds:itemID="{C049BDDC-AD09-43FB-B97D-26B51C0635EE}">
   <ds:schemaRefs>
     <ds:schemaRef ds:uri="http://schemas.microsoft.com/office/2006/metadata/properties"/>
     <ds:schemaRef ds:uri="http://schemas.microsoft.com/office/infopath/2007/PartnerControls"/>
@@ -47546,6 +49832,22 @@
 </file>
 
 <file path=customXml/itemProps27.xml><?xml version="1.0" encoding="utf-8"?>
+<ds:datastoreItem xmlns:ds="http://schemas.openxmlformats.org/officeDocument/2006/customXml" ds:itemID="{38217AA1-CC95-49A9-B284-2ED4D347D7CA}">
+  <ds:schemaRefs>
+    <ds:schemaRef ds:uri="http://schemas.microsoft.com/VisualStudio/2011/storyboarding/control"/>
+  </ds:schemaRefs>
+</ds:datastoreItem>
+</file>
+
+<file path=customXml/itemProps28.xml><?xml version="1.0" encoding="utf-8"?>
+<ds:datastoreItem xmlns:ds="http://schemas.openxmlformats.org/officeDocument/2006/customXml" ds:itemID="{8BD595CA-AC5E-43B9-B966-E468A16E8322}">
+  <ds:schemaRefs>
+    <ds:schemaRef ds:uri="http://schemas.microsoft.com/VisualStudio/2011/storyboarding/control"/>
+  </ds:schemaRefs>
+</ds:datastoreItem>
+</file>
+
+<file path=customXml/itemProps29.xml><?xml version="1.0" encoding="utf-8"?>
 <ds:datastoreItem xmlns:ds="http://schemas.openxmlformats.org/officeDocument/2006/customXml" ds:itemID="{2FE0657F-3467-430A-8CBC-C10125456BF4}">
   <ds:schemaRefs>
     <ds:schemaRef ds:uri="http://schemas.microsoft.com/sharepoint/v3/contenttype/forms"/>
@@ -47553,28 +49855,10 @@
 </ds:datastoreItem>
 </file>
 
-<file path=customXml/itemProps28.xml><?xml version="1.0" encoding="utf-8"?>
-<ds:datastoreItem xmlns:ds="http://schemas.openxmlformats.org/officeDocument/2006/customXml" ds:itemID="{C0F92A87-A216-45A9-B9C0-0515663D35BF}">
+<file path=customXml/itemProps3.xml><?xml version="1.0" encoding="utf-8"?>
+<ds:datastoreItem xmlns:ds="http://schemas.openxmlformats.org/officeDocument/2006/customXml" ds:itemID="{9360AFB9-8F99-4E1B-878D-F2EBABEB164C}">
   <ds:schemaRefs>
-    <ds:schemaRef ds:uri="http://schemas.microsoft.com/VisualStudio/2011/storyboarding/control"/>
-  </ds:schemaRefs>
-</ds:datastoreItem>
-</file>
-
-<file path=customXml/itemProps29.xml><?xml version="1.0" encoding="utf-8"?>
-<ds:datastoreItem xmlns:ds="http://schemas.openxmlformats.org/officeDocument/2006/customXml" ds:itemID="{4C1B3C27-4803-4D72-A3F8-6668A3F0A24B}">
-  <ds:schemaRefs>
-    <ds:schemaRef ds:uri="http://schemas.microsoft.com/VisualStudio/2011/storyboarding/control"/>
-  </ds:schemaRefs>
-</ds:datastoreItem>
-</file>
-
-<file path=customXml/itemProps3.xml><?xml version="1.0" encoding="utf-8"?>
-<ds:datastoreItem xmlns:ds="http://schemas.openxmlformats.org/officeDocument/2006/customXml" ds:itemID="{46A26515-AC12-45CE-B5C2-487B64D484BF}">
-  <ds:schemaRefs>
-    <ds:schemaRef ds:uri="http://schemas.microsoft.com/office/2006/metadata/properties"/>
-    <ds:schemaRef ds:uri="http://schemas.microsoft.com/office/infopath/2007/PartnerControls"/>
-    <ds:schemaRef ds:uri="83cd2334-221a-48c3-9034-bfd1542dfe28"/>
+    <ds:schemaRef ds:uri="http://schemas.microsoft.com/sharepoint/v3/contenttype/forms"/>
   </ds:schemaRefs>
 </ds:datastoreItem>
 </file>
@@ -47590,7 +49874,7 @@
 </file>
 
 <file path=customXml/itemProps31.xml><?xml version="1.0" encoding="utf-8"?>
-<ds:datastoreItem xmlns:ds="http://schemas.openxmlformats.org/officeDocument/2006/customXml" ds:itemID="{3DC6CABD-46E1-4C27-A0B3-616DC56F8E5C}">
+<ds:datastoreItem xmlns:ds="http://schemas.openxmlformats.org/officeDocument/2006/customXml" ds:itemID="{82DB428A-B8F8-483F-8276-095629A8ECDB}">
   <ds:schemaRefs>
     <ds:schemaRef ds:uri="http://schemas.microsoft.com/VisualStudio/2011/storyboarding/control"/>
   </ds:schemaRefs>
@@ -47598,7 +49882,7 @@
 </file>
 
 <file path=customXml/itemProps32.xml><?xml version="1.0" encoding="utf-8"?>
-<ds:datastoreItem xmlns:ds="http://schemas.openxmlformats.org/officeDocument/2006/customXml" ds:itemID="{6018CCD6-C254-44D3-91D5-EC4D81FDEBEC}">
+<ds:datastoreItem xmlns:ds="http://schemas.openxmlformats.org/officeDocument/2006/customXml" ds:itemID="{473A6A21-7521-4B81-9336-9B587BA12275}">
   <ds:schemaRefs>
     <ds:schemaRef ds:uri="http://schemas.microsoft.com/office/2006/metadata/properties"/>
     <ds:schemaRef ds:uri="http://schemas.microsoft.com/office/infopath/2007/PartnerControls"/>
@@ -47608,7 +49892,7 @@
 </file>
 
 <file path=customXml/itemProps33.xml><?xml version="1.0" encoding="utf-8"?>
-<ds:datastoreItem xmlns:ds="http://schemas.openxmlformats.org/officeDocument/2006/customXml" ds:itemID="{ED350DFE-2319-4AB0-BC96-1D36D125365A}">
+<ds:datastoreItem xmlns:ds="http://schemas.openxmlformats.org/officeDocument/2006/customXml" ds:itemID="{B5105A87-47B6-44F6-97FD-4619C0556604}">
   <ds:schemaRefs>
     <ds:schemaRef ds:uri="http://schemas.microsoft.com/VisualStudio/2011/storyboarding/control"/>
   </ds:schemaRefs>
@@ -47616,7 +49900,7 @@
 </file>
 
 <file path=customXml/itemProps34.xml><?xml version="1.0" encoding="utf-8"?>
-<ds:datastoreItem xmlns:ds="http://schemas.openxmlformats.org/officeDocument/2006/customXml" ds:itemID="{376216F9-AF6B-4844-AE8C-B9F953F916AB}">
+<ds:datastoreItem xmlns:ds="http://schemas.openxmlformats.org/officeDocument/2006/customXml" ds:itemID="{D6FEE829-2115-45B4-8110-670FD454542B}">
   <ds:schemaRefs>
     <ds:schemaRef ds:uri="http://schemas.microsoft.com/VisualStudio/2011/storyboarding/control"/>
   </ds:schemaRefs>
@@ -47624,7 +49908,7 @@
 </file>
 
 <file path=customXml/itemProps35.xml><?xml version="1.0" encoding="utf-8"?>
-<ds:datastoreItem xmlns:ds="http://schemas.openxmlformats.org/officeDocument/2006/customXml" ds:itemID="{82DB428A-B8F8-483F-8276-095629A8ECDB}">
+<ds:datastoreItem xmlns:ds="http://schemas.openxmlformats.org/officeDocument/2006/customXml" ds:itemID="{7959CC6A-F423-4783-B968-3BCC86A7394E}">
   <ds:schemaRefs>
     <ds:schemaRef ds:uri="http://schemas.microsoft.com/VisualStudio/2011/storyboarding/control"/>
   </ds:schemaRefs>
@@ -47632,7 +49916,7 @@
 </file>
 
 <file path=customXml/itemProps36.xml><?xml version="1.0" encoding="utf-8"?>
-<ds:datastoreItem xmlns:ds="http://schemas.openxmlformats.org/officeDocument/2006/customXml" ds:itemID="{0B54C583-7BAB-4080-8093-C5F84F5A225A}">
+<ds:datastoreItem xmlns:ds="http://schemas.openxmlformats.org/officeDocument/2006/customXml" ds:itemID="{3C954CC5-1CAC-4EC3-9791-8630483065B9}">
   <ds:schemaRefs>
     <ds:schemaRef ds:uri="http://schemas.microsoft.com/VisualStudio/2011/storyboarding/control"/>
   </ds:schemaRefs>
@@ -47640,218 +49924,6 @@
 </file>
 
 <file path=customXml/itemProps37.xml><?xml version="1.0" encoding="utf-8"?>
-<ds:datastoreItem xmlns:ds="http://schemas.openxmlformats.org/officeDocument/2006/customXml" ds:itemID="{67213E6F-7B96-4222-888B-63710B06D885}">
-  <ds:schemaRefs>
-    <ds:schemaRef ds:uri="http://schemas.microsoft.com/VisualStudio/2011/storyboarding/control"/>
-  </ds:schemaRefs>
-</ds:datastoreItem>
-</file>
-
-<file path=customXml/itemProps38.xml><?xml version="1.0" encoding="utf-8"?>
-<ds:datastoreItem xmlns:ds="http://schemas.openxmlformats.org/officeDocument/2006/customXml" ds:itemID="{71AE1ABA-EE71-4D7C-AE19-D2A04FC317D0}">
-  <ds:schemaRefs>
-    <ds:schemaRef ds:uri="http://schemas.microsoft.com/sharepoint/v3/contenttype/forms"/>
-  </ds:schemaRefs>
-</ds:datastoreItem>
-</file>
-
-<file path=customXml/itemProps39.xml><?xml version="1.0" encoding="utf-8"?>
-<ds:datastoreItem xmlns:ds="http://schemas.openxmlformats.org/officeDocument/2006/customXml" ds:itemID="{EE8BC9EC-1D07-4DEF-A123-A09345AC6302}">
-  <ds:schemaRefs>
-    <ds:schemaRef ds:uri="http://schemas.microsoft.com/sharepoint/v3/contenttype/forms"/>
-  </ds:schemaRefs>
-</ds:datastoreItem>
-</file>
-
-<file path=customXml/itemProps4.xml><?xml version="1.0" encoding="utf-8"?>
-<ds:datastoreItem xmlns:ds="http://schemas.openxmlformats.org/officeDocument/2006/customXml" ds:itemID="{7959CC6A-F423-4783-B968-3BCC86A7394E}">
-  <ds:schemaRefs>
-    <ds:schemaRef ds:uri="http://schemas.microsoft.com/VisualStudio/2011/storyboarding/control"/>
-  </ds:schemaRefs>
-</ds:datastoreItem>
-</file>
-
-<file path=customXml/itemProps40.xml><?xml version="1.0" encoding="utf-8"?>
-<ds:datastoreItem xmlns:ds="http://schemas.openxmlformats.org/officeDocument/2006/customXml" ds:itemID="{ECB83CA1-96BF-44F4-BD12-40C3FA24896A}">
-  <ds:schemaRefs>
-    <ds:schemaRef ds:uri="http://schemas.microsoft.com/office/2006/metadata/properties"/>
-    <ds:schemaRef ds:uri="http://schemas.microsoft.com/office/infopath/2007/PartnerControls"/>
-    <ds:schemaRef ds:uri="83cd2334-221a-48c3-9034-bfd1542dfe28"/>
-  </ds:schemaRefs>
-</ds:datastoreItem>
-</file>
-
-<file path=customXml/itemProps41.xml><?xml version="1.0" encoding="utf-8"?>
-<ds:datastoreItem xmlns:ds="http://schemas.openxmlformats.org/officeDocument/2006/customXml" ds:itemID="{F68D8396-E21C-4AFF-8FDD-70D00673D0EE}">
-  <ds:schemaRefs>
-    <ds:schemaRef ds:uri="http://schemas.microsoft.com/VisualStudio/2011/storyboarding/control"/>
-  </ds:schemaRefs>
-</ds:datastoreItem>
-</file>
-
-<file path=customXml/itemProps42.xml><?xml version="1.0" encoding="utf-8"?>
-<ds:datastoreItem xmlns:ds="http://schemas.openxmlformats.org/officeDocument/2006/customXml" ds:itemID="{366CA990-F93D-4100-9654-65D9E30F4E1C}">
-  <ds:schemaRefs>
-    <ds:schemaRef ds:uri="http://schemas.microsoft.com/VisualStudio/2011/storyboarding/control"/>
-  </ds:schemaRefs>
-</ds:datastoreItem>
-</file>
-
-<file path=customXml/itemProps43.xml><?xml version="1.0" encoding="utf-8"?>
-<ds:datastoreItem xmlns:ds="http://schemas.openxmlformats.org/officeDocument/2006/customXml" ds:itemID="{473A6A21-7521-4B81-9336-9B587BA12275}">
-  <ds:schemaRefs>
-    <ds:schemaRef ds:uri="http://schemas.microsoft.com/office/2006/metadata/properties"/>
-    <ds:schemaRef ds:uri="http://schemas.microsoft.com/office/infopath/2007/PartnerControls"/>
-    <ds:schemaRef ds:uri="83cd2334-221a-48c3-9034-bfd1542dfe28"/>
-  </ds:schemaRefs>
-</ds:datastoreItem>
-</file>
-
-<file path=customXml/itemProps44.xml><?xml version="1.0" encoding="utf-8"?>
-<ds:datastoreItem xmlns:ds="http://schemas.openxmlformats.org/officeDocument/2006/customXml" ds:itemID="{D9B2CC65-7352-4418-88DB-351C33D88613}">
-  <ds:schemaRefs>
-    <ds:schemaRef ds:uri="http://schemas.microsoft.com/sharepoint/v3/contenttype/forms"/>
-  </ds:schemaRefs>
-</ds:datastoreItem>
-</file>
-
-<file path=customXml/itemProps45.xml><?xml version="1.0" encoding="utf-8"?>
-<ds:datastoreItem xmlns:ds="http://schemas.openxmlformats.org/officeDocument/2006/customXml" ds:itemID="{8CFA17AA-8D1D-41BA-81E2-B1C9B1D8F8E0}">
-  <ds:schemaRefs>
-    <ds:schemaRef ds:uri="http://schemas.microsoft.com/sharepoint/v3/contenttype/forms"/>
-  </ds:schemaRefs>
-</ds:datastoreItem>
-</file>
-
-<file path=customXml/itemProps46.xml><?xml version="1.0" encoding="utf-8"?>
-<ds:datastoreItem xmlns:ds="http://schemas.openxmlformats.org/officeDocument/2006/customXml" ds:itemID="{1C76383C-FD09-474B-94B3-126FB1A7D094}">
-  <ds:schemaRefs>
-    <ds:schemaRef ds:uri="http://schemas.microsoft.com/office/2006/metadata/properties"/>
-    <ds:schemaRef ds:uri="http://schemas.microsoft.com/office/infopath/2007/PartnerControls"/>
-    <ds:schemaRef ds:uri="83cd2334-221a-48c3-9034-bfd1542dfe28"/>
-  </ds:schemaRefs>
-</ds:datastoreItem>
-</file>
-
-<file path=customXml/itemProps47.xml><?xml version="1.0" encoding="utf-8"?>
-<ds:datastoreItem xmlns:ds="http://schemas.openxmlformats.org/officeDocument/2006/customXml" ds:itemID="{4E8278DB-3CDD-48A7-992E-A7596AD335B9}">
-  <ds:schemaRefs>
-    <ds:schemaRef ds:uri="http://schemas.microsoft.com/VisualStudio/2011/storyboarding/control"/>
-  </ds:schemaRefs>
-</ds:datastoreItem>
-</file>
-
-<file path=customXml/itemProps48.xml><?xml version="1.0" encoding="utf-8"?>
-<ds:datastoreItem xmlns:ds="http://schemas.openxmlformats.org/officeDocument/2006/customXml" ds:itemID="{B5105A87-47B6-44F6-97FD-4619C0556604}">
-  <ds:schemaRefs>
-    <ds:schemaRef ds:uri="http://schemas.microsoft.com/VisualStudio/2011/storyboarding/control"/>
-  </ds:schemaRefs>
-</ds:datastoreItem>
-</file>
-
-<file path=customXml/itemProps49.xml><?xml version="1.0" encoding="utf-8"?>
-<ds:datastoreItem xmlns:ds="http://schemas.openxmlformats.org/officeDocument/2006/customXml" ds:itemID="{4378A4E9-AA60-4BA3-8067-B1CEFEF637CD}">
-  <ds:schemaRefs>
-    <ds:schemaRef ds:uri="http://schemas.microsoft.com/sharepoint/v3/contenttype/forms"/>
-  </ds:schemaRefs>
-</ds:datastoreItem>
-</file>
-
-<file path=customXml/itemProps5.xml><?xml version="1.0" encoding="utf-8"?>
-<ds:datastoreItem xmlns:ds="http://schemas.openxmlformats.org/officeDocument/2006/customXml" ds:itemID="{432851C6-BC05-4673-B853-6D08AB80CDC4}">
-  <ds:schemaRefs>
-    <ds:schemaRef ds:uri="http://schemas.microsoft.com/VisualStudio/2011/storyboarding/control"/>
-  </ds:schemaRefs>
-</ds:datastoreItem>
-</file>
-
-<file path=customXml/itemProps50.xml><?xml version="1.0" encoding="utf-8"?>
-<ds:datastoreItem xmlns:ds="http://schemas.openxmlformats.org/officeDocument/2006/customXml" ds:itemID="{0AFEAFFC-501F-4A71-8E0A-BCC3D721BFBC}">
-  <ds:schemaRefs>
-    <ds:schemaRef ds:uri="http://schemas.microsoft.com/sharepoint/v3/contenttype/forms"/>
-  </ds:schemaRefs>
-</ds:datastoreItem>
-</file>
-
-<file path=customXml/itemProps51.xml><?xml version="1.0" encoding="utf-8"?>
-<ds:datastoreItem xmlns:ds="http://schemas.openxmlformats.org/officeDocument/2006/customXml" ds:itemID="{E5517D1D-A0F7-4038-99B1-CB797994AD5E}">
-  <ds:schemaRefs>
-    <ds:schemaRef ds:uri="http://schemas.microsoft.com/office/2006/metadata/properties"/>
-    <ds:schemaRef ds:uri="http://schemas.microsoft.com/office/infopath/2007/PartnerControls"/>
-    <ds:schemaRef ds:uri="83cd2334-221a-48c3-9034-bfd1542dfe28"/>
-  </ds:schemaRefs>
-</ds:datastoreItem>
-</file>
-
-<file path=customXml/itemProps52.xml><?xml version="1.0" encoding="utf-8"?>
-<ds:datastoreItem xmlns:ds="http://schemas.openxmlformats.org/officeDocument/2006/customXml" ds:itemID="{C049BDDC-AD09-43FB-B97D-26B51C0635EE}">
-  <ds:schemaRefs>
-    <ds:schemaRef ds:uri="http://schemas.microsoft.com/office/2006/metadata/properties"/>
-    <ds:schemaRef ds:uri="http://schemas.microsoft.com/office/infopath/2007/PartnerControls"/>
-    <ds:schemaRef ds:uri="83cd2334-221a-48c3-9034-bfd1542dfe28"/>
-  </ds:schemaRefs>
-</ds:datastoreItem>
-</file>
-
-<file path=customXml/itemProps53.xml><?xml version="1.0" encoding="utf-8"?>
-<ds:datastoreItem xmlns:ds="http://schemas.openxmlformats.org/officeDocument/2006/customXml" ds:itemID="{FE651ABA-5DC1-4ABD-A06E-055AE54B337B}">
-  <ds:schemaRefs>
-    <ds:schemaRef ds:uri="http://schemas.microsoft.com/VisualStudio/2011/storyboarding/control"/>
-  </ds:schemaRefs>
-</ds:datastoreItem>
-</file>
-
-<file path=customXml/itemProps54.xml><?xml version="1.0" encoding="utf-8"?>
-<ds:datastoreItem xmlns:ds="http://schemas.openxmlformats.org/officeDocument/2006/customXml" ds:itemID="{42D603BF-B513-4201-A599-21BA0F4FFC40}">
-  <ds:schemaRefs>
-    <ds:schemaRef ds:uri="http://schemas.microsoft.com/VisualStudio/2011/storyboarding/control"/>
-  </ds:schemaRefs>
-</ds:datastoreItem>
-</file>
-
-<file path=customXml/itemProps55.xml><?xml version="1.0" encoding="utf-8"?>
-<ds:datastoreItem xmlns:ds="http://schemas.openxmlformats.org/officeDocument/2006/customXml" ds:itemID="{9360AFB9-8F99-4E1B-878D-F2EBABEB164C}">
-  <ds:schemaRefs>
-    <ds:schemaRef ds:uri="http://schemas.microsoft.com/sharepoint/v3/contenttype/forms"/>
-  </ds:schemaRefs>
-</ds:datastoreItem>
-</file>
-
-<file path=customXml/itemProps56.xml><?xml version="1.0" encoding="utf-8"?>
-<ds:datastoreItem xmlns:ds="http://schemas.openxmlformats.org/officeDocument/2006/customXml" ds:itemID="{D6FEE829-2115-45B4-8110-670FD454542B}">
-  <ds:schemaRefs>
-    <ds:schemaRef ds:uri="http://schemas.microsoft.com/VisualStudio/2011/storyboarding/control"/>
-  </ds:schemaRefs>
-</ds:datastoreItem>
-</file>
-
-<file path=customXml/itemProps57.xml><?xml version="1.0" encoding="utf-8"?>
-<ds:datastoreItem xmlns:ds="http://schemas.openxmlformats.org/officeDocument/2006/customXml" ds:itemID="{0282FB20-2D4C-459D-8468-77D1D3C6925D}">
-  <ds:schemaRefs>
-    <ds:schemaRef ds:uri="http://schemas.microsoft.com/VisualStudio/2011/storyboarding/control"/>
-  </ds:schemaRefs>
-</ds:datastoreItem>
-</file>
-
-<file path=customXml/itemProps6.xml><?xml version="1.0" encoding="utf-8"?>
-<ds:datastoreItem xmlns:ds="http://schemas.openxmlformats.org/officeDocument/2006/customXml" ds:itemID="{D4B5F268-5930-44CD-BDF1-D0A04D4BBC1C}">
-  <ds:schemaRefs>
-    <ds:schemaRef ds:uri="http://schemas.microsoft.com/VisualStudio/2011/storyboarding/control"/>
-  </ds:schemaRefs>
-</ds:datastoreItem>
-</file>
-
-<file path=customXml/itemProps7.xml><?xml version="1.0" encoding="utf-8"?>
-<ds:datastoreItem xmlns:ds="http://schemas.openxmlformats.org/officeDocument/2006/customXml" ds:itemID="{E692D73E-1478-4790-BEEC-C5C534998F40}">
-  <ds:schemaRefs>
-    <ds:schemaRef ds:uri="http://schemas.microsoft.com/office/2006/metadata/properties"/>
-    <ds:schemaRef ds:uri="http://schemas.microsoft.com/office/infopath/2007/PartnerControls"/>
-    <ds:schemaRef ds:uri="83cd2334-221a-48c3-9034-bfd1542dfe28"/>
-  </ds:schemaRefs>
-</ds:datastoreItem>
-</file>
-
-<file path=customXml/itemProps8.xml><?xml version="1.0" encoding="utf-8"?>
 <ds:datastoreItem xmlns:ds="http://schemas.openxmlformats.org/officeDocument/2006/customXml" ds:itemID="{11F98F69-7518-4AE2-AE7B-E037DC9DDC97}">
   <ds:schemaRefs>
     <ds:schemaRef ds:uri="http://schemas.microsoft.com/office/2006/metadata/contentType"/>
@@ -47869,10 +49941,224 @@
 </ds:datastoreItem>
 </file>
 
-<file path=customXml/itemProps9.xml><?xml version="1.0" encoding="utf-8"?>
-<ds:datastoreItem xmlns:ds="http://schemas.openxmlformats.org/officeDocument/2006/customXml" ds:itemID="{3C954CC5-1CAC-4EC3-9791-8630483065B9}">
+<file path=customXml/itemProps38.xml><?xml version="1.0" encoding="utf-8"?>
+<ds:datastoreItem xmlns:ds="http://schemas.openxmlformats.org/officeDocument/2006/customXml" ds:itemID="{E5517D1D-A0F7-4038-99B1-CB797994AD5E}">
+  <ds:schemaRefs>
+    <ds:schemaRef ds:uri="http://schemas.microsoft.com/office/2006/metadata/properties"/>
+    <ds:schemaRef ds:uri="http://schemas.microsoft.com/office/infopath/2007/PartnerControls"/>
+    <ds:schemaRef ds:uri="83cd2334-221a-48c3-9034-bfd1542dfe28"/>
+  </ds:schemaRefs>
+</ds:datastoreItem>
+</file>
+
+<file path=customXml/itemProps39.xml><?xml version="1.0" encoding="utf-8"?>
+<ds:datastoreItem xmlns:ds="http://schemas.openxmlformats.org/officeDocument/2006/customXml" ds:itemID="{46A26515-AC12-45CE-B5C2-487B64D484BF}">
+  <ds:schemaRefs>
+    <ds:schemaRef ds:uri="http://schemas.microsoft.com/office/2006/metadata/properties"/>
+    <ds:schemaRef ds:uri="http://schemas.microsoft.com/office/infopath/2007/PartnerControls"/>
+    <ds:schemaRef ds:uri="83cd2334-221a-48c3-9034-bfd1542dfe28"/>
+  </ds:schemaRefs>
+</ds:datastoreItem>
+</file>
+
+<file path=customXml/itemProps4.xml><?xml version="1.0" encoding="utf-8"?>
+<ds:datastoreItem xmlns:ds="http://schemas.openxmlformats.org/officeDocument/2006/customXml" ds:itemID="{E692D73E-1478-4790-BEEC-C5C534998F40}">
+  <ds:schemaRefs>
+    <ds:schemaRef ds:uri="http://schemas.microsoft.com/office/2006/metadata/properties"/>
+    <ds:schemaRef ds:uri="http://schemas.microsoft.com/office/infopath/2007/PartnerControls"/>
+    <ds:schemaRef ds:uri="83cd2334-221a-48c3-9034-bfd1542dfe28"/>
+  </ds:schemaRefs>
+</ds:datastoreItem>
+</file>
+
+<file path=customXml/itemProps40.xml><?xml version="1.0" encoding="utf-8"?>
+<ds:datastoreItem xmlns:ds="http://schemas.openxmlformats.org/officeDocument/2006/customXml" ds:itemID="{08C4EE12-DF69-4FFC-9E40-C7991F3490A6}">
   <ds:schemaRefs>
     <ds:schemaRef ds:uri="http://schemas.microsoft.com/VisualStudio/2011/storyboarding/control"/>
   </ds:schemaRefs>
 </ds:datastoreItem>
+</file>
+
+<file path=customXml/itemProps41.xml><?xml version="1.0" encoding="utf-8"?>
+<ds:datastoreItem xmlns:ds="http://schemas.openxmlformats.org/officeDocument/2006/customXml" ds:itemID="{21F6B647-976A-41D0-B760-9DF9DFC6AE3C}">
+  <ds:schemaRefs>
+    <ds:schemaRef ds:uri="http://schemas.microsoft.com/VisualStudio/2011/storyboarding/control"/>
+  </ds:schemaRefs>
+</ds:datastoreItem>
+</file>
+
+<file path=customXml/itemProps42.xml><?xml version="1.0" encoding="utf-8"?>
+<ds:datastoreItem xmlns:ds="http://schemas.openxmlformats.org/officeDocument/2006/customXml" ds:itemID="{4E805D65-1532-4BB0-8F41-8013167C0009}">
+  <ds:schemaRefs>
+    <ds:schemaRef ds:uri="http://schemas.microsoft.com/VisualStudio/2011/storyboarding/control"/>
+  </ds:schemaRefs>
+</ds:datastoreItem>
+</file>
+
+<file path=customXml/itemProps43.xml><?xml version="1.0" encoding="utf-8"?>
+<ds:datastoreItem xmlns:ds="http://schemas.openxmlformats.org/officeDocument/2006/customXml" ds:itemID="{ED350DFE-2319-4AB0-BC96-1D36D125365A}">
+  <ds:schemaRefs>
+    <ds:schemaRef ds:uri="http://schemas.microsoft.com/VisualStudio/2011/storyboarding/control"/>
+  </ds:schemaRefs>
+</ds:datastoreItem>
+</file>
+
+<file path=customXml/itemProps44.xml><?xml version="1.0" encoding="utf-8"?>
+<ds:datastoreItem xmlns:ds="http://schemas.openxmlformats.org/officeDocument/2006/customXml" ds:itemID="{71AE1ABA-EE71-4D7C-AE19-D2A04FC317D0}">
+  <ds:schemaRefs>
+    <ds:schemaRef ds:uri="http://schemas.microsoft.com/sharepoint/v3/contenttype/forms"/>
+  </ds:schemaRefs>
+</ds:datastoreItem>
+</file>
+
+<file path=customXml/itemProps45.xml><?xml version="1.0" encoding="utf-8"?>
+<ds:datastoreItem xmlns:ds="http://schemas.openxmlformats.org/officeDocument/2006/customXml" ds:itemID="{1C76383C-FD09-474B-94B3-126FB1A7D094}">
+  <ds:schemaRefs>
+    <ds:schemaRef ds:uri="http://schemas.microsoft.com/office/2006/metadata/properties"/>
+    <ds:schemaRef ds:uri="http://schemas.microsoft.com/office/infopath/2007/PartnerControls"/>
+    <ds:schemaRef ds:uri="83cd2334-221a-48c3-9034-bfd1542dfe28"/>
+  </ds:schemaRefs>
+</ds:datastoreItem>
+</file>
+
+<file path=customXml/itemProps46.xml><?xml version="1.0" encoding="utf-8"?>
+<ds:datastoreItem xmlns:ds="http://schemas.openxmlformats.org/officeDocument/2006/customXml" ds:itemID="{8E7D1C6F-2F1C-4FF7-8E81-B00199180E81}">
+  <ds:schemaRefs>
+    <ds:schemaRef ds:uri="http://schemas.microsoft.com/sharepoint/v3/contenttype/forms"/>
+  </ds:schemaRefs>
+</ds:datastoreItem>
+</file>
+
+<file path=customXml/itemProps47.xml><?xml version="1.0" encoding="utf-8"?>
+<ds:datastoreItem xmlns:ds="http://schemas.openxmlformats.org/officeDocument/2006/customXml" ds:itemID="{F68D8396-E21C-4AFF-8FDD-70D00673D0EE}">
+  <ds:schemaRefs>
+    <ds:schemaRef ds:uri="http://schemas.microsoft.com/VisualStudio/2011/storyboarding/control"/>
+  </ds:schemaRefs>
+</ds:datastoreItem>
+</file>
+
+<file path=customXml/itemProps48.xml><?xml version="1.0" encoding="utf-8"?>
+<ds:datastoreItem xmlns:ds="http://schemas.openxmlformats.org/officeDocument/2006/customXml" ds:itemID="{42D603BF-B513-4201-A599-21BA0F4FFC40}">
+  <ds:schemaRefs>
+    <ds:schemaRef ds:uri="http://schemas.microsoft.com/VisualStudio/2011/storyboarding/control"/>
+  </ds:schemaRefs>
+</ds:datastoreItem>
+</file>
+
+<file path=customXml/itemProps49.xml><?xml version="1.0" encoding="utf-8"?>
+<ds:datastoreItem xmlns:ds="http://schemas.openxmlformats.org/officeDocument/2006/customXml" ds:itemID="{1B69B6B1-FB2A-4C02-95B6-C12A54DCD27B}">
+  <ds:schemaRefs>
+    <ds:schemaRef ds:uri="http://schemas.microsoft.com/office/2006/metadata/properties"/>
+    <ds:schemaRef ds:uri="http://schemas.microsoft.com/office/infopath/2007/PartnerControls"/>
+    <ds:schemaRef ds:uri="83cd2334-221a-48c3-9034-bfd1542dfe28"/>
+  </ds:schemaRefs>
+</ds:datastoreItem>
+</file>
+
+<file path=customXml/itemProps5.xml><?xml version="1.0" encoding="utf-8"?>
+<ds:datastoreItem xmlns:ds="http://schemas.openxmlformats.org/officeDocument/2006/customXml" ds:itemID="{8893E80D-6D0C-4E0F-AA22-E5615BB87E5B}">
+  <ds:schemaRefs>
+    <ds:schemaRef ds:uri="http://schemas.microsoft.com/VisualStudio/2011/storyboarding/control"/>
+  </ds:schemaRefs>
+</ds:datastoreItem>
+</file>
+
+<file path=customXml/itemProps50.xml><?xml version="1.0" encoding="utf-8"?>
+<ds:datastoreItem xmlns:ds="http://schemas.openxmlformats.org/officeDocument/2006/customXml" ds:itemID="{D4B5F268-5930-44CD-BDF1-D0A04D4BBC1C}">
+  <ds:schemaRefs>
+    <ds:schemaRef ds:uri="http://schemas.microsoft.com/VisualStudio/2011/storyboarding/control"/>
+  </ds:schemaRefs>
+</ds:datastoreItem>
+</file>
+
+<file path=customXml/itemProps51.xml><?xml version="1.0" encoding="utf-8"?>
+<ds:datastoreItem xmlns:ds="http://schemas.openxmlformats.org/officeDocument/2006/customXml" ds:itemID="{B18102BA-C10B-41D1-8610-3D321D638DD2}">
+  <ds:schemaRefs>
+    <ds:schemaRef ds:uri="http://schemas.microsoft.com/office/2006/metadata/properties"/>
+    <ds:schemaRef ds:uri="http://schemas.microsoft.com/office/infopath/2007/PartnerControls"/>
+    <ds:schemaRef ds:uri="83cd2334-221a-48c3-9034-bfd1542dfe28"/>
+  </ds:schemaRefs>
+</ds:datastoreItem>
+</file>
+
+<file path=customXml/itemProps52.xml><?xml version="1.0" encoding="utf-8"?>
+<ds:datastoreItem xmlns:ds="http://schemas.openxmlformats.org/officeDocument/2006/customXml" ds:itemID="{1EF25EC2-965B-4491-9691-6B806C9E3B8B}">
+  <ds:schemaRefs>
+    <ds:schemaRef ds:uri="http://schemas.microsoft.com/sharepoint/v3/contenttype/forms"/>
+  </ds:schemaRefs>
+</ds:datastoreItem>
+</file>
+
+<file path=customXml/itemProps53.xml><?xml version="1.0" encoding="utf-8"?>
+<ds:datastoreItem xmlns:ds="http://schemas.openxmlformats.org/officeDocument/2006/customXml" ds:itemID="{4B16F4FE-7C26-4443-B426-81998D23ED87}">
+  <ds:schemaRefs>
+    <ds:schemaRef ds:uri="http://schemas.microsoft.com/VisualStudio/2011/storyboarding/control"/>
+  </ds:schemaRefs>
+</ds:datastoreItem>
+</file>
+
+<file path=customXml/itemProps54.xml><?xml version="1.0" encoding="utf-8"?>
+<ds:datastoreItem xmlns:ds="http://schemas.openxmlformats.org/officeDocument/2006/customXml" ds:itemID="{EE8BC9EC-1D07-4DEF-A123-A09345AC6302}">
+  <ds:schemaRefs>
+    <ds:schemaRef ds:uri="http://schemas.microsoft.com/sharepoint/v3/contenttype/forms"/>
+  </ds:schemaRefs>
+</ds:datastoreItem>
+</file>
+
+<file path=customXml/itemProps55.xml><?xml version="1.0" encoding="utf-8"?>
+<ds:datastoreItem xmlns:ds="http://schemas.openxmlformats.org/officeDocument/2006/customXml" ds:itemID="{CA892322-6599-4C5A-B402-BE6DBAED9B8E}">
+  <ds:schemaRefs>
+    <ds:schemaRef ds:uri="http://schemas.microsoft.com/office/2006/metadata/properties"/>
+    <ds:schemaRef ds:uri="http://schemas.microsoft.com/office/infopath/2007/PartnerControls"/>
+    <ds:schemaRef ds:uri="83cd2334-221a-48c3-9034-bfd1542dfe28"/>
+  </ds:schemaRefs>
+</ds:datastoreItem>
+</file>
+
+<file path=customXml/itemProps56.xml><?xml version="1.0" encoding="utf-8"?>
+<ds:datastoreItem xmlns:ds="http://schemas.openxmlformats.org/officeDocument/2006/customXml" ds:itemID="{366CA990-F93D-4100-9654-65D9E30F4E1C}">
+  <ds:schemaRefs>
+    <ds:schemaRef ds:uri="http://schemas.microsoft.com/VisualStudio/2011/storyboarding/control"/>
+  </ds:schemaRefs>
+</ds:datastoreItem>
+</file>
+
+<file path=customXml/itemProps57.xml><?xml version="1.0" encoding="utf-8"?>
+<ds:datastoreItem xmlns:ds="http://schemas.openxmlformats.org/officeDocument/2006/customXml" ds:itemID="{4E8278DB-3CDD-48A7-992E-A7596AD335B9}">
+  <ds:schemaRefs>
+    <ds:schemaRef ds:uri="http://schemas.microsoft.com/VisualStudio/2011/storyboarding/control"/>
+  </ds:schemaRefs>
+</ds:datastoreItem>
+</file>
+
+<file path=customXml/itemProps6.xml><?xml version="1.0" encoding="utf-8"?>
+<ds:datastoreItem xmlns:ds="http://schemas.openxmlformats.org/officeDocument/2006/customXml" ds:itemID="{8257D6BC-B71E-4D95-81E4-A1D4A8174168}">
+  <ds:schemaRefs>
+    <ds:schemaRef ds:uri="http://schemas.microsoft.com/VisualStudio/2011/storyboarding/control"/>
+  </ds:schemaRefs>
+</ds:datastoreItem>
+</file>
+
+<file path=customXml/itemProps7.xml><?xml version="1.0" encoding="utf-8"?>
+<ds:datastoreItem xmlns:ds="http://schemas.openxmlformats.org/officeDocument/2006/customXml" ds:itemID="{4C1B3C27-4803-4D72-A3F8-6668A3F0A24B}">
+  <ds:schemaRefs>
+    <ds:schemaRef ds:uri="http://schemas.microsoft.com/VisualStudio/2011/storyboarding/control"/>
+  </ds:schemaRefs>
+</ds:datastoreItem>
+</file>
+
+<file path=customXml/itemProps8.xml><?xml version="1.0" encoding="utf-8"?>
+<ds:datastoreItem xmlns:ds="http://schemas.openxmlformats.org/officeDocument/2006/customXml" ds:itemID="{758FDAC0-319D-4A54-8D8E-1D42CB1F8004}">
+  <ds:schemaRefs>
+    <ds:schemaRef ds:uri="http://schemas.microsoft.com/sharepoint/v3/contenttype/forms"/>
+  </ds:schemaRefs>
+</ds:datastoreItem>
+</file>
+
+<file path=customXml/itemProps9.xml><?xml version="1.0" encoding="utf-8"?>
+<ds:datastoreItem xmlns:ds="http://schemas.openxmlformats.org/officeDocument/2006/customXml" ds:itemID="{470353D1-3545-4BE2-A17C-548BF46AD9BC}">
+  <ds:schemaRefs>
+    <ds:schemaRef ds:uri="http://schemas.microsoft.com/sharepoint/v3/contenttype/forms"/>
+  </ds:schemaRefs>
+</ds:datastoreItem>
 </file>
--- a/Slides/17 - JSON.pptx
+++ b/Slides/17 - JSON.pptx
@@ -5,10 +5,10 @@
     <p:sldMasterId id="2147484082" r:id="rId58"/>
   </p:sldMasterIdLst>
   <p:notesMasterIdLst>
-    <p:notesMasterId r:id="rId71"/>
+    <p:notesMasterId r:id="rId73"/>
   </p:notesMasterIdLst>
   <p:handoutMasterIdLst>
-    <p:handoutMasterId r:id="rId72"/>
+    <p:handoutMasterId r:id="rId74"/>
   </p:handoutMasterIdLst>
   <p:sldIdLst>
     <p:sldId id="283" r:id="rId59"/>
@@ -19,10 +19,12 @@
     <p:sldId id="318" r:id="rId64"/>
     <p:sldId id="319" r:id="rId65"/>
     <p:sldId id="320" r:id="rId66"/>
-    <p:sldId id="321" r:id="rId67"/>
-    <p:sldId id="322" r:id="rId68"/>
-    <p:sldId id="323" r:id="rId69"/>
-    <p:sldId id="257" r:id="rId70"/>
+    <p:sldId id="324" r:id="rId67"/>
+    <p:sldId id="321" r:id="rId68"/>
+    <p:sldId id="322" r:id="rId69"/>
+    <p:sldId id="323" r:id="rId70"/>
+    <p:sldId id="325" r:id="rId71"/>
+    <p:sldId id="257" r:id="rId72"/>
   </p:sldIdLst>
   <p:sldSz cx="12436475" cy="6994525"/>
   <p:notesSz cx="6858000" cy="9144000"/>
@@ -134,9 +136,11 @@
             <p14:sldId id="318"/>
             <p14:sldId id="319"/>
             <p14:sldId id="320"/>
+            <p14:sldId id="324"/>
             <p14:sldId id="321"/>
             <p14:sldId id="322"/>
             <p14:sldId id="323"/>
+            <p14:sldId id="325"/>
             <p14:sldId id="257"/>
           </p14:sldIdLst>
         </p14:section>
@@ -1219,61 +1223,6 @@
     </pc:docChg>
   </pc:docChgLst>
   <pc:docChgLst>
-    <pc:chgData name="susan ibach" userId="11074aa641b35c68" providerId="LiveId" clId="{8C4834CC-AAFC-417A-9869-4271BFA334C2}"/>
-    <pc:docChg chg="undo custSel addSld delSld modSld sldOrd modSection">
-      <pc:chgData name="susan ibach" userId="11074aa641b35c68" providerId="LiveId" clId="{8C4834CC-AAFC-417A-9869-4271BFA334C2}" dt="2019-05-31T21:13:56.235" v="1492" actId="13926"/>
-      <pc:docMkLst>
-        <pc:docMk/>
-      </pc:docMkLst>
-      <pc:sldChg chg="modSp">
-        <pc:chgData name="susan ibach" userId="11074aa641b35c68" providerId="LiveId" clId="{8C4834CC-AAFC-417A-9869-4271BFA334C2}" dt="2019-05-31T21:09:26.273" v="1470" actId="20577"/>
-        <pc:sldMkLst>
-          <pc:docMk/>
-          <pc:sldMk cId="1842309144" sldId="283"/>
-        </pc:sldMkLst>
-        <pc:spChg chg="mod">
-          <ac:chgData name="susan ibach" userId="11074aa641b35c68" providerId="LiveId" clId="{8C4834CC-AAFC-417A-9869-4271BFA334C2}" dt="2019-05-31T21:09:26.273" v="1470" actId="20577"/>
-          <ac:spMkLst>
-            <pc:docMk/>
-            <pc:sldMk cId="1842309144" sldId="283"/>
-            <ac:spMk id="9" creationId="{00000000-0000-0000-0000-000000000000}"/>
-          </ac:spMkLst>
-        </pc:spChg>
-      </pc:sldChg>
-      <pc:sldChg chg="modSp">
-        <pc:chgData name="susan ibach" userId="11074aa641b35c68" providerId="LiveId" clId="{8C4834CC-AAFC-417A-9869-4271BFA334C2}" dt="2019-05-31T21:10:19.942" v="1486" actId="20577"/>
-        <pc:sldMkLst>
-          <pc:docMk/>
-          <pc:sldMk cId="4004018897" sldId="298"/>
-        </pc:sldMkLst>
-        <pc:spChg chg="mod">
-          <ac:chgData name="susan ibach" userId="11074aa641b35c68" providerId="LiveId" clId="{8C4834CC-AAFC-417A-9869-4271BFA334C2}" dt="2019-05-31T20:53:43.222" v="1138" actId="20577"/>
-          <ac:spMkLst>
-            <pc:docMk/>
-            <pc:sldMk cId="4004018897" sldId="298"/>
-            <ac:spMk id="4" creationId="{00000000-0000-0000-0000-000000000000}"/>
-          </ac:spMkLst>
-        </pc:spChg>
-        <pc:spChg chg="mod">
-          <ac:chgData name="susan ibach" userId="11074aa641b35c68" providerId="LiveId" clId="{8C4834CC-AAFC-417A-9869-4271BFA334C2}" dt="2019-05-31T20:52:56.533" v="1121" actId="20577"/>
-          <ac:spMkLst>
-            <pc:docMk/>
-            <pc:sldMk cId="4004018897" sldId="298"/>
-            <ac:spMk id="5" creationId="{00000000-0000-0000-0000-000000000000}"/>
-          </ac:spMkLst>
-        </pc:spChg>
-        <pc:spChg chg="mod">
-          <ac:chgData name="susan ibach" userId="11074aa641b35c68" providerId="LiveId" clId="{8C4834CC-AAFC-417A-9869-4271BFA334C2}" dt="2019-05-31T21:10:19.942" v="1486" actId="20577"/>
-          <ac:spMkLst>
-            <pc:docMk/>
-            <pc:sldMk cId="4004018897" sldId="298"/>
-            <ac:spMk id="6" creationId="{4F4D9F13-C119-40D2-9B3B-8DCD9D0EA709}"/>
-          </ac:spMkLst>
-        </pc:spChg>
-      </pc:sldChg>
-    </pc:docChg>
-  </pc:docChgLst>
-  <pc:docChgLst>
     <pc:chgData name="susan ibach" userId="11074aa641b35c68" providerId="LiveId" clId="{1F796490-8BA8-4970-BD2C-6F664B793745}"/>
     <pc:docChg chg="undo custSel addSld delSld modSld sldOrd modSection">
       <pc:chgData name="susan ibach" userId="11074aa641b35c68" providerId="LiveId" clId="{1F796490-8BA8-4970-BD2C-6F664B793745}" dt="2019-06-09T18:45:09.141" v="2256" actId="14100"/>
@@ -1809,6 +1758,61 @@
       </pc:sldChg>
     </pc:docChg>
   </pc:docChgLst>
+  <pc:docChgLst>
+    <pc:chgData name="susan ibach" userId="11074aa641b35c68" providerId="LiveId" clId="{8C4834CC-AAFC-417A-9869-4271BFA334C2}"/>
+    <pc:docChg chg="undo custSel addSld delSld modSld sldOrd modSection">
+      <pc:chgData name="susan ibach" userId="11074aa641b35c68" providerId="LiveId" clId="{8C4834CC-AAFC-417A-9869-4271BFA334C2}" dt="2019-05-31T21:13:56.235" v="1492" actId="13926"/>
+      <pc:docMkLst>
+        <pc:docMk/>
+      </pc:docMkLst>
+      <pc:sldChg chg="modSp">
+        <pc:chgData name="susan ibach" userId="11074aa641b35c68" providerId="LiveId" clId="{8C4834CC-AAFC-417A-9869-4271BFA334C2}" dt="2019-05-31T21:09:26.273" v="1470" actId="20577"/>
+        <pc:sldMkLst>
+          <pc:docMk/>
+          <pc:sldMk cId="1842309144" sldId="283"/>
+        </pc:sldMkLst>
+        <pc:spChg chg="mod">
+          <ac:chgData name="susan ibach" userId="11074aa641b35c68" providerId="LiveId" clId="{8C4834CC-AAFC-417A-9869-4271BFA334C2}" dt="2019-05-31T21:09:26.273" v="1470" actId="20577"/>
+          <ac:spMkLst>
+            <pc:docMk/>
+            <pc:sldMk cId="1842309144" sldId="283"/>
+            <ac:spMk id="9" creationId="{00000000-0000-0000-0000-000000000000}"/>
+          </ac:spMkLst>
+        </pc:spChg>
+      </pc:sldChg>
+      <pc:sldChg chg="modSp">
+        <pc:chgData name="susan ibach" userId="11074aa641b35c68" providerId="LiveId" clId="{8C4834CC-AAFC-417A-9869-4271BFA334C2}" dt="2019-05-31T21:10:19.942" v="1486" actId="20577"/>
+        <pc:sldMkLst>
+          <pc:docMk/>
+          <pc:sldMk cId="4004018897" sldId="298"/>
+        </pc:sldMkLst>
+        <pc:spChg chg="mod">
+          <ac:chgData name="susan ibach" userId="11074aa641b35c68" providerId="LiveId" clId="{8C4834CC-AAFC-417A-9869-4271BFA334C2}" dt="2019-05-31T20:53:43.222" v="1138" actId="20577"/>
+          <ac:spMkLst>
+            <pc:docMk/>
+            <pc:sldMk cId="4004018897" sldId="298"/>
+            <ac:spMk id="4" creationId="{00000000-0000-0000-0000-000000000000}"/>
+          </ac:spMkLst>
+        </pc:spChg>
+        <pc:spChg chg="mod">
+          <ac:chgData name="susan ibach" userId="11074aa641b35c68" providerId="LiveId" clId="{8C4834CC-AAFC-417A-9869-4271BFA334C2}" dt="2019-05-31T20:52:56.533" v="1121" actId="20577"/>
+          <ac:spMkLst>
+            <pc:docMk/>
+            <pc:sldMk cId="4004018897" sldId="298"/>
+            <ac:spMk id="5" creationId="{00000000-0000-0000-0000-000000000000}"/>
+          </ac:spMkLst>
+        </pc:spChg>
+        <pc:spChg chg="mod">
+          <ac:chgData name="susan ibach" userId="11074aa641b35c68" providerId="LiveId" clId="{8C4834CC-AAFC-417A-9869-4271BFA334C2}" dt="2019-05-31T21:10:19.942" v="1486" actId="20577"/>
+          <ac:spMkLst>
+            <pc:docMk/>
+            <pc:sldMk cId="4004018897" sldId="298"/>
+            <ac:spMk id="6" creationId="{4F4D9F13-C119-40D2-9B3B-8DCD9D0EA709}"/>
+          </ac:spMkLst>
+        </pc:spChg>
+      </pc:sldChg>
+    </pc:docChg>
+  </pc:docChgLst>
 </pc:chgInfo>
 </file>
 
@@ -1898,7 +1902,7 @@
               <a:rPr lang="en-US" smtClean="0">
                 <a:latin typeface="Segoe UI" pitchFamily="34" charset="0"/>
               </a:rPr>
-              <a:t>6/10/2019 7:19 PM</a:t>
+              <a:t>6/11/2019 11:25 AM</a:t>
             </a:fld>
             <a:endParaRPr lang="en-US" dirty="0">
               <a:latin typeface="Segoe UI" pitchFamily="34" charset="0"/>
@@ -2176,7 +2180,7 @@
           <a:p>
             <a:fld id="{38EEC551-8CDA-4EB6-89BB-2A86C9F091C8}" type="datetime8">
               <a:rPr lang="en-US" smtClean="0"/>
-              <a:t>6/10/2019 7:19 PM</a:t>
+              <a:t>6/11/2019 11:24 AM</a:t>
             </a:fld>
             <a:endParaRPr lang="en-US" dirty="0"/>
           </a:p>
@@ -2510,7 +2514,7 @@
           <a:p>
             <a:fld id="{6108602D-D426-4C00-B215-BFA18C076426}" type="datetime8">
               <a:rPr lang="en-US" smtClean="0"/>
-              <a:t>6/10/2019 7:19 PM</a:t>
+              <a:t>6/11/2019 11:24 AM</a:t>
             </a:fld>
             <a:endParaRPr lang="en-US" dirty="0"/>
           </a:p>
@@ -2652,7 +2656,7 @@
             <a:fld id="{B4008EB6-D09E-4580-8CD6-DDB14511944F}" type="slidenum">
               <a:rPr lang="en-US" smtClean="0"/>
               <a:pPr/>
-              <a:t>11</a:t>
+              <a:t>12</a:t>
             </a:fld>
             <a:endParaRPr lang="en-US" dirty="0"/>
           </a:p>
@@ -2675,7 +2679,7 @@
           <a:p>
             <a:fld id="{6108602D-D426-4C00-B215-BFA18C076426}" type="datetime8">
               <a:rPr lang="en-US" smtClean="0"/>
-              <a:t>6/10/2019 8:01 PM</a:t>
+              <a:t>6/11/2019 11:24 AM</a:t>
             </a:fld>
             <a:endParaRPr lang="en-US" dirty="0"/>
           </a:p>
@@ -2840,7 +2844,7 @@
           <a:p>
             <a:fld id="{6108602D-D426-4C00-B215-BFA18C076426}" type="datetime8">
               <a:rPr lang="en-US" smtClean="0"/>
-              <a:t>6/10/2019 7:19 PM</a:t>
+              <a:t>6/11/2019 11:24 AM</a:t>
             </a:fld>
             <a:endParaRPr lang="en-US" dirty="0"/>
           </a:p>
@@ -3005,7 +3009,7 @@
           <a:p>
             <a:fld id="{6108602D-D426-4C00-B215-BFA18C076426}" type="datetime8">
               <a:rPr lang="en-US" smtClean="0"/>
-              <a:t>6/10/2019 7:19 PM</a:t>
+              <a:t>6/11/2019 11:24 AM</a:t>
             </a:fld>
             <a:endParaRPr lang="en-US" dirty="0"/>
           </a:p>
@@ -3170,7 +3174,7 @@
           <a:p>
             <a:fld id="{6108602D-D426-4C00-B215-BFA18C076426}" type="datetime8">
               <a:rPr lang="en-US" smtClean="0"/>
-              <a:t>6/10/2019 7:19 PM</a:t>
+              <a:t>6/11/2019 11:24 AM</a:t>
             </a:fld>
             <a:endParaRPr lang="en-US" dirty="0"/>
           </a:p>
@@ -3335,7 +3339,7 @@
           <a:p>
             <a:fld id="{6108602D-D426-4C00-B215-BFA18C076426}" type="datetime8">
               <a:rPr lang="en-US" smtClean="0"/>
-              <a:t>6/10/2019 7:19 PM</a:t>
+              <a:t>6/11/2019 11:24 AM</a:t>
             </a:fld>
             <a:endParaRPr lang="en-US" dirty="0"/>
           </a:p>
@@ -3500,7 +3504,7 @@
           <a:p>
             <a:fld id="{6108602D-D426-4C00-B215-BFA18C076426}" type="datetime8">
               <a:rPr lang="en-US" smtClean="0"/>
-              <a:t>6/10/2019 7:19 PM</a:t>
+              <a:t>6/11/2019 11:24 AM</a:t>
             </a:fld>
             <a:endParaRPr lang="en-US" dirty="0"/>
           </a:p>
@@ -3665,7 +3669,7 @@
           <a:p>
             <a:fld id="{6108602D-D426-4C00-B215-BFA18C076426}" type="datetime8">
               <a:rPr lang="en-US" smtClean="0"/>
-              <a:t>6/10/2019 7:19 PM</a:t>
+              <a:t>6/11/2019 11:24 AM</a:t>
             </a:fld>
             <a:endParaRPr lang="en-US" dirty="0"/>
           </a:p>
@@ -3807,7 +3811,7 @@
             <a:fld id="{B4008EB6-D09E-4580-8CD6-DDB14511944F}" type="slidenum">
               <a:rPr lang="en-US" smtClean="0"/>
               <a:pPr/>
-              <a:t>9</a:t>
+              <a:t>10</a:t>
             </a:fld>
             <a:endParaRPr lang="en-US" dirty="0"/>
           </a:p>
@@ -3830,7 +3834,7 @@
           <a:p>
             <a:fld id="{6108602D-D426-4C00-B215-BFA18C076426}" type="datetime8">
               <a:rPr lang="en-US" smtClean="0"/>
-              <a:t>6/10/2019 7:59 PM</a:t>
+              <a:t>6/11/2019 11:24 AM</a:t>
             </a:fld>
             <a:endParaRPr lang="en-US" dirty="0"/>
           </a:p>
@@ -3972,7 +3976,7 @@
             <a:fld id="{B4008EB6-D09E-4580-8CD6-DDB14511944F}" type="slidenum">
               <a:rPr lang="en-US" smtClean="0"/>
               <a:pPr/>
-              <a:t>10</a:t>
+              <a:t>11</a:t>
             </a:fld>
             <a:endParaRPr lang="en-US" dirty="0"/>
           </a:p>
@@ -3995,7 +3999,7 @@
           <a:p>
             <a:fld id="{6108602D-D426-4C00-B215-BFA18C076426}" type="datetime8">
               <a:rPr lang="en-US" smtClean="0"/>
-              <a:t>6/10/2019 8:09 PM</a:t>
+              <a:t>6/11/2019 11:24 AM</a:t>
             </a:fld>
             <a:endParaRPr lang="en-US" dirty="0"/>
           </a:p>
@@ -42363,16 +42367,24 @@
           <a:lstStyle/>
           <a:p>
             <a:r>
-              <a:rPr lang="en-US" sz="4000" b="1" dirty="0"/>
-              <a:t>Nest </a:t>
-            </a:r>
-            <a:r>
-              <a:rPr lang="en-US" sz="4000" b="1" dirty="0" err="1"/>
-              <a:t>dictonaries</a:t>
-            </a:r>
-            <a:r>
-              <a:rPr lang="en-US" sz="4000" b="1" dirty="0"/>
-              <a:t> to create JSON in the format {"key":{"subkey0":"subvalue0","subkey1":"subvalue1",…}</a:t>
+              <a:rPr lang="en-US" b="1" dirty="0"/>
+              <a:t>You can create </a:t>
+            </a:r>
+            <a:r>
+              <a:rPr lang="en-CA" b="1" dirty="0"/>
+              <a:t>"</a:t>
+            </a:r>
+            <a:r>
+              <a:rPr lang="en-CA" b="1" dirty="0" err="1"/>
+              <a:t>key":"value</a:t>
+            </a:r>
+            <a:r>
+              <a:rPr lang="en-CA" b="1" dirty="0"/>
+              <a:t>" </a:t>
+            </a:r>
+            <a:r>
+              <a:rPr lang="en-US" b="1" dirty="0"/>
+              <a:t>JSON objects from a dictionary</a:t>
             </a:r>
             <a:br>
               <a:rPr lang="en-US" b="1" dirty="0"/>
@@ -42395,8 +42407,8 @@
         </p:nvSpPr>
         <p:spPr>
           <a:xfrm>
-            <a:off x="365759" y="5866665"/>
-            <a:ext cx="11704319" cy="830997"/>
+            <a:off x="609918" y="5094137"/>
+            <a:ext cx="11170919" cy="1323439"/>
           </a:xfrm>
           <a:prstGeom prst="rect">
             <a:avLst/>
@@ -42418,8 +42430,18 @@
                 </a:solidFill>
                 <a:latin typeface="Consolas" panose="020B0609020204030204" pitchFamily="49" charset="0"/>
               </a:rPr>
-              <a:t>{"Program Manager": {"first": "Christopher", "last": "Harrison", "City": "Seattle"}}</a:t>
-            </a:r>
+              <a:t>{"first": "Christopher", "last": "Harrison", "City": "Seattle"}</a:t>
+            </a:r>
+          </a:p>
+          <a:p>
+            <a:endParaRPr lang="en-US" sz="2800" dirty="0">
+              <a:solidFill>
+                <a:schemeClr val="bg1"/>
+              </a:solidFill>
+              <a:latin typeface="Consolas" panose="020B0609020204030204" pitchFamily="49" charset="0"/>
+            </a:endParaRPr>
+          </a:p>
+          <a:p>
             <a:endParaRPr lang="en-US" sz="2800" dirty="0">
               <a:solidFill>
                 <a:schemeClr val="bg1"/>
@@ -42446,8 +42468,8 @@
         </p:nvSpPr>
         <p:spPr>
           <a:xfrm>
-            <a:off x="427037" y="1769010"/>
-            <a:ext cx="11704320" cy="4154984"/>
+            <a:off x="655637" y="1821874"/>
+            <a:ext cx="11704320" cy="3046988"/>
           </a:xfrm>
           <a:prstGeom prst="rect">
             <a:avLst/>
@@ -42460,6 +42482,174 @@
           <a:lstStyle/>
           <a:p>
             <a:r>
+              <a:rPr lang="en-CA" sz="2400" dirty="0">
+                <a:solidFill>
+                  <a:schemeClr val="tx2"/>
+                </a:solidFill>
+                <a:latin typeface="Consolas" panose="020B0609020204030204" pitchFamily="49" charset="0"/>
+              </a:rPr>
+              <a:t># Create a dictionary object</a:t>
+            </a:r>
+          </a:p>
+          <a:p>
+            <a:r>
+              <a:rPr lang="en-CA" sz="2400" dirty="0" err="1">
+                <a:solidFill>
+                  <a:srgbClr val="000000"/>
+                </a:solidFill>
+                <a:highlight>
+                  <a:srgbClr val="FFFF00"/>
+                </a:highlight>
+                <a:latin typeface="Consolas" panose="020B0609020204030204" pitchFamily="49" charset="0"/>
+              </a:rPr>
+              <a:t>person_dict</a:t>
+            </a:r>
+            <a:r>
+              <a:rPr lang="en-CA" sz="2400" dirty="0">
+                <a:solidFill>
+                  <a:srgbClr val="000000"/>
+                </a:solidFill>
+                <a:highlight>
+                  <a:srgbClr val="FFFF00"/>
+                </a:highlight>
+                <a:latin typeface="Consolas" panose="020B0609020204030204" pitchFamily="49" charset="0"/>
+              </a:rPr>
+              <a:t> = {</a:t>
+            </a:r>
+            <a:r>
+              <a:rPr lang="en-CA" sz="2400" dirty="0">
+                <a:solidFill>
+                  <a:srgbClr val="A31515"/>
+                </a:solidFill>
+                <a:highlight>
+                  <a:srgbClr val="FFFF00"/>
+                </a:highlight>
+                <a:latin typeface="Consolas" panose="020B0609020204030204" pitchFamily="49" charset="0"/>
+              </a:rPr>
+              <a:t>'first'</a:t>
+            </a:r>
+            <a:r>
+              <a:rPr lang="en-CA" sz="2400" dirty="0">
+                <a:solidFill>
+                  <a:srgbClr val="000000"/>
+                </a:solidFill>
+                <a:highlight>
+                  <a:srgbClr val="FFFF00"/>
+                </a:highlight>
+                <a:latin typeface="Consolas" panose="020B0609020204030204" pitchFamily="49" charset="0"/>
+              </a:rPr>
+              <a:t>: </a:t>
+            </a:r>
+            <a:r>
+              <a:rPr lang="en-CA" sz="2400" dirty="0">
+                <a:solidFill>
+                  <a:srgbClr val="A31515"/>
+                </a:solidFill>
+                <a:highlight>
+                  <a:srgbClr val="FFFF00"/>
+                </a:highlight>
+                <a:latin typeface="Consolas" panose="020B0609020204030204" pitchFamily="49" charset="0"/>
+              </a:rPr>
+              <a:t>'Christopher'</a:t>
+            </a:r>
+            <a:r>
+              <a:rPr lang="en-CA" sz="2400" dirty="0">
+                <a:solidFill>
+                  <a:srgbClr val="000000"/>
+                </a:solidFill>
+                <a:highlight>
+                  <a:srgbClr val="FFFF00"/>
+                </a:highlight>
+                <a:latin typeface="Consolas" panose="020B0609020204030204" pitchFamily="49" charset="0"/>
+              </a:rPr>
+              <a:t>, </a:t>
+            </a:r>
+            <a:r>
+              <a:rPr lang="en-CA" sz="2400" dirty="0">
+                <a:solidFill>
+                  <a:srgbClr val="A31515"/>
+                </a:solidFill>
+                <a:highlight>
+                  <a:srgbClr val="FFFF00"/>
+                </a:highlight>
+                <a:latin typeface="Consolas" panose="020B0609020204030204" pitchFamily="49" charset="0"/>
+              </a:rPr>
+              <a:t>'</a:t>
+            </a:r>
+            <a:r>
+              <a:rPr lang="en-CA" sz="2400" dirty="0" err="1">
+                <a:solidFill>
+                  <a:srgbClr val="A31515"/>
+                </a:solidFill>
+                <a:highlight>
+                  <a:srgbClr val="FFFF00"/>
+                </a:highlight>
+                <a:latin typeface="Consolas" panose="020B0609020204030204" pitchFamily="49" charset="0"/>
+              </a:rPr>
+              <a:t>last'</a:t>
+            </a:r>
+            <a:r>
+              <a:rPr lang="en-CA" sz="2400" dirty="0" err="1">
+                <a:solidFill>
+                  <a:srgbClr val="000000"/>
+                </a:solidFill>
+                <a:highlight>
+                  <a:srgbClr val="FFFF00"/>
+                </a:highlight>
+                <a:latin typeface="Consolas" panose="020B0609020204030204" pitchFamily="49" charset="0"/>
+              </a:rPr>
+              <a:t>:</a:t>
+            </a:r>
+            <a:r>
+              <a:rPr lang="en-CA" sz="2400" dirty="0" err="1">
+                <a:solidFill>
+                  <a:srgbClr val="A31515"/>
+                </a:solidFill>
+                <a:highlight>
+                  <a:srgbClr val="FFFF00"/>
+                </a:highlight>
+                <a:latin typeface="Consolas" panose="020B0609020204030204" pitchFamily="49" charset="0"/>
+              </a:rPr>
+              <a:t>'Harrison</a:t>
+            </a:r>
+            <a:r>
+              <a:rPr lang="en-CA" sz="2400" dirty="0">
+                <a:solidFill>
+                  <a:srgbClr val="A31515"/>
+                </a:solidFill>
+                <a:highlight>
+                  <a:srgbClr val="FFFF00"/>
+                </a:highlight>
+                <a:latin typeface="Consolas" panose="020B0609020204030204" pitchFamily="49" charset="0"/>
+              </a:rPr>
+              <a:t>'</a:t>
+            </a:r>
+            <a:r>
+              <a:rPr lang="en-CA" sz="2400" dirty="0">
+                <a:solidFill>
+                  <a:srgbClr val="000000"/>
+                </a:solidFill>
+                <a:highlight>
+                  <a:srgbClr val="FFFF00"/>
+                </a:highlight>
+                <a:latin typeface="Consolas" panose="020B0609020204030204" pitchFamily="49" charset="0"/>
+              </a:rPr>
+              <a:t>}</a:t>
+            </a:r>
+          </a:p>
+          <a:p>
+            <a:r>
+              <a:rPr lang="en-CA" sz="2400" dirty="0">
+                <a:solidFill>
+                  <a:schemeClr val="tx2"/>
+                </a:solidFill>
+                <a:latin typeface="Consolas" panose="020B0609020204030204" pitchFamily="49" charset="0"/>
+              </a:rPr>
+              <a:t># Add additional key pairs as needed to dictionary</a:t>
+            </a:r>
+          </a:p>
+          <a:p>
+            <a:r>
               <a:rPr lang="en-CA" sz="2400" dirty="0" err="1">
                 <a:solidFill>
                   <a:srgbClr val="000000"/>
@@ -42475,7 +42665,7 @@
                 </a:solidFill>
                 <a:latin typeface="Consolas" panose="020B0609020204030204" pitchFamily="49" charset="0"/>
               </a:rPr>
-              <a:t> = {</a:t>
+              <a:t>[</a:t>
             </a:r>
             <a:r>
               <a:rPr lang="en-CA" sz="2400" dirty="0">
@@ -42484,156 +42674,7 @@
                 </a:solidFill>
                 <a:latin typeface="Consolas" panose="020B0609020204030204" pitchFamily="49" charset="0"/>
               </a:rPr>
-              <a:t>'first'</a:t>
-            </a:r>
-            <a:r>
-              <a:rPr lang="en-CA" sz="2400" dirty="0">
-                <a:solidFill>
-                  <a:srgbClr val="000000"/>
-                </a:solidFill>
-                <a:latin typeface="Consolas" panose="020B0609020204030204" pitchFamily="49" charset="0"/>
-              </a:rPr>
-              <a:t>: </a:t>
-            </a:r>
-            <a:r>
-              <a:rPr lang="en-CA" sz="2400" dirty="0">
-                <a:solidFill>
-                  <a:srgbClr val="A31515"/>
-                </a:solidFill>
-                <a:latin typeface="Consolas" panose="020B0609020204030204" pitchFamily="49" charset="0"/>
-              </a:rPr>
-              <a:t>'Christopher'</a:t>
-            </a:r>
-            <a:r>
-              <a:rPr lang="en-CA" sz="2400" dirty="0">
-                <a:solidFill>
-                  <a:srgbClr val="000000"/>
-                </a:solidFill>
-                <a:latin typeface="Consolas" panose="020B0609020204030204" pitchFamily="49" charset="0"/>
-              </a:rPr>
-              <a:t>, </a:t>
-            </a:r>
-            <a:r>
-              <a:rPr lang="en-CA" sz="2400" dirty="0">
-                <a:solidFill>
-                  <a:srgbClr val="A31515"/>
-                </a:solidFill>
-                <a:latin typeface="Consolas" panose="020B0609020204030204" pitchFamily="49" charset="0"/>
-              </a:rPr>
-              <a:t>'</a:t>
-            </a:r>
-            <a:r>
-              <a:rPr lang="en-CA" sz="2400" dirty="0" err="1">
-                <a:solidFill>
-                  <a:srgbClr val="A31515"/>
-                </a:solidFill>
-                <a:latin typeface="Consolas" panose="020B0609020204030204" pitchFamily="49" charset="0"/>
-              </a:rPr>
-              <a:t>last'</a:t>
-            </a:r>
-            <a:r>
-              <a:rPr lang="en-CA" sz="2400" dirty="0" err="1">
-                <a:solidFill>
-                  <a:srgbClr val="000000"/>
-                </a:solidFill>
-                <a:latin typeface="Consolas" panose="020B0609020204030204" pitchFamily="49" charset="0"/>
-              </a:rPr>
-              <a:t>:</a:t>
-            </a:r>
-            <a:r>
-              <a:rPr lang="en-CA" sz="2400" dirty="0" err="1">
-                <a:solidFill>
-                  <a:srgbClr val="A31515"/>
-                </a:solidFill>
-                <a:latin typeface="Consolas" panose="020B0609020204030204" pitchFamily="49" charset="0"/>
-              </a:rPr>
-              <a:t>'Harrison</a:t>
-            </a:r>
-            <a:r>
-              <a:rPr lang="en-CA" sz="2400" dirty="0">
-                <a:solidFill>
-                  <a:srgbClr val="A31515"/>
-                </a:solidFill>
-                <a:latin typeface="Consolas" panose="020B0609020204030204" pitchFamily="49" charset="0"/>
-              </a:rPr>
-              <a:t>'</a:t>
-            </a:r>
-            <a:r>
-              <a:rPr lang="en-CA" sz="2400" dirty="0">
-                <a:solidFill>
-                  <a:srgbClr val="000000"/>
-                </a:solidFill>
-                <a:latin typeface="Consolas" panose="020B0609020204030204" pitchFamily="49" charset="0"/>
-              </a:rPr>
-              <a:t>}</a:t>
-            </a:r>
-          </a:p>
-          <a:p>
-            <a:endParaRPr lang="en-CA" sz="2400" dirty="0">
-              <a:solidFill>
-                <a:schemeClr val="tx2"/>
-              </a:solidFill>
-              <a:latin typeface="Consolas" panose="020B0609020204030204" pitchFamily="49" charset="0"/>
-            </a:endParaRPr>
-          </a:p>
-          <a:p>
-            <a:r>
-              <a:rPr lang="en-CA" sz="2400" dirty="0">
-                <a:solidFill>
-                  <a:schemeClr val="tx2"/>
-                </a:solidFill>
-                <a:latin typeface="Consolas" panose="020B0609020204030204" pitchFamily="49" charset="0"/>
-              </a:rPr>
-              <a:t># Create staff dictionary which assigns a person to a role</a:t>
-            </a:r>
-          </a:p>
-          <a:p>
-            <a:r>
-              <a:rPr lang="en-CA" sz="2400" dirty="0" err="1">
-                <a:solidFill>
-                  <a:srgbClr val="000000"/>
-                </a:solidFill>
-                <a:latin typeface="Consolas" panose="020B0609020204030204" pitchFamily="49" charset="0"/>
-              </a:rPr>
-              <a:t>staff_dict</a:t>
-            </a:r>
-            <a:r>
-              <a:rPr lang="en-CA" sz="2400" dirty="0">
-                <a:solidFill>
-                  <a:srgbClr val="000000"/>
-                </a:solidFill>
-                <a:latin typeface="Consolas" panose="020B0609020204030204" pitchFamily="49" charset="0"/>
-              </a:rPr>
-              <a:t> ={}</a:t>
-            </a:r>
-          </a:p>
-          <a:p>
-            <a:r>
-              <a:rPr lang="en-CA" sz="2400" dirty="0" err="1">
-                <a:solidFill>
-                  <a:srgbClr val="000000"/>
-                </a:solidFill>
-                <a:latin typeface="Consolas" panose="020B0609020204030204" pitchFamily="49" charset="0"/>
-              </a:rPr>
-              <a:t>staff_dict</a:t>
-            </a:r>
-            <a:r>
-              <a:rPr lang="en-CA" sz="2400" dirty="0">
-                <a:solidFill>
-                  <a:srgbClr val="000000"/>
-                </a:solidFill>
-                <a:latin typeface="Consolas" panose="020B0609020204030204" pitchFamily="49" charset="0"/>
-              </a:rPr>
-              <a:t>[</a:t>
-            </a:r>
-            <a:r>
-              <a:rPr lang="en-CA" sz="2400" dirty="0">
-                <a:solidFill>
-                  <a:srgbClr val="A31515"/>
-                </a:solidFill>
-                <a:latin typeface="Consolas" panose="020B0609020204030204" pitchFamily="49" charset="0"/>
-              </a:rPr>
-              <a:t>'Program Manager'</a:t>
+              <a:t>'City'</a:t>
             </a:r>
             <a:r>
               <a:rPr lang="en-CA" sz="2400" dirty="0">
@@ -42645,20 +42686,14 @@
               <a:t>]=</a:t>
             </a:r>
             <a:r>
-              <a:rPr lang="en-CA" sz="2400" dirty="0" err="1">
+              <a:rPr lang="en-CA" sz="2400" dirty="0">
                 <a:solidFill>
-                  <a:srgbClr val="000000"/>
+                  <a:srgbClr val="A31515"/>
                 </a:solidFill>
                 <a:latin typeface="Consolas" panose="020B0609020204030204" pitchFamily="49" charset="0"/>
               </a:rPr>
-              <a:t>person_dict</a:t>
-            </a:r>
-            <a:endParaRPr lang="en-CA" sz="2400" dirty="0">
-              <a:solidFill>
-                <a:srgbClr val="000000"/>
-              </a:solidFill>
-              <a:latin typeface="Consolas" panose="020B0609020204030204" pitchFamily="49" charset="0"/>
-            </a:endParaRPr>
+              <a:t>'Seattle'</a:t>
+            </a:r>
           </a:p>
           <a:p>
             <a:endParaRPr lang="en-CA" sz="2400" dirty="0">
@@ -42687,7 +42722,7 @@
                 </a:solidFill>
                 <a:latin typeface="Consolas" panose="020B0609020204030204" pitchFamily="49" charset="0"/>
               </a:rPr>
-              <a:t>staff_json</a:t>
+              <a:t>person_json</a:t>
             </a:r>
             <a:r>
               <a:rPr lang="en-CA" sz="2400" dirty="0">
@@ -42703,9 +42738,59 @@
                 <a:solidFill>
                   <a:srgbClr val="000000"/>
                 </a:solidFill>
+                <a:highlight>
+                  <a:srgbClr val="FFFF00"/>
+                </a:highlight>
                 <a:latin typeface="Consolas" panose="020B0609020204030204" pitchFamily="49" charset="0"/>
               </a:rPr>
               <a:t>json.dumps</a:t>
+            </a:r>
+            <a:r>
+              <a:rPr lang="en-CA" sz="2400" dirty="0">
+                <a:solidFill>
+                  <a:srgbClr val="000000"/>
+                </a:solidFill>
+                <a:highlight>
+                  <a:srgbClr val="FFFF00"/>
+                </a:highlight>
+                <a:latin typeface="Consolas" panose="020B0609020204030204" pitchFamily="49" charset="0"/>
+              </a:rPr>
+              <a:t>(</a:t>
+            </a:r>
+            <a:r>
+              <a:rPr lang="en-CA" sz="2400" dirty="0" err="1">
+                <a:solidFill>
+                  <a:srgbClr val="000000"/>
+                </a:solidFill>
+                <a:highlight>
+                  <a:srgbClr val="FFFF00"/>
+                </a:highlight>
+                <a:latin typeface="Consolas" panose="020B0609020204030204" pitchFamily="49" charset="0"/>
+              </a:rPr>
+              <a:t>person_dict</a:t>
+            </a:r>
+            <a:r>
+              <a:rPr lang="en-CA" sz="2400" dirty="0">
+                <a:solidFill>
+                  <a:srgbClr val="000000"/>
+                </a:solidFill>
+                <a:highlight>
+                  <a:srgbClr val="FFFF00"/>
+                </a:highlight>
+                <a:latin typeface="Consolas" panose="020B0609020204030204" pitchFamily="49" charset="0"/>
+              </a:rPr>
+              <a:t>)</a:t>
+            </a:r>
+          </a:p>
+          <a:p>
+            <a:r>
+              <a:rPr lang="en-CA" sz="2400" dirty="0">
+                <a:solidFill>
+                  <a:srgbClr val="333333"/>
+                </a:solidFill>
+                <a:latin typeface="Consolas" panose="020B0609020204030204" pitchFamily="49" charset="0"/>
+              </a:rPr>
+              <a:t>print</a:t>
             </a:r>
             <a:r>
               <a:rPr lang="en-CA" sz="2400" dirty="0">
@@ -42723,7 +42808,7 @@
                 </a:solidFill>
                 <a:latin typeface="Consolas" panose="020B0609020204030204" pitchFamily="49" charset="0"/>
               </a:rPr>
-              <a:t>staff_dict</a:t>
+              <a:t>person_json</a:t>
             </a:r>
             <a:r>
               <a:rPr lang="en-CA" sz="2400" dirty="0">
@@ -42734,61 +42819,20 @@
               </a:rPr>
               <a:t>)</a:t>
             </a:r>
-          </a:p>
-          <a:p>
-            <a:br>
-              <a:rPr lang="en-CA" sz="2400" dirty="0">
-                <a:solidFill>
-                  <a:srgbClr val="000000"/>
-                </a:solidFill>
-                <a:latin typeface="Consolas" panose="020B0609020204030204" pitchFamily="49" charset="0"/>
-              </a:rPr>
-            </a:br>
-            <a:r>
-              <a:rPr lang="en-CA" sz="2400" dirty="0">
-                <a:solidFill>
-                  <a:srgbClr val="000000"/>
-                </a:solidFill>
-                <a:latin typeface="Consolas" panose="020B0609020204030204" pitchFamily="49" charset="0"/>
-              </a:rPr>
-              <a:t># Print JSON object</a:t>
-            </a:r>
-          </a:p>
-          <a:p>
-            <a:r>
-              <a:rPr lang="en-CA" sz="2400" dirty="0">
-                <a:solidFill>
-                  <a:srgbClr val="000000"/>
-                </a:solidFill>
-                <a:latin typeface="Consolas" panose="020B0609020204030204" pitchFamily="49" charset="0"/>
-              </a:rPr>
-              <a:t>print(</a:t>
-            </a:r>
-            <a:r>
-              <a:rPr lang="en-CA" sz="2400" dirty="0" err="1">
-                <a:solidFill>
-                  <a:srgbClr val="000000"/>
-                </a:solidFill>
-                <a:latin typeface="Consolas" panose="020B0609020204030204" pitchFamily="49" charset="0"/>
-              </a:rPr>
-              <a:t>staff_json</a:t>
-            </a:r>
-            <a:r>
-              <a:rPr lang="en-CA" sz="2400" dirty="0">
-                <a:solidFill>
-                  <a:srgbClr val="000000"/>
-                </a:solidFill>
-                <a:latin typeface="Consolas" panose="020B0609020204030204" pitchFamily="49" charset="0"/>
-              </a:rPr>
-              <a:t>)</a:t>
-            </a:r>
+            <a:endParaRPr lang="en-CA" sz="2400" b="0" dirty="0">
+              <a:solidFill>
+                <a:srgbClr val="000000"/>
+              </a:solidFill>
+              <a:effectLst/>
+              <a:latin typeface="Consolas" panose="020B0609020204030204" pitchFamily="49" charset="0"/>
+            </a:endParaRPr>
           </a:p>
         </p:txBody>
       </p:sp>
     </p:spTree>
     <p:extLst>
       <p:ext uri="{BB962C8B-B14F-4D97-AF65-F5344CB8AC3E}">
-        <p14:creationId xmlns:p14="http://schemas.microsoft.com/office/powerpoint/2010/main" val="2387383361"/>
+        <p14:creationId xmlns:p14="http://schemas.microsoft.com/office/powerpoint/2010/main" val="2468433470"/>
       </p:ext>
     </p:extLst>
   </p:cSld>
@@ -42924,7 +42968,7 @@
           <a:p>
             <a:r>
               <a:rPr lang="en-US" sz="4000" b="1" dirty="0"/>
-              <a:t>Add lists to the dictionary to create JSON in the format {"key":[listvalue0, listvalue1, listvalue2, …]}</a:t>
+              <a:t>Nest dictionaries to create JSON in the format {"key":{"subkey0":"subvalue0","subkey1":"subvalue1",…}</a:t>
             </a:r>
             <a:br>
               <a:rPr lang="en-US" b="1" dirty="0"/>
@@ -42970,25 +43014,7 @@
                 </a:solidFill>
                 <a:latin typeface="Consolas" panose="020B0609020204030204" pitchFamily="49" charset="0"/>
               </a:rPr>
-              <a:t>{"first": "Christopher", "last": "Harrison", "languages": ["</a:t>
-            </a:r>
-            <a:r>
-              <a:rPr lang="en-US" sz="2400" dirty="0" err="1">
-                <a:solidFill>
-                  <a:schemeClr val="bg1"/>
-                </a:solidFill>
-                <a:latin typeface="Consolas" panose="020B0609020204030204" pitchFamily="49" charset="0"/>
-              </a:rPr>
-              <a:t>CSharp</a:t>
-            </a:r>
-            <a:r>
-              <a:rPr lang="en-US" sz="2400" dirty="0">
-                <a:solidFill>
-                  <a:schemeClr val="bg1"/>
-                </a:solidFill>
-                <a:latin typeface="Consolas" panose="020B0609020204030204" pitchFamily="49" charset="0"/>
-              </a:rPr>
-              <a:t>", "Python", "JavaScript"]}</a:t>
+              <a:t>{"Program Manager": {"first": "Christopher", "last": "Harrison", "City": "Seattle"}}</a:t>
             </a:r>
             <a:endParaRPr lang="en-US" sz="2800" dirty="0">
               <a:solidFill>
@@ -43017,7 +43043,7 @@
         <p:spPr>
           <a:xfrm>
             <a:off x="427037" y="1769010"/>
-            <a:ext cx="11704320" cy="3785652"/>
+            <a:ext cx="11704320" cy="4154984"/>
           </a:xfrm>
           <a:prstGeom prst="rect">
             <a:avLst/>
@@ -43141,7 +43167,7 @@
           <a:p>
             <a:endParaRPr lang="en-CA" sz="2400" dirty="0">
               <a:solidFill>
-                <a:srgbClr val="A31515"/>
+                <a:schemeClr val="tx2"/>
               </a:solidFill>
               <a:latin typeface="Consolas" panose="020B0609020204030204" pitchFamily="49" charset="0"/>
             </a:endParaRPr>
@@ -43154,180 +43180,97 @@
                 </a:solidFill>
                 <a:latin typeface="Consolas" panose="020B0609020204030204" pitchFamily="49" charset="0"/>
               </a:rPr>
-              <a:t># Create a list object of programming languages</a:t>
+              <a:t># Create staff dictionary which assigns a person to a role</a:t>
             </a:r>
           </a:p>
           <a:p>
             <a:r>
               <a:rPr lang="en-CA" sz="2400" dirty="0" err="1">
                 <a:solidFill>
-                  <a:srgbClr val="333333"/>
+                  <a:srgbClr val="000000"/>
                 </a:solidFill>
                 <a:latin typeface="Consolas" panose="020B0609020204030204" pitchFamily="49" charset="0"/>
               </a:rPr>
-              <a:t>languages_list</a:t>
+              <a:t>staff_dict</a:t>
             </a:r>
             <a:r>
               <a:rPr lang="en-CA" sz="2400" dirty="0">
                 <a:solidFill>
-                  <a:srgbClr val="333333"/>
+                  <a:srgbClr val="000000"/>
                 </a:solidFill>
                 <a:latin typeface="Consolas" panose="020B0609020204030204" pitchFamily="49" charset="0"/>
               </a:rPr>
-              <a:t> = [</a:t>
+              <a:t> ={}</a:t>
+            </a:r>
+          </a:p>
+          <a:p>
+            <a:r>
+              <a:rPr lang="en-CA" sz="2400" dirty="0" err="1">
+                <a:solidFill>
+                  <a:srgbClr val="000000"/>
+                </a:solidFill>
+                <a:highlight>
+                  <a:srgbClr val="FFFF00"/>
+                </a:highlight>
+                <a:latin typeface="Consolas" panose="020B0609020204030204" pitchFamily="49" charset="0"/>
+              </a:rPr>
+              <a:t>staff_dict</a:t>
+            </a:r>
+            <a:r>
+              <a:rPr lang="en-CA" sz="2400" dirty="0">
+                <a:solidFill>
+                  <a:srgbClr val="000000"/>
+                </a:solidFill>
+                <a:highlight>
+                  <a:srgbClr val="FFFF00"/>
+                </a:highlight>
+                <a:latin typeface="Consolas" panose="020B0609020204030204" pitchFamily="49" charset="0"/>
+              </a:rPr>
+              <a:t>[</a:t>
             </a:r>
             <a:r>
               <a:rPr lang="en-CA" sz="2400" dirty="0">
                 <a:solidFill>
                   <a:srgbClr val="A31515"/>
                 </a:solidFill>
+                <a:highlight>
+                  <a:srgbClr val="FFFF00"/>
+                </a:highlight>
                 <a:latin typeface="Consolas" panose="020B0609020204030204" pitchFamily="49" charset="0"/>
               </a:rPr>
-              <a:t>'</a:t>
+              <a:t>'Program Manager'</a:t>
+            </a:r>
+            <a:r>
+              <a:rPr lang="en-CA" sz="2400" dirty="0">
+                <a:solidFill>
+                  <a:srgbClr val="000000"/>
+                </a:solidFill>
+                <a:highlight>
+                  <a:srgbClr val="FFFF00"/>
+                </a:highlight>
+                <a:latin typeface="Consolas" panose="020B0609020204030204" pitchFamily="49" charset="0"/>
+              </a:rPr>
+              <a:t>]=</a:t>
             </a:r>
             <a:r>
               <a:rPr lang="en-CA" sz="2400" dirty="0" err="1">
                 <a:solidFill>
-                  <a:srgbClr val="A31515"/>
+                  <a:srgbClr val="000000"/>
                 </a:solidFill>
-                <a:latin typeface="Consolas" panose="020B0609020204030204" pitchFamily="49" charset="0"/>
-              </a:rPr>
-              <a:t>CSharp</a:t>
-            </a:r>
-            <a:r>
-              <a:rPr lang="en-CA" sz="2400" dirty="0">
-                <a:solidFill>
-                  <a:srgbClr val="A31515"/>
-                </a:solidFill>
-                <a:latin typeface="Consolas" panose="020B0609020204030204" pitchFamily="49" charset="0"/>
-              </a:rPr>
-              <a:t>'</a:t>
-            </a:r>
-            <a:r>
-              <a:rPr lang="en-CA" sz="2400" dirty="0">
-                <a:solidFill>
-                  <a:srgbClr val="333333"/>
-                </a:solidFill>
-                <a:latin typeface="Consolas" panose="020B0609020204030204" pitchFamily="49" charset="0"/>
-              </a:rPr>
-              <a:t>,</a:t>
-            </a:r>
-            <a:r>
-              <a:rPr lang="en-CA" sz="2400" dirty="0">
-                <a:solidFill>
-                  <a:srgbClr val="A31515"/>
-                </a:solidFill>
-                <a:latin typeface="Consolas" panose="020B0609020204030204" pitchFamily="49" charset="0"/>
-              </a:rPr>
-              <a:t>'</a:t>
-            </a:r>
-            <a:r>
-              <a:rPr lang="en-CA" sz="2400" dirty="0" err="1">
-                <a:solidFill>
-                  <a:srgbClr val="A31515"/>
-                </a:solidFill>
-                <a:latin typeface="Consolas" panose="020B0609020204030204" pitchFamily="49" charset="0"/>
-              </a:rPr>
-              <a:t>Python'</a:t>
-            </a:r>
-            <a:r>
-              <a:rPr lang="en-CA" sz="2400" dirty="0" err="1">
-                <a:solidFill>
-                  <a:srgbClr val="333333"/>
-                </a:solidFill>
-                <a:latin typeface="Consolas" panose="020B0609020204030204" pitchFamily="49" charset="0"/>
-              </a:rPr>
-              <a:t>,</a:t>
-            </a:r>
-            <a:r>
-              <a:rPr lang="en-CA" sz="2400" dirty="0" err="1">
-                <a:solidFill>
-                  <a:srgbClr val="A31515"/>
-                </a:solidFill>
-                <a:latin typeface="Consolas" panose="020B0609020204030204" pitchFamily="49" charset="0"/>
-              </a:rPr>
-              <a:t>'JavaScript</a:t>
-            </a:r>
-            <a:r>
-              <a:rPr lang="en-CA" sz="2400" dirty="0">
-                <a:solidFill>
-                  <a:srgbClr val="A31515"/>
-                </a:solidFill>
-                <a:latin typeface="Consolas" panose="020B0609020204030204" pitchFamily="49" charset="0"/>
-              </a:rPr>
-              <a:t>'</a:t>
-            </a:r>
-            <a:r>
-              <a:rPr lang="en-CA" sz="2400" dirty="0">
-                <a:solidFill>
-                  <a:srgbClr val="333333"/>
-                </a:solidFill>
-                <a:latin typeface="Consolas" panose="020B0609020204030204" pitchFamily="49" charset="0"/>
-              </a:rPr>
-              <a:t> ]</a:t>
-            </a:r>
-          </a:p>
-          <a:p>
-            <a:r>
-              <a:rPr lang="en-CA" sz="2400" dirty="0">
-                <a:solidFill>
-                  <a:schemeClr val="tx2"/>
-                </a:solidFill>
-                <a:latin typeface="Consolas" panose="020B0609020204030204" pitchFamily="49" charset="0"/>
-              </a:rPr>
-              <a:t># Add list to dictionary</a:t>
-            </a:r>
-          </a:p>
-          <a:p>
-            <a:r>
-              <a:rPr lang="en-CA" sz="2400" dirty="0" err="1">
-                <a:solidFill>
-                  <a:srgbClr val="333333"/>
-                </a:solidFill>
+                <a:highlight>
+                  <a:srgbClr val="FFFF00"/>
+                </a:highlight>
                 <a:latin typeface="Consolas" panose="020B0609020204030204" pitchFamily="49" charset="0"/>
               </a:rPr>
               <a:t>person_dict</a:t>
             </a:r>
-            <a:r>
-              <a:rPr lang="en-CA" sz="2400" dirty="0">
-                <a:solidFill>
-                  <a:srgbClr val="333333"/>
-                </a:solidFill>
-                <a:latin typeface="Consolas" panose="020B0609020204030204" pitchFamily="49" charset="0"/>
-              </a:rPr>
-              <a:t>[</a:t>
-            </a:r>
-            <a:r>
-              <a:rPr lang="en-CA" sz="2400" dirty="0">
-                <a:solidFill>
-                  <a:srgbClr val="A31515"/>
-                </a:solidFill>
-                <a:latin typeface="Consolas" panose="020B0609020204030204" pitchFamily="49" charset="0"/>
-              </a:rPr>
-              <a:t>'languages'</a:t>
-            </a:r>
-            <a:r>
-              <a:rPr lang="en-CA" sz="2400" dirty="0">
-                <a:solidFill>
-                  <a:srgbClr val="333333"/>
-                </a:solidFill>
-                <a:latin typeface="Consolas" panose="020B0609020204030204" pitchFamily="49" charset="0"/>
-              </a:rPr>
-              <a:t>]= </a:t>
-            </a:r>
-            <a:r>
-              <a:rPr lang="en-CA" sz="2400" dirty="0" err="1">
-                <a:solidFill>
-                  <a:srgbClr val="333333"/>
-                </a:solidFill>
-                <a:latin typeface="Consolas" panose="020B0609020204030204" pitchFamily="49" charset="0"/>
-              </a:rPr>
-              <a:t>languages_list</a:t>
-            </a:r>
             <a:endParaRPr lang="en-CA" sz="2400" dirty="0">
               <a:solidFill>
-                <a:srgbClr val="333333"/>
+                <a:srgbClr val="000000"/>
               </a:solidFill>
+              <a:highlight>
+                <a:srgbClr val="FFFF00"/>
+              </a:highlight>
               <a:latin typeface="Consolas" panose="020B0609020204030204" pitchFamily="49" charset="0"/>
             </a:endParaRPr>
           </a:p>
@@ -43358,7 +43301,7 @@
                 </a:solidFill>
                 <a:latin typeface="Consolas" panose="020B0609020204030204" pitchFamily="49" charset="0"/>
               </a:rPr>
-              <a:t>person_json</a:t>
+              <a:t>staff_json</a:t>
             </a:r>
             <a:r>
               <a:rPr lang="en-CA" sz="2400" dirty="0">
@@ -43394,7 +43337,7 @@
                 </a:solidFill>
                 <a:latin typeface="Consolas" panose="020B0609020204030204" pitchFamily="49" charset="0"/>
               </a:rPr>
-              <a:t>person_dict</a:t>
+              <a:t>staff_dict</a:t>
             </a:r>
             <a:r>
               <a:rPr lang="en-CA" sz="2400" dirty="0">
@@ -43407,23 +43350,33 @@
             </a:r>
           </a:p>
           <a:p>
-            <a:r>
-              <a:rPr lang="en-CA" sz="2400" dirty="0">
-                <a:solidFill>
-                  <a:srgbClr val="333333"/>
-                </a:solidFill>
-                <a:latin typeface="Consolas" panose="020B0609020204030204" pitchFamily="49" charset="0"/>
-              </a:rPr>
-              <a:t>print</a:t>
-            </a:r>
-            <a:r>
+            <a:br>
               <a:rPr lang="en-CA" sz="2400" dirty="0">
                 <a:solidFill>
                   <a:srgbClr val="000000"/>
                 </a:solidFill>
                 <a:latin typeface="Consolas" panose="020B0609020204030204" pitchFamily="49" charset="0"/>
               </a:rPr>
-              <a:t>(</a:t>
+            </a:br>
+            <a:r>
+              <a:rPr lang="en-CA" sz="2400" dirty="0">
+                <a:solidFill>
+                  <a:srgbClr val="000000"/>
+                </a:solidFill>
+                <a:latin typeface="Consolas" panose="020B0609020204030204" pitchFamily="49" charset="0"/>
+              </a:rPr>
+              <a:t># Print JSON object</a:t>
+            </a:r>
+          </a:p>
+          <a:p>
+            <a:r>
+              <a:rPr lang="en-CA" sz="2400" dirty="0">
+                <a:solidFill>
+                  <a:srgbClr val="000000"/>
+                </a:solidFill>
+                <a:latin typeface="Consolas" panose="020B0609020204030204" pitchFamily="49" charset="0"/>
+              </a:rPr>
+              <a:t>print(</a:t>
             </a:r>
             <a:r>
               <a:rPr lang="en-CA" sz="2400" dirty="0" err="1">
@@ -43432,7 +43385,7 @@
                 </a:solidFill>
                 <a:latin typeface="Consolas" panose="020B0609020204030204" pitchFamily="49" charset="0"/>
               </a:rPr>
-              <a:t>person_json</a:t>
+              <a:t>staff_json</a:t>
             </a:r>
             <a:r>
               <a:rPr lang="en-CA" sz="2400" dirty="0">
@@ -43443,20 +43396,13 @@
               </a:rPr>
               <a:t>)</a:t>
             </a:r>
-            <a:endParaRPr lang="en-CA" sz="2400" b="0" dirty="0">
-              <a:solidFill>
-                <a:srgbClr val="000000"/>
-              </a:solidFill>
-              <a:effectLst/>
-              <a:latin typeface="Consolas" panose="020B0609020204030204" pitchFamily="49" charset="0"/>
-            </a:endParaRPr>
           </a:p>
         </p:txBody>
       </p:sp>
     </p:spTree>
     <p:extLst>
       <p:ext uri="{BB962C8B-B14F-4D97-AF65-F5344CB8AC3E}">
-        <p14:creationId xmlns:p14="http://schemas.microsoft.com/office/powerpoint/2010/main" val="911207295"/>
+        <p14:creationId xmlns:p14="http://schemas.microsoft.com/office/powerpoint/2010/main" val="2387383361"/>
       </p:ext>
     </p:extLst>
   </p:cSld>
@@ -43569,6 +43515,844 @@
           <a:chExt cx="0" cy="0"/>
         </a:xfrm>
       </p:grpSpPr>
+      <p:sp>
+        <p:nvSpPr>
+          <p:cNvPr id="14" name="Title 13">
+            <a:extLst>
+              <a:ext uri="{FF2B5EF4-FFF2-40B4-BE49-F238E27FC236}">
+                <a16:creationId xmlns:a16="http://schemas.microsoft.com/office/drawing/2014/main" id="{0EABF196-DEFD-4037-AB56-85AC0D14459F}"/>
+              </a:ext>
+            </a:extLst>
+          </p:cNvPr>
+          <p:cNvSpPr>
+            <a:spLocks noGrp="1"/>
+          </p:cNvSpPr>
+          <p:nvPr>
+            <p:ph type="title"/>
+          </p:nvPr>
+        </p:nvSpPr>
+        <p:spPr/>
+        <p:txBody>
+          <a:bodyPr/>
+          <a:lstStyle/>
+          <a:p>
+            <a:r>
+              <a:rPr lang="en-US" sz="4000" b="1" dirty="0"/>
+              <a:t>Add lists to the dictionary to create JSON in the format {"key":[listvalue0, listvalue1, listvalue2, …]}</a:t>
+            </a:r>
+            <a:br>
+              <a:rPr lang="en-US" b="1" dirty="0"/>
+            </a:br>
+            <a:endParaRPr lang="en-CA" b="1" dirty="0"/>
+          </a:p>
+        </p:txBody>
+      </p:sp>
+      <p:sp>
+        <p:nvSpPr>
+          <p:cNvPr id="7" name="Rectangle 6">
+            <a:extLst>
+              <a:ext uri="{FF2B5EF4-FFF2-40B4-BE49-F238E27FC236}">
+                <a16:creationId xmlns:a16="http://schemas.microsoft.com/office/drawing/2014/main" id="{77DB5C1B-3573-4EBF-8A54-049CC5D3DCDB}"/>
+              </a:ext>
+            </a:extLst>
+          </p:cNvPr>
+          <p:cNvSpPr/>
+          <p:nvPr/>
+        </p:nvSpPr>
+        <p:spPr>
+          <a:xfrm>
+            <a:off x="365759" y="5866665"/>
+            <a:ext cx="11704319" cy="830997"/>
+          </a:xfrm>
+          <a:prstGeom prst="rect">
+            <a:avLst/>
+          </a:prstGeom>
+          <a:solidFill>
+            <a:srgbClr val="737373"/>
+          </a:solidFill>
+        </p:spPr>
+        <p:txBody>
+          <a:bodyPr wrap="square">
+            <a:spAutoFit/>
+          </a:bodyPr>
+          <a:lstStyle/>
+          <a:p>
+            <a:r>
+              <a:rPr lang="en-US" sz="2400" dirty="0">
+                <a:solidFill>
+                  <a:schemeClr val="bg1"/>
+                </a:solidFill>
+                <a:latin typeface="Consolas" panose="020B0609020204030204" pitchFamily="49" charset="0"/>
+              </a:rPr>
+              <a:t>{"first": "Christopher", "last": "Harrison", "languages": ["</a:t>
+            </a:r>
+            <a:r>
+              <a:rPr lang="en-US" sz="2400" dirty="0" err="1">
+                <a:solidFill>
+                  <a:schemeClr val="bg1"/>
+                </a:solidFill>
+                <a:latin typeface="Consolas" panose="020B0609020204030204" pitchFamily="49" charset="0"/>
+              </a:rPr>
+              <a:t>CSharp</a:t>
+            </a:r>
+            <a:r>
+              <a:rPr lang="en-US" sz="2400" dirty="0">
+                <a:solidFill>
+                  <a:schemeClr val="bg1"/>
+                </a:solidFill>
+                <a:latin typeface="Consolas" panose="020B0609020204030204" pitchFamily="49" charset="0"/>
+              </a:rPr>
+              <a:t>", "Python", "JavaScript"]}</a:t>
+            </a:r>
+            <a:endParaRPr lang="en-US" sz="2800" dirty="0">
+              <a:solidFill>
+                <a:schemeClr val="bg1"/>
+              </a:solidFill>
+              <a:highlight>
+                <a:srgbClr val="00FFFF"/>
+              </a:highlight>
+              <a:latin typeface="Consolas" panose="020B0609020204030204" pitchFamily="49" charset="0"/>
+            </a:endParaRPr>
+          </a:p>
+        </p:txBody>
+      </p:sp>
+      <p:sp>
+        <p:nvSpPr>
+          <p:cNvPr id="2" name="Rectangle 1">
+            <a:extLst>
+              <a:ext uri="{FF2B5EF4-FFF2-40B4-BE49-F238E27FC236}">
+                <a16:creationId xmlns:a16="http://schemas.microsoft.com/office/drawing/2014/main" id="{78B8946D-B36F-473F-9764-96E141553561}"/>
+              </a:ext>
+            </a:extLst>
+          </p:cNvPr>
+          <p:cNvSpPr/>
+          <p:nvPr/>
+        </p:nvSpPr>
+        <p:spPr>
+          <a:xfrm>
+            <a:off x="427037" y="1769010"/>
+            <a:ext cx="11704320" cy="3785652"/>
+          </a:xfrm>
+          <a:prstGeom prst="rect">
+            <a:avLst/>
+          </a:prstGeom>
+        </p:spPr>
+        <p:txBody>
+          <a:bodyPr wrap="square">
+            <a:spAutoFit/>
+          </a:bodyPr>
+          <a:lstStyle/>
+          <a:p>
+            <a:r>
+              <a:rPr lang="en-CA" sz="2400" dirty="0" err="1">
+                <a:solidFill>
+                  <a:srgbClr val="000000"/>
+                </a:solidFill>
+                <a:latin typeface="Consolas" panose="020B0609020204030204" pitchFamily="49" charset="0"/>
+              </a:rPr>
+              <a:t>person_dict</a:t>
+            </a:r>
+            <a:r>
+              <a:rPr lang="en-CA" sz="2400" dirty="0">
+                <a:solidFill>
+                  <a:srgbClr val="000000"/>
+                </a:solidFill>
+                <a:latin typeface="Consolas" panose="020B0609020204030204" pitchFamily="49" charset="0"/>
+              </a:rPr>
+              <a:t> = {</a:t>
+            </a:r>
+            <a:r>
+              <a:rPr lang="en-CA" sz="2400" dirty="0">
+                <a:solidFill>
+                  <a:srgbClr val="A31515"/>
+                </a:solidFill>
+                <a:latin typeface="Consolas" panose="020B0609020204030204" pitchFamily="49" charset="0"/>
+              </a:rPr>
+              <a:t>'first'</a:t>
+            </a:r>
+            <a:r>
+              <a:rPr lang="en-CA" sz="2400" dirty="0">
+                <a:solidFill>
+                  <a:srgbClr val="000000"/>
+                </a:solidFill>
+                <a:latin typeface="Consolas" panose="020B0609020204030204" pitchFamily="49" charset="0"/>
+              </a:rPr>
+              <a:t>: </a:t>
+            </a:r>
+            <a:r>
+              <a:rPr lang="en-CA" sz="2400" dirty="0">
+                <a:solidFill>
+                  <a:srgbClr val="A31515"/>
+                </a:solidFill>
+                <a:latin typeface="Consolas" panose="020B0609020204030204" pitchFamily="49" charset="0"/>
+              </a:rPr>
+              <a:t>'Christopher'</a:t>
+            </a:r>
+            <a:r>
+              <a:rPr lang="en-CA" sz="2400" dirty="0">
+                <a:solidFill>
+                  <a:srgbClr val="000000"/>
+                </a:solidFill>
+                <a:latin typeface="Consolas" panose="020B0609020204030204" pitchFamily="49" charset="0"/>
+              </a:rPr>
+              <a:t>, </a:t>
+            </a:r>
+            <a:r>
+              <a:rPr lang="en-CA" sz="2400" dirty="0">
+                <a:solidFill>
+                  <a:srgbClr val="A31515"/>
+                </a:solidFill>
+                <a:latin typeface="Consolas" panose="020B0609020204030204" pitchFamily="49" charset="0"/>
+              </a:rPr>
+              <a:t>'</a:t>
+            </a:r>
+            <a:r>
+              <a:rPr lang="en-CA" sz="2400" dirty="0" err="1">
+                <a:solidFill>
+                  <a:srgbClr val="A31515"/>
+                </a:solidFill>
+                <a:latin typeface="Consolas" panose="020B0609020204030204" pitchFamily="49" charset="0"/>
+              </a:rPr>
+              <a:t>last'</a:t>
+            </a:r>
+            <a:r>
+              <a:rPr lang="en-CA" sz="2400" dirty="0" err="1">
+                <a:solidFill>
+                  <a:srgbClr val="000000"/>
+                </a:solidFill>
+                <a:latin typeface="Consolas" panose="020B0609020204030204" pitchFamily="49" charset="0"/>
+              </a:rPr>
+              <a:t>:</a:t>
+            </a:r>
+            <a:r>
+              <a:rPr lang="en-CA" sz="2400" dirty="0" err="1">
+                <a:solidFill>
+                  <a:srgbClr val="A31515"/>
+                </a:solidFill>
+                <a:latin typeface="Consolas" panose="020B0609020204030204" pitchFamily="49" charset="0"/>
+              </a:rPr>
+              <a:t>'Harrison</a:t>
+            </a:r>
+            <a:r>
+              <a:rPr lang="en-CA" sz="2400" dirty="0">
+                <a:solidFill>
+                  <a:srgbClr val="A31515"/>
+                </a:solidFill>
+                <a:latin typeface="Consolas" panose="020B0609020204030204" pitchFamily="49" charset="0"/>
+              </a:rPr>
+              <a:t>'</a:t>
+            </a:r>
+            <a:r>
+              <a:rPr lang="en-CA" sz="2400" dirty="0">
+                <a:solidFill>
+                  <a:srgbClr val="000000"/>
+                </a:solidFill>
+                <a:latin typeface="Consolas" panose="020B0609020204030204" pitchFamily="49" charset="0"/>
+              </a:rPr>
+              <a:t>}</a:t>
+            </a:r>
+          </a:p>
+          <a:p>
+            <a:endParaRPr lang="en-CA" sz="2400" dirty="0">
+              <a:solidFill>
+                <a:srgbClr val="A31515"/>
+              </a:solidFill>
+              <a:latin typeface="Consolas" panose="020B0609020204030204" pitchFamily="49" charset="0"/>
+            </a:endParaRPr>
+          </a:p>
+          <a:p>
+            <a:r>
+              <a:rPr lang="en-CA" sz="2400" dirty="0">
+                <a:solidFill>
+                  <a:schemeClr val="tx2"/>
+                </a:solidFill>
+                <a:latin typeface="Consolas" panose="020B0609020204030204" pitchFamily="49" charset="0"/>
+              </a:rPr>
+              <a:t># Create a list object of programming languages</a:t>
+            </a:r>
+          </a:p>
+          <a:p>
+            <a:r>
+              <a:rPr lang="en-CA" sz="2400" dirty="0" err="1">
+                <a:solidFill>
+                  <a:srgbClr val="333333"/>
+                </a:solidFill>
+                <a:highlight>
+                  <a:srgbClr val="FFFF00"/>
+                </a:highlight>
+                <a:latin typeface="Consolas" panose="020B0609020204030204" pitchFamily="49" charset="0"/>
+              </a:rPr>
+              <a:t>languages_list</a:t>
+            </a:r>
+            <a:r>
+              <a:rPr lang="en-CA" sz="2400" dirty="0">
+                <a:solidFill>
+                  <a:srgbClr val="333333"/>
+                </a:solidFill>
+                <a:highlight>
+                  <a:srgbClr val="FFFF00"/>
+                </a:highlight>
+                <a:latin typeface="Consolas" panose="020B0609020204030204" pitchFamily="49" charset="0"/>
+              </a:rPr>
+              <a:t> = [</a:t>
+            </a:r>
+            <a:r>
+              <a:rPr lang="en-CA" sz="2400" dirty="0">
+                <a:solidFill>
+                  <a:srgbClr val="A31515"/>
+                </a:solidFill>
+                <a:highlight>
+                  <a:srgbClr val="FFFF00"/>
+                </a:highlight>
+                <a:latin typeface="Consolas" panose="020B0609020204030204" pitchFamily="49" charset="0"/>
+              </a:rPr>
+              <a:t>'</a:t>
+            </a:r>
+            <a:r>
+              <a:rPr lang="en-CA" sz="2400" dirty="0" err="1">
+                <a:solidFill>
+                  <a:srgbClr val="A31515"/>
+                </a:solidFill>
+                <a:highlight>
+                  <a:srgbClr val="FFFF00"/>
+                </a:highlight>
+                <a:latin typeface="Consolas" panose="020B0609020204030204" pitchFamily="49" charset="0"/>
+              </a:rPr>
+              <a:t>CSharp</a:t>
+            </a:r>
+            <a:r>
+              <a:rPr lang="en-CA" sz="2400" dirty="0">
+                <a:solidFill>
+                  <a:srgbClr val="A31515"/>
+                </a:solidFill>
+                <a:highlight>
+                  <a:srgbClr val="FFFF00"/>
+                </a:highlight>
+                <a:latin typeface="Consolas" panose="020B0609020204030204" pitchFamily="49" charset="0"/>
+              </a:rPr>
+              <a:t>'</a:t>
+            </a:r>
+            <a:r>
+              <a:rPr lang="en-CA" sz="2400" dirty="0">
+                <a:solidFill>
+                  <a:srgbClr val="333333"/>
+                </a:solidFill>
+                <a:highlight>
+                  <a:srgbClr val="FFFF00"/>
+                </a:highlight>
+                <a:latin typeface="Consolas" panose="020B0609020204030204" pitchFamily="49" charset="0"/>
+              </a:rPr>
+              <a:t>,</a:t>
+            </a:r>
+            <a:r>
+              <a:rPr lang="en-CA" sz="2400" dirty="0">
+                <a:solidFill>
+                  <a:srgbClr val="A31515"/>
+                </a:solidFill>
+                <a:highlight>
+                  <a:srgbClr val="FFFF00"/>
+                </a:highlight>
+                <a:latin typeface="Consolas" panose="020B0609020204030204" pitchFamily="49" charset="0"/>
+              </a:rPr>
+              <a:t>'</a:t>
+            </a:r>
+            <a:r>
+              <a:rPr lang="en-CA" sz="2400" dirty="0" err="1">
+                <a:solidFill>
+                  <a:srgbClr val="A31515"/>
+                </a:solidFill>
+                <a:highlight>
+                  <a:srgbClr val="FFFF00"/>
+                </a:highlight>
+                <a:latin typeface="Consolas" panose="020B0609020204030204" pitchFamily="49" charset="0"/>
+              </a:rPr>
+              <a:t>Python'</a:t>
+            </a:r>
+            <a:r>
+              <a:rPr lang="en-CA" sz="2400" dirty="0" err="1">
+                <a:solidFill>
+                  <a:srgbClr val="333333"/>
+                </a:solidFill>
+                <a:highlight>
+                  <a:srgbClr val="FFFF00"/>
+                </a:highlight>
+                <a:latin typeface="Consolas" panose="020B0609020204030204" pitchFamily="49" charset="0"/>
+              </a:rPr>
+              <a:t>,</a:t>
+            </a:r>
+            <a:r>
+              <a:rPr lang="en-CA" sz="2400" dirty="0" err="1">
+                <a:solidFill>
+                  <a:srgbClr val="A31515"/>
+                </a:solidFill>
+                <a:highlight>
+                  <a:srgbClr val="FFFF00"/>
+                </a:highlight>
+                <a:latin typeface="Consolas" panose="020B0609020204030204" pitchFamily="49" charset="0"/>
+              </a:rPr>
+              <a:t>'JavaScript</a:t>
+            </a:r>
+            <a:r>
+              <a:rPr lang="en-CA" sz="2400" dirty="0">
+                <a:solidFill>
+                  <a:srgbClr val="A31515"/>
+                </a:solidFill>
+                <a:highlight>
+                  <a:srgbClr val="FFFF00"/>
+                </a:highlight>
+                <a:latin typeface="Consolas" panose="020B0609020204030204" pitchFamily="49" charset="0"/>
+              </a:rPr>
+              <a:t>'</a:t>
+            </a:r>
+            <a:r>
+              <a:rPr lang="en-CA" sz="2400" dirty="0">
+                <a:solidFill>
+                  <a:srgbClr val="333333"/>
+                </a:solidFill>
+                <a:highlight>
+                  <a:srgbClr val="FFFF00"/>
+                </a:highlight>
+                <a:latin typeface="Consolas" panose="020B0609020204030204" pitchFamily="49" charset="0"/>
+              </a:rPr>
+              <a:t> ]</a:t>
+            </a:r>
+          </a:p>
+          <a:p>
+            <a:r>
+              <a:rPr lang="en-CA" sz="2400" dirty="0">
+                <a:solidFill>
+                  <a:schemeClr val="tx2"/>
+                </a:solidFill>
+                <a:latin typeface="Consolas" panose="020B0609020204030204" pitchFamily="49" charset="0"/>
+              </a:rPr>
+              <a:t># Add list to dictionary</a:t>
+            </a:r>
+          </a:p>
+          <a:p>
+            <a:r>
+              <a:rPr lang="en-CA" sz="2400" dirty="0" err="1">
+                <a:solidFill>
+                  <a:srgbClr val="333333"/>
+                </a:solidFill>
+                <a:highlight>
+                  <a:srgbClr val="FFFF00"/>
+                </a:highlight>
+                <a:latin typeface="Consolas" panose="020B0609020204030204" pitchFamily="49" charset="0"/>
+              </a:rPr>
+              <a:t>person_dict</a:t>
+            </a:r>
+            <a:r>
+              <a:rPr lang="en-CA" sz="2400" dirty="0">
+                <a:solidFill>
+                  <a:srgbClr val="333333"/>
+                </a:solidFill>
+                <a:highlight>
+                  <a:srgbClr val="FFFF00"/>
+                </a:highlight>
+                <a:latin typeface="Consolas" panose="020B0609020204030204" pitchFamily="49" charset="0"/>
+              </a:rPr>
+              <a:t>[</a:t>
+            </a:r>
+            <a:r>
+              <a:rPr lang="en-CA" sz="2400" dirty="0">
+                <a:solidFill>
+                  <a:srgbClr val="A31515"/>
+                </a:solidFill>
+                <a:highlight>
+                  <a:srgbClr val="FFFF00"/>
+                </a:highlight>
+                <a:latin typeface="Consolas" panose="020B0609020204030204" pitchFamily="49" charset="0"/>
+              </a:rPr>
+              <a:t>'languages'</a:t>
+            </a:r>
+            <a:r>
+              <a:rPr lang="en-CA" sz="2400" dirty="0">
+                <a:solidFill>
+                  <a:srgbClr val="333333"/>
+                </a:solidFill>
+                <a:highlight>
+                  <a:srgbClr val="FFFF00"/>
+                </a:highlight>
+                <a:latin typeface="Consolas" panose="020B0609020204030204" pitchFamily="49" charset="0"/>
+              </a:rPr>
+              <a:t>]= </a:t>
+            </a:r>
+            <a:r>
+              <a:rPr lang="en-CA" sz="2400" dirty="0" err="1">
+                <a:solidFill>
+                  <a:srgbClr val="333333"/>
+                </a:solidFill>
+                <a:highlight>
+                  <a:srgbClr val="FFFF00"/>
+                </a:highlight>
+                <a:latin typeface="Consolas" panose="020B0609020204030204" pitchFamily="49" charset="0"/>
+              </a:rPr>
+              <a:t>languages_list</a:t>
+            </a:r>
+            <a:endParaRPr lang="en-CA" sz="2400" dirty="0">
+              <a:solidFill>
+                <a:srgbClr val="333333"/>
+              </a:solidFill>
+              <a:highlight>
+                <a:srgbClr val="FFFF00"/>
+              </a:highlight>
+              <a:latin typeface="Consolas" panose="020B0609020204030204" pitchFamily="49" charset="0"/>
+            </a:endParaRPr>
+          </a:p>
+          <a:p>
+            <a:endParaRPr lang="en-CA" sz="2400" dirty="0">
+              <a:solidFill>
+                <a:srgbClr val="000000"/>
+              </a:solidFill>
+              <a:latin typeface="Consolas" panose="020B0609020204030204" pitchFamily="49" charset="0"/>
+            </a:endParaRPr>
+          </a:p>
+          <a:p>
+            <a:r>
+              <a:rPr lang="en-CA" sz="2400" dirty="0">
+                <a:solidFill>
+                  <a:schemeClr val="tx2"/>
+                </a:solidFill>
+                <a:latin typeface="Consolas" panose="020B0609020204030204" pitchFamily="49" charset="0"/>
+              </a:rPr>
+              <a:t># Convert dictionary to JSON object</a:t>
+            </a:r>
+          </a:p>
+          <a:p>
+            <a:r>
+              <a:rPr lang="en-CA" sz="2400" dirty="0" err="1">
+                <a:solidFill>
+                  <a:srgbClr val="000000"/>
+                </a:solidFill>
+                <a:latin typeface="Consolas" panose="020B0609020204030204" pitchFamily="49" charset="0"/>
+              </a:rPr>
+              <a:t>person_json</a:t>
+            </a:r>
+            <a:r>
+              <a:rPr lang="en-CA" sz="2400" dirty="0">
+                <a:solidFill>
+                  <a:srgbClr val="000000"/>
+                </a:solidFill>
+                <a:latin typeface="Consolas" panose="020B0609020204030204" pitchFamily="49" charset="0"/>
+              </a:rPr>
+              <a:t> = </a:t>
+            </a:r>
+            <a:r>
+              <a:rPr lang="en-CA" sz="2400" dirty="0" err="1">
+                <a:solidFill>
+                  <a:srgbClr val="000000"/>
+                </a:solidFill>
+                <a:latin typeface="Consolas" panose="020B0609020204030204" pitchFamily="49" charset="0"/>
+              </a:rPr>
+              <a:t>json.dumps</a:t>
+            </a:r>
+            <a:r>
+              <a:rPr lang="en-CA" sz="2400" dirty="0">
+                <a:solidFill>
+                  <a:srgbClr val="000000"/>
+                </a:solidFill>
+                <a:latin typeface="Consolas" panose="020B0609020204030204" pitchFamily="49" charset="0"/>
+              </a:rPr>
+              <a:t>(</a:t>
+            </a:r>
+            <a:r>
+              <a:rPr lang="en-CA" sz="2400" dirty="0" err="1">
+                <a:solidFill>
+                  <a:srgbClr val="000000"/>
+                </a:solidFill>
+                <a:latin typeface="Consolas" panose="020B0609020204030204" pitchFamily="49" charset="0"/>
+              </a:rPr>
+              <a:t>person_dict</a:t>
+            </a:r>
+            <a:r>
+              <a:rPr lang="en-CA" sz="2400" dirty="0">
+                <a:solidFill>
+                  <a:srgbClr val="000000"/>
+                </a:solidFill>
+                <a:latin typeface="Consolas" panose="020B0609020204030204" pitchFamily="49" charset="0"/>
+              </a:rPr>
+              <a:t>)</a:t>
+            </a:r>
+          </a:p>
+          <a:p>
+            <a:r>
+              <a:rPr lang="en-CA" sz="2400" dirty="0">
+                <a:solidFill>
+                  <a:srgbClr val="333333"/>
+                </a:solidFill>
+                <a:latin typeface="Consolas" panose="020B0609020204030204" pitchFamily="49" charset="0"/>
+              </a:rPr>
+              <a:t>print</a:t>
+            </a:r>
+            <a:r>
+              <a:rPr lang="en-CA" sz="2400" dirty="0">
+                <a:solidFill>
+                  <a:srgbClr val="000000"/>
+                </a:solidFill>
+                <a:latin typeface="Consolas" panose="020B0609020204030204" pitchFamily="49" charset="0"/>
+              </a:rPr>
+              <a:t>(</a:t>
+            </a:r>
+            <a:r>
+              <a:rPr lang="en-CA" sz="2400" dirty="0" err="1">
+                <a:solidFill>
+                  <a:srgbClr val="000000"/>
+                </a:solidFill>
+                <a:latin typeface="Consolas" panose="020B0609020204030204" pitchFamily="49" charset="0"/>
+              </a:rPr>
+              <a:t>person_json</a:t>
+            </a:r>
+            <a:r>
+              <a:rPr lang="en-CA" sz="2400" dirty="0">
+                <a:solidFill>
+                  <a:srgbClr val="000000"/>
+                </a:solidFill>
+                <a:latin typeface="Consolas" panose="020B0609020204030204" pitchFamily="49" charset="0"/>
+              </a:rPr>
+              <a:t>)</a:t>
+            </a:r>
+            <a:endParaRPr lang="en-CA" sz="2400" b="0" dirty="0">
+              <a:solidFill>
+                <a:srgbClr val="000000"/>
+              </a:solidFill>
+              <a:effectLst/>
+              <a:latin typeface="Consolas" panose="020B0609020204030204" pitchFamily="49" charset="0"/>
+            </a:endParaRPr>
+          </a:p>
+        </p:txBody>
+      </p:sp>
+    </p:spTree>
+    <p:extLst>
+      <p:ext uri="{BB962C8B-B14F-4D97-AF65-F5344CB8AC3E}">
+        <p14:creationId xmlns:p14="http://schemas.microsoft.com/office/powerpoint/2010/main" val="911207295"/>
+      </p:ext>
+    </p:extLst>
+  </p:cSld>
+  <p:clrMapOvr>
+    <a:masterClrMapping/>
+  </p:clrMapOvr>
+  <mc:AlternateContent xmlns:mc="http://schemas.openxmlformats.org/markup-compatibility/2006" xmlns:p14="http://schemas.microsoft.com/office/powerpoint/2010/main">
+    <mc:Choice Requires="p14">
+      <p:transition p14:dur="0"/>
+    </mc:Choice>
+    <mc:Fallback xmlns="">
+      <p:transition/>
+    </mc:Fallback>
+  </mc:AlternateContent>
+  <p:timing>
+    <p:tnLst>
+      <p:par>
+        <p:cTn id="1" dur="indefinite" restart="never" nodeType="tmRoot">
+          <p:childTnLst>
+            <p:seq concurrent="1" nextAc="seek">
+              <p:cTn id="2" dur="indefinite" nodeType="mainSeq">
+                <p:childTnLst>
+                  <p:par>
+                    <p:cTn id="3" fill="hold">
+                      <p:stCondLst>
+                        <p:cond delay="indefinite"/>
+                      </p:stCondLst>
+                      <p:childTnLst>
+                        <p:par>
+                          <p:cTn id="4" fill="hold">
+                            <p:stCondLst>
+                              <p:cond delay="0"/>
+                            </p:stCondLst>
+                            <p:childTnLst>
+                              <p:par>
+                                <p:cTn id="5" presetID="1" presetClass="entr" presetSubtype="0" fill="hold" grpId="0" nodeType="clickEffect">
+                                  <p:stCondLst>
+                                    <p:cond delay="0"/>
+                                  </p:stCondLst>
+                                  <p:childTnLst>
+                                    <p:set>
+                                      <p:cBhvr>
+                                        <p:cTn id="6" dur="1" fill="hold">
+                                          <p:stCondLst>
+                                            <p:cond delay="0"/>
+                                          </p:stCondLst>
+                                        </p:cTn>
+                                        <p:tgtEl>
+                                          <p:spTgt spid="7"/>
+                                        </p:tgtEl>
+                                        <p:attrNameLst>
+                                          <p:attrName>style.visibility</p:attrName>
+                                        </p:attrNameLst>
+                                      </p:cBhvr>
+                                      <p:to>
+                                        <p:strVal val="visible"/>
+                                      </p:to>
+                                    </p:set>
+                                  </p:childTnLst>
+                                </p:cTn>
+                              </p:par>
+                            </p:childTnLst>
+                          </p:cTn>
+                        </p:par>
+                      </p:childTnLst>
+                    </p:cTn>
+                  </p:par>
+                </p:childTnLst>
+              </p:cTn>
+              <p:prevCondLst>
+                <p:cond evt="onPrev" delay="0">
+                  <p:tgtEl>
+                    <p:sldTgt/>
+                  </p:tgtEl>
+                </p:cond>
+              </p:prevCondLst>
+              <p:nextCondLst>
+                <p:cond evt="onNext" delay="0">
+                  <p:tgtEl>
+                    <p:sldTgt/>
+                  </p:tgtEl>
+                </p:cond>
+              </p:nextCondLst>
+            </p:seq>
+          </p:childTnLst>
+        </p:cTn>
+      </p:par>
+    </p:tnLst>
+    <p:bldLst>
+      <p:bldP spid="7" grpId="0" animBg="1"/>
+    </p:bldLst>
+  </p:timing>
+</p:sld>
+</file>
+
+<file path=ppt/slides/slide13.xml><?xml version="1.0" encoding="utf-8"?>
+<p:sld xmlns:a="http://schemas.openxmlformats.org/drawingml/2006/main" xmlns:r="http://schemas.openxmlformats.org/officeDocument/2006/relationships" xmlns:p="http://schemas.openxmlformats.org/presentationml/2006/main">
+  <p:cSld>
+    <p:spTree>
+      <p:nvGrpSpPr>
+        <p:cNvPr id="1" name=""/>
+        <p:cNvGrpSpPr/>
+        <p:nvPr/>
+      </p:nvGrpSpPr>
+      <p:grpSpPr>
+        <a:xfrm>
+          <a:off x="0" y="0"/>
+          <a:ext cx="0" cy="0"/>
+          <a:chOff x="0" y="0"/>
+          <a:chExt cx="0" cy="0"/>
+        </a:xfrm>
+      </p:grpSpPr>
+      <p:sp>
+        <p:nvSpPr>
+          <p:cNvPr id="2" name="Title 1">
+            <a:extLst>
+              <a:ext uri="{FF2B5EF4-FFF2-40B4-BE49-F238E27FC236}">
+                <a16:creationId xmlns:a16="http://schemas.microsoft.com/office/drawing/2014/main" id="{5EA11536-C174-4C20-9394-2A4250FB9D46}"/>
+              </a:ext>
+            </a:extLst>
+          </p:cNvPr>
+          <p:cNvSpPr>
+            <a:spLocks noGrp="1"/>
+          </p:cNvSpPr>
+          <p:nvPr>
+            <p:ph type="title"/>
+          </p:nvPr>
+        </p:nvSpPr>
+        <p:spPr/>
+        <p:txBody>
+          <a:bodyPr/>
+          <a:lstStyle/>
+          <a:p>
+            <a:r>
+              <a:rPr lang="en-CA" dirty="0"/>
+              <a:t>When creating and reading JSON </a:t>
+            </a:r>
+            <a:br>
+              <a:rPr lang="en-CA" dirty="0"/>
+            </a:br>
+            <a:br>
+              <a:rPr lang="en-CA" dirty="0"/>
+            </a:br>
+            <a:br>
+              <a:rPr lang="en-CA" dirty="0"/>
+            </a:br>
+            <a:endParaRPr lang="en-CA" dirty="0"/>
+          </a:p>
+        </p:txBody>
+      </p:sp>
+      <p:sp>
+        <p:nvSpPr>
+          <p:cNvPr id="3" name="Text Placeholder 2">
+            <a:extLst>
+              <a:ext uri="{FF2B5EF4-FFF2-40B4-BE49-F238E27FC236}">
+                <a16:creationId xmlns:a16="http://schemas.microsoft.com/office/drawing/2014/main" id="{A1C5C36E-0F55-4303-B756-5E106C0C34A7}"/>
+              </a:ext>
+            </a:extLst>
+          </p:cNvPr>
+          <p:cNvSpPr>
+            <a:spLocks noGrp="1"/>
+          </p:cNvSpPr>
+          <p:nvPr>
+            <p:ph type="body" sz="quarter" idx="10"/>
+          </p:nvPr>
+        </p:nvSpPr>
+        <p:spPr>
+          <a:xfrm>
+            <a:off x="365760" y="1371600"/>
+            <a:ext cx="11704320" cy="1889748"/>
+          </a:xfrm>
+        </p:spPr>
+        <p:txBody>
+          <a:bodyPr/>
+          <a:lstStyle/>
+          <a:p>
+            <a:r>
+              <a:rPr lang="en-CA" dirty="0"/>
+              <a:t>Use print statements to help you debug</a:t>
+            </a:r>
+          </a:p>
+          <a:p>
+            <a:r>
+              <a:rPr lang="en-CA" dirty="0"/>
+              <a:t>Use a JSON linting tool to make the JSON easier to read</a:t>
+            </a:r>
+          </a:p>
+          <a:p>
+            <a:r>
+              <a:rPr lang="en-CA" dirty="0"/>
+              <a:t>Have a print out of the full JSON so you can figure out the structure when reading specific elements</a:t>
+            </a:r>
+          </a:p>
+        </p:txBody>
+      </p:sp>
+    </p:spTree>
+    <p:extLst>
+      <p:ext uri="{BB962C8B-B14F-4D97-AF65-F5344CB8AC3E}">
+        <p14:creationId xmlns:p14="http://schemas.microsoft.com/office/powerpoint/2010/main" val="3251775968"/>
+      </p:ext>
+    </p:extLst>
+  </p:cSld>
+  <p:clrMapOvr>
+    <a:masterClrMapping/>
+  </p:clrMapOvr>
+  <p:transition>
+    <p:fade/>
+  </p:transition>
+</p:sld>
+</file>
+
+<file path=ppt/slides/slide14.xml><?xml version="1.0" encoding="utf-8"?>
+<p:sld xmlns:a="http://schemas.openxmlformats.org/drawingml/2006/main" xmlns:r="http://schemas.openxmlformats.org/officeDocument/2006/relationships" xmlns:p="http://schemas.openxmlformats.org/presentationml/2006/main">
+  <p:cSld>
+    <p:spTree>
+      <p:nvGrpSpPr>
+        <p:cNvPr id="1" name=""/>
+        <p:cNvGrpSpPr/>
+        <p:nvPr/>
+      </p:nvGrpSpPr>
+      <p:grpSpPr>
+        <a:xfrm>
+          <a:off x="0" y="0"/>
+          <a:ext cx="0" cy="0"/>
+          <a:chOff x="0" y="0"/>
+          <a:chExt cx="0" cy="0"/>
+        </a:xfrm>
+      </p:grpSpPr>
     </p:spTree>
     <p:extLst>
       <p:ext uri="{BB962C8B-B14F-4D97-AF65-F5344CB8AC3E}">
@@ -43743,14 +44527,6 @@
             <a:r>
               <a:rPr lang="en-CA" dirty="0" err="1"/>
               <a:t>isBwImg</a:t>
-            </a:r>
-            <a:r>
-              <a:rPr lang="en-CA" dirty="0"/>
-              <a:t>": false, "</a:t>
-            </a:r>
-            <a:r>
-              <a:rPr lang="en-CA" dirty="0" err="1"/>
-              <a:t>isBWImg</a:t>
             </a:r>
             <a:r>
               <a:rPr lang="en-CA" dirty="0"/>
@@ -44264,7 +45040,7 @@
         <p:spPr>
           <a:xfrm>
             <a:off x="518160" y="3040062"/>
-            <a:ext cx="11430001" cy="2031325"/>
+            <a:ext cx="11430001" cy="1754326"/>
           </a:xfrm>
           <a:prstGeom prst="rect">
             <a:avLst/>
@@ -44340,20 +45116,6 @@
             <a:r>
               <a:rPr lang="en-CA" dirty="0"/>
               <a:t>": "595144", </a:t>
-            </a:r>
-          </a:p>
-          <a:p>
-            <a:r>
-              <a:rPr lang="en-CA" dirty="0"/>
-              <a:t>	  "</a:t>
-            </a:r>
-            <a:r>
-              <a:rPr lang="en-CA" dirty="0" err="1"/>
-              <a:t>isBwImg</a:t>
-            </a:r>
-            <a:r>
-              <a:rPr lang="en-CA" dirty="0"/>
-              <a:t>": false, </a:t>
             </a:r>
           </a:p>
           <a:p>
@@ -45251,7 +46013,7 @@
         <p:spPr>
           <a:xfrm>
             <a:off x="484953" y="3127930"/>
-            <a:ext cx="3730508" cy="369332"/>
+            <a:ext cx="5705408" cy="523220"/>
           </a:xfrm>
           <a:prstGeom prst="rect">
             <a:avLst/>
@@ -45264,7 +46026,7 @@
           <a:lstStyle/>
           <a:p>
             <a:r>
-              <a:rPr lang="en-CA" dirty="0">
+              <a:rPr lang="en-CA" sz="2800" dirty="0">
                 <a:solidFill>
                   <a:srgbClr val="333333"/>
                 </a:solidFill>
@@ -45273,7 +46035,7 @@
               <a:t>print (results[</a:t>
             </a:r>
             <a:r>
-              <a:rPr lang="en-CA" dirty="0">
+              <a:rPr lang="en-CA" sz="2800" dirty="0">
                 <a:solidFill>
                   <a:srgbClr val="C00000"/>
                 </a:solidFill>
@@ -45282,7 +46044,7 @@
               <a:t>'</a:t>
             </a:r>
             <a:r>
-              <a:rPr lang="en-CA" dirty="0" err="1">
+              <a:rPr lang="en-CA" sz="2800" dirty="0" err="1">
                 <a:solidFill>
                   <a:srgbClr val="C00000"/>
                 </a:solidFill>
@@ -45294,7 +46056,7 @@
               <a:t>requestId</a:t>
             </a:r>
             <a:r>
-              <a:rPr lang="en-CA" dirty="0">
+              <a:rPr lang="en-CA" sz="2800" dirty="0">
                 <a:solidFill>
                   <a:srgbClr val="C00000"/>
                 </a:solidFill>
@@ -45303,7 +46065,7 @@
               <a:t>'</a:t>
             </a:r>
             <a:r>
-              <a:rPr lang="en-CA" dirty="0">
+              <a:rPr lang="en-CA" sz="2800" dirty="0">
                 <a:solidFill>
                   <a:srgbClr val="333333"/>
                 </a:solidFill>
@@ -45311,7 +46073,7 @@
               </a:rPr>
               <a:t>])</a:t>
             </a:r>
-            <a:endParaRPr lang="en-CA" b="0" dirty="0">
+            <a:endParaRPr lang="en-CA" sz="2800" b="0" dirty="0">
               <a:solidFill>
                 <a:srgbClr val="333333"/>
               </a:solidFill>
@@ -45336,7 +46098,7 @@
         <p:spPr>
           <a:xfrm>
             <a:off x="488839" y="3945532"/>
-            <a:ext cx="11429999" cy="1477328"/>
+            <a:ext cx="11429999" cy="1631216"/>
           </a:xfrm>
           <a:prstGeom prst="rect">
             <a:avLst/>
@@ -45352,7 +46114,7 @@
           <a:lstStyle/>
           <a:p>
             <a:r>
-              <a:rPr lang="en-CA" dirty="0">
+              <a:rPr lang="en-CA" sz="2800" dirty="0">
                 <a:highlight>
                   <a:srgbClr val="00FFFF"/>
                 </a:highlight>
@@ -45803,8 +46565,8 @@
         </p:nvSpPr>
         <p:spPr>
           <a:xfrm>
-            <a:off x="519111" y="5622925"/>
-            <a:ext cx="8518526" cy="369332"/>
+            <a:off x="519110" y="5622925"/>
+            <a:ext cx="11429999" cy="523220"/>
           </a:xfrm>
           <a:prstGeom prst="rect">
             <a:avLst/>
@@ -45817,7 +46579,7 @@
           <a:lstStyle/>
           <a:p>
             <a:r>
-              <a:rPr lang="en-CA" dirty="0">
+              <a:rPr lang="en-CA" sz="2800" dirty="0">
                 <a:solidFill>
                   <a:srgbClr val="333333"/>
                 </a:solidFill>
@@ -45826,7 +46588,7 @@
               <a:t>print(results[</a:t>
             </a:r>
             <a:r>
-              <a:rPr lang="en-CA" dirty="0">
+              <a:rPr lang="en-CA" sz="2800" dirty="0">
                 <a:solidFill>
                   <a:srgbClr val="C00000"/>
                 </a:solidFill>
@@ -45835,7 +46597,7 @@
               <a:t>'</a:t>
             </a:r>
             <a:r>
-              <a:rPr lang="en-CA" dirty="0">
+              <a:rPr lang="en-CA" sz="2800" dirty="0">
                 <a:solidFill>
                   <a:srgbClr val="C00000"/>
                 </a:solidFill>
@@ -45847,7 +46609,7 @@
               <a:t>color</a:t>
             </a:r>
             <a:r>
-              <a:rPr lang="en-CA" dirty="0">
+              <a:rPr lang="en-CA" sz="2800" dirty="0">
                 <a:solidFill>
                   <a:srgbClr val="C00000"/>
                 </a:solidFill>
@@ -45856,7 +46618,7 @@
               <a:t>'</a:t>
             </a:r>
             <a:r>
-              <a:rPr lang="en-CA" dirty="0">
+              <a:rPr lang="en-CA" sz="2800" dirty="0">
                 <a:solidFill>
                   <a:srgbClr val="333333"/>
                 </a:solidFill>
@@ -45865,7 +46627,7 @@
               <a:t>][</a:t>
             </a:r>
             <a:r>
-              <a:rPr lang="en-CA" dirty="0">
+              <a:rPr lang="en-CA" sz="2800" dirty="0">
                 <a:solidFill>
                   <a:srgbClr val="C00000"/>
                 </a:solidFill>
@@ -45874,7 +46636,7 @@
               <a:t>'</a:t>
             </a:r>
             <a:r>
-              <a:rPr lang="en-CA" dirty="0" err="1">
+              <a:rPr lang="en-CA" sz="2800" dirty="0" err="1">
                 <a:solidFill>
                   <a:srgbClr val="C00000"/>
                 </a:solidFill>
@@ -45886,7 +46648,7 @@
               <a:t>dominantColorBackground</a:t>
             </a:r>
             <a:r>
-              <a:rPr lang="en-CA" dirty="0">
+              <a:rPr lang="en-CA" sz="2800" dirty="0">
                 <a:solidFill>
                   <a:srgbClr val="C00000"/>
                 </a:solidFill>
@@ -45895,7 +46657,7 @@
               <a:t>'</a:t>
             </a:r>
             <a:r>
-              <a:rPr lang="en-CA" dirty="0">
+              <a:rPr lang="en-CA" sz="2800" dirty="0">
                 <a:solidFill>
                   <a:srgbClr val="333333"/>
                 </a:solidFill>
@@ -45903,7 +46665,7 @@
               </a:rPr>
               <a:t>])</a:t>
             </a:r>
-            <a:endParaRPr lang="en-CA" b="0" dirty="0">
+            <a:endParaRPr lang="en-CA" sz="2800" b="0" dirty="0">
               <a:solidFill>
                 <a:srgbClr val="333333"/>
               </a:solidFill>
@@ -45928,7 +46690,7 @@
         <p:spPr>
           <a:xfrm>
             <a:off x="528253" y="6259433"/>
-            <a:ext cx="11430000" cy="646331"/>
+            <a:ext cx="11420856" cy="523220"/>
           </a:xfrm>
           <a:prstGeom prst="rect">
             <a:avLst/>
@@ -45944,16 +46706,14 @@
           <a:lstStyle/>
           <a:p>
             <a:r>
-              <a:rPr lang="en-CA" dirty="0">
+              <a:rPr lang="en-CA" sz="2800" dirty="0">
                 <a:highlight>
                   <a:srgbClr val="00FFFF"/>
                 </a:highlight>
                 <a:latin typeface="Consolas" panose="020B0609020204030204" pitchFamily="49" charset="0"/>
               </a:rPr>
-              <a:t>White	</a:t>
-            </a:r>
-          </a:p>
-          <a:p>
+              <a:t>White</a:t>
+            </a:r>
             <a:endParaRPr lang="en-CA" dirty="0">
               <a:highlight>
                 <a:srgbClr val="00FFFF"/>
@@ -46224,7 +46984,7 @@
         <p:spPr>
           <a:xfrm>
             <a:off x="343480" y="3607606"/>
-            <a:ext cx="11430001" cy="2031325"/>
+            <a:ext cx="11726600" cy="1754326"/>
           </a:xfrm>
           <a:prstGeom prst="rect">
             <a:avLst/>
@@ -46261,7 +47021,7 @@
           <a:p>
             <a:r>
               <a:rPr lang="en-CA" dirty="0"/>
-              <a:t>	{"</a:t>
+              <a:t>    {"</a:t>
             </a:r>
             <a:r>
               <a:rPr lang="en-CA" dirty="0">
@@ -46279,7 +47039,7 @@
           <a:p>
             <a:r>
               <a:rPr lang="en-CA" dirty="0"/>
-              <a:t>	       ["</a:t>
+              <a:t>               ["</a:t>
             </a:r>
             <a:r>
               <a:rPr lang="en-CA" dirty="0">
@@ -46297,7 +47057,7 @@
           <a:p>
             <a:r>
               <a:rPr lang="en-CA" dirty="0"/>
-              <a:t>                "captions": </a:t>
+              <a:t>     "captions": </a:t>
             </a:r>
           </a:p>
           <a:p>
@@ -46309,7 +47069,7 @@
           <a:p>
             <a:r>
               <a:rPr lang="en-CA" dirty="0"/>
-              <a:t>	},</a:t>
+              <a:t>     },</a:t>
             </a:r>
           </a:p>
         </p:txBody>
@@ -46329,7 +47089,7 @@
         <p:spPr>
           <a:xfrm>
             <a:off x="305434" y="5778868"/>
-            <a:ext cx="5250155" cy="369332"/>
+            <a:ext cx="8071440" cy="523220"/>
           </a:xfrm>
           <a:prstGeom prst="rect">
             <a:avLst/>
@@ -46342,7 +47102,7 @@
           <a:lstStyle/>
           <a:p>
             <a:r>
-              <a:rPr lang="en-CA" dirty="0">
+              <a:rPr lang="en-CA" sz="2800" dirty="0">
                 <a:solidFill>
                   <a:srgbClr val="333333"/>
                 </a:solidFill>
@@ -46351,7 +47111,7 @@
               <a:t>print(results[</a:t>
             </a:r>
             <a:r>
-              <a:rPr lang="en-CA" dirty="0">
+              <a:rPr lang="en-CA" sz="2800" dirty="0">
                 <a:solidFill>
                   <a:srgbClr val="C00000"/>
                 </a:solidFill>
@@ -46360,7 +47120,7 @@
               <a:t>'</a:t>
             </a:r>
             <a:r>
-              <a:rPr lang="en-CA" dirty="0">
+              <a:rPr lang="en-CA" sz="2800" dirty="0">
                 <a:solidFill>
                   <a:srgbClr val="C00000"/>
                 </a:solidFill>
@@ -46372,7 +47132,7 @@
               <a:t>description</a:t>
             </a:r>
             <a:r>
-              <a:rPr lang="en-CA" dirty="0">
+              <a:rPr lang="en-CA" sz="2800" dirty="0">
                 <a:solidFill>
                   <a:srgbClr val="C00000"/>
                 </a:solidFill>
@@ -46381,7 +47141,7 @@
               <a:t>'</a:t>
             </a:r>
             <a:r>
-              <a:rPr lang="en-CA" dirty="0">
+              <a:rPr lang="en-CA" sz="2800" dirty="0">
                 <a:solidFill>
                   <a:srgbClr val="333333"/>
                 </a:solidFill>
@@ -46390,7 +47150,7 @@
               <a:t>][</a:t>
             </a:r>
             <a:r>
-              <a:rPr lang="en-CA" dirty="0">
+              <a:rPr lang="en-CA" sz="2800" dirty="0">
                 <a:solidFill>
                   <a:srgbClr val="C00000"/>
                 </a:solidFill>
@@ -46399,7 +47159,7 @@
               <a:t>'</a:t>
             </a:r>
             <a:r>
-              <a:rPr lang="en-CA" dirty="0">
+              <a:rPr lang="en-CA" sz="2800" dirty="0">
                 <a:solidFill>
                   <a:srgbClr val="C00000"/>
                 </a:solidFill>
@@ -46411,7 +47171,7 @@
               <a:t>tags</a:t>
             </a:r>
             <a:r>
-              <a:rPr lang="en-CA" dirty="0">
+              <a:rPr lang="en-CA" sz="2800" dirty="0">
                 <a:solidFill>
                   <a:srgbClr val="C00000"/>
                 </a:solidFill>
@@ -46420,7 +47180,7 @@
               <a:t>'</a:t>
             </a:r>
             <a:r>
-              <a:rPr lang="en-CA" dirty="0">
+              <a:rPr lang="en-CA" sz="2800" dirty="0">
                 <a:solidFill>
                   <a:srgbClr val="333333"/>
                 </a:solidFill>
@@ -46428,7 +47188,7 @@
               </a:rPr>
               <a:t>][0])</a:t>
             </a:r>
-            <a:endParaRPr lang="en-CA" b="0" dirty="0">
+            <a:endParaRPr lang="en-CA" sz="2800" b="0" dirty="0">
               <a:solidFill>
                 <a:srgbClr val="333333"/>
               </a:solidFill>
@@ -46452,8 +47212,8 @@
         </p:nvSpPr>
         <p:spPr>
           <a:xfrm>
-            <a:off x="343480" y="6259433"/>
-            <a:ext cx="11430001" cy="646331"/>
+            <a:off x="350837" y="6326842"/>
+            <a:ext cx="11430001" cy="523220"/>
           </a:xfrm>
           <a:prstGeom prst="rect">
             <a:avLst/>
@@ -46469,7 +47229,7 @@
           <a:lstStyle/>
           <a:p>
             <a:r>
-              <a:rPr lang="en-CA" dirty="0">
+              <a:rPr lang="en-CA" sz="2800" dirty="0">
                 <a:highlight>
                   <a:srgbClr val="00FFFF"/>
                 </a:highlight>
@@ -46477,14 +47237,6 @@
               </a:rPr>
               <a:t>bear</a:t>
             </a:r>
-          </a:p>
-          <a:p>
-            <a:endParaRPr lang="en-CA" dirty="0">
-              <a:highlight>
-                <a:srgbClr val="00FFFF"/>
-              </a:highlight>
-              <a:latin typeface="Consolas" panose="020B0609020204030204" pitchFamily="49" charset="0"/>
-            </a:endParaRPr>
           </a:p>
         </p:txBody>
       </p:sp>
@@ -46838,8 +47590,8 @@
         </p:nvSpPr>
         <p:spPr>
           <a:xfrm>
-            <a:off x="365760" y="4640262"/>
-            <a:ext cx="5630067" cy="646331"/>
+            <a:off x="365760" y="4259262"/>
+            <a:ext cx="7491153" cy="830997"/>
           </a:xfrm>
           <a:prstGeom prst="rect">
             <a:avLst/>
@@ -46852,13 +47604,13 @@
           <a:lstStyle/>
           <a:p>
             <a:r>
-              <a:rPr lang="en-US" dirty="0">
+              <a:rPr lang="en-US" sz="2400" dirty="0">
                 <a:latin typeface="Consolas" panose="020B0609020204030204" pitchFamily="49" charset="0"/>
               </a:rPr>
               <a:t>for item in results[</a:t>
             </a:r>
             <a:r>
-              <a:rPr lang="en-US" dirty="0">
+              <a:rPr lang="en-US" sz="2400" dirty="0">
                 <a:solidFill>
                   <a:srgbClr val="C00000"/>
                 </a:solidFill>
@@ -46867,7 +47619,7 @@
               <a:t>'</a:t>
             </a:r>
             <a:r>
-              <a:rPr lang="en-US" dirty="0">
+              <a:rPr lang="en-US" sz="2400" dirty="0">
                 <a:solidFill>
                   <a:srgbClr val="C00000"/>
                 </a:solidFill>
@@ -46879,7 +47631,7 @@
               <a:t>description</a:t>
             </a:r>
             <a:r>
-              <a:rPr lang="en-US" dirty="0">
+              <a:rPr lang="en-US" sz="2400" dirty="0">
                 <a:solidFill>
                   <a:srgbClr val="C00000"/>
                 </a:solidFill>
@@ -46888,13 +47640,13 @@
               <a:t>'</a:t>
             </a:r>
             <a:r>
-              <a:rPr lang="en-US" dirty="0">
+              <a:rPr lang="en-US" sz="2400" dirty="0">
                 <a:latin typeface="Consolas" panose="020B0609020204030204" pitchFamily="49" charset="0"/>
               </a:rPr>
               <a:t>][</a:t>
             </a:r>
             <a:r>
-              <a:rPr lang="en-US" dirty="0">
+              <a:rPr lang="en-US" sz="2400" dirty="0">
                 <a:solidFill>
                   <a:srgbClr val="C00000"/>
                 </a:solidFill>
@@ -46903,7 +47655,7 @@
               <a:t>'</a:t>
             </a:r>
             <a:r>
-              <a:rPr lang="en-US" dirty="0">
+              <a:rPr lang="en-US" sz="2400" dirty="0">
                 <a:solidFill>
                   <a:srgbClr val="C00000"/>
                 </a:solidFill>
@@ -46915,7 +47667,7 @@
               <a:t>tags</a:t>
             </a:r>
             <a:r>
-              <a:rPr lang="en-US" dirty="0">
+              <a:rPr lang="en-US" sz="2400" dirty="0">
                 <a:solidFill>
                   <a:srgbClr val="C00000"/>
                 </a:solidFill>
@@ -46924,7 +47676,7 @@
               <a:t>'</a:t>
             </a:r>
             <a:r>
-              <a:rPr lang="en-US" dirty="0">
+              <a:rPr lang="en-US" sz="2400" dirty="0">
                 <a:latin typeface="Consolas" panose="020B0609020204030204" pitchFamily="49" charset="0"/>
               </a:rPr>
               <a:t>]:</a:t>
@@ -46932,7 +47684,7 @@
           </a:p>
           <a:p>
             <a:r>
-              <a:rPr lang="en-US" dirty="0">
+              <a:rPr lang="en-US" sz="2400" dirty="0">
                 <a:latin typeface="Consolas" panose="020B0609020204030204" pitchFamily="49" charset="0"/>
               </a:rPr>
               <a:t>    print(item)</a:t>
@@ -46954,8 +47706,8 @@
         </p:nvSpPr>
         <p:spPr>
           <a:xfrm>
-            <a:off x="6065837" y="4140140"/>
-            <a:ext cx="5729924" cy="2862322"/>
+            <a:off x="8885237" y="4140140"/>
+            <a:ext cx="2895600" cy="2862322"/>
           </a:xfrm>
           <a:prstGeom prst="rect">
             <a:avLst/>
@@ -47279,10 +48031,10 @@
       </p:grpSpPr>
       <p:sp>
         <p:nvSpPr>
-          <p:cNvPr id="14" name="Title 13">
+          <p:cNvPr id="2" name="Title 1">
             <a:extLst>
               <a:ext uri="{FF2B5EF4-FFF2-40B4-BE49-F238E27FC236}">
-                <a16:creationId xmlns:a16="http://schemas.microsoft.com/office/drawing/2014/main" id="{0EABF196-DEFD-4037-AB56-85AC0D14459F}"/>
+                <a16:creationId xmlns:a16="http://schemas.microsoft.com/office/drawing/2014/main" id="{5EA11536-C174-4C20-9394-2A4250FB9D46}"/>
               </a:ext>
             </a:extLst>
           </p:cNvPr>
@@ -47299,516 +48051,25 @@
           <a:lstStyle/>
           <a:p>
             <a:r>
-              <a:rPr lang="en-US" b="1" dirty="0"/>
-              <a:t>You can create </a:t>
-            </a:r>
-            <a:r>
-              <a:rPr lang="en-CA" b="1" dirty="0"/>
-              <a:t>"</a:t>
-            </a:r>
-            <a:r>
-              <a:rPr lang="en-CA" b="1" dirty="0" err="1"/>
-              <a:t>key":"value</a:t>
-            </a:r>
-            <a:r>
-              <a:rPr lang="en-CA" b="1" dirty="0"/>
-              <a:t>" </a:t>
-            </a:r>
-            <a:r>
-              <a:rPr lang="en-US" b="1" dirty="0"/>
-              <a:t>JSON objects from a dictionary</a:t>
-            </a:r>
-            <a:br>
-              <a:rPr lang="en-US" b="1" dirty="0"/>
-            </a:br>
-            <a:endParaRPr lang="en-CA" b="1" dirty="0"/>
-          </a:p>
-        </p:txBody>
-      </p:sp>
-      <p:sp>
-        <p:nvSpPr>
-          <p:cNvPr id="7" name="Rectangle 6">
-            <a:extLst>
-              <a:ext uri="{FF2B5EF4-FFF2-40B4-BE49-F238E27FC236}">
-                <a16:creationId xmlns:a16="http://schemas.microsoft.com/office/drawing/2014/main" id="{77DB5C1B-3573-4EBF-8A54-049CC5D3DCDB}"/>
-              </a:ext>
-            </a:extLst>
-          </p:cNvPr>
-          <p:cNvSpPr/>
-          <p:nvPr/>
-        </p:nvSpPr>
-        <p:spPr>
-          <a:xfrm>
-            <a:off x="609918" y="5094137"/>
-            <a:ext cx="11170919" cy="1323439"/>
-          </a:xfrm>
-          <a:prstGeom prst="rect">
-            <a:avLst/>
-          </a:prstGeom>
-          <a:solidFill>
-            <a:srgbClr val="737373"/>
-          </a:solidFill>
-        </p:spPr>
-        <p:txBody>
-          <a:bodyPr wrap="square">
-            <a:spAutoFit/>
-          </a:bodyPr>
-          <a:lstStyle/>
-          <a:p>
-            <a:r>
-              <a:rPr lang="en-US" sz="2400" dirty="0">
-                <a:solidFill>
-                  <a:schemeClr val="bg1"/>
-                </a:solidFill>
-                <a:latin typeface="Consolas" panose="020B0609020204030204" pitchFamily="49" charset="0"/>
-              </a:rPr>
-              <a:t>{"first": "Christopher", "last": "Harrison", "City": "Seattle"}</a:t>
-            </a:r>
-          </a:p>
-          <a:p>
-            <a:endParaRPr lang="en-US" sz="2800" dirty="0">
-              <a:solidFill>
-                <a:schemeClr val="bg1"/>
-              </a:solidFill>
-              <a:latin typeface="Consolas" panose="020B0609020204030204" pitchFamily="49" charset="0"/>
-            </a:endParaRPr>
-          </a:p>
-          <a:p>
-            <a:endParaRPr lang="en-US" sz="2800" dirty="0">
-              <a:solidFill>
-                <a:schemeClr val="bg1"/>
-              </a:solidFill>
-              <a:highlight>
-                <a:srgbClr val="00FFFF"/>
-              </a:highlight>
-              <a:latin typeface="Consolas" panose="020B0609020204030204" pitchFamily="49" charset="0"/>
-            </a:endParaRPr>
-          </a:p>
-        </p:txBody>
-      </p:sp>
-      <p:sp>
-        <p:nvSpPr>
-          <p:cNvPr id="2" name="Rectangle 1">
-            <a:extLst>
-              <a:ext uri="{FF2B5EF4-FFF2-40B4-BE49-F238E27FC236}">
-                <a16:creationId xmlns:a16="http://schemas.microsoft.com/office/drawing/2014/main" id="{78B8946D-B36F-473F-9764-96E141553561}"/>
-              </a:ext>
-            </a:extLst>
-          </p:cNvPr>
-          <p:cNvSpPr/>
-          <p:nvPr/>
-        </p:nvSpPr>
-        <p:spPr>
-          <a:xfrm>
-            <a:off x="655637" y="1821874"/>
-            <a:ext cx="11704320" cy="3046988"/>
-          </a:xfrm>
-          <a:prstGeom prst="rect">
-            <a:avLst/>
-          </a:prstGeom>
-        </p:spPr>
-        <p:txBody>
-          <a:bodyPr wrap="square">
-            <a:spAutoFit/>
-          </a:bodyPr>
-          <a:lstStyle/>
-          <a:p>
-            <a:r>
-              <a:rPr lang="en-CA" sz="2400" dirty="0">
-                <a:solidFill>
-                  <a:schemeClr val="tx2"/>
-                </a:solidFill>
-                <a:latin typeface="Consolas" panose="020B0609020204030204" pitchFamily="49" charset="0"/>
-              </a:rPr>
-              <a:t># Create a dictionary object</a:t>
-            </a:r>
-          </a:p>
-          <a:p>
-            <a:r>
-              <a:rPr lang="en-CA" sz="2400" dirty="0" err="1">
-                <a:solidFill>
-                  <a:srgbClr val="000000"/>
-                </a:solidFill>
-                <a:latin typeface="Consolas" panose="020B0609020204030204" pitchFamily="49" charset="0"/>
-              </a:rPr>
-              <a:t>person_dict</a:t>
-            </a:r>
-            <a:r>
-              <a:rPr lang="en-CA" sz="2400" dirty="0">
-                <a:solidFill>
-                  <a:srgbClr val="000000"/>
-                </a:solidFill>
-                <a:latin typeface="Consolas" panose="020B0609020204030204" pitchFamily="49" charset="0"/>
-              </a:rPr>
-              <a:t> = {</a:t>
-            </a:r>
-            <a:r>
-              <a:rPr lang="en-CA" sz="2400" dirty="0">
-                <a:solidFill>
-                  <a:srgbClr val="A31515"/>
-                </a:solidFill>
-                <a:latin typeface="Consolas" panose="020B0609020204030204" pitchFamily="49" charset="0"/>
-              </a:rPr>
-              <a:t>'first'</a:t>
-            </a:r>
-            <a:r>
-              <a:rPr lang="en-CA" sz="2400" dirty="0">
-                <a:solidFill>
-                  <a:srgbClr val="000000"/>
-                </a:solidFill>
-                <a:latin typeface="Consolas" panose="020B0609020204030204" pitchFamily="49" charset="0"/>
-              </a:rPr>
-              <a:t>: </a:t>
-            </a:r>
-            <a:r>
-              <a:rPr lang="en-CA" sz="2400" dirty="0">
-                <a:solidFill>
-                  <a:srgbClr val="A31515"/>
-                </a:solidFill>
-                <a:latin typeface="Consolas" panose="020B0609020204030204" pitchFamily="49" charset="0"/>
-              </a:rPr>
-              <a:t>'Christopher'</a:t>
-            </a:r>
-            <a:r>
-              <a:rPr lang="en-CA" sz="2400" dirty="0">
-                <a:solidFill>
-                  <a:srgbClr val="000000"/>
-                </a:solidFill>
-                <a:latin typeface="Consolas" panose="020B0609020204030204" pitchFamily="49" charset="0"/>
-              </a:rPr>
-              <a:t>, </a:t>
-            </a:r>
-            <a:r>
-              <a:rPr lang="en-CA" sz="2400" dirty="0">
-                <a:solidFill>
-                  <a:srgbClr val="A31515"/>
-                </a:solidFill>
-                <a:latin typeface="Consolas" panose="020B0609020204030204" pitchFamily="49" charset="0"/>
-              </a:rPr>
-              <a:t>'</a:t>
-            </a:r>
-            <a:r>
-              <a:rPr lang="en-CA" sz="2400" dirty="0" err="1">
-                <a:solidFill>
-                  <a:srgbClr val="A31515"/>
-                </a:solidFill>
-                <a:latin typeface="Consolas" panose="020B0609020204030204" pitchFamily="49" charset="0"/>
-              </a:rPr>
-              <a:t>last'</a:t>
-            </a:r>
-            <a:r>
-              <a:rPr lang="en-CA" sz="2400" dirty="0" err="1">
-                <a:solidFill>
-                  <a:srgbClr val="000000"/>
-                </a:solidFill>
-                <a:latin typeface="Consolas" panose="020B0609020204030204" pitchFamily="49" charset="0"/>
-              </a:rPr>
-              <a:t>:</a:t>
-            </a:r>
-            <a:r>
-              <a:rPr lang="en-CA" sz="2400" dirty="0" err="1">
-                <a:solidFill>
-                  <a:srgbClr val="A31515"/>
-                </a:solidFill>
-                <a:latin typeface="Consolas" panose="020B0609020204030204" pitchFamily="49" charset="0"/>
-              </a:rPr>
-              <a:t>'Harrison</a:t>
-            </a:r>
-            <a:r>
-              <a:rPr lang="en-CA" sz="2400" dirty="0">
-                <a:solidFill>
-                  <a:srgbClr val="A31515"/>
-                </a:solidFill>
-                <a:latin typeface="Consolas" panose="020B0609020204030204" pitchFamily="49" charset="0"/>
-              </a:rPr>
-              <a:t>'</a:t>
-            </a:r>
-            <a:r>
-              <a:rPr lang="en-CA" sz="2400" dirty="0">
-                <a:solidFill>
-                  <a:srgbClr val="000000"/>
-                </a:solidFill>
-                <a:latin typeface="Consolas" panose="020B0609020204030204" pitchFamily="49" charset="0"/>
-              </a:rPr>
-              <a:t>}</a:t>
-            </a:r>
-          </a:p>
-          <a:p>
-            <a:r>
-              <a:rPr lang="en-CA" sz="2400" dirty="0">
-                <a:solidFill>
-                  <a:schemeClr val="tx2"/>
-                </a:solidFill>
-                <a:latin typeface="Consolas" panose="020B0609020204030204" pitchFamily="49" charset="0"/>
-              </a:rPr>
-              <a:t># Add additional key pairs as needed to dictionary</a:t>
-            </a:r>
-          </a:p>
-          <a:p>
-            <a:r>
-              <a:rPr lang="en-CA" sz="2400" dirty="0" err="1">
-                <a:solidFill>
-                  <a:srgbClr val="000000"/>
-                </a:solidFill>
-                <a:latin typeface="Consolas" panose="020B0609020204030204" pitchFamily="49" charset="0"/>
-              </a:rPr>
-              <a:t>person_dict</a:t>
-            </a:r>
-            <a:r>
-              <a:rPr lang="en-CA" sz="2400" dirty="0">
-                <a:solidFill>
-                  <a:srgbClr val="000000"/>
-                </a:solidFill>
-                <a:latin typeface="Consolas" panose="020B0609020204030204" pitchFamily="49" charset="0"/>
-              </a:rPr>
-              <a:t>[</a:t>
-            </a:r>
-            <a:r>
-              <a:rPr lang="en-CA" sz="2400" dirty="0">
-                <a:solidFill>
-                  <a:srgbClr val="A31515"/>
-                </a:solidFill>
-                <a:latin typeface="Consolas" panose="020B0609020204030204" pitchFamily="49" charset="0"/>
-              </a:rPr>
-              <a:t>'City'</a:t>
-            </a:r>
-            <a:r>
-              <a:rPr lang="en-CA" sz="2400" dirty="0">
-                <a:solidFill>
-                  <a:srgbClr val="000000"/>
-                </a:solidFill>
-                <a:latin typeface="Consolas" panose="020B0609020204030204" pitchFamily="49" charset="0"/>
-              </a:rPr>
-              <a:t>]=</a:t>
-            </a:r>
-            <a:r>
-              <a:rPr lang="en-CA" sz="2400" dirty="0">
-                <a:solidFill>
-                  <a:srgbClr val="A31515"/>
-                </a:solidFill>
-                <a:latin typeface="Consolas" panose="020B0609020204030204" pitchFamily="49" charset="0"/>
-              </a:rPr>
-              <a:t>'Seattle'</a:t>
-            </a:r>
-          </a:p>
-          <a:p>
-            <a:endParaRPr lang="en-CA" sz="2400" dirty="0">
-              <a:solidFill>
-                <a:srgbClr val="000000"/>
-              </a:solidFill>
-              <a:latin typeface="Consolas" panose="020B0609020204030204" pitchFamily="49" charset="0"/>
-            </a:endParaRPr>
-          </a:p>
-          <a:p>
-            <a:r>
-              <a:rPr lang="en-CA" sz="2400" dirty="0">
-                <a:solidFill>
-                  <a:schemeClr val="tx2"/>
-                </a:solidFill>
-                <a:latin typeface="Consolas" panose="020B0609020204030204" pitchFamily="49" charset="0"/>
-              </a:rPr>
-              <a:t># Convert dictionary to JSON object</a:t>
-            </a:r>
-          </a:p>
-          <a:p>
-            <a:r>
-              <a:rPr lang="en-CA" sz="2400" dirty="0" err="1">
-                <a:solidFill>
-                  <a:srgbClr val="000000"/>
-                </a:solidFill>
-                <a:latin typeface="Consolas" panose="020B0609020204030204" pitchFamily="49" charset="0"/>
-              </a:rPr>
-              <a:t>person_json</a:t>
-            </a:r>
-            <a:r>
-              <a:rPr lang="en-CA" sz="2400" dirty="0">
-                <a:solidFill>
-                  <a:srgbClr val="000000"/>
-                </a:solidFill>
-                <a:latin typeface="Consolas" panose="020B0609020204030204" pitchFamily="49" charset="0"/>
-              </a:rPr>
-              <a:t> = </a:t>
-            </a:r>
-            <a:r>
-              <a:rPr lang="en-CA" sz="2400" dirty="0" err="1">
-                <a:solidFill>
-                  <a:srgbClr val="000000"/>
-                </a:solidFill>
-                <a:latin typeface="Consolas" panose="020B0609020204030204" pitchFamily="49" charset="0"/>
-              </a:rPr>
-              <a:t>json.dumps</a:t>
-            </a:r>
-            <a:r>
-              <a:rPr lang="en-CA" sz="2400" dirty="0">
-                <a:solidFill>
-                  <a:srgbClr val="000000"/>
-                </a:solidFill>
-                <a:latin typeface="Consolas" panose="020B0609020204030204" pitchFamily="49" charset="0"/>
-              </a:rPr>
-              <a:t>(</a:t>
-            </a:r>
-            <a:r>
-              <a:rPr lang="en-CA" sz="2400" dirty="0" err="1">
-                <a:solidFill>
-                  <a:srgbClr val="000000"/>
-                </a:solidFill>
-                <a:latin typeface="Consolas" panose="020B0609020204030204" pitchFamily="49" charset="0"/>
-              </a:rPr>
-              <a:t>person_dict</a:t>
-            </a:r>
-            <a:r>
-              <a:rPr lang="en-CA" sz="2400" dirty="0">
-                <a:solidFill>
-                  <a:srgbClr val="000000"/>
-                </a:solidFill>
-                <a:latin typeface="Consolas" panose="020B0609020204030204" pitchFamily="49" charset="0"/>
-              </a:rPr>
-              <a:t>)</a:t>
-            </a:r>
-          </a:p>
-          <a:p>
-            <a:r>
-              <a:rPr lang="en-CA" sz="2400" dirty="0">
-                <a:solidFill>
-                  <a:srgbClr val="333333"/>
-                </a:solidFill>
-                <a:latin typeface="Consolas" panose="020B0609020204030204" pitchFamily="49" charset="0"/>
-              </a:rPr>
-              <a:t>print</a:t>
-            </a:r>
-            <a:r>
-              <a:rPr lang="en-CA" sz="2400" dirty="0">
-                <a:solidFill>
-                  <a:srgbClr val="000000"/>
-                </a:solidFill>
-                <a:latin typeface="Consolas" panose="020B0609020204030204" pitchFamily="49" charset="0"/>
-              </a:rPr>
-              <a:t>(</a:t>
-            </a:r>
-            <a:r>
-              <a:rPr lang="en-CA" sz="2400" dirty="0" err="1">
-                <a:solidFill>
-                  <a:srgbClr val="000000"/>
-                </a:solidFill>
-                <a:latin typeface="Consolas" panose="020B0609020204030204" pitchFamily="49" charset="0"/>
-              </a:rPr>
-              <a:t>person_json</a:t>
-            </a:r>
-            <a:r>
-              <a:rPr lang="en-CA" sz="2400" dirty="0">
-                <a:solidFill>
-                  <a:srgbClr val="000000"/>
-                </a:solidFill>
-                <a:latin typeface="Consolas" panose="020B0609020204030204" pitchFamily="49" charset="0"/>
-              </a:rPr>
-              <a:t>)</a:t>
-            </a:r>
-            <a:endParaRPr lang="en-CA" sz="2400" b="0" dirty="0">
-              <a:solidFill>
-                <a:srgbClr val="000000"/>
-              </a:solidFill>
-              <a:effectLst/>
-              <a:latin typeface="Consolas" panose="020B0609020204030204" pitchFamily="49" charset="0"/>
-            </a:endParaRPr>
+              <a:rPr lang="en-CA" dirty="0"/>
+              <a:t>You might need to create JSON too!</a:t>
+            </a:r>
           </a:p>
         </p:txBody>
       </p:sp>
     </p:spTree>
     <p:extLst>
       <p:ext uri="{BB962C8B-B14F-4D97-AF65-F5344CB8AC3E}">
-        <p14:creationId xmlns:p14="http://schemas.microsoft.com/office/powerpoint/2010/main" val="2468433470"/>
+        <p14:creationId xmlns:p14="http://schemas.microsoft.com/office/powerpoint/2010/main" val="3706463106"/>
       </p:ext>
     </p:extLst>
   </p:cSld>
   <p:clrMapOvr>
     <a:masterClrMapping/>
   </p:clrMapOvr>
-  <mc:AlternateContent xmlns:mc="http://schemas.openxmlformats.org/markup-compatibility/2006" xmlns:p14="http://schemas.microsoft.com/office/powerpoint/2010/main">
-    <mc:Choice Requires="p14">
-      <p:transition p14:dur="0"/>
-    </mc:Choice>
-    <mc:Fallback xmlns="">
-      <p:transition/>
-    </mc:Fallback>
-  </mc:AlternateContent>
-  <p:timing>
-    <p:tnLst>
-      <p:par>
-        <p:cTn id="1" dur="indefinite" restart="never" nodeType="tmRoot">
-          <p:childTnLst>
-            <p:seq concurrent="1" nextAc="seek">
-              <p:cTn id="2" dur="indefinite" nodeType="mainSeq">
-                <p:childTnLst>
-                  <p:par>
-                    <p:cTn id="3" fill="hold">
-                      <p:stCondLst>
-                        <p:cond delay="indefinite"/>
-                      </p:stCondLst>
-                      <p:childTnLst>
-                        <p:par>
-                          <p:cTn id="4" fill="hold">
-                            <p:stCondLst>
-                              <p:cond delay="0"/>
-                            </p:stCondLst>
-                            <p:childTnLst>
-                              <p:par>
-                                <p:cTn id="5" presetID="1" presetClass="entr" presetSubtype="0" fill="hold" grpId="0" nodeType="clickEffect">
-                                  <p:stCondLst>
-                                    <p:cond delay="0"/>
-                                  </p:stCondLst>
-                                  <p:childTnLst>
-                                    <p:set>
-                                      <p:cBhvr>
-                                        <p:cTn id="6" dur="1" fill="hold">
-                                          <p:stCondLst>
-                                            <p:cond delay="0"/>
-                                          </p:stCondLst>
-                                        </p:cTn>
-                                        <p:tgtEl>
-                                          <p:spTgt spid="7"/>
-                                        </p:tgtEl>
-                                        <p:attrNameLst>
-                                          <p:attrName>style.visibility</p:attrName>
-                                        </p:attrNameLst>
-                                      </p:cBhvr>
-                                      <p:to>
-                                        <p:strVal val="visible"/>
-                                      </p:to>
-                                    </p:set>
-                                  </p:childTnLst>
-                                </p:cTn>
-                              </p:par>
-                            </p:childTnLst>
-                          </p:cTn>
-                        </p:par>
-                      </p:childTnLst>
-                    </p:cTn>
-                  </p:par>
-                </p:childTnLst>
-              </p:cTn>
-              <p:prevCondLst>
-                <p:cond evt="onPrev" delay="0">
-                  <p:tgtEl>
-                    <p:sldTgt/>
-                  </p:tgtEl>
-                </p:cond>
-              </p:prevCondLst>
-              <p:nextCondLst>
-                <p:cond evt="onNext" delay="0">
-                  <p:tgtEl>
-                    <p:sldTgt/>
-                  </p:tgtEl>
-                </p:cond>
-              </p:nextCondLst>
-            </p:seq>
-          </p:childTnLst>
-        </p:cTn>
-      </p:par>
-    </p:tnLst>
-    <p:bldLst>
-      <p:bldP spid="7" grpId="0" animBg="1"/>
-    </p:bldLst>
-  </p:timing>
+  <p:transition>
+    <p:fade/>
+  </p:transition>
 </p:sld>
 </file>
 
@@ -48915,38 +49176,23 @@
 </file>
 
 <file path=customXml/item1.xml><?xml version="1.0" encoding="utf-8"?>
-<Control xmlns="http://schemas.microsoft.com/VisualStudio/2011/storyboarding/control">
-  <Id Name="fb22c541-ded0-47fa-8877-83a4c2d16227" Revision="1" Stencil="7276b9ef-3953-4dce-a89b-ed85f20b8b93" StencilVersion="1.0"/>
-</Control>
+<?mso-contentType ?>
+<FormTemplates xmlns="http://schemas.microsoft.com/sharepoint/v3/contenttype/forms">
+  <Display>DocumentLibraryForm</Display>
+  <Edit>DocumentLibraryForm</Edit>
+  <New>DocumentLibraryForm</New>
+</FormTemplates>
 </file>
 
 <file path=customXml/item10.xml><?xml version="1.0" encoding="utf-8"?>
-<p:properties xmlns:p="http://schemas.microsoft.com/office/2006/metadata/properties" xmlns:xsi="http://www.w3.org/2001/XMLSchema-instance" xmlns:pc="http://schemas.microsoft.com/office/infopath/2007/PartnerControls">
-  <documentManagement>
-    <SharedWithUsers xmlns="83cd2334-221a-48c3-9034-bfd1542dfe28">
-      <UserInfo>
-        <DisplayName>Gilad Turbahn</DisplayName>
-        <AccountId>511</AccountId>
-        <AccountType/>
-      </UserInfo>
-      <UserInfo>
-        <DisplayName>Keith Boyd</DisplayName>
-        <AccountId>993</AccountId>
-        <AccountType/>
-      </UserInfo>
-      <UserInfo>
-        <DisplayName>Christopher Harrison</DisplayName>
-        <AccountId>1176</AccountId>
-        <AccountType/>
-      </UserInfo>
-    </SharedWithUsers>
-  </documentManagement>
-</p:properties>
+<Control xmlns="http://schemas.microsoft.com/VisualStudio/2011/storyboarding/control">
+  <Id Name="a2191c86-fc50-4add-948c-129f6b5a88d8" Revision="1" Stencil="7276b9ef-3953-4dce-a89b-ed85f20b8b93" StencilVersion="1.0"/>
+</Control>
 </file>
 
 <file path=customXml/item11.xml><?xml version="1.0" encoding="utf-8"?>
 <Control xmlns="http://schemas.microsoft.com/VisualStudio/2011/storyboarding/control">
-  <Id Name="d69996e1-3d61-4686-9b63-f1b855c596ab" Revision="1" Stencil="7276b9ef-3953-4dce-a89b-ed85f20b8b93" StencilVersion="1.0"/>
+  <Id Name="a53d73d2-368b-429e-b817-1324eec1382c" Revision="1" Stencil="7276b9ef-3953-4dce-a89b-ed85f20b8b93" StencilVersion="1.0"/>
 </Control>
 </file>
 
@@ -48975,12 +49221,9 @@
 </file>
 
 <file path=customXml/item13.xml><?xml version="1.0" encoding="utf-8"?>
-<?mso-contentType ?>
-<FormTemplates xmlns="http://schemas.microsoft.com/sharepoint/v3/contenttype/forms">
-  <Display>DocumentLibraryForm</Display>
-  <Edit>DocumentLibraryForm</Edit>
-  <New>DocumentLibraryForm</New>
-</FormTemplates>
+<Control xmlns="http://schemas.microsoft.com/VisualStudio/2011/storyboarding/control">
+  <Id Name="a2191c86-fc50-4add-948c-129f6b5a88d8" Revision="1" Stencil="7276b9ef-3953-4dce-a89b-ed85f20b8b93" StencilVersion="1.0"/>
+</Control>
 </file>
 
 <file path=customXml/item14.xml><?xml version="1.0" encoding="utf-8"?>
@@ -48990,15 +49233,21 @@
 </file>
 
 <file path=customXml/item15.xml><?xml version="1.0" encoding="utf-8"?>
-<Control xmlns="http://schemas.microsoft.com/VisualStudio/2011/storyboarding/control">
-  <Id Name="fb22c541-ded0-47fa-8877-83a4c2d16227" Revision="1" Stencil="7276b9ef-3953-4dce-a89b-ed85f20b8b93" StencilVersion="1.0"/>
-</Control>
+<?mso-contentType ?>
+<FormTemplates xmlns="http://schemas.microsoft.com/sharepoint/v3/contenttype/forms">
+  <Display>DocumentLibraryForm</Display>
+  <Edit>DocumentLibraryForm</Edit>
+  <New>DocumentLibraryForm</New>
+</FormTemplates>
 </file>
 
 <file path=customXml/item16.xml><?xml version="1.0" encoding="utf-8"?>
-<Control xmlns="http://schemas.microsoft.com/VisualStudio/2011/storyboarding/control">
-  <Id Name="a53d73d2-368b-429e-b817-1324eec1382c" Revision="1" Stencil="7276b9ef-3953-4dce-a89b-ed85f20b8b93" StencilVersion="1.0"/>
-</Control>
+<?mso-contentType ?>
+<FormTemplates xmlns="http://schemas.microsoft.com/sharepoint/v3/contenttype/forms">
+  <Display>DocumentLibraryForm</Display>
+  <Edit>DocumentLibraryForm</Edit>
+  <New>DocumentLibraryForm</New>
+</FormTemplates>
 </file>
 
 <file path=customXml/item17.xml><?xml version="1.0" encoding="utf-8"?>
@@ -49026,18 +49275,6 @@
 </file>
 
 <file path=customXml/item18.xml><?xml version="1.0" encoding="utf-8"?>
-<Control xmlns="http://schemas.microsoft.com/VisualStudio/2011/storyboarding/control">
-  <Id Name="d69996e1-3d61-4686-9b63-f1b855c596ab" Revision="1" Stencil="7276b9ef-3953-4dce-a89b-ed85f20b8b93" StencilVersion="1.0"/>
-</Control>
-</file>
-
-<file path=customXml/item19.xml><?xml version="1.0" encoding="utf-8"?>
-<Control xmlns="http://schemas.microsoft.com/VisualStudio/2011/storyboarding/control">
-  <Id Name="a2191c86-fc50-4add-948c-129f6b5a88d8" Revision="1" Stencil="7276b9ef-3953-4dce-a89b-ed85f20b8b93" StencilVersion="1.0"/>
-</Control>
-</file>
-
-<file path=customXml/item2.xml><?xml version="1.0" encoding="utf-8"?>
 <?mso-contentType ?>
 <FormTemplates xmlns="http://schemas.microsoft.com/sharepoint/v3/contenttype/forms">
   <Display>DocumentLibraryForm</Display>
@@ -49046,52 +49283,31 @@
 </FormTemplates>
 </file>
 
-<file path=customXml/item20.xml><?xml version="1.0" encoding="utf-8"?>
-<?mso-contentType ?>
-<FormTemplates xmlns="http://schemas.microsoft.com/sharepoint/v3/contenttype/forms">
-  <Display>DocumentLibraryForm</Display>
-  <Edit>DocumentLibraryForm</Edit>
-  <New>DocumentLibraryForm</New>
-</FormTemplates>
+<file path=customXml/item19.xml><?xml version="1.0" encoding="utf-8"?>
+<Control xmlns="http://schemas.microsoft.com/VisualStudio/2011/storyboarding/control">
+  <Id Name="369f9055-6b6c-48b9-9320-5df2d46c430a" Revision="1" Stencil="7276b9ef-3953-4dce-a89b-ed85f20b8b93" StencilVersion="1.0"/>
+</Control>
 </file>
 
-<file path=customXml/item21.xml><?xml version="1.0" encoding="utf-8"?>
+<file path=customXml/item2.xml><?xml version="1.0" encoding="utf-8"?>
+<Control xmlns="http://schemas.microsoft.com/VisualStudio/2011/storyboarding/control">
+  <Id Name="a53d73d2-368b-429e-b817-1324eec1382c" Revision="1" Stencil="7276b9ef-3953-4dce-a89b-ed85f20b8b93" StencilVersion="1.0"/>
+</Control>
+</file>
+
+<file path=customXml/item20.xml><?xml version="1.0" encoding="utf-8"?>
 <Control xmlns="http://schemas.microsoft.com/VisualStudio/2011/storyboarding/control">
   <Id Name="d69996e1-3d61-4686-9b63-f1b855c596ab" Revision="1" Stencil="7276b9ef-3953-4dce-a89b-ed85f20b8b93" StencilVersion="1.0"/>
 </Control>
 </file>
 
-<file path=customXml/item22.xml><?xml version="1.0" encoding="utf-8"?>
+<file path=customXml/item21.xml><?xml version="1.0" encoding="utf-8"?>
 <Control xmlns="http://schemas.microsoft.com/VisualStudio/2011/storyboarding/control">
-  <Id Name="d69996e1-3d61-4686-9b63-f1b855c596ab" Revision="1" Stencil="7276b9ef-3953-4dce-a89b-ed85f20b8b93" StencilVersion="1.0"/>
+  <Id Name="369f9055-6b6c-48b9-9320-5df2d46c430a" Revision="1" Stencil="7276b9ef-3953-4dce-a89b-ed85f20b8b93" StencilVersion="1.0"/>
 </Control>
 </file>
 
-<file path=customXml/item23.xml><?xml version="1.0" encoding="utf-8"?>
-<?mso-contentType ?>
-<FormTemplates xmlns="http://schemas.microsoft.com/sharepoint/v3/contenttype/forms">
-  <Display>DocumentLibraryForm</Display>
-  <Edit>DocumentLibraryForm</Edit>
-  <New>DocumentLibraryForm</New>
-</FormTemplates>
-</file>
-
-<file path=customXml/item24.xml><?xml version="1.0" encoding="utf-8"?>
-<Control xmlns="http://schemas.microsoft.com/VisualStudio/2011/storyboarding/control">
-  <Id Name="d69996e1-3d61-4686-9b63-f1b855c596ab" Revision="1" Stencil="7276b9ef-3953-4dce-a89b-ed85f20b8b93" StencilVersion="1.0"/>
-</Control>
-</file>
-
-<file path=customXml/item25.xml><?xml version="1.0" encoding="utf-8"?>
-<?mso-contentType ?>
-<FormTemplates xmlns="http://schemas.microsoft.com/sharepoint/v3/contenttype/forms">
-  <Display>DocumentLibraryForm</Display>
-  <Edit>DocumentLibraryForm</Edit>
-  <New>DocumentLibraryForm</New>
-</FormTemplates>
-</file>
-
-<file path=customXml/item26.xml><?xml version="1.0" encoding="utf-8"?>
+<file path=customXml/item22.xml><?xml version="1.0" encoding="utf-8"?>
 <p:properties xmlns:p="http://schemas.microsoft.com/office/2006/metadata/properties" xmlns:xsi="http://www.w3.org/2001/XMLSchema-instance" xmlns:pc="http://schemas.microsoft.com/office/infopath/2007/PartnerControls">
   <documentManagement>
     <SharedWithUsers xmlns="83cd2334-221a-48c3-9034-bfd1542dfe28">
@@ -49115,16 +49331,61 @@
 </p:properties>
 </file>
 
-<file path=customXml/item27.xml><?xml version="1.0" encoding="utf-8"?>
+<file path=customXml/item23.xml><?xml version="1.0" encoding="utf-8"?>
 <Control xmlns="http://schemas.microsoft.com/VisualStudio/2011/storyboarding/control">
   <Id Name="369f9055-6b6c-48b9-9320-5df2d46c430a" Revision="1" Stencil="7276b9ef-3953-4dce-a89b-ed85f20b8b93" StencilVersion="1.0"/>
 </Control>
 </file>
 
+<file path=customXml/item24.xml><?xml version="1.0" encoding="utf-8"?>
+<Control xmlns="http://schemas.microsoft.com/VisualStudio/2011/storyboarding/control">
+  <Id Name="a53d73d2-368b-429e-b817-1324eec1382c" Revision="1" Stencil="7276b9ef-3953-4dce-a89b-ed85f20b8b93" StencilVersion="1.0"/>
+</Control>
+</file>
+
+<file path=customXml/item25.xml><?xml version="1.0" encoding="utf-8"?>
+<Control xmlns="http://schemas.microsoft.com/VisualStudio/2011/storyboarding/control">
+  <Id Name="369f9055-6b6c-48b9-9320-5df2d46c430a" Revision="1" Stencil="7276b9ef-3953-4dce-a89b-ed85f20b8b93" StencilVersion="1.0"/>
+</Control>
+</file>
+
+<file path=customXml/item26.xml><?xml version="1.0" encoding="utf-8"?>
+<Control xmlns="http://schemas.microsoft.com/VisualStudio/2011/storyboarding/control">
+  <Id Name="d69996e1-3d61-4686-9b63-f1b855c596ab" Revision="1" Stencil="7276b9ef-3953-4dce-a89b-ed85f20b8b93" StencilVersion="1.0"/>
+</Control>
+</file>
+
+<file path=customXml/item27.xml><?xml version="1.0" encoding="utf-8"?>
+<?mso-contentType ?>
+<FormTemplates xmlns="http://schemas.microsoft.com/sharepoint/v3/contenttype/forms">
+  <Display>DocumentLibraryForm</Display>
+  <Edit>DocumentLibraryForm</Edit>
+  <New>DocumentLibraryForm</New>
+</FormTemplates>
+</file>
+
 <file path=customXml/item28.xml><?xml version="1.0" encoding="utf-8"?>
-<Control xmlns="http://schemas.microsoft.com/VisualStudio/2011/storyboarding/control">
-  <Id Name="a2191c86-fc50-4add-948c-129f6b5a88d8" Revision="1" Stencil="7276b9ef-3953-4dce-a89b-ed85f20b8b93" StencilVersion="1.0"/>
-</Control>
+<p:properties xmlns:p="http://schemas.microsoft.com/office/2006/metadata/properties" xmlns:xsi="http://www.w3.org/2001/XMLSchema-instance" xmlns:pc="http://schemas.microsoft.com/office/infopath/2007/PartnerControls">
+  <documentManagement>
+    <SharedWithUsers xmlns="83cd2334-221a-48c3-9034-bfd1542dfe28">
+      <UserInfo>
+        <DisplayName>Gilad Turbahn</DisplayName>
+        <AccountId>511</AccountId>
+        <AccountType/>
+      </UserInfo>
+      <UserInfo>
+        <DisplayName>Keith Boyd</DisplayName>
+        <AccountId>993</AccountId>
+        <AccountType/>
+      </UserInfo>
+      <UserInfo>
+        <DisplayName>Christopher Harrison</DisplayName>
+        <AccountId>1176</AccountId>
+        <AccountType/>
+      </UserInfo>
+    </SharedWithUsers>
+  </documentManagement>
+</p:properties>
 </file>
 
 <file path=customXml/item29.xml><?xml version="1.0" encoding="utf-8"?>
@@ -49170,12 +49431,6 @@
 </file>
 
 <file path=customXml/item31.xml><?xml version="1.0" encoding="utf-8"?>
-<Control xmlns="http://schemas.microsoft.com/VisualStudio/2011/storyboarding/control">
-  <Id Name="369f9055-6b6c-48b9-9320-5df2d46c430a" Revision="1" Stencil="7276b9ef-3953-4dce-a89b-ed85f20b8b93" StencilVersion="1.0"/>
-</Control>
-</file>
-
-<file path=customXml/item32.xml><?xml version="1.0" encoding="utf-8"?>
 <p:properties xmlns:p="http://schemas.microsoft.com/office/2006/metadata/properties" xmlns:xsi="http://www.w3.org/2001/XMLSchema-instance" xmlns:pc="http://schemas.microsoft.com/office/infopath/2007/PartnerControls">
   <documentManagement>
     <SharedWithUsers xmlns="83cd2334-221a-48c3-9034-bfd1542dfe28">
@@ -49199,6 +49454,15 @@
 </p:properties>
 </file>
 
+<file path=customXml/item32.xml><?xml version="1.0" encoding="utf-8"?>
+<?mso-contentType ?>
+<FormTemplates xmlns="http://schemas.microsoft.com/sharepoint/v3/contenttype/forms">
+  <Display>DocumentLibraryForm</Display>
+  <Edit>DocumentLibraryForm</Edit>
+  <New>DocumentLibraryForm</New>
+</FormTemplates>
+</file>
+
 <file path=customXml/item33.xml><?xml version="1.0" encoding="utf-8"?>
 <Control xmlns="http://schemas.microsoft.com/VisualStudio/2011/storyboarding/control">
   <Id Name="fb22c541-ded0-47fa-8877-83a4c2d16227" Revision="1" Stencil="7276b9ef-3953-4dce-a89b-ed85f20b8b93" StencilVersion="1.0"/>
@@ -49206,24 +49470,291 @@
 </file>
 
 <file path=customXml/item34.xml><?xml version="1.0" encoding="utf-8"?>
+<p:properties xmlns:p="http://schemas.microsoft.com/office/2006/metadata/properties" xmlns:xsi="http://www.w3.org/2001/XMLSchema-instance" xmlns:pc="http://schemas.microsoft.com/office/infopath/2007/PartnerControls">
+  <documentManagement>
+    <SharedWithUsers xmlns="83cd2334-221a-48c3-9034-bfd1542dfe28">
+      <UserInfo>
+        <DisplayName>Gilad Turbahn</DisplayName>
+        <AccountId>511</AccountId>
+        <AccountType/>
+      </UserInfo>
+      <UserInfo>
+        <DisplayName>Keith Boyd</DisplayName>
+        <AccountId>993</AccountId>
+        <AccountType/>
+      </UserInfo>
+      <UserInfo>
+        <DisplayName>Christopher Harrison</DisplayName>
+        <AccountId>1176</AccountId>
+        <AccountType/>
+      </UserInfo>
+    </SharedWithUsers>
+  </documentManagement>
+</p:properties>
+</file>
+
+<file path=customXml/item35.xml><?xml version="1.0" encoding="utf-8"?>
+<?mso-contentType ?>
+<FormTemplates xmlns="http://schemas.microsoft.com/sharepoint/v3/contenttype/forms">
+  <Display>DocumentLibraryForm</Display>
+  <Edit>DocumentLibraryForm</Edit>
+  <New>DocumentLibraryForm</New>
+</FormTemplates>
+</file>
+
+<file path=customXml/item36.xml><?xml version="1.0" encoding="utf-8"?>
+<?mso-contentType ?>
+<FormTemplates xmlns="http://schemas.microsoft.com/sharepoint/v3/contenttype/forms">
+  <Display>DocumentLibraryForm</Display>
+  <Edit>DocumentLibraryForm</Edit>
+  <New>DocumentLibraryForm</New>
+</FormTemplates>
+</file>
+
+<file path=customXml/item37.xml><?xml version="1.0" encoding="utf-8"?>
+<Control xmlns="http://schemas.microsoft.com/VisualStudio/2011/storyboarding/control">
+  <Id Name="a53d73d2-368b-429e-b817-1324eec1382c" Revision="1" Stencil="7276b9ef-3953-4dce-a89b-ed85f20b8b93" StencilVersion="1.0"/>
+</Control>
+</file>
+
+<file path=customXml/item38.xml><?xml version="1.0" encoding="utf-8"?>
+<?mso-contentType ?>
+<FormTemplates xmlns="http://schemas.microsoft.com/sharepoint/v3/contenttype/forms">
+  <Display>DocumentLibraryForm</Display>
+  <Edit>DocumentLibraryForm</Edit>
+  <New>DocumentLibraryForm</New>
+</FormTemplates>
+</file>
+
+<file path=customXml/item39.xml><?xml version="1.0" encoding="utf-8"?>
 <Control xmlns="http://schemas.microsoft.com/VisualStudio/2011/storyboarding/control">
   <Id Name="fb22c541-ded0-47fa-8877-83a4c2d16227" Revision="1" Stencil="7276b9ef-3953-4dce-a89b-ed85f20b8b93" StencilVersion="1.0"/>
 </Control>
 </file>
 
-<file path=customXml/item35.xml><?xml version="1.0" encoding="utf-8"?>
+<file path=customXml/item4.xml><?xml version="1.0" encoding="utf-8"?>
 <Control xmlns="http://schemas.microsoft.com/VisualStudio/2011/storyboarding/control">
-  <Id Name="369f9055-6b6c-48b9-9320-5df2d46c430a" Revision="1" Stencil="7276b9ef-3953-4dce-a89b-ed85f20b8b93" StencilVersion="1.0"/>
+  <Id Name="d69996e1-3d61-4686-9b63-f1b855c596ab" Revision="1" Stencil="7276b9ef-3953-4dce-a89b-ed85f20b8b93" StencilVersion="1.0"/>
 </Control>
 </file>
 
-<file path=customXml/item36.xml><?xml version="1.0" encoding="utf-8"?>
+<file path=customXml/item40.xml><?xml version="1.0" encoding="utf-8"?>
 <Control xmlns="http://schemas.microsoft.com/VisualStudio/2011/storyboarding/control">
   <Id Name="a2191c86-fc50-4add-948c-129f6b5a88d8" Revision="1" Stencil="7276b9ef-3953-4dce-a89b-ed85f20b8b93" StencilVersion="1.0"/>
 </Control>
 </file>
 
-<file path=customXml/item37.xml><?xml version="1.0" encoding="utf-8"?>
+<file path=customXml/item41.xml><?xml version="1.0" encoding="utf-8"?>
+<Control xmlns="http://schemas.microsoft.com/VisualStudio/2011/storyboarding/control">
+  <Id Name="fb22c541-ded0-47fa-8877-83a4c2d16227" Revision="1" Stencil="7276b9ef-3953-4dce-a89b-ed85f20b8b93" StencilVersion="1.0"/>
+</Control>
+</file>
+
+<file path=customXml/item42.xml><?xml version="1.0" encoding="utf-8"?>
+<?mso-contentType ?>
+<FormTemplates xmlns="http://schemas.microsoft.com/sharepoint/v3/contenttype/forms">
+  <Display>DocumentLibraryForm</Display>
+  <Edit>DocumentLibraryForm</Edit>
+  <New>DocumentLibraryForm</New>
+</FormTemplates>
+</file>
+
+<file path=customXml/item43.xml><?xml version="1.0" encoding="utf-8"?>
+<Control xmlns="http://schemas.microsoft.com/VisualStudio/2011/storyboarding/control">
+  <Id Name="a2191c86-fc50-4add-948c-129f6b5a88d8" Revision="1" Stencil="7276b9ef-3953-4dce-a89b-ed85f20b8b93" StencilVersion="1.0"/>
+</Control>
+</file>
+
+<file path=customXml/item44.xml><?xml version="1.0" encoding="utf-8"?>
+<Control xmlns="http://schemas.microsoft.com/VisualStudio/2011/storyboarding/control">
+  <Id Name="a2191c86-fc50-4add-948c-129f6b5a88d8" Revision="1" Stencil="7276b9ef-3953-4dce-a89b-ed85f20b8b93" StencilVersion="1.0"/>
+</Control>
+</file>
+
+<file path=customXml/item45.xml><?xml version="1.0" encoding="utf-8"?>
+<p:properties xmlns:p="http://schemas.microsoft.com/office/2006/metadata/properties" xmlns:xsi="http://www.w3.org/2001/XMLSchema-instance" xmlns:pc="http://schemas.microsoft.com/office/infopath/2007/PartnerControls">
+  <documentManagement>
+    <SharedWithUsers xmlns="83cd2334-221a-48c3-9034-bfd1542dfe28">
+      <UserInfo>
+        <DisplayName>Gilad Turbahn</DisplayName>
+        <AccountId>511</AccountId>
+        <AccountType/>
+      </UserInfo>
+      <UserInfo>
+        <DisplayName>Keith Boyd</DisplayName>
+        <AccountId>993</AccountId>
+        <AccountType/>
+      </UserInfo>
+      <UserInfo>
+        <DisplayName>Christopher Harrison</DisplayName>
+        <AccountId>1176</AccountId>
+        <AccountType/>
+      </UserInfo>
+    </SharedWithUsers>
+  </documentManagement>
+</p:properties>
+</file>
+
+<file path=customXml/item46.xml><?xml version="1.0" encoding="utf-8"?>
+<Control xmlns="http://schemas.microsoft.com/VisualStudio/2011/storyboarding/control">
+  <Id Name="fb22c541-ded0-47fa-8877-83a4c2d16227" Revision="1" Stencil="7276b9ef-3953-4dce-a89b-ed85f20b8b93" StencilVersion="1.0"/>
+</Control>
+</file>
+
+<file path=customXml/item47.xml><?xml version="1.0" encoding="utf-8"?>
+<?mso-contentType ?>
+<FormTemplates xmlns="http://schemas.microsoft.com/sharepoint/v3/contenttype/forms">
+  <Display>DocumentLibraryForm</Display>
+  <Edit>DocumentLibraryForm</Edit>
+  <New>DocumentLibraryForm</New>
+</FormTemplates>
+</file>
+
+<file path=customXml/item48.xml><?xml version="1.0" encoding="utf-8"?>
+<Control xmlns="http://schemas.microsoft.com/VisualStudio/2011/storyboarding/control">
+  <Id Name="d69996e1-3d61-4686-9b63-f1b855c596ab" Revision="1" Stencil="7276b9ef-3953-4dce-a89b-ed85f20b8b93" StencilVersion="1.0"/>
+</Control>
+</file>
+
+<file path=customXml/item49.xml><?xml version="1.0" encoding="utf-8"?>
+<p:properties xmlns:p="http://schemas.microsoft.com/office/2006/metadata/properties" xmlns:xsi="http://www.w3.org/2001/XMLSchema-instance" xmlns:pc="http://schemas.microsoft.com/office/infopath/2007/PartnerControls">
+  <documentManagement>
+    <SharedWithUsers xmlns="83cd2334-221a-48c3-9034-bfd1542dfe28">
+      <UserInfo>
+        <DisplayName>Gilad Turbahn</DisplayName>
+        <AccountId>511</AccountId>
+        <AccountType/>
+      </UserInfo>
+      <UserInfo>
+        <DisplayName>Keith Boyd</DisplayName>
+        <AccountId>993</AccountId>
+        <AccountType/>
+      </UserInfo>
+      <UserInfo>
+        <DisplayName>Christopher Harrison</DisplayName>
+        <AccountId>1176</AccountId>
+        <AccountType/>
+      </UserInfo>
+    </SharedWithUsers>
+  </documentManagement>
+</p:properties>
+</file>
+
+<file path=customXml/item5.xml><?xml version="1.0" encoding="utf-8"?>
+<Control xmlns="http://schemas.microsoft.com/VisualStudio/2011/storyboarding/control">
+  <Id Name="d69996e1-3d61-4686-9b63-f1b855c596ab" Revision="1" Stencil="7276b9ef-3953-4dce-a89b-ed85f20b8b93" StencilVersion="1.0"/>
+</Control>
+</file>
+
+<file path=customXml/item50.xml><?xml version="1.0" encoding="utf-8"?>
+<p:properties xmlns:p="http://schemas.microsoft.com/office/2006/metadata/properties" xmlns:xsi="http://www.w3.org/2001/XMLSchema-instance" xmlns:pc="http://schemas.microsoft.com/office/infopath/2007/PartnerControls">
+  <documentManagement>
+    <SharedWithUsers xmlns="83cd2334-221a-48c3-9034-bfd1542dfe28">
+      <UserInfo>
+        <DisplayName>Gilad Turbahn</DisplayName>
+        <AccountId>511</AccountId>
+        <AccountType/>
+      </UserInfo>
+      <UserInfo>
+        <DisplayName>Keith Boyd</DisplayName>
+        <AccountId>993</AccountId>
+        <AccountType/>
+      </UserInfo>
+      <UserInfo>
+        <DisplayName>Christopher Harrison</DisplayName>
+        <AccountId>1176</AccountId>
+        <AccountType/>
+      </UserInfo>
+    </SharedWithUsers>
+  </documentManagement>
+</p:properties>
+</file>
+
+<file path=customXml/item51.xml><?xml version="1.0" encoding="utf-8"?>
+<Control xmlns="http://schemas.microsoft.com/VisualStudio/2011/storyboarding/control">
+  <Id Name="d69996e1-3d61-4686-9b63-f1b855c596ab" Revision="1" Stencil="7276b9ef-3953-4dce-a89b-ed85f20b8b93" StencilVersion="1.0"/>
+</Control>
+</file>
+
+<file path=customXml/item52.xml><?xml version="1.0" encoding="utf-8"?>
+<Control xmlns="http://schemas.microsoft.com/VisualStudio/2011/storyboarding/control">
+  <Id Name="fb22c541-ded0-47fa-8877-83a4c2d16227" Revision="1" Stencil="7276b9ef-3953-4dce-a89b-ed85f20b8b93" StencilVersion="1.0"/>
+</Control>
+</file>
+
+<file path=customXml/item53.xml><?xml version="1.0" encoding="utf-8"?>
+<Control xmlns="http://schemas.microsoft.com/VisualStudio/2011/storyboarding/control">
+  <Id Name="a53d73d2-368b-429e-b817-1324eec1382c" Revision="1" Stencil="7276b9ef-3953-4dce-a89b-ed85f20b8b93" StencilVersion="1.0"/>
+</Control>
+</file>
+
+<file path=customXml/item54.xml><?xml version="1.0" encoding="utf-8"?>
+<Control xmlns="http://schemas.microsoft.com/VisualStudio/2011/storyboarding/control">
+  <Id Name="a53d73d2-368b-429e-b817-1324eec1382c" Revision="1" Stencil="7276b9ef-3953-4dce-a89b-ed85f20b8b93" StencilVersion="1.0"/>
+</Control>
+</file>
+
+<file path=customXml/item55.xml><?xml version="1.0" encoding="utf-8"?>
+<Control xmlns="http://schemas.microsoft.com/VisualStudio/2011/storyboarding/control">
+  <Id Name="a2191c86-fc50-4add-948c-129f6b5a88d8" Revision="1" Stencil="7276b9ef-3953-4dce-a89b-ed85f20b8b93" StencilVersion="1.0"/>
+</Control>
+</file>
+
+<file path=customXml/item56.xml><?xml version="1.0" encoding="utf-8"?>
+<p:properties xmlns:p="http://schemas.microsoft.com/office/2006/metadata/properties" xmlns:xsi="http://www.w3.org/2001/XMLSchema-instance" xmlns:pc="http://schemas.microsoft.com/office/infopath/2007/PartnerControls">
+  <documentManagement>
+    <SharedWithUsers xmlns="83cd2334-221a-48c3-9034-bfd1542dfe28">
+      <UserInfo>
+        <DisplayName>Gilad Turbahn</DisplayName>
+        <AccountId>511</AccountId>
+        <AccountType/>
+      </UserInfo>
+      <UserInfo>
+        <DisplayName>Keith Boyd</DisplayName>
+        <AccountId>993</AccountId>
+        <AccountType/>
+      </UserInfo>
+      <UserInfo>
+        <DisplayName>Christopher Harrison</DisplayName>
+        <AccountId>1176</AccountId>
+        <AccountType/>
+      </UserInfo>
+    </SharedWithUsers>
+  </documentManagement>
+</p:properties>
+</file>
+
+<file path=customXml/item57.xml><?xml version="1.0" encoding="utf-8"?>
+<Control xmlns="http://schemas.microsoft.com/VisualStudio/2011/storyboarding/control">
+  <Id Name="fb22c541-ded0-47fa-8877-83a4c2d16227" Revision="1" Stencil="7276b9ef-3953-4dce-a89b-ed85f20b8b93" StencilVersion="1.0"/>
+</Control>
+</file>
+
+<file path=customXml/item6.xml><?xml version="1.0" encoding="utf-8"?>
+<p:properties xmlns:p="http://schemas.microsoft.com/office/2006/metadata/properties" xmlns:xsi="http://www.w3.org/2001/XMLSchema-instance" xmlns:pc="http://schemas.microsoft.com/office/infopath/2007/PartnerControls">
+  <documentManagement>
+    <SharedWithUsers xmlns="83cd2334-221a-48c3-9034-bfd1542dfe28">
+      <UserInfo>
+        <DisplayName>Gilad Turbahn</DisplayName>
+        <AccountId>511</AccountId>
+        <AccountType/>
+      </UserInfo>
+      <UserInfo>
+        <DisplayName>Keith Boyd</DisplayName>
+        <AccountId>993</AccountId>
+        <AccountType/>
+      </UserInfo>
+      <UserInfo>
+        <DisplayName>Christopher Harrison</DisplayName>
+        <AccountId>1176</AccountId>
+        <AccountType/>
+      </UserInfo>
+    </SharedWithUsers>
+  </documentManagement>
+</p:properties>
+</file>
+
+<file path=customXml/item7.xml><?xml version="1.0" encoding="utf-8"?>
 <ct:contentTypeSchema xmlns:ct="http://schemas.microsoft.com/office/2006/metadata/contentType" xmlns:ma="http://schemas.microsoft.com/office/2006/metadata/properties/metaAttributes" ct:_="" ma:_="" ma:contentTypeName="Document" ma:contentTypeID="0x010100674EDBEC711BD14FBA6FF5C10FEFEAC7" ma:contentTypeVersion="2" ma:contentTypeDescription="Create a new document." ma:contentTypeScope="" ma:versionID="2439c5e21841780d4f192983b535a097">
   <xsd:schema xmlns:xsd="http://www.w3.org/2001/XMLSchema" xmlns:xs="http://www.w3.org/2001/XMLSchema" xmlns:p="http://schemas.microsoft.com/office/2006/metadata/properties" xmlns:ns2="83cd2334-221a-48c3-9034-bfd1542dfe28" targetNamespace="http://schemas.microsoft.com/office/2006/metadata/properties" ma:root="true" ma:fieldsID="2bca9163d8d0b233c3086236a9289b04" ns2:_="">
     <xsd:import namespace="83cd2334-221a-48c3-9034-bfd1542dfe28"/>
@@ -49371,7 +49902,13 @@
 </ct:contentTypeSchema>
 </file>
 
-<file path=customXml/item38.xml><?xml version="1.0" encoding="utf-8"?>
+<file path=customXml/item8.xml><?xml version="1.0" encoding="utf-8"?>
+<Control xmlns="http://schemas.microsoft.com/VisualStudio/2011/storyboarding/control">
+  <Id Name="369f9055-6b6c-48b9-9320-5df2d46c430a" Revision="1" Stencil="7276b9ef-3953-4dce-a89b-ed85f20b8b93" StencilVersion="1.0"/>
+</Control>
+</file>
+
+<file path=customXml/item9.xml><?xml version="1.0" encoding="utf-8"?>
 <p:properties xmlns:p="http://schemas.microsoft.com/office/2006/metadata/properties" xmlns:xsi="http://www.w3.org/2001/XMLSchema-instance" xmlns:pc="http://schemas.microsoft.com/office/infopath/2007/PartnerControls">
   <documentManagement>
     <SharedWithUsers xmlns="83cd2334-221a-48c3-9034-bfd1542dfe28">
@@ -49395,291 +49932,31 @@
 </p:properties>
 </file>
 
-<file path=customXml/item39.xml><?xml version="1.0" encoding="utf-8"?>
-<p:properties xmlns:p="http://schemas.microsoft.com/office/2006/metadata/properties" xmlns:xsi="http://www.w3.org/2001/XMLSchema-instance" xmlns:pc="http://schemas.microsoft.com/office/infopath/2007/PartnerControls">
-  <documentManagement>
-    <SharedWithUsers xmlns="83cd2334-221a-48c3-9034-bfd1542dfe28">
-      <UserInfo>
-        <DisplayName>Gilad Turbahn</DisplayName>
-        <AccountId>511</AccountId>
-        <AccountType/>
-      </UserInfo>
-      <UserInfo>
-        <DisplayName>Keith Boyd</DisplayName>
-        <AccountId>993</AccountId>
-        <AccountType/>
-      </UserInfo>
-      <UserInfo>
-        <DisplayName>Christopher Harrison</DisplayName>
-        <AccountId>1176</AccountId>
-        <AccountType/>
-      </UserInfo>
-    </SharedWithUsers>
-  </documentManagement>
-</p:properties>
+<file path=customXml/itemProps1.xml><?xml version="1.0" encoding="utf-8"?>
+<ds:datastoreItem xmlns:ds="http://schemas.openxmlformats.org/officeDocument/2006/customXml" ds:itemID="{0AFEAFFC-501F-4A71-8E0A-BCC3D721BFBC}">
+  <ds:schemaRefs>
+    <ds:schemaRef ds:uri="http://schemas.microsoft.com/sharepoint/v3/contenttype/forms"/>
+  </ds:schemaRefs>
+</ds:datastoreItem>
 </file>
 
-<file path=customXml/item4.xml><?xml version="1.0" encoding="utf-8"?>
-<p:properties xmlns:p="http://schemas.microsoft.com/office/2006/metadata/properties" xmlns:xsi="http://www.w3.org/2001/XMLSchema-instance" xmlns:pc="http://schemas.microsoft.com/office/infopath/2007/PartnerControls">
-  <documentManagement>
-    <SharedWithUsers xmlns="83cd2334-221a-48c3-9034-bfd1542dfe28">
-      <UserInfo>
-        <DisplayName>Gilad Turbahn</DisplayName>
-        <AccountId>511</AccountId>
-        <AccountType/>
-      </UserInfo>
-      <UserInfo>
-        <DisplayName>Keith Boyd</DisplayName>
-        <AccountId>993</AccountId>
-        <AccountType/>
-      </UserInfo>
-      <UserInfo>
-        <DisplayName>Christopher Harrison</DisplayName>
-        <AccountId>1176</AccountId>
-        <AccountType/>
-      </UserInfo>
-    </SharedWithUsers>
-  </documentManagement>
-</p:properties>
-</file>
-
-<file path=customXml/item40.xml><?xml version="1.0" encoding="utf-8"?>
-<Control xmlns="http://schemas.microsoft.com/VisualStudio/2011/storyboarding/control">
-  <Id Name="369f9055-6b6c-48b9-9320-5df2d46c430a" Revision="1" Stencil="7276b9ef-3953-4dce-a89b-ed85f20b8b93" StencilVersion="1.0"/>
-</Control>
-</file>
-
-<file path=customXml/item41.xml><?xml version="1.0" encoding="utf-8"?>
-<Control xmlns="http://schemas.microsoft.com/VisualStudio/2011/storyboarding/control">
-  <Id Name="a53d73d2-368b-429e-b817-1324eec1382c" Revision="1" Stencil="7276b9ef-3953-4dce-a89b-ed85f20b8b93" StencilVersion="1.0"/>
-</Control>
-</file>
-
-<file path=customXml/item42.xml><?xml version="1.0" encoding="utf-8"?>
-<Control xmlns="http://schemas.microsoft.com/VisualStudio/2011/storyboarding/control">
-  <Id Name="a53d73d2-368b-429e-b817-1324eec1382c" Revision="1" Stencil="7276b9ef-3953-4dce-a89b-ed85f20b8b93" StencilVersion="1.0"/>
-</Control>
-</file>
-
-<file path=customXml/item43.xml><?xml version="1.0" encoding="utf-8"?>
-<Control xmlns="http://schemas.microsoft.com/VisualStudio/2011/storyboarding/control">
-  <Id Name="a53d73d2-368b-429e-b817-1324eec1382c" Revision="1" Stencil="7276b9ef-3953-4dce-a89b-ed85f20b8b93" StencilVersion="1.0"/>
-</Control>
-</file>
-
-<file path=customXml/item44.xml><?xml version="1.0" encoding="utf-8"?>
-<?mso-contentType ?>
-<FormTemplates xmlns="http://schemas.microsoft.com/sharepoint/v3/contenttype/forms">
-  <Display>DocumentLibraryForm</Display>
-  <Edit>DocumentLibraryForm</Edit>
-  <New>DocumentLibraryForm</New>
-</FormTemplates>
-</file>
-
-<file path=customXml/item45.xml><?xml version="1.0" encoding="utf-8"?>
-<p:properties xmlns:p="http://schemas.microsoft.com/office/2006/metadata/properties" xmlns:xsi="http://www.w3.org/2001/XMLSchema-instance" xmlns:pc="http://schemas.microsoft.com/office/infopath/2007/PartnerControls">
-  <documentManagement>
-    <SharedWithUsers xmlns="83cd2334-221a-48c3-9034-bfd1542dfe28">
-      <UserInfo>
-        <DisplayName>Gilad Turbahn</DisplayName>
-        <AccountId>511</AccountId>
-        <AccountType/>
-      </UserInfo>
-      <UserInfo>
-        <DisplayName>Keith Boyd</DisplayName>
-        <AccountId>993</AccountId>
-        <AccountType/>
-      </UserInfo>
-      <UserInfo>
-        <DisplayName>Christopher Harrison</DisplayName>
-        <AccountId>1176</AccountId>
-        <AccountType/>
-      </UserInfo>
-    </SharedWithUsers>
-  </documentManagement>
-</p:properties>
-</file>
-
-<file path=customXml/item46.xml><?xml version="1.0" encoding="utf-8"?>
-<?mso-contentType ?>
-<FormTemplates xmlns="http://schemas.microsoft.com/sharepoint/v3/contenttype/forms">
-  <Display>DocumentLibraryForm</Display>
-  <Edit>DocumentLibraryForm</Edit>
-  <New>DocumentLibraryForm</New>
-</FormTemplates>
-</file>
-
-<file path=customXml/item47.xml><?xml version="1.0" encoding="utf-8"?>
-<Control xmlns="http://schemas.microsoft.com/VisualStudio/2011/storyboarding/control">
-  <Id Name="a53d73d2-368b-429e-b817-1324eec1382c" Revision="1" Stencil="7276b9ef-3953-4dce-a89b-ed85f20b8b93" StencilVersion="1.0"/>
-</Control>
-</file>
-
-<file path=customXml/item48.xml><?xml version="1.0" encoding="utf-8"?>
-<Control xmlns="http://schemas.microsoft.com/VisualStudio/2011/storyboarding/control">
-  <Id Name="369f9055-6b6c-48b9-9320-5df2d46c430a" Revision="1" Stencil="7276b9ef-3953-4dce-a89b-ed85f20b8b93" StencilVersion="1.0"/>
-</Control>
-</file>
-
-<file path=customXml/item49.xml><?xml version="1.0" encoding="utf-8"?>
-<p:properties xmlns:p="http://schemas.microsoft.com/office/2006/metadata/properties" xmlns:xsi="http://www.w3.org/2001/XMLSchema-instance" xmlns:pc="http://schemas.microsoft.com/office/infopath/2007/PartnerControls">
-  <documentManagement>
-    <SharedWithUsers xmlns="83cd2334-221a-48c3-9034-bfd1542dfe28">
-      <UserInfo>
-        <DisplayName>Gilad Turbahn</DisplayName>
-        <AccountId>511</AccountId>
-        <AccountType/>
-      </UserInfo>
-      <UserInfo>
-        <DisplayName>Keith Boyd</DisplayName>
-        <AccountId>993</AccountId>
-        <AccountType/>
-      </UserInfo>
-      <UserInfo>
-        <DisplayName>Christopher Harrison</DisplayName>
-        <AccountId>1176</AccountId>
-        <AccountType/>
-      </UserInfo>
-    </SharedWithUsers>
-  </documentManagement>
-</p:properties>
-</file>
-
-<file path=customXml/item5.xml><?xml version="1.0" encoding="utf-8"?>
-<Control xmlns="http://schemas.microsoft.com/VisualStudio/2011/storyboarding/control">
-  <Id Name="a53d73d2-368b-429e-b817-1324eec1382c" Revision="1" Stencil="7276b9ef-3953-4dce-a89b-ed85f20b8b93" StencilVersion="1.0"/>
-</Control>
-</file>
-
-<file path=customXml/item50.xml><?xml version="1.0" encoding="utf-8"?>
-<Control xmlns="http://schemas.microsoft.com/VisualStudio/2011/storyboarding/control">
-  <Id Name="a2191c86-fc50-4add-948c-129f6b5a88d8" Revision="1" Stencil="7276b9ef-3953-4dce-a89b-ed85f20b8b93" StencilVersion="1.0"/>
-</Control>
-</file>
-
-<file path=customXml/item51.xml><?xml version="1.0" encoding="utf-8"?>
-<p:properties xmlns:p="http://schemas.microsoft.com/office/2006/metadata/properties" xmlns:xsi="http://www.w3.org/2001/XMLSchema-instance" xmlns:pc="http://schemas.microsoft.com/office/infopath/2007/PartnerControls">
-  <documentManagement>
-    <SharedWithUsers xmlns="83cd2334-221a-48c3-9034-bfd1542dfe28">
-      <UserInfo>
-        <DisplayName>Gilad Turbahn</DisplayName>
-        <AccountId>511</AccountId>
-        <AccountType/>
-      </UserInfo>
-      <UserInfo>
-        <DisplayName>Keith Boyd</DisplayName>
-        <AccountId>993</AccountId>
-        <AccountType/>
-      </UserInfo>
-      <UserInfo>
-        <DisplayName>Christopher Harrison</DisplayName>
-        <AccountId>1176</AccountId>
-        <AccountType/>
-      </UserInfo>
-    </SharedWithUsers>
-  </documentManagement>
-</p:properties>
-</file>
-
-<file path=customXml/item52.xml><?xml version="1.0" encoding="utf-8"?>
-<?mso-contentType ?>
-<FormTemplates xmlns="http://schemas.microsoft.com/sharepoint/v3/contenttype/forms">
-  <Display>DocumentLibraryForm</Display>
-  <Edit>DocumentLibraryForm</Edit>
-  <New>DocumentLibraryForm</New>
-</FormTemplates>
-</file>
-
-<file path=customXml/item53.xml><?xml version="1.0" encoding="utf-8"?>
-<Control xmlns="http://schemas.microsoft.com/VisualStudio/2011/storyboarding/control">
-  <Id Name="a2191c86-fc50-4add-948c-129f6b5a88d8" Revision="1" Stencil="7276b9ef-3953-4dce-a89b-ed85f20b8b93" StencilVersion="1.0"/>
-</Control>
-</file>
-
-<file path=customXml/item54.xml><?xml version="1.0" encoding="utf-8"?>
-<?mso-contentType ?>
-<FormTemplates xmlns="http://schemas.microsoft.com/sharepoint/v3/contenttype/forms">
-  <Display>DocumentLibraryForm</Display>
-  <Edit>DocumentLibraryForm</Edit>
-  <New>DocumentLibraryForm</New>
-</FormTemplates>
-</file>
-
-<file path=customXml/item55.xml><?xml version="1.0" encoding="utf-8"?>
-<p:properties xmlns:p="http://schemas.microsoft.com/office/2006/metadata/properties" xmlns:xsi="http://www.w3.org/2001/XMLSchema-instance" xmlns:pc="http://schemas.microsoft.com/office/infopath/2007/PartnerControls">
-  <documentManagement>
-    <SharedWithUsers xmlns="83cd2334-221a-48c3-9034-bfd1542dfe28">
-      <UserInfo>
-        <DisplayName>Gilad Turbahn</DisplayName>
-        <AccountId>511</AccountId>
-        <AccountType/>
-      </UserInfo>
-      <UserInfo>
-        <DisplayName>Keith Boyd</DisplayName>
-        <AccountId>993</AccountId>
-        <AccountType/>
-      </UserInfo>
-      <UserInfo>
-        <DisplayName>Christopher Harrison</DisplayName>
-        <AccountId>1176</AccountId>
-        <AccountType/>
-      </UserInfo>
-    </SharedWithUsers>
-  </documentManagement>
-</p:properties>
-</file>
-
-<file path=customXml/item56.xml><?xml version="1.0" encoding="utf-8"?>
-<Control xmlns="http://schemas.microsoft.com/VisualStudio/2011/storyboarding/control">
-  <Id Name="d69996e1-3d61-4686-9b63-f1b855c596ab" Revision="1" Stencil="7276b9ef-3953-4dce-a89b-ed85f20b8b93" StencilVersion="1.0"/>
-</Control>
-</file>
-
-<file path=customXml/item57.xml><?xml version="1.0" encoding="utf-8"?>
-<Control xmlns="http://schemas.microsoft.com/VisualStudio/2011/storyboarding/control">
-  <Id Name="fb22c541-ded0-47fa-8877-83a4c2d16227" Revision="1" Stencil="7276b9ef-3953-4dce-a89b-ed85f20b8b93" StencilVersion="1.0"/>
-</Control>
-</file>
-
-<file path=customXml/item6.xml><?xml version="1.0" encoding="utf-8"?>
-<Control xmlns="http://schemas.microsoft.com/VisualStudio/2011/storyboarding/control">
-  <Id Name="a2191c86-fc50-4add-948c-129f6b5a88d8" Revision="1" Stencil="7276b9ef-3953-4dce-a89b-ed85f20b8b93" StencilVersion="1.0"/>
-</Control>
-</file>
-
-<file path=customXml/item7.xml><?xml version="1.0" encoding="utf-8"?>
-<Control xmlns="http://schemas.microsoft.com/VisualStudio/2011/storyboarding/control">
-  <Id Name="fb22c541-ded0-47fa-8877-83a4c2d16227" Revision="1" Stencil="7276b9ef-3953-4dce-a89b-ed85f20b8b93" StencilVersion="1.0"/>
-</Control>
-</file>
-
-<file path=customXml/item8.xml><?xml version="1.0" encoding="utf-8"?>
-<?mso-contentType ?>
-<FormTemplates xmlns="http://schemas.microsoft.com/sharepoint/v3/contenttype/forms">
-  <Display>DocumentLibraryForm</Display>
-  <Edit>DocumentLibraryForm</Edit>
-  <New>DocumentLibraryForm</New>
-</FormTemplates>
-</file>
-
-<file path=customXml/item9.xml><?xml version="1.0" encoding="utf-8"?>
-<?mso-contentType ?>
-<FormTemplates xmlns="http://schemas.microsoft.com/sharepoint/v3/contenttype/forms">
-  <Display>DocumentLibraryForm</Display>
-  <Edit>DocumentLibraryForm</Edit>
-  <New>DocumentLibraryForm</New>
-</FormTemplates>
-</file>
-
-<file path=customXml/itemProps1.xml><?xml version="1.0" encoding="utf-8"?>
-<ds:datastoreItem xmlns:ds="http://schemas.openxmlformats.org/officeDocument/2006/customXml" ds:itemID="{376216F9-AF6B-4844-AE8C-B9F953F916AB}">
+<file path=customXml/itemProps10.xml><?xml version="1.0" encoding="utf-8"?>
+<ds:datastoreItem xmlns:ds="http://schemas.openxmlformats.org/officeDocument/2006/customXml" ds:itemID="{4B16F4FE-7C26-4443-B426-81998D23ED87}">
   <ds:schemaRefs>
     <ds:schemaRef ds:uri="http://schemas.microsoft.com/VisualStudio/2011/storyboarding/control"/>
   </ds:schemaRefs>
 </ds:datastoreItem>
 </file>
 
-<file path=customXml/itemProps10.xml><?xml version="1.0" encoding="utf-8"?>
+<file path=customXml/itemProps11.xml><?xml version="1.0" encoding="utf-8"?>
+<ds:datastoreItem xmlns:ds="http://schemas.openxmlformats.org/officeDocument/2006/customXml" ds:itemID="{8893E80D-6D0C-4E0F-AA22-E5615BB87E5B}">
+  <ds:schemaRefs>
+    <ds:schemaRef ds:uri="http://schemas.microsoft.com/VisualStudio/2011/storyboarding/control"/>
+  </ds:schemaRefs>
+</ds:datastoreItem>
+</file>
+
+<file path=customXml/itemProps12.xml><?xml version="1.0" encoding="utf-8"?>
 <ds:datastoreItem xmlns:ds="http://schemas.openxmlformats.org/officeDocument/2006/customXml" ds:itemID="{6018CCD6-C254-44D3-91D5-EC4D81FDEBEC}">
   <ds:schemaRefs>
     <ds:schemaRef ds:uri="http://schemas.microsoft.com/office/2006/metadata/properties"/>
@@ -49689,15 +49966,165 @@
 </ds:datastoreItem>
 </file>
 
-<file path=customXml/itemProps11.xml><?xml version="1.0" encoding="utf-8"?>
-<ds:datastoreItem xmlns:ds="http://schemas.openxmlformats.org/officeDocument/2006/customXml" ds:itemID="{67213E6F-7B96-4222-888B-63710B06D885}">
+<file path=customXml/itemProps13.xml><?xml version="1.0" encoding="utf-8"?>
+<ds:datastoreItem xmlns:ds="http://schemas.openxmlformats.org/officeDocument/2006/customXml" ds:itemID="{0B54C583-7BAB-4080-8093-C5F84F5A225A}">
   <ds:schemaRefs>
     <ds:schemaRef ds:uri="http://schemas.microsoft.com/VisualStudio/2011/storyboarding/control"/>
   </ds:schemaRefs>
 </ds:datastoreItem>
 </file>
 
-<file path=customXml/itemProps12.xml><?xml version="1.0" encoding="utf-8"?>
+<file path=customXml/itemProps14.xml><?xml version="1.0" encoding="utf-8"?>
+<ds:datastoreItem xmlns:ds="http://schemas.openxmlformats.org/officeDocument/2006/customXml" ds:itemID="{82DB428A-B8F8-483F-8276-095629A8ECDB}">
+  <ds:schemaRefs>
+    <ds:schemaRef ds:uri="http://schemas.microsoft.com/VisualStudio/2011/storyboarding/control"/>
+  </ds:schemaRefs>
+</ds:datastoreItem>
+</file>
+
+<file path=customXml/itemProps15.xml><?xml version="1.0" encoding="utf-8"?>
+<ds:datastoreItem xmlns:ds="http://schemas.openxmlformats.org/officeDocument/2006/customXml" ds:itemID="{71AE1ABA-EE71-4D7C-AE19-D2A04FC317D0}">
+  <ds:schemaRefs>
+    <ds:schemaRef ds:uri="http://schemas.microsoft.com/sharepoint/v3/contenttype/forms"/>
+  </ds:schemaRefs>
+</ds:datastoreItem>
+</file>
+
+<file path=customXml/itemProps16.xml><?xml version="1.0" encoding="utf-8"?>
+<ds:datastoreItem xmlns:ds="http://schemas.openxmlformats.org/officeDocument/2006/customXml" ds:itemID="{1EF25EC2-965B-4491-9691-6B806C9E3B8B}">
+  <ds:schemaRefs>
+    <ds:schemaRef ds:uri="http://schemas.microsoft.com/sharepoint/v3/contenttype/forms"/>
+  </ds:schemaRefs>
+</ds:datastoreItem>
+</file>
+
+<file path=customXml/itemProps17.xml><?xml version="1.0" encoding="utf-8"?>
+<ds:datastoreItem xmlns:ds="http://schemas.openxmlformats.org/officeDocument/2006/customXml" ds:itemID="{E692D73E-1478-4790-BEEC-C5C534998F40}">
+  <ds:schemaRefs>
+    <ds:schemaRef ds:uri="http://schemas.microsoft.com/office/2006/metadata/properties"/>
+    <ds:schemaRef ds:uri="http://schemas.microsoft.com/office/infopath/2007/PartnerControls"/>
+    <ds:schemaRef ds:uri="83cd2334-221a-48c3-9034-bfd1542dfe28"/>
+  </ds:schemaRefs>
+</ds:datastoreItem>
+</file>
+
+<file path=customXml/itemProps18.xml><?xml version="1.0" encoding="utf-8"?>
+<ds:datastoreItem xmlns:ds="http://schemas.openxmlformats.org/officeDocument/2006/customXml" ds:itemID="{470353D1-3545-4BE2-A17C-548BF46AD9BC}">
+  <ds:schemaRefs>
+    <ds:schemaRef ds:uri="http://schemas.microsoft.com/sharepoint/v3/contenttype/forms"/>
+  </ds:schemaRefs>
+</ds:datastoreItem>
+</file>
+
+<file path=customXml/itemProps19.xml><?xml version="1.0" encoding="utf-8"?>
+<ds:datastoreItem xmlns:ds="http://schemas.openxmlformats.org/officeDocument/2006/customXml" ds:itemID="{FE651ABA-5DC1-4ABD-A06E-055AE54B337B}">
+  <ds:schemaRefs>
+    <ds:schemaRef ds:uri="http://schemas.microsoft.com/VisualStudio/2011/storyboarding/control"/>
+  </ds:schemaRefs>
+</ds:datastoreItem>
+</file>
+
+<file path=customXml/itemProps2.xml><?xml version="1.0" encoding="utf-8"?>
+<ds:datastoreItem xmlns:ds="http://schemas.openxmlformats.org/officeDocument/2006/customXml" ds:itemID="{6FB9D450-4C47-4A44-8C0D-C78D8A54C46F}">
+  <ds:schemaRefs>
+    <ds:schemaRef ds:uri="http://schemas.microsoft.com/VisualStudio/2011/storyboarding/control"/>
+  </ds:schemaRefs>
+</ds:datastoreItem>
+</file>
+
+<file path=customXml/itemProps20.xml><?xml version="1.0" encoding="utf-8"?>
+<ds:datastoreItem xmlns:ds="http://schemas.openxmlformats.org/officeDocument/2006/customXml" ds:itemID="{C63AC2F0-1DEB-4E91-A88A-7A014A172F4F}">
+  <ds:schemaRefs>
+    <ds:schemaRef ds:uri="http://schemas.microsoft.com/VisualStudio/2011/storyboarding/control"/>
+  </ds:schemaRefs>
+</ds:datastoreItem>
+</file>
+
+<file path=customXml/itemProps21.xml><?xml version="1.0" encoding="utf-8"?>
+<ds:datastoreItem xmlns:ds="http://schemas.openxmlformats.org/officeDocument/2006/customXml" ds:itemID="{38217AA1-CC95-49A9-B284-2ED4D347D7CA}">
+  <ds:schemaRefs>
+    <ds:schemaRef ds:uri="http://schemas.microsoft.com/VisualStudio/2011/storyboarding/control"/>
+  </ds:schemaRefs>
+</ds:datastoreItem>
+</file>
+
+<file path=customXml/itemProps22.xml><?xml version="1.0" encoding="utf-8"?>
+<ds:datastoreItem xmlns:ds="http://schemas.openxmlformats.org/officeDocument/2006/customXml" ds:itemID="{F990F116-B58F-4255-B05B-DA3808E0E5C6}">
+  <ds:schemaRefs>
+    <ds:schemaRef ds:uri="http://schemas.microsoft.com/office/2006/metadata/properties"/>
+    <ds:schemaRef ds:uri="http://schemas.microsoft.com/office/infopath/2007/PartnerControls"/>
+    <ds:schemaRef ds:uri="83cd2334-221a-48c3-9034-bfd1542dfe28"/>
+  </ds:schemaRefs>
+</ds:datastoreItem>
+</file>
+
+<file path=customXml/itemProps23.xml><?xml version="1.0" encoding="utf-8"?>
+<ds:datastoreItem xmlns:ds="http://schemas.openxmlformats.org/officeDocument/2006/customXml" ds:itemID="{7959CC6A-F423-4783-B968-3BCC86A7394E}">
+  <ds:schemaRefs>
+    <ds:schemaRef ds:uri="http://schemas.microsoft.com/VisualStudio/2011/storyboarding/control"/>
+  </ds:schemaRefs>
+</ds:datastoreItem>
+</file>
+
+<file path=customXml/itemProps24.xml><?xml version="1.0" encoding="utf-8"?>
+<ds:datastoreItem xmlns:ds="http://schemas.openxmlformats.org/officeDocument/2006/customXml" ds:itemID="{ED350DFE-2319-4AB0-BC96-1D36D125365A}">
+  <ds:schemaRefs>
+    <ds:schemaRef ds:uri="http://schemas.microsoft.com/VisualStudio/2011/storyboarding/control"/>
+  </ds:schemaRefs>
+</ds:datastoreItem>
+</file>
+
+<file path=customXml/itemProps25.xml><?xml version="1.0" encoding="utf-8"?>
+<ds:datastoreItem xmlns:ds="http://schemas.openxmlformats.org/officeDocument/2006/customXml" ds:itemID="{42D603BF-B513-4201-A599-21BA0F4FFC40}">
+  <ds:schemaRefs>
+    <ds:schemaRef ds:uri="http://schemas.microsoft.com/VisualStudio/2011/storyboarding/control"/>
+  </ds:schemaRefs>
+</ds:datastoreItem>
+</file>
+
+<file path=customXml/itemProps26.xml><?xml version="1.0" encoding="utf-8"?>
+<ds:datastoreItem xmlns:ds="http://schemas.openxmlformats.org/officeDocument/2006/customXml" ds:itemID="{366CA990-F93D-4100-9654-65D9E30F4E1C}">
+  <ds:schemaRefs>
+    <ds:schemaRef ds:uri="http://schemas.microsoft.com/VisualStudio/2011/storyboarding/control"/>
+  </ds:schemaRefs>
+</ds:datastoreItem>
+</file>
+
+<file path=customXml/itemProps27.xml><?xml version="1.0" encoding="utf-8"?>
+<ds:datastoreItem xmlns:ds="http://schemas.openxmlformats.org/officeDocument/2006/customXml" ds:itemID="{758FDAC0-319D-4A54-8D8E-1D42CB1F8004}">
+  <ds:schemaRefs>
+    <ds:schemaRef ds:uri="http://schemas.microsoft.com/sharepoint/v3/contenttype/forms"/>
+  </ds:schemaRefs>
+</ds:datastoreItem>
+</file>
+
+<file path=customXml/itemProps28.xml><?xml version="1.0" encoding="utf-8"?>
+<ds:datastoreItem xmlns:ds="http://schemas.openxmlformats.org/officeDocument/2006/customXml" ds:itemID="{B18102BA-C10B-41D1-8610-3D321D638DD2}">
+  <ds:schemaRefs>
+    <ds:schemaRef ds:uri="http://schemas.microsoft.com/office/2006/metadata/properties"/>
+    <ds:schemaRef ds:uri="http://schemas.microsoft.com/office/infopath/2007/PartnerControls"/>
+    <ds:schemaRef ds:uri="83cd2334-221a-48c3-9034-bfd1542dfe28"/>
+  </ds:schemaRefs>
+</ds:datastoreItem>
+</file>
+
+<file path=customXml/itemProps29.xml><?xml version="1.0" encoding="utf-8"?>
+<ds:datastoreItem xmlns:ds="http://schemas.openxmlformats.org/officeDocument/2006/customXml" ds:itemID="{9360AFB9-8F99-4E1B-878D-F2EBABEB164C}">
+  <ds:schemaRefs>
+    <ds:schemaRef ds:uri="http://schemas.microsoft.com/sharepoint/v3/contenttype/forms"/>
+  </ds:schemaRefs>
+</ds:datastoreItem>
+</file>
+
+<file path=customXml/itemProps3.xml><?xml version="1.0" encoding="utf-8"?>
+<ds:datastoreItem xmlns:ds="http://schemas.openxmlformats.org/officeDocument/2006/customXml" ds:itemID="{2FE0657F-3467-430A-8CBC-C10125456BF4}">
+  <ds:schemaRefs>
+    <ds:schemaRef ds:uri="http://schemas.microsoft.com/sharepoint/v3/contenttype/forms"/>
+  </ds:schemaRefs>
+</ds:datastoreItem>
+</file>
+
+<file path=customXml/itemProps30.xml><?xml version="1.0" encoding="utf-8"?>
 <ds:datastoreItem xmlns:ds="http://schemas.openxmlformats.org/officeDocument/2006/customXml" ds:itemID="{ECB83CA1-96BF-44F4-BD12-40C3FA24896A}">
   <ds:schemaRefs>
     <ds:schemaRef ds:uri="http://schemas.microsoft.com/office/2006/metadata/properties"/>
@@ -49707,39 +50134,7 @@
 </ds:datastoreItem>
 </file>
 
-<file path=customXml/itemProps13.xml><?xml version="1.0" encoding="utf-8"?>
-<ds:datastoreItem xmlns:ds="http://schemas.openxmlformats.org/officeDocument/2006/customXml" ds:itemID="{8CFA17AA-8D1D-41BA-81E2-B1C9B1D8F8E0}">
-  <ds:schemaRefs>
-    <ds:schemaRef ds:uri="http://schemas.microsoft.com/sharepoint/v3/contenttype/forms"/>
-  </ds:schemaRefs>
-</ds:datastoreItem>
-</file>
-
-<file path=customXml/itemProps14.xml><?xml version="1.0" encoding="utf-8"?>
-<ds:datastoreItem xmlns:ds="http://schemas.openxmlformats.org/officeDocument/2006/customXml" ds:itemID="{FE651ABA-5DC1-4ABD-A06E-055AE54B337B}">
-  <ds:schemaRefs>
-    <ds:schemaRef ds:uri="http://schemas.microsoft.com/VisualStudio/2011/storyboarding/control"/>
-  </ds:schemaRefs>
-</ds:datastoreItem>
-</file>
-
-<file path=customXml/itemProps15.xml><?xml version="1.0" encoding="utf-8"?>
-<ds:datastoreItem xmlns:ds="http://schemas.openxmlformats.org/officeDocument/2006/customXml" ds:itemID="{432851C6-BC05-4673-B853-6D08AB80CDC4}">
-  <ds:schemaRefs>
-    <ds:schemaRef ds:uri="http://schemas.microsoft.com/VisualStudio/2011/storyboarding/control"/>
-  </ds:schemaRefs>
-</ds:datastoreItem>
-</file>
-
-<file path=customXml/itemProps16.xml><?xml version="1.0" encoding="utf-8"?>
-<ds:datastoreItem xmlns:ds="http://schemas.openxmlformats.org/officeDocument/2006/customXml" ds:itemID="{6FB9D450-4C47-4A44-8C0D-C78D8A54C46F}">
-  <ds:schemaRefs>
-    <ds:schemaRef ds:uri="http://schemas.microsoft.com/VisualStudio/2011/storyboarding/control"/>
-  </ds:schemaRefs>
-</ds:datastoreItem>
-</file>
-
-<file path=customXml/itemProps17.xml><?xml version="1.0" encoding="utf-8"?>
+<file path=customXml/itemProps31.xml><?xml version="1.0" encoding="utf-8"?>
 <ds:datastoreItem xmlns:ds="http://schemas.openxmlformats.org/officeDocument/2006/customXml" ds:itemID="{17A7EC28-79CF-44E6-BA48-85916A7F29F5}">
   <ds:schemaRefs>
     <ds:schemaRef ds:uri="http://schemas.microsoft.com/office/2006/metadata/properties"/>
@@ -49749,144 +50144,10 @@
 </ds:datastoreItem>
 </file>
 
-<file path=customXml/itemProps18.xml><?xml version="1.0" encoding="utf-8"?>
-<ds:datastoreItem xmlns:ds="http://schemas.openxmlformats.org/officeDocument/2006/customXml" ds:itemID="{C0F92A87-A216-45A9-B9C0-0515663D35BF}">
-  <ds:schemaRefs>
-    <ds:schemaRef ds:uri="http://schemas.microsoft.com/VisualStudio/2011/storyboarding/control"/>
-  </ds:schemaRefs>
-</ds:datastoreItem>
-</file>
-
-<file path=customXml/itemProps19.xml><?xml version="1.0" encoding="utf-8"?>
-<ds:datastoreItem xmlns:ds="http://schemas.openxmlformats.org/officeDocument/2006/customXml" ds:itemID="{0B54C583-7BAB-4080-8093-C5F84F5A225A}">
-  <ds:schemaRefs>
-    <ds:schemaRef ds:uri="http://schemas.microsoft.com/VisualStudio/2011/storyboarding/control"/>
-  </ds:schemaRefs>
-</ds:datastoreItem>
-</file>
-
-<file path=customXml/itemProps2.xml><?xml version="1.0" encoding="utf-8"?>
-<ds:datastoreItem xmlns:ds="http://schemas.openxmlformats.org/officeDocument/2006/customXml" ds:itemID="{0AFEAFFC-501F-4A71-8E0A-BCC3D721BFBC}">
-  <ds:schemaRefs>
-    <ds:schemaRef ds:uri="http://schemas.microsoft.com/sharepoint/v3/contenttype/forms"/>
-  </ds:schemaRefs>
-</ds:datastoreItem>
-</file>
-
-<file path=customXml/itemProps20.xml><?xml version="1.0" encoding="utf-8"?>
-<ds:datastoreItem xmlns:ds="http://schemas.openxmlformats.org/officeDocument/2006/customXml" ds:itemID="{4378A4E9-AA60-4BA3-8067-B1CEFEF637CD}">
-  <ds:schemaRefs>
-    <ds:schemaRef ds:uri="http://schemas.microsoft.com/sharepoint/v3/contenttype/forms"/>
-  </ds:schemaRefs>
-</ds:datastoreItem>
-</file>
-
-<file path=customXml/itemProps21.xml><?xml version="1.0" encoding="utf-8"?>
-<ds:datastoreItem xmlns:ds="http://schemas.openxmlformats.org/officeDocument/2006/customXml" ds:itemID="{0282FB20-2D4C-459D-8468-77D1D3C6925D}">
-  <ds:schemaRefs>
-    <ds:schemaRef ds:uri="http://schemas.microsoft.com/VisualStudio/2011/storyboarding/control"/>
-  </ds:schemaRefs>
-</ds:datastoreItem>
-</file>
-
-<file path=customXml/itemProps22.xml><?xml version="1.0" encoding="utf-8"?>
-<ds:datastoreItem xmlns:ds="http://schemas.openxmlformats.org/officeDocument/2006/customXml" ds:itemID="{C63AC2F0-1DEB-4E91-A88A-7A014A172F4F}">
-  <ds:schemaRefs>
-    <ds:schemaRef ds:uri="http://schemas.microsoft.com/VisualStudio/2011/storyboarding/control"/>
-  </ds:schemaRefs>
-</ds:datastoreItem>
-</file>
-
-<file path=customXml/itemProps23.xml><?xml version="1.0" encoding="utf-8"?>
-<ds:datastoreItem xmlns:ds="http://schemas.openxmlformats.org/officeDocument/2006/customXml" ds:itemID="{2F30C844-8093-47D2-A9B2-B7BEE821CE68}">
-  <ds:schemaRefs>
-    <ds:schemaRef ds:uri="http://schemas.microsoft.com/sharepoint/v3/contenttype/forms"/>
-  </ds:schemaRefs>
-</ds:datastoreItem>
-</file>
-
-<file path=customXml/itemProps24.xml><?xml version="1.0" encoding="utf-8"?>
-<ds:datastoreItem xmlns:ds="http://schemas.openxmlformats.org/officeDocument/2006/customXml" ds:itemID="{3DC6CABD-46E1-4C27-A0B3-616DC56F8E5C}">
-  <ds:schemaRefs>
-    <ds:schemaRef ds:uri="http://schemas.microsoft.com/VisualStudio/2011/storyboarding/control"/>
-  </ds:schemaRefs>
-</ds:datastoreItem>
-</file>
-
-<file path=customXml/itemProps25.xml><?xml version="1.0" encoding="utf-8"?>
+<file path=customXml/itemProps32.xml><?xml version="1.0" encoding="utf-8"?>
 <ds:datastoreItem xmlns:ds="http://schemas.openxmlformats.org/officeDocument/2006/customXml" ds:itemID="{D9B2CC65-7352-4418-88DB-351C33D88613}">
   <ds:schemaRefs>
     <ds:schemaRef ds:uri="http://schemas.microsoft.com/sharepoint/v3/contenttype/forms"/>
-  </ds:schemaRefs>
-</ds:datastoreItem>
-</file>
-
-<file path=customXml/itemProps26.xml><?xml version="1.0" encoding="utf-8"?>
-<ds:datastoreItem xmlns:ds="http://schemas.openxmlformats.org/officeDocument/2006/customXml" ds:itemID="{C049BDDC-AD09-43FB-B97D-26B51C0635EE}">
-  <ds:schemaRefs>
-    <ds:schemaRef ds:uri="http://schemas.microsoft.com/office/2006/metadata/properties"/>
-    <ds:schemaRef ds:uri="http://schemas.microsoft.com/office/infopath/2007/PartnerControls"/>
-    <ds:schemaRef ds:uri="83cd2334-221a-48c3-9034-bfd1542dfe28"/>
-  </ds:schemaRefs>
-</ds:datastoreItem>
-</file>
-
-<file path=customXml/itemProps27.xml><?xml version="1.0" encoding="utf-8"?>
-<ds:datastoreItem xmlns:ds="http://schemas.openxmlformats.org/officeDocument/2006/customXml" ds:itemID="{38217AA1-CC95-49A9-B284-2ED4D347D7CA}">
-  <ds:schemaRefs>
-    <ds:schemaRef ds:uri="http://schemas.microsoft.com/VisualStudio/2011/storyboarding/control"/>
-  </ds:schemaRefs>
-</ds:datastoreItem>
-</file>
-
-<file path=customXml/itemProps28.xml><?xml version="1.0" encoding="utf-8"?>
-<ds:datastoreItem xmlns:ds="http://schemas.openxmlformats.org/officeDocument/2006/customXml" ds:itemID="{8BD595CA-AC5E-43B9-B966-E468A16E8322}">
-  <ds:schemaRefs>
-    <ds:schemaRef ds:uri="http://schemas.microsoft.com/VisualStudio/2011/storyboarding/control"/>
-  </ds:schemaRefs>
-</ds:datastoreItem>
-</file>
-
-<file path=customXml/itemProps29.xml><?xml version="1.0" encoding="utf-8"?>
-<ds:datastoreItem xmlns:ds="http://schemas.openxmlformats.org/officeDocument/2006/customXml" ds:itemID="{2FE0657F-3467-430A-8CBC-C10125456BF4}">
-  <ds:schemaRefs>
-    <ds:schemaRef ds:uri="http://schemas.microsoft.com/sharepoint/v3/contenttype/forms"/>
-  </ds:schemaRefs>
-</ds:datastoreItem>
-</file>
-
-<file path=customXml/itemProps3.xml><?xml version="1.0" encoding="utf-8"?>
-<ds:datastoreItem xmlns:ds="http://schemas.openxmlformats.org/officeDocument/2006/customXml" ds:itemID="{9360AFB9-8F99-4E1B-878D-F2EBABEB164C}">
-  <ds:schemaRefs>
-    <ds:schemaRef ds:uri="http://schemas.microsoft.com/sharepoint/v3/contenttype/forms"/>
-  </ds:schemaRefs>
-</ds:datastoreItem>
-</file>
-
-<file path=customXml/itemProps30.xml><?xml version="1.0" encoding="utf-8"?>
-<ds:datastoreItem xmlns:ds="http://schemas.openxmlformats.org/officeDocument/2006/customXml" ds:itemID="{F990F116-B58F-4255-B05B-DA3808E0E5C6}">
-  <ds:schemaRefs>
-    <ds:schemaRef ds:uri="http://schemas.microsoft.com/office/2006/metadata/properties"/>
-    <ds:schemaRef ds:uri="http://schemas.microsoft.com/office/infopath/2007/PartnerControls"/>
-    <ds:schemaRef ds:uri="83cd2334-221a-48c3-9034-bfd1542dfe28"/>
-  </ds:schemaRefs>
-</ds:datastoreItem>
-</file>
-
-<file path=customXml/itemProps31.xml><?xml version="1.0" encoding="utf-8"?>
-<ds:datastoreItem xmlns:ds="http://schemas.openxmlformats.org/officeDocument/2006/customXml" ds:itemID="{82DB428A-B8F8-483F-8276-095629A8ECDB}">
-  <ds:schemaRefs>
-    <ds:schemaRef ds:uri="http://schemas.microsoft.com/VisualStudio/2011/storyboarding/control"/>
-  </ds:schemaRefs>
-</ds:datastoreItem>
-</file>
-
-<file path=customXml/itemProps32.xml><?xml version="1.0" encoding="utf-8"?>
-<ds:datastoreItem xmlns:ds="http://schemas.openxmlformats.org/officeDocument/2006/customXml" ds:itemID="{473A6A21-7521-4B81-9336-9B587BA12275}">
-  <ds:schemaRefs>
-    <ds:schemaRef ds:uri="http://schemas.microsoft.com/office/2006/metadata/properties"/>
-    <ds:schemaRef ds:uri="http://schemas.microsoft.com/office/infopath/2007/PartnerControls"/>
-    <ds:schemaRef ds:uri="83cd2334-221a-48c3-9034-bfd1542dfe28"/>
   </ds:schemaRefs>
 </ds:datastoreItem>
 </file>
@@ -49900,6 +50161,174 @@
 </file>
 
 <file path=customXml/itemProps34.xml><?xml version="1.0" encoding="utf-8"?>
+<ds:datastoreItem xmlns:ds="http://schemas.openxmlformats.org/officeDocument/2006/customXml" ds:itemID="{E5517D1D-A0F7-4038-99B1-CB797994AD5E}">
+  <ds:schemaRefs>
+    <ds:schemaRef ds:uri="http://schemas.microsoft.com/office/2006/metadata/properties"/>
+    <ds:schemaRef ds:uri="http://schemas.microsoft.com/office/infopath/2007/PartnerControls"/>
+    <ds:schemaRef ds:uri="83cd2334-221a-48c3-9034-bfd1542dfe28"/>
+  </ds:schemaRefs>
+</ds:datastoreItem>
+</file>
+
+<file path=customXml/itemProps35.xml><?xml version="1.0" encoding="utf-8"?>
+<ds:datastoreItem xmlns:ds="http://schemas.openxmlformats.org/officeDocument/2006/customXml" ds:itemID="{8E7D1C6F-2F1C-4FF7-8E81-B00199180E81}">
+  <ds:schemaRefs>
+    <ds:schemaRef ds:uri="http://schemas.microsoft.com/sharepoint/v3/contenttype/forms"/>
+  </ds:schemaRefs>
+</ds:datastoreItem>
+</file>
+
+<file path=customXml/itemProps36.xml><?xml version="1.0" encoding="utf-8"?>
+<ds:datastoreItem xmlns:ds="http://schemas.openxmlformats.org/officeDocument/2006/customXml" ds:itemID="{4378A4E9-AA60-4BA3-8067-B1CEFEF637CD}">
+  <ds:schemaRefs>
+    <ds:schemaRef ds:uri="http://schemas.microsoft.com/sharepoint/v3/contenttype/forms"/>
+  </ds:schemaRefs>
+</ds:datastoreItem>
+</file>
+
+<file path=customXml/itemProps37.xml><?xml version="1.0" encoding="utf-8"?>
+<ds:datastoreItem xmlns:ds="http://schemas.openxmlformats.org/officeDocument/2006/customXml" ds:itemID="{21F6B647-976A-41D0-B760-9DF9DFC6AE3C}">
+  <ds:schemaRefs>
+    <ds:schemaRef ds:uri="http://schemas.microsoft.com/VisualStudio/2011/storyboarding/control"/>
+  </ds:schemaRefs>
+</ds:datastoreItem>
+</file>
+
+<file path=customXml/itemProps38.xml><?xml version="1.0" encoding="utf-8"?>
+<ds:datastoreItem xmlns:ds="http://schemas.openxmlformats.org/officeDocument/2006/customXml" ds:itemID="{EE8BC9EC-1D07-4DEF-A123-A09345AC6302}">
+  <ds:schemaRefs>
+    <ds:schemaRef ds:uri="http://schemas.microsoft.com/sharepoint/v3/contenttype/forms"/>
+  </ds:schemaRefs>
+</ds:datastoreItem>
+</file>
+
+<file path=customXml/itemProps39.xml><?xml version="1.0" encoding="utf-8"?>
+<ds:datastoreItem xmlns:ds="http://schemas.openxmlformats.org/officeDocument/2006/customXml" ds:itemID="{376216F9-AF6B-4844-AE8C-B9F953F916AB}">
+  <ds:schemaRefs>
+    <ds:schemaRef ds:uri="http://schemas.microsoft.com/VisualStudio/2011/storyboarding/control"/>
+  </ds:schemaRefs>
+</ds:datastoreItem>
+</file>
+
+<file path=customXml/itemProps4.xml><?xml version="1.0" encoding="utf-8"?>
+<ds:datastoreItem xmlns:ds="http://schemas.openxmlformats.org/officeDocument/2006/customXml" ds:itemID="{67213E6F-7B96-4222-888B-63710B06D885}">
+  <ds:schemaRefs>
+    <ds:schemaRef ds:uri="http://schemas.microsoft.com/VisualStudio/2011/storyboarding/control"/>
+  </ds:schemaRefs>
+</ds:datastoreItem>
+</file>
+
+<file path=customXml/itemProps40.xml><?xml version="1.0" encoding="utf-8"?>
+<ds:datastoreItem xmlns:ds="http://schemas.openxmlformats.org/officeDocument/2006/customXml" ds:itemID="{8257D6BC-B71E-4D95-81E4-A1D4A8174168}">
+  <ds:schemaRefs>
+    <ds:schemaRef ds:uri="http://schemas.microsoft.com/VisualStudio/2011/storyboarding/control"/>
+  </ds:schemaRefs>
+</ds:datastoreItem>
+</file>
+
+<file path=customXml/itemProps41.xml><?xml version="1.0" encoding="utf-8"?>
+<ds:datastoreItem xmlns:ds="http://schemas.openxmlformats.org/officeDocument/2006/customXml" ds:itemID="{432851C6-BC05-4673-B853-6D08AB80CDC4}">
+  <ds:schemaRefs>
+    <ds:schemaRef ds:uri="http://schemas.microsoft.com/VisualStudio/2011/storyboarding/control"/>
+  </ds:schemaRefs>
+</ds:datastoreItem>
+</file>
+
+<file path=customXml/itemProps42.xml><?xml version="1.0" encoding="utf-8"?>
+<ds:datastoreItem xmlns:ds="http://schemas.openxmlformats.org/officeDocument/2006/customXml" ds:itemID="{2F30C844-8093-47D2-A9B2-B7BEE821CE68}">
+  <ds:schemaRefs>
+    <ds:schemaRef ds:uri="http://schemas.microsoft.com/sharepoint/v3/contenttype/forms"/>
+  </ds:schemaRefs>
+</ds:datastoreItem>
+</file>
+
+<file path=customXml/itemProps43.xml><?xml version="1.0" encoding="utf-8"?>
+<ds:datastoreItem xmlns:ds="http://schemas.openxmlformats.org/officeDocument/2006/customXml" ds:itemID="{8BD595CA-AC5E-43B9-B966-E468A16E8322}">
+  <ds:schemaRefs>
+    <ds:schemaRef ds:uri="http://schemas.microsoft.com/VisualStudio/2011/storyboarding/control"/>
+  </ds:schemaRefs>
+</ds:datastoreItem>
+</file>
+
+<file path=customXml/itemProps44.xml><?xml version="1.0" encoding="utf-8"?>
+<ds:datastoreItem xmlns:ds="http://schemas.openxmlformats.org/officeDocument/2006/customXml" ds:itemID="{3C954CC5-1CAC-4EC3-9791-8630483065B9}">
+  <ds:schemaRefs>
+    <ds:schemaRef ds:uri="http://schemas.microsoft.com/VisualStudio/2011/storyboarding/control"/>
+  </ds:schemaRefs>
+</ds:datastoreItem>
+</file>
+
+<file path=customXml/itemProps45.xml><?xml version="1.0" encoding="utf-8"?>
+<ds:datastoreItem xmlns:ds="http://schemas.openxmlformats.org/officeDocument/2006/customXml" ds:itemID="{1B69B6B1-FB2A-4C02-95B6-C12A54DCD27B}">
+  <ds:schemaRefs>
+    <ds:schemaRef ds:uri="http://schemas.microsoft.com/office/2006/metadata/properties"/>
+    <ds:schemaRef ds:uri="http://schemas.microsoft.com/office/infopath/2007/PartnerControls"/>
+    <ds:schemaRef ds:uri="83cd2334-221a-48c3-9034-bfd1542dfe28"/>
+  </ds:schemaRefs>
+</ds:datastoreItem>
+</file>
+
+<file path=customXml/itemProps46.xml><?xml version="1.0" encoding="utf-8"?>
+<ds:datastoreItem xmlns:ds="http://schemas.openxmlformats.org/officeDocument/2006/customXml" ds:itemID="{4E8278DB-3CDD-48A7-992E-A7596AD335B9}">
+  <ds:schemaRefs>
+    <ds:schemaRef ds:uri="http://schemas.microsoft.com/VisualStudio/2011/storyboarding/control"/>
+  </ds:schemaRefs>
+</ds:datastoreItem>
+</file>
+
+<file path=customXml/itemProps47.xml><?xml version="1.0" encoding="utf-8"?>
+<ds:datastoreItem xmlns:ds="http://schemas.openxmlformats.org/officeDocument/2006/customXml" ds:itemID="{8CFA17AA-8D1D-41BA-81E2-B1C9B1D8F8E0}">
+  <ds:schemaRefs>
+    <ds:schemaRef ds:uri="http://schemas.microsoft.com/sharepoint/v3/contenttype/forms"/>
+  </ds:schemaRefs>
+</ds:datastoreItem>
+</file>
+
+<file path=customXml/itemProps48.xml><?xml version="1.0" encoding="utf-8"?>
+<ds:datastoreItem xmlns:ds="http://schemas.openxmlformats.org/officeDocument/2006/customXml" ds:itemID="{C0F92A87-A216-45A9-B9C0-0515663D35BF}">
+  <ds:schemaRefs>
+    <ds:schemaRef ds:uri="http://schemas.microsoft.com/VisualStudio/2011/storyboarding/control"/>
+  </ds:schemaRefs>
+</ds:datastoreItem>
+</file>
+
+<file path=customXml/itemProps49.xml><?xml version="1.0" encoding="utf-8"?>
+<ds:datastoreItem xmlns:ds="http://schemas.openxmlformats.org/officeDocument/2006/customXml" ds:itemID="{C049BDDC-AD09-43FB-B97D-26B51C0635EE}">
+  <ds:schemaRefs>
+    <ds:schemaRef ds:uri="http://schemas.microsoft.com/office/2006/metadata/properties"/>
+    <ds:schemaRef ds:uri="http://schemas.microsoft.com/office/infopath/2007/PartnerControls"/>
+    <ds:schemaRef ds:uri="83cd2334-221a-48c3-9034-bfd1542dfe28"/>
+  </ds:schemaRefs>
+</ds:datastoreItem>
+</file>
+
+<file path=customXml/itemProps5.xml><?xml version="1.0" encoding="utf-8"?>
+<ds:datastoreItem xmlns:ds="http://schemas.openxmlformats.org/officeDocument/2006/customXml" ds:itemID="{3DC6CABD-46E1-4C27-A0B3-616DC56F8E5C}">
+  <ds:schemaRefs>
+    <ds:schemaRef ds:uri="http://schemas.microsoft.com/VisualStudio/2011/storyboarding/control"/>
+  </ds:schemaRefs>
+</ds:datastoreItem>
+</file>
+
+<file path=customXml/itemProps50.xml><?xml version="1.0" encoding="utf-8"?>
+<ds:datastoreItem xmlns:ds="http://schemas.openxmlformats.org/officeDocument/2006/customXml" ds:itemID="{46A26515-AC12-45CE-B5C2-487B64D484BF}">
+  <ds:schemaRefs>
+    <ds:schemaRef ds:uri="http://schemas.microsoft.com/office/2006/metadata/properties"/>
+    <ds:schemaRef ds:uri="http://schemas.microsoft.com/office/infopath/2007/PartnerControls"/>
+    <ds:schemaRef ds:uri="83cd2334-221a-48c3-9034-bfd1542dfe28"/>
+  </ds:schemaRefs>
+</ds:datastoreItem>
+</file>
+
+<file path=customXml/itemProps51.xml><?xml version="1.0" encoding="utf-8"?>
+<ds:datastoreItem xmlns:ds="http://schemas.openxmlformats.org/officeDocument/2006/customXml" ds:itemID="{0282FB20-2D4C-459D-8468-77D1D3C6925D}">
+  <ds:schemaRefs>
+    <ds:schemaRef ds:uri="http://schemas.microsoft.com/VisualStudio/2011/storyboarding/control"/>
+  </ds:schemaRefs>
+</ds:datastoreItem>
+</file>
+
+<file path=customXml/itemProps52.xml><?xml version="1.0" encoding="utf-8"?>
 <ds:datastoreItem xmlns:ds="http://schemas.openxmlformats.org/officeDocument/2006/customXml" ds:itemID="{D6FEE829-2115-45B4-8110-670FD454542B}">
   <ds:schemaRefs>
     <ds:schemaRef ds:uri="http://schemas.microsoft.com/VisualStudio/2011/storyboarding/control"/>
@@ -49907,23 +50336,59 @@
 </ds:datastoreItem>
 </file>
 
-<file path=customXml/itemProps35.xml><?xml version="1.0" encoding="utf-8"?>
-<ds:datastoreItem xmlns:ds="http://schemas.openxmlformats.org/officeDocument/2006/customXml" ds:itemID="{7959CC6A-F423-4783-B968-3BCC86A7394E}">
+<file path=customXml/itemProps53.xml><?xml version="1.0" encoding="utf-8"?>
+<ds:datastoreItem xmlns:ds="http://schemas.openxmlformats.org/officeDocument/2006/customXml" ds:itemID="{4E805D65-1532-4BB0-8F41-8013167C0009}">
   <ds:schemaRefs>
     <ds:schemaRef ds:uri="http://schemas.microsoft.com/VisualStudio/2011/storyboarding/control"/>
   </ds:schemaRefs>
 </ds:datastoreItem>
 </file>
 
-<file path=customXml/itemProps36.xml><?xml version="1.0" encoding="utf-8"?>
-<ds:datastoreItem xmlns:ds="http://schemas.openxmlformats.org/officeDocument/2006/customXml" ds:itemID="{3C954CC5-1CAC-4EC3-9791-8630483065B9}">
+<file path=customXml/itemProps54.xml><?xml version="1.0" encoding="utf-8"?>
+<ds:datastoreItem xmlns:ds="http://schemas.openxmlformats.org/officeDocument/2006/customXml" ds:itemID="{F68D8396-E21C-4AFF-8FDD-70D00673D0EE}">
   <ds:schemaRefs>
     <ds:schemaRef ds:uri="http://schemas.microsoft.com/VisualStudio/2011/storyboarding/control"/>
   </ds:schemaRefs>
 </ds:datastoreItem>
 </file>
 
-<file path=customXml/itemProps37.xml><?xml version="1.0" encoding="utf-8"?>
+<file path=customXml/itemProps55.xml><?xml version="1.0" encoding="utf-8"?>
+<ds:datastoreItem xmlns:ds="http://schemas.openxmlformats.org/officeDocument/2006/customXml" ds:itemID="{D4B5F268-5930-44CD-BDF1-D0A04D4BBC1C}">
+  <ds:schemaRefs>
+    <ds:schemaRef ds:uri="http://schemas.microsoft.com/VisualStudio/2011/storyboarding/control"/>
+  </ds:schemaRefs>
+</ds:datastoreItem>
+</file>
+
+<file path=customXml/itemProps56.xml><?xml version="1.0" encoding="utf-8"?>
+<ds:datastoreItem xmlns:ds="http://schemas.openxmlformats.org/officeDocument/2006/customXml" ds:itemID="{CA892322-6599-4C5A-B402-BE6DBAED9B8E}">
+  <ds:schemaRefs>
+    <ds:schemaRef ds:uri="http://schemas.microsoft.com/office/2006/metadata/properties"/>
+    <ds:schemaRef ds:uri="http://schemas.microsoft.com/office/infopath/2007/PartnerControls"/>
+    <ds:schemaRef ds:uri="83cd2334-221a-48c3-9034-bfd1542dfe28"/>
+  </ds:schemaRefs>
+</ds:datastoreItem>
+</file>
+
+<file path=customXml/itemProps57.xml><?xml version="1.0" encoding="utf-8"?>
+<ds:datastoreItem xmlns:ds="http://schemas.openxmlformats.org/officeDocument/2006/customXml" ds:itemID="{4C1B3C27-4803-4D72-A3F8-6668A3F0A24B}">
+  <ds:schemaRefs>
+    <ds:schemaRef ds:uri="http://schemas.microsoft.com/VisualStudio/2011/storyboarding/control"/>
+  </ds:schemaRefs>
+</ds:datastoreItem>
+</file>
+
+<file path=customXml/itemProps6.xml><?xml version="1.0" encoding="utf-8"?>
+<ds:datastoreItem xmlns:ds="http://schemas.openxmlformats.org/officeDocument/2006/customXml" ds:itemID="{473A6A21-7521-4B81-9336-9B587BA12275}">
+  <ds:schemaRefs>
+    <ds:schemaRef ds:uri="http://schemas.microsoft.com/office/2006/metadata/properties"/>
+    <ds:schemaRef ds:uri="http://schemas.microsoft.com/office/infopath/2007/PartnerControls"/>
+    <ds:schemaRef ds:uri="83cd2334-221a-48c3-9034-bfd1542dfe28"/>
+  </ds:schemaRefs>
+</ds:datastoreItem>
+</file>
+
+<file path=customXml/itemProps7.xml><?xml version="1.0" encoding="utf-8"?>
 <ds:datastoreItem xmlns:ds="http://schemas.openxmlformats.org/officeDocument/2006/customXml" ds:itemID="{11F98F69-7518-4AE2-AE7B-E037DC9DDC97}">
   <ds:schemaRefs>
     <ds:schemaRef ds:uri="http://schemas.microsoft.com/office/2006/metadata/contentType"/>
@@ -49941,37 +50406,7 @@
 </ds:datastoreItem>
 </file>
 
-<file path=customXml/itemProps38.xml><?xml version="1.0" encoding="utf-8"?>
-<ds:datastoreItem xmlns:ds="http://schemas.openxmlformats.org/officeDocument/2006/customXml" ds:itemID="{E5517D1D-A0F7-4038-99B1-CB797994AD5E}">
-  <ds:schemaRefs>
-    <ds:schemaRef ds:uri="http://schemas.microsoft.com/office/2006/metadata/properties"/>
-    <ds:schemaRef ds:uri="http://schemas.microsoft.com/office/infopath/2007/PartnerControls"/>
-    <ds:schemaRef ds:uri="83cd2334-221a-48c3-9034-bfd1542dfe28"/>
-  </ds:schemaRefs>
-</ds:datastoreItem>
-</file>
-
-<file path=customXml/itemProps39.xml><?xml version="1.0" encoding="utf-8"?>
-<ds:datastoreItem xmlns:ds="http://schemas.openxmlformats.org/officeDocument/2006/customXml" ds:itemID="{46A26515-AC12-45CE-B5C2-487B64D484BF}">
-  <ds:schemaRefs>
-    <ds:schemaRef ds:uri="http://schemas.microsoft.com/office/2006/metadata/properties"/>
-    <ds:schemaRef ds:uri="http://schemas.microsoft.com/office/infopath/2007/PartnerControls"/>
-    <ds:schemaRef ds:uri="83cd2334-221a-48c3-9034-bfd1542dfe28"/>
-  </ds:schemaRefs>
-</ds:datastoreItem>
-</file>
-
-<file path=customXml/itemProps4.xml><?xml version="1.0" encoding="utf-8"?>
-<ds:datastoreItem xmlns:ds="http://schemas.openxmlformats.org/officeDocument/2006/customXml" ds:itemID="{E692D73E-1478-4790-BEEC-C5C534998F40}">
-  <ds:schemaRefs>
-    <ds:schemaRef ds:uri="http://schemas.microsoft.com/office/2006/metadata/properties"/>
-    <ds:schemaRef ds:uri="http://schemas.microsoft.com/office/infopath/2007/PartnerControls"/>
-    <ds:schemaRef ds:uri="83cd2334-221a-48c3-9034-bfd1542dfe28"/>
-  </ds:schemaRefs>
-</ds:datastoreItem>
-</file>
-
-<file path=customXml/itemProps40.xml><?xml version="1.0" encoding="utf-8"?>
+<file path=customXml/itemProps8.xml><?xml version="1.0" encoding="utf-8"?>
 <ds:datastoreItem xmlns:ds="http://schemas.openxmlformats.org/officeDocument/2006/customXml" ds:itemID="{08C4EE12-DF69-4FFC-9E40-C7991F3490A6}">
   <ds:schemaRefs>
     <ds:schemaRef ds:uri="http://schemas.microsoft.com/VisualStudio/2011/storyboarding/control"/>
@@ -49979,39 +50414,7 @@
 </ds:datastoreItem>
 </file>
 
-<file path=customXml/itemProps41.xml><?xml version="1.0" encoding="utf-8"?>
-<ds:datastoreItem xmlns:ds="http://schemas.openxmlformats.org/officeDocument/2006/customXml" ds:itemID="{21F6B647-976A-41D0-B760-9DF9DFC6AE3C}">
-  <ds:schemaRefs>
-    <ds:schemaRef ds:uri="http://schemas.microsoft.com/VisualStudio/2011/storyboarding/control"/>
-  </ds:schemaRefs>
-</ds:datastoreItem>
-</file>
-
-<file path=customXml/itemProps42.xml><?xml version="1.0" encoding="utf-8"?>
-<ds:datastoreItem xmlns:ds="http://schemas.openxmlformats.org/officeDocument/2006/customXml" ds:itemID="{4E805D65-1532-4BB0-8F41-8013167C0009}">
-  <ds:schemaRefs>
-    <ds:schemaRef ds:uri="http://schemas.microsoft.com/VisualStudio/2011/storyboarding/control"/>
-  </ds:schemaRefs>
-</ds:datastoreItem>
-</file>
-
-<file path=customXml/itemProps43.xml><?xml version="1.0" encoding="utf-8"?>
-<ds:datastoreItem xmlns:ds="http://schemas.openxmlformats.org/officeDocument/2006/customXml" ds:itemID="{ED350DFE-2319-4AB0-BC96-1D36D125365A}">
-  <ds:schemaRefs>
-    <ds:schemaRef ds:uri="http://schemas.microsoft.com/VisualStudio/2011/storyboarding/control"/>
-  </ds:schemaRefs>
-</ds:datastoreItem>
-</file>
-
-<file path=customXml/itemProps44.xml><?xml version="1.0" encoding="utf-8"?>
-<ds:datastoreItem xmlns:ds="http://schemas.openxmlformats.org/officeDocument/2006/customXml" ds:itemID="{71AE1ABA-EE71-4D7C-AE19-D2A04FC317D0}">
-  <ds:schemaRefs>
-    <ds:schemaRef ds:uri="http://schemas.microsoft.com/sharepoint/v3/contenttype/forms"/>
-  </ds:schemaRefs>
-</ds:datastoreItem>
-</file>
-
-<file path=customXml/itemProps45.xml><?xml version="1.0" encoding="utf-8"?>
+<file path=customXml/itemProps9.xml><?xml version="1.0" encoding="utf-8"?>
 <ds:datastoreItem xmlns:ds="http://schemas.openxmlformats.org/officeDocument/2006/customXml" ds:itemID="{1C76383C-FD09-474B-94B3-126FB1A7D094}">
   <ds:schemaRefs>
     <ds:schemaRef ds:uri="http://schemas.microsoft.com/office/2006/metadata/properties"/>
@@ -50019,146 +50422,4 @@
     <ds:schemaRef ds:uri="83cd2334-221a-48c3-9034-bfd1542dfe28"/>
   </ds:schemaRefs>
 </ds:datastoreItem>
-</file>
-
-<file path=customXml/itemProps46.xml><?xml version="1.0" encoding="utf-8"?>
-<ds:datastoreItem xmlns:ds="http://schemas.openxmlformats.org/officeDocument/2006/customXml" ds:itemID="{8E7D1C6F-2F1C-4FF7-8E81-B00199180E81}">
-  <ds:schemaRefs>
-    <ds:schemaRef ds:uri="http://schemas.microsoft.com/sharepoint/v3/contenttype/forms"/>
-  </ds:schemaRefs>
-</ds:datastoreItem>
-</file>
-
-<file path=customXml/itemProps47.xml><?xml version="1.0" encoding="utf-8"?>
-<ds:datastoreItem xmlns:ds="http://schemas.openxmlformats.org/officeDocument/2006/customXml" ds:itemID="{F68D8396-E21C-4AFF-8FDD-70D00673D0EE}">
-  <ds:schemaRefs>
-    <ds:schemaRef ds:uri="http://schemas.microsoft.com/VisualStudio/2011/storyboarding/control"/>
-  </ds:schemaRefs>
-</ds:datastoreItem>
-</file>
-
-<file path=customXml/itemProps48.xml><?xml version="1.0" encoding="utf-8"?>
-<ds:datastoreItem xmlns:ds="http://schemas.openxmlformats.org/officeDocument/2006/customXml" ds:itemID="{42D603BF-B513-4201-A599-21BA0F4FFC40}">
-  <ds:schemaRefs>
-    <ds:schemaRef ds:uri="http://schemas.microsoft.com/VisualStudio/2011/storyboarding/control"/>
-  </ds:schemaRefs>
-</ds:datastoreItem>
-</file>
-
-<file path=customXml/itemProps49.xml><?xml version="1.0" encoding="utf-8"?>
-<ds:datastoreItem xmlns:ds="http://schemas.openxmlformats.org/officeDocument/2006/customXml" ds:itemID="{1B69B6B1-FB2A-4C02-95B6-C12A54DCD27B}">
-  <ds:schemaRefs>
-    <ds:schemaRef ds:uri="http://schemas.microsoft.com/office/2006/metadata/properties"/>
-    <ds:schemaRef ds:uri="http://schemas.microsoft.com/office/infopath/2007/PartnerControls"/>
-    <ds:schemaRef ds:uri="83cd2334-221a-48c3-9034-bfd1542dfe28"/>
-  </ds:schemaRefs>
-</ds:datastoreItem>
-</file>
-
-<file path=customXml/itemProps5.xml><?xml version="1.0" encoding="utf-8"?>
-<ds:datastoreItem xmlns:ds="http://schemas.openxmlformats.org/officeDocument/2006/customXml" ds:itemID="{8893E80D-6D0C-4E0F-AA22-E5615BB87E5B}">
-  <ds:schemaRefs>
-    <ds:schemaRef ds:uri="http://schemas.microsoft.com/VisualStudio/2011/storyboarding/control"/>
-  </ds:schemaRefs>
-</ds:datastoreItem>
-</file>
-
-<file path=customXml/itemProps50.xml><?xml version="1.0" encoding="utf-8"?>
-<ds:datastoreItem xmlns:ds="http://schemas.openxmlformats.org/officeDocument/2006/customXml" ds:itemID="{D4B5F268-5930-44CD-BDF1-D0A04D4BBC1C}">
-  <ds:schemaRefs>
-    <ds:schemaRef ds:uri="http://schemas.microsoft.com/VisualStudio/2011/storyboarding/control"/>
-  </ds:schemaRefs>
-</ds:datastoreItem>
-</file>
-
-<file path=customXml/itemProps51.xml><?xml version="1.0" encoding="utf-8"?>
-<ds:datastoreItem xmlns:ds="http://schemas.openxmlformats.org/officeDocument/2006/customXml" ds:itemID="{B18102BA-C10B-41D1-8610-3D321D638DD2}">
-  <ds:schemaRefs>
-    <ds:schemaRef ds:uri="http://schemas.microsoft.com/office/2006/metadata/properties"/>
-    <ds:schemaRef ds:uri="http://schemas.microsoft.com/office/infopath/2007/PartnerControls"/>
-    <ds:schemaRef ds:uri="83cd2334-221a-48c3-9034-bfd1542dfe28"/>
-  </ds:schemaRefs>
-</ds:datastoreItem>
-</file>
-
-<file path=customXml/itemProps52.xml><?xml version="1.0" encoding="utf-8"?>
-<ds:datastoreItem xmlns:ds="http://schemas.openxmlformats.org/officeDocument/2006/customXml" ds:itemID="{1EF25EC2-965B-4491-9691-6B806C9E3B8B}">
-  <ds:schemaRefs>
-    <ds:schemaRef ds:uri="http://schemas.microsoft.com/sharepoint/v3/contenttype/forms"/>
-  </ds:schemaRefs>
-</ds:datastoreItem>
-</file>
-
-<file path=customXml/itemProps53.xml><?xml version="1.0" encoding="utf-8"?>
-<ds:datastoreItem xmlns:ds="http://schemas.openxmlformats.org/officeDocument/2006/customXml" ds:itemID="{4B16F4FE-7C26-4443-B426-81998D23ED87}">
-  <ds:schemaRefs>
-    <ds:schemaRef ds:uri="http://schemas.microsoft.com/VisualStudio/2011/storyboarding/control"/>
-  </ds:schemaRefs>
-</ds:datastoreItem>
-</file>
-
-<file path=customXml/itemProps54.xml><?xml version="1.0" encoding="utf-8"?>
-<ds:datastoreItem xmlns:ds="http://schemas.openxmlformats.org/officeDocument/2006/customXml" ds:itemID="{EE8BC9EC-1D07-4DEF-A123-A09345AC6302}">
-  <ds:schemaRefs>
-    <ds:schemaRef ds:uri="http://schemas.microsoft.com/sharepoint/v3/contenttype/forms"/>
-  </ds:schemaRefs>
-</ds:datastoreItem>
-</file>
-
-<file path=customXml/itemProps55.xml><?xml version="1.0" encoding="utf-8"?>
-<ds:datastoreItem xmlns:ds="http://schemas.openxmlformats.org/officeDocument/2006/customXml" ds:itemID="{CA892322-6599-4C5A-B402-BE6DBAED9B8E}">
-  <ds:schemaRefs>
-    <ds:schemaRef ds:uri="http://schemas.microsoft.com/office/2006/metadata/properties"/>
-    <ds:schemaRef ds:uri="http://schemas.microsoft.com/office/infopath/2007/PartnerControls"/>
-    <ds:schemaRef ds:uri="83cd2334-221a-48c3-9034-bfd1542dfe28"/>
-  </ds:schemaRefs>
-</ds:datastoreItem>
-</file>
-
-<file path=customXml/itemProps56.xml><?xml version="1.0" encoding="utf-8"?>
-<ds:datastoreItem xmlns:ds="http://schemas.openxmlformats.org/officeDocument/2006/customXml" ds:itemID="{366CA990-F93D-4100-9654-65D9E30F4E1C}">
-  <ds:schemaRefs>
-    <ds:schemaRef ds:uri="http://schemas.microsoft.com/VisualStudio/2011/storyboarding/control"/>
-  </ds:schemaRefs>
-</ds:datastoreItem>
-</file>
-
-<file path=customXml/itemProps57.xml><?xml version="1.0" encoding="utf-8"?>
-<ds:datastoreItem xmlns:ds="http://schemas.openxmlformats.org/officeDocument/2006/customXml" ds:itemID="{4E8278DB-3CDD-48A7-992E-A7596AD335B9}">
-  <ds:schemaRefs>
-    <ds:schemaRef ds:uri="http://schemas.microsoft.com/VisualStudio/2011/storyboarding/control"/>
-  </ds:schemaRefs>
-</ds:datastoreItem>
-</file>
-
-<file path=customXml/itemProps6.xml><?xml version="1.0" encoding="utf-8"?>
-<ds:datastoreItem xmlns:ds="http://schemas.openxmlformats.org/officeDocument/2006/customXml" ds:itemID="{8257D6BC-B71E-4D95-81E4-A1D4A8174168}">
-  <ds:schemaRefs>
-    <ds:schemaRef ds:uri="http://schemas.microsoft.com/VisualStudio/2011/storyboarding/control"/>
-  </ds:schemaRefs>
-</ds:datastoreItem>
-</file>
-
-<file path=customXml/itemProps7.xml><?xml version="1.0" encoding="utf-8"?>
-<ds:datastoreItem xmlns:ds="http://schemas.openxmlformats.org/officeDocument/2006/customXml" ds:itemID="{4C1B3C27-4803-4D72-A3F8-6668A3F0A24B}">
-  <ds:schemaRefs>
-    <ds:schemaRef ds:uri="http://schemas.microsoft.com/VisualStudio/2011/storyboarding/control"/>
-  </ds:schemaRefs>
-</ds:datastoreItem>
-</file>
-
-<file path=customXml/itemProps8.xml><?xml version="1.0" encoding="utf-8"?>
-<ds:datastoreItem xmlns:ds="http://schemas.openxmlformats.org/officeDocument/2006/customXml" ds:itemID="{758FDAC0-319D-4A54-8D8E-1D42CB1F8004}">
-  <ds:schemaRefs>
-    <ds:schemaRef ds:uri="http://schemas.microsoft.com/sharepoint/v3/contenttype/forms"/>
-  </ds:schemaRefs>
-</ds:datastoreItem>
-</file>
-
-<file path=customXml/itemProps9.xml><?xml version="1.0" encoding="utf-8"?>
-<ds:datastoreItem xmlns:ds="http://schemas.openxmlformats.org/officeDocument/2006/customXml" ds:itemID="{470353D1-3545-4BE2-A17C-548BF46AD9BC}">
-  <ds:schemaRefs>
-    <ds:schemaRef ds:uri="http://schemas.microsoft.com/sharepoint/v3/contenttype/forms"/>
-  </ds:schemaRefs>
-</ds:datastoreItem>
 </file>